--- a/Project_Presentation.pptx
+++ b/Project_Presentation.pptx
@@ -5,7 +5,7 @@
     <p:sldMasterId id="2147483648" r:id="rId1"/>
   </p:sldMasterIdLst>
   <p:notesMasterIdLst>
-    <p:notesMasterId r:id="rId13"/>
+    <p:notesMasterId r:id="rId15"/>
   </p:notesMasterIdLst>
   <p:sldIdLst>
     <p:sldId id="257" r:id="rId2"/>
@@ -15,10 +15,12 @@
     <p:sldId id="261" r:id="rId6"/>
     <p:sldId id="262" r:id="rId7"/>
     <p:sldId id="263" r:id="rId8"/>
-    <p:sldId id="264" r:id="rId9"/>
-    <p:sldId id="265" r:id="rId10"/>
-    <p:sldId id="266" r:id="rId11"/>
-    <p:sldId id="267" r:id="rId12"/>
+    <p:sldId id="268" r:id="rId9"/>
+    <p:sldId id="264" r:id="rId10"/>
+    <p:sldId id="265" r:id="rId11"/>
+    <p:sldId id="269" r:id="rId12"/>
+    <p:sldId id="266" r:id="rId13"/>
+    <p:sldId id="267" r:id="rId14"/>
   </p:sldIdLst>
   <p:sldSz cx="12192000" cy="6858000"/>
   <p:notesSz cx="6858000" cy="9144000"/>
@@ -207,7 +209,7 @@
           <a:p>
             <a:fld id="{DB8B6F42-5E7C-7042-82B6-6A8AD7FD7241}" type="datetimeFigureOut">
               <a:rPr kumimoji="1" lang="zh-CN" altLang="en-US" smtClean="0"/>
-              <a:t>2024/11/22</a:t>
+              <a:t>2024/11/27</a:t>
             </a:fld>
             <a:endParaRPr kumimoji="1" lang="zh-CN" altLang="en-US"/>
           </a:p>
@@ -3989,7 +3991,7 @@
         <p:cNvPr id="1" name="">
           <a:extLst>
             <a:ext uri="{FF2B5EF4-FFF2-40B4-BE49-F238E27FC236}">
-              <a16:creationId xmlns:a16="http://schemas.microsoft.com/office/drawing/2014/main" id="{39B7D4E4-DDE1-56ED-DBA8-0F3AD1A2068F}"/>
+              <a16:creationId xmlns:a16="http://schemas.microsoft.com/office/drawing/2014/main" id="{96142C04-0F10-5AE9-9664-0E568D6E2B27}"/>
             </a:ext>
           </a:extLst>
         </p:cNvPr>
@@ -4009,7 +4011,7 @@
           <p:cNvPr id="5" name="Rectangle 2">
             <a:extLst>
               <a:ext uri="{FF2B5EF4-FFF2-40B4-BE49-F238E27FC236}">
-                <a16:creationId xmlns:a16="http://schemas.microsoft.com/office/drawing/2014/main" id="{D62B028A-A1D3-8395-3AD3-9C144E848672}"/>
+                <a16:creationId xmlns:a16="http://schemas.microsoft.com/office/drawing/2014/main" id="{B29ADD36-2B04-BB37-F393-233D3BA2CC52}"/>
               </a:ext>
             </a:extLst>
           </p:cNvPr>
@@ -4091,12 +4093,695 @@
                 <a:latin typeface="Microsoft YaHei" panose="020B0503020204020204" pitchFamily="34" charset="-122"/>
                 <a:ea typeface="Microsoft YaHei" panose="020B0503020204020204" pitchFamily="34" charset="-122"/>
               </a:rPr>
-              <a:t>Reference</a:t>
+              <a:t>Conclusion</a:t>
             </a:r>
             <a:endParaRPr lang="zh-TW" altLang="en-US" sz="3500" b="1" dirty="0">
               <a:latin typeface="Microsoft YaHei" panose="020B0503020204020204" pitchFamily="34" charset="-122"/>
               <a:ea typeface="Microsoft YaHei" panose="020B0503020204020204" pitchFamily="34" charset="-122"/>
             </a:endParaRPr>
+          </a:p>
+        </p:txBody>
+      </p:sp>
+      <p:sp>
+        <p:nvSpPr>
+          <p:cNvPr id="2" name="文本框 1">
+            <a:extLst>
+              <a:ext uri="{FF2B5EF4-FFF2-40B4-BE49-F238E27FC236}">
+                <a16:creationId xmlns:a16="http://schemas.microsoft.com/office/drawing/2014/main" id="{8E7103FC-2E4B-4308-8118-3FC4E9682711}"/>
+              </a:ext>
+            </a:extLst>
+          </p:cNvPr>
+          <p:cNvSpPr txBox="1"/>
+          <p:nvPr/>
+        </p:nvSpPr>
+        <p:spPr>
+          <a:xfrm>
+            <a:off x="237184" y="1177044"/>
+            <a:ext cx="1395254" cy="523220"/>
+          </a:xfrm>
+          <a:prstGeom prst="rect">
+            <a:avLst/>
+          </a:prstGeom>
+          <a:noFill/>
+        </p:spPr>
+        <p:txBody>
+          <a:bodyPr wrap="none" rtlCol="0">
+            <a:spAutoFit/>
+          </a:bodyPr>
+          <a:lstStyle/>
+          <a:p>
+            <a:r>
+              <a:rPr kumimoji="1" lang="en-US" altLang="zh-CN" sz="2800" dirty="0">
+                <a:latin typeface="Microsoft YaHei" panose="020B0503020204020204" pitchFamily="34" charset="-122"/>
+                <a:ea typeface="Microsoft YaHei" panose="020B0503020204020204" pitchFamily="34" charset="-122"/>
+              </a:rPr>
+              <a:t>Results</a:t>
+            </a:r>
+          </a:p>
+        </p:txBody>
+      </p:sp>
+      <p:sp>
+        <p:nvSpPr>
+          <p:cNvPr id="3" name="文本框 2">
+            <a:extLst>
+              <a:ext uri="{FF2B5EF4-FFF2-40B4-BE49-F238E27FC236}">
+                <a16:creationId xmlns:a16="http://schemas.microsoft.com/office/drawing/2014/main" id="{6D670087-0CD8-679D-5039-DBE95667534D}"/>
+              </a:ext>
+            </a:extLst>
+          </p:cNvPr>
+          <p:cNvSpPr txBox="1"/>
+          <p:nvPr/>
+        </p:nvSpPr>
+        <p:spPr>
+          <a:xfrm>
+            <a:off x="11453446" y="6460047"/>
+            <a:ext cx="738554" cy="369332"/>
+          </a:xfrm>
+          <a:prstGeom prst="rect">
+            <a:avLst/>
+          </a:prstGeom>
+          <a:noFill/>
+        </p:spPr>
+        <p:txBody>
+          <a:bodyPr wrap="square" rtlCol="0">
+            <a:spAutoFit/>
+          </a:bodyPr>
+          <a:lstStyle/>
+          <a:p>
+            <a:r>
+              <a:rPr kumimoji="1" lang="en-US" altLang="zh-CN" dirty="0"/>
+              <a:t>10</a:t>
+            </a:r>
+            <a:endParaRPr kumimoji="1" lang="zh-CN" altLang="en-US" dirty="0"/>
+          </a:p>
+        </p:txBody>
+      </p:sp>
+    </p:spTree>
+    <p:extLst>
+      <p:ext uri="{BB962C8B-B14F-4D97-AF65-F5344CB8AC3E}">
+        <p14:creationId xmlns:p14="http://schemas.microsoft.com/office/powerpoint/2010/main" val="847225357"/>
+      </p:ext>
+    </p:extLst>
+  </p:cSld>
+  <p:clrMapOvr>
+    <a:masterClrMapping/>
+  </p:clrMapOvr>
+</p:sld>
+</file>
+
+<file path=ppt/slides/slide11.xml><?xml version="1.0" encoding="utf-8"?>
+<p:sld xmlns:a="http://schemas.openxmlformats.org/drawingml/2006/main" xmlns:r="http://schemas.openxmlformats.org/officeDocument/2006/relationships" xmlns:p="http://schemas.openxmlformats.org/presentationml/2006/main">
+  <p:cSld>
+    <p:spTree>
+      <p:nvGrpSpPr>
+        <p:cNvPr id="1" name="">
+          <a:extLst>
+            <a:ext uri="{FF2B5EF4-FFF2-40B4-BE49-F238E27FC236}">
+              <a16:creationId xmlns:a16="http://schemas.microsoft.com/office/drawing/2014/main" id="{6E48ECAA-65BC-B239-37C4-FA9B6231F3A2}"/>
+            </a:ext>
+          </a:extLst>
+        </p:cNvPr>
+        <p:cNvGrpSpPr/>
+        <p:nvPr/>
+      </p:nvGrpSpPr>
+      <p:grpSpPr>
+        <a:xfrm>
+          <a:off x="0" y="0"/>
+          <a:ext cx="0" cy="0"/>
+          <a:chOff x="0" y="0"/>
+          <a:chExt cx="0" cy="0"/>
+        </a:xfrm>
+      </p:grpSpPr>
+      <p:sp>
+        <p:nvSpPr>
+          <p:cNvPr id="5" name="Rectangle 2">
+            <a:extLst>
+              <a:ext uri="{FF2B5EF4-FFF2-40B4-BE49-F238E27FC236}">
+                <a16:creationId xmlns:a16="http://schemas.microsoft.com/office/drawing/2014/main" id="{1BBCD307-3709-0CAB-B599-6FDB78A68196}"/>
+              </a:ext>
+            </a:extLst>
+          </p:cNvPr>
+          <p:cNvSpPr txBox="1">
+            <a:spLocks noChangeArrowheads="1"/>
+          </p:cNvSpPr>
+          <p:nvPr/>
+        </p:nvSpPr>
+        <p:spPr bwMode="auto">
+          <a:xfrm>
+            <a:off x="237184" y="-1"/>
+            <a:ext cx="11954816" cy="1177045"/>
+          </a:xfrm>
+          <a:prstGeom prst="rect">
+            <a:avLst/>
+          </a:prstGeom>
+          <a:noFill/>
+          <a:ln>
+            <a:noFill/>
+          </a:ln>
+          <a:effectLst/>
+          <a:extLst>
+            <a:ext uri="{909E8E84-426E-40DD-AFC4-6F175D3DCCD1}">
+              <a14:hiddenFill xmlns:a14="http://schemas.microsoft.com/office/drawing/2010/main">
+                <a:solidFill>
+                  <a:schemeClr val="accent1"/>
+                </a:solidFill>
+              </a14:hiddenFill>
+            </a:ext>
+            <a:ext uri="{91240B29-F687-4F45-9708-019B960494DF}">
+              <a14:hiddenLine xmlns:a14="http://schemas.microsoft.com/office/drawing/2010/main" w="9525">
+                <a:solidFill>
+                  <a:schemeClr val="tx1"/>
+                </a:solidFill>
+                <a:miter lim="800000"/>
+                <a:headEnd/>
+                <a:tailEnd/>
+              </a14:hiddenLine>
+            </a:ext>
+            <a:ext uri="{AF507438-7753-43E0-B8FC-AC1667EBCBE1}">
+              <a14:hiddenEffects xmlns:a14="http://schemas.microsoft.com/office/drawing/2010/main">
+                <a:effectLst>
+                  <a:outerShdw dist="35921" dir="2700000" algn="ctr" rotWithShape="0">
+                    <a:schemeClr val="bg2"/>
+                  </a:outerShdw>
+                </a:effectLst>
+              </a14:hiddenEffects>
+            </a:ext>
+          </a:extLst>
+        </p:spPr>
+        <p:txBody>
+          <a:bodyPr vert="horz" wrap="square" lIns="91440" tIns="45720" rIns="91440" bIns="45720" numCol="1" anchor="ctr" anchorCtr="0" compatLnSpc="1">
+            <a:prstTxWarp prst="textNoShape">
+              <a:avLst/>
+            </a:prstTxWarp>
+          </a:bodyPr>
+          <a:lstStyle>
+            <a:lvl1pPr algn="l" defTabSz="914400" rtl="0" eaLnBrk="1" latinLnBrk="0" hangingPunct="1">
+              <a:lnSpc>
+                <a:spcPct val="90000"/>
+              </a:lnSpc>
+              <a:spcBef>
+                <a:spcPct val="0"/>
+              </a:spcBef>
+              <a:buNone/>
+              <a:defRPr sz="4400" kern="1200">
+                <a:solidFill>
+                  <a:schemeClr val="tx1"/>
+                </a:solidFill>
+                <a:latin typeface="+mj-lt"/>
+                <a:ea typeface="+mj-ea"/>
+                <a:cs typeface="+mj-cs"/>
+              </a:defRPr>
+            </a:lvl1pPr>
+          </a:lstStyle>
+          <a:p>
+            <a:r>
+              <a:rPr lang="en-US" altLang="zh-TW" sz="3500" b="1" dirty="0">
+                <a:latin typeface="Microsoft YaHei" panose="020B0503020204020204" pitchFamily="34" charset="-122"/>
+                <a:ea typeface="Microsoft YaHei" panose="020B0503020204020204" pitchFamily="34" charset="-122"/>
+              </a:rPr>
+              <a:t>Conclusion</a:t>
+            </a:r>
+            <a:endParaRPr lang="zh-TW" altLang="en-US" sz="3500" b="1" dirty="0">
+              <a:latin typeface="Microsoft YaHei" panose="020B0503020204020204" pitchFamily="34" charset="-122"/>
+              <a:ea typeface="Microsoft YaHei" panose="020B0503020204020204" pitchFamily="34" charset="-122"/>
+            </a:endParaRPr>
+          </a:p>
+        </p:txBody>
+      </p:sp>
+      <p:sp>
+        <p:nvSpPr>
+          <p:cNvPr id="2" name="文本框 1">
+            <a:extLst>
+              <a:ext uri="{FF2B5EF4-FFF2-40B4-BE49-F238E27FC236}">
+                <a16:creationId xmlns:a16="http://schemas.microsoft.com/office/drawing/2014/main" id="{6158A442-299B-4899-A5D0-E5663556F965}"/>
+              </a:ext>
+            </a:extLst>
+          </p:cNvPr>
+          <p:cNvSpPr txBox="1"/>
+          <p:nvPr/>
+        </p:nvSpPr>
+        <p:spPr>
+          <a:xfrm>
+            <a:off x="237184" y="1177044"/>
+            <a:ext cx="2477025" cy="523220"/>
+          </a:xfrm>
+          <a:prstGeom prst="rect">
+            <a:avLst/>
+          </a:prstGeom>
+          <a:noFill/>
+        </p:spPr>
+        <p:txBody>
+          <a:bodyPr wrap="none" rtlCol="0">
+            <a:spAutoFit/>
+          </a:bodyPr>
+          <a:lstStyle/>
+          <a:p>
+            <a:r>
+              <a:rPr kumimoji="1" lang="en-US" altLang="zh-CN" sz="2800" dirty="0">
+                <a:latin typeface="Microsoft YaHei" panose="020B0503020204020204" pitchFamily="34" charset="-122"/>
+                <a:ea typeface="Microsoft YaHei" panose="020B0503020204020204" pitchFamily="34" charset="-122"/>
+              </a:rPr>
+              <a:t>Future Works</a:t>
+            </a:r>
+          </a:p>
+        </p:txBody>
+      </p:sp>
+      <p:sp>
+        <p:nvSpPr>
+          <p:cNvPr id="4" name="文本框 3">
+            <a:extLst>
+              <a:ext uri="{FF2B5EF4-FFF2-40B4-BE49-F238E27FC236}">
+                <a16:creationId xmlns:a16="http://schemas.microsoft.com/office/drawing/2014/main" id="{A80A23FB-4B02-1D22-9E36-2BA595AF8404}"/>
+              </a:ext>
+            </a:extLst>
+          </p:cNvPr>
+          <p:cNvSpPr txBox="1"/>
+          <p:nvPr/>
+        </p:nvSpPr>
+        <p:spPr>
+          <a:xfrm>
+            <a:off x="1190800" y="2354089"/>
+            <a:ext cx="7945893" cy="1200329"/>
+          </a:xfrm>
+          <a:prstGeom prst="rect">
+            <a:avLst/>
+          </a:prstGeom>
+          <a:noFill/>
+        </p:spPr>
+        <p:txBody>
+          <a:bodyPr wrap="none" rtlCol="0">
+            <a:spAutoFit/>
+          </a:bodyPr>
+          <a:lstStyle/>
+          <a:p>
+            <a:pPr marL="342900" indent="-342900">
+              <a:buFont typeface="Arial" panose="020B0604020202020204" pitchFamily="34" charset="0"/>
+              <a:buChar char="•"/>
+            </a:pPr>
+            <a:r>
+              <a:rPr kumimoji="1" lang="en-US" altLang="zh-CN" sz="2400" dirty="0">
+                <a:latin typeface="Microsoft YaHei" panose="020B0503020204020204" pitchFamily="34" charset="-122"/>
+                <a:ea typeface="Microsoft YaHei" panose="020B0503020204020204" pitchFamily="34" charset="-122"/>
+              </a:rPr>
+              <a:t>Strategy of opponents</a:t>
+            </a:r>
+          </a:p>
+          <a:p>
+            <a:pPr marL="342900" indent="-342900">
+              <a:buFont typeface="Arial" panose="020B0604020202020204" pitchFamily="34" charset="0"/>
+              <a:buChar char="•"/>
+            </a:pPr>
+            <a:r>
+              <a:rPr kumimoji="1" lang="en-US" altLang="zh-CN" sz="2400" dirty="0">
+                <a:latin typeface="Microsoft YaHei" panose="020B0503020204020204" pitchFamily="34" charset="-122"/>
+                <a:ea typeface="Microsoft YaHei" panose="020B0503020204020204" pitchFamily="34" charset="-122"/>
+              </a:rPr>
+              <a:t>Wet conditions and wet </a:t>
+            </a:r>
+            <a:r>
+              <a:rPr kumimoji="1" lang="en-US" altLang="zh-CN" sz="2400" dirty="0" err="1">
+                <a:latin typeface="Microsoft YaHei" panose="020B0503020204020204" pitchFamily="34" charset="-122"/>
+                <a:ea typeface="Microsoft YaHei" panose="020B0503020204020204" pitchFamily="34" charset="-122"/>
+              </a:rPr>
+              <a:t>tyres</a:t>
+            </a:r>
+            <a:endParaRPr kumimoji="1" lang="en-US" altLang="zh-CN" sz="2400" dirty="0">
+              <a:latin typeface="Microsoft YaHei" panose="020B0503020204020204" pitchFamily="34" charset="-122"/>
+              <a:ea typeface="Microsoft YaHei" panose="020B0503020204020204" pitchFamily="34" charset="-122"/>
+            </a:endParaRPr>
+          </a:p>
+          <a:p>
+            <a:pPr marL="342900" indent="-342900">
+              <a:buFont typeface="Arial" panose="020B0604020202020204" pitchFamily="34" charset="0"/>
+              <a:buChar char="•"/>
+            </a:pPr>
+            <a:r>
+              <a:rPr kumimoji="1" lang="en-US" altLang="zh-CN" sz="2400" dirty="0">
+                <a:latin typeface="Microsoft YaHei" panose="020B0503020204020204" pitchFamily="34" charset="-122"/>
+                <a:ea typeface="Microsoft YaHei" panose="020B0503020204020204" pitchFamily="34" charset="-122"/>
+              </a:rPr>
+              <a:t>And many other factors make F1 game fascinating</a:t>
+            </a:r>
+            <a:endParaRPr kumimoji="1" lang="zh-CN" altLang="en-US" sz="2400" dirty="0">
+              <a:latin typeface="Microsoft YaHei" panose="020B0503020204020204" pitchFamily="34" charset="-122"/>
+              <a:ea typeface="Microsoft YaHei" panose="020B0503020204020204" pitchFamily="34" charset="-122"/>
+            </a:endParaRPr>
+          </a:p>
+        </p:txBody>
+      </p:sp>
+      <p:sp>
+        <p:nvSpPr>
+          <p:cNvPr id="6" name="文本框 5">
+            <a:extLst>
+              <a:ext uri="{FF2B5EF4-FFF2-40B4-BE49-F238E27FC236}">
+                <a16:creationId xmlns:a16="http://schemas.microsoft.com/office/drawing/2014/main" id="{8D702AAF-7AE6-A85C-D857-FD79DCC6E84B}"/>
+              </a:ext>
+            </a:extLst>
+          </p:cNvPr>
+          <p:cNvSpPr txBox="1"/>
+          <p:nvPr/>
+        </p:nvSpPr>
+        <p:spPr>
+          <a:xfrm>
+            <a:off x="11453446" y="6460047"/>
+            <a:ext cx="738554" cy="369332"/>
+          </a:xfrm>
+          <a:prstGeom prst="rect">
+            <a:avLst/>
+          </a:prstGeom>
+          <a:noFill/>
+        </p:spPr>
+        <p:txBody>
+          <a:bodyPr wrap="square" rtlCol="0">
+            <a:spAutoFit/>
+          </a:bodyPr>
+          <a:lstStyle/>
+          <a:p>
+            <a:r>
+              <a:rPr kumimoji="1" lang="en-US" altLang="zh-CN" dirty="0"/>
+              <a:t>11</a:t>
+            </a:r>
+            <a:endParaRPr kumimoji="1" lang="zh-CN" altLang="en-US" dirty="0"/>
+          </a:p>
+        </p:txBody>
+      </p:sp>
+    </p:spTree>
+    <p:extLst>
+      <p:ext uri="{BB962C8B-B14F-4D97-AF65-F5344CB8AC3E}">
+        <p14:creationId xmlns:p14="http://schemas.microsoft.com/office/powerpoint/2010/main" val="1932545406"/>
+      </p:ext>
+    </p:extLst>
+  </p:cSld>
+  <p:clrMapOvr>
+    <a:masterClrMapping/>
+  </p:clrMapOvr>
+</p:sld>
+</file>
+
+<file path=ppt/slides/slide12.xml><?xml version="1.0" encoding="utf-8"?>
+<p:sld xmlns:a="http://schemas.openxmlformats.org/drawingml/2006/main" xmlns:r="http://schemas.openxmlformats.org/officeDocument/2006/relationships" xmlns:p="http://schemas.openxmlformats.org/presentationml/2006/main">
+  <p:cSld>
+    <p:spTree>
+      <p:nvGrpSpPr>
+        <p:cNvPr id="1" name="">
+          <a:extLst>
+            <a:ext uri="{FF2B5EF4-FFF2-40B4-BE49-F238E27FC236}">
+              <a16:creationId xmlns:a16="http://schemas.microsoft.com/office/drawing/2014/main" id="{39B7D4E4-DDE1-56ED-DBA8-0F3AD1A2068F}"/>
+            </a:ext>
+          </a:extLst>
+        </p:cNvPr>
+        <p:cNvGrpSpPr/>
+        <p:nvPr/>
+      </p:nvGrpSpPr>
+      <p:grpSpPr>
+        <a:xfrm>
+          <a:off x="0" y="0"/>
+          <a:ext cx="0" cy="0"/>
+          <a:chOff x="0" y="0"/>
+          <a:chExt cx="0" cy="0"/>
+        </a:xfrm>
+      </p:grpSpPr>
+      <p:sp>
+        <p:nvSpPr>
+          <p:cNvPr id="5" name="Rectangle 2">
+            <a:extLst>
+              <a:ext uri="{FF2B5EF4-FFF2-40B4-BE49-F238E27FC236}">
+                <a16:creationId xmlns:a16="http://schemas.microsoft.com/office/drawing/2014/main" id="{D62B028A-A1D3-8395-3AD3-9C144E848672}"/>
+              </a:ext>
+            </a:extLst>
+          </p:cNvPr>
+          <p:cNvSpPr txBox="1">
+            <a:spLocks noChangeArrowheads="1"/>
+          </p:cNvSpPr>
+          <p:nvPr/>
+        </p:nvSpPr>
+        <p:spPr bwMode="auto">
+          <a:xfrm>
+            <a:off x="237184" y="-1"/>
+            <a:ext cx="11954816" cy="1177045"/>
+          </a:xfrm>
+          <a:prstGeom prst="rect">
+            <a:avLst/>
+          </a:prstGeom>
+          <a:noFill/>
+          <a:ln>
+            <a:noFill/>
+          </a:ln>
+          <a:effectLst/>
+          <a:extLst>
+            <a:ext uri="{909E8E84-426E-40DD-AFC4-6F175D3DCCD1}">
+              <a14:hiddenFill xmlns:a14="http://schemas.microsoft.com/office/drawing/2010/main">
+                <a:solidFill>
+                  <a:schemeClr val="accent1"/>
+                </a:solidFill>
+              </a14:hiddenFill>
+            </a:ext>
+            <a:ext uri="{91240B29-F687-4F45-9708-019B960494DF}">
+              <a14:hiddenLine xmlns:a14="http://schemas.microsoft.com/office/drawing/2010/main" w="9525">
+                <a:solidFill>
+                  <a:schemeClr val="tx1"/>
+                </a:solidFill>
+                <a:miter lim="800000"/>
+                <a:headEnd/>
+                <a:tailEnd/>
+              </a14:hiddenLine>
+            </a:ext>
+            <a:ext uri="{AF507438-7753-43E0-B8FC-AC1667EBCBE1}">
+              <a14:hiddenEffects xmlns:a14="http://schemas.microsoft.com/office/drawing/2010/main">
+                <a:effectLst>
+                  <a:outerShdw dist="35921" dir="2700000" algn="ctr" rotWithShape="0">
+                    <a:schemeClr val="bg2"/>
+                  </a:outerShdw>
+                </a:effectLst>
+              </a14:hiddenEffects>
+            </a:ext>
+          </a:extLst>
+        </p:spPr>
+        <p:txBody>
+          <a:bodyPr vert="horz" wrap="square" lIns="91440" tIns="45720" rIns="91440" bIns="45720" numCol="1" anchor="ctr" anchorCtr="0" compatLnSpc="1">
+            <a:prstTxWarp prst="textNoShape">
+              <a:avLst/>
+            </a:prstTxWarp>
+          </a:bodyPr>
+          <a:lstStyle>
+            <a:lvl1pPr algn="l" defTabSz="914400" rtl="0" eaLnBrk="1" latinLnBrk="0" hangingPunct="1">
+              <a:lnSpc>
+                <a:spcPct val="90000"/>
+              </a:lnSpc>
+              <a:spcBef>
+                <a:spcPct val="0"/>
+              </a:spcBef>
+              <a:buNone/>
+              <a:defRPr sz="4400" kern="1200">
+                <a:solidFill>
+                  <a:schemeClr val="tx1"/>
+                </a:solidFill>
+                <a:latin typeface="+mj-lt"/>
+                <a:ea typeface="+mj-ea"/>
+                <a:cs typeface="+mj-cs"/>
+              </a:defRPr>
+            </a:lvl1pPr>
+          </a:lstStyle>
+          <a:p>
+            <a:r>
+              <a:rPr lang="en-US" altLang="zh-TW" sz="3500" b="1" dirty="0">
+                <a:latin typeface="Microsoft YaHei" panose="020B0503020204020204" pitchFamily="34" charset="-122"/>
+                <a:ea typeface="Microsoft YaHei" panose="020B0503020204020204" pitchFamily="34" charset="-122"/>
+              </a:rPr>
+              <a:t>Reference</a:t>
+            </a:r>
+            <a:endParaRPr lang="zh-TW" altLang="en-US" sz="3500" b="1" dirty="0">
+              <a:latin typeface="Microsoft YaHei" panose="020B0503020204020204" pitchFamily="34" charset="-122"/>
+              <a:ea typeface="Microsoft YaHei" panose="020B0503020204020204" pitchFamily="34" charset="-122"/>
+            </a:endParaRPr>
+          </a:p>
+        </p:txBody>
+      </p:sp>
+      <p:sp>
+        <p:nvSpPr>
+          <p:cNvPr id="2" name="文本框 1">
+            <a:extLst>
+              <a:ext uri="{FF2B5EF4-FFF2-40B4-BE49-F238E27FC236}">
+                <a16:creationId xmlns:a16="http://schemas.microsoft.com/office/drawing/2014/main" id="{08FE43F4-072A-3E85-F1C0-0B0DC4C44BB5}"/>
+              </a:ext>
+            </a:extLst>
+          </p:cNvPr>
+          <p:cNvSpPr txBox="1"/>
+          <p:nvPr/>
+        </p:nvSpPr>
+        <p:spPr>
+          <a:xfrm>
+            <a:off x="970538" y="1451412"/>
+            <a:ext cx="10250923" cy="4154984"/>
+          </a:xfrm>
+          <a:prstGeom prst="rect">
+            <a:avLst/>
+          </a:prstGeom>
+          <a:noFill/>
+        </p:spPr>
+        <p:txBody>
+          <a:bodyPr wrap="square" rtlCol="0">
+            <a:spAutoFit/>
+          </a:bodyPr>
+          <a:lstStyle/>
+          <a:p>
+            <a:r>
+              <a:rPr kumimoji="1" lang="en-US" altLang="zh-CN" sz="2400" dirty="0">
+                <a:latin typeface="Microsoft YaHei" panose="020B0503020204020204" pitchFamily="34" charset="-122"/>
+                <a:ea typeface="Microsoft YaHei" panose="020B0503020204020204" pitchFamily="34" charset="-122"/>
+              </a:rPr>
+              <a:t>[1] Pirelli, Formula 1 and Pirelli, </a:t>
+            </a:r>
+            <a:r>
+              <a:rPr kumimoji="1" lang="en-US" altLang="zh-CN" sz="2400" dirty="0">
+                <a:latin typeface="Microsoft YaHei" panose="020B0503020204020204" pitchFamily="34" charset="-122"/>
+                <a:ea typeface="Microsoft YaHei" panose="020B0503020204020204" pitchFamily="34" charset="-122"/>
+                <a:hlinkClick r:id="rId2"/>
+              </a:rPr>
+              <a:t>https://www.pirelli.com/tyres/en-ww/motorsport/car/formula-1</a:t>
+            </a:r>
+            <a:endParaRPr kumimoji="1" lang="en-US" altLang="zh-CN" sz="2400" dirty="0">
+              <a:latin typeface="Microsoft YaHei" panose="020B0503020204020204" pitchFamily="34" charset="-122"/>
+              <a:ea typeface="Microsoft YaHei" panose="020B0503020204020204" pitchFamily="34" charset="-122"/>
+            </a:endParaRPr>
+          </a:p>
+          <a:p>
+            <a:r>
+              <a:rPr kumimoji="1" lang="en-US" altLang="zh-CN" sz="2400" dirty="0">
+                <a:latin typeface="Microsoft YaHei" panose="020B0503020204020204" pitchFamily="34" charset="-122"/>
+                <a:ea typeface="Microsoft YaHei" panose="020B0503020204020204" pitchFamily="34" charset="-122"/>
+              </a:rPr>
+              <a:t>[2] F1, What is F1, </a:t>
+            </a:r>
+            <a:r>
+              <a:rPr kumimoji="1" lang="en-US" altLang="zh-CN" sz="2400" dirty="0">
+                <a:latin typeface="Microsoft YaHei" panose="020B0503020204020204" pitchFamily="34" charset="-122"/>
+                <a:ea typeface="Microsoft YaHei" panose="020B0503020204020204" pitchFamily="34" charset="-122"/>
+                <a:hlinkClick r:id="rId3"/>
+              </a:rPr>
+              <a:t>https://www.formula1.com/en/page/what-is-f1</a:t>
+            </a:r>
+            <a:endParaRPr kumimoji="1" lang="en-US" altLang="zh-CN" sz="2400" dirty="0">
+              <a:latin typeface="Microsoft YaHei" panose="020B0503020204020204" pitchFamily="34" charset="-122"/>
+              <a:ea typeface="Microsoft YaHei" panose="020B0503020204020204" pitchFamily="34" charset="-122"/>
+            </a:endParaRPr>
+          </a:p>
+          <a:p>
+            <a:r>
+              <a:rPr kumimoji="1" lang="en-US" altLang="zh-CN" sz="2400" dirty="0">
+                <a:latin typeface="Microsoft YaHei" panose="020B0503020204020204" pitchFamily="34" charset="-122"/>
+                <a:ea typeface="Microsoft YaHei" panose="020B0503020204020204" pitchFamily="34" charset="-122"/>
+              </a:rPr>
+              <a:t>[3] jackchan0528, f1-stop-strategy, </a:t>
+            </a:r>
+            <a:r>
+              <a:rPr kumimoji="1" lang="en-US" altLang="zh-CN" sz="2400" dirty="0">
+                <a:latin typeface="Microsoft YaHei" panose="020B0503020204020204" pitchFamily="34" charset="-122"/>
+                <a:ea typeface="Microsoft YaHei" panose="020B0503020204020204" pitchFamily="34" charset="-122"/>
+                <a:hlinkClick r:id="rId4"/>
+              </a:rPr>
+              <a:t>https://github.com/jackchan0528/f1-pitstop-strategy</a:t>
+            </a:r>
+            <a:endParaRPr kumimoji="1" lang="en-US" altLang="zh-CN" sz="2400" dirty="0">
+              <a:latin typeface="Microsoft YaHei" panose="020B0503020204020204" pitchFamily="34" charset="-122"/>
+              <a:ea typeface="Microsoft YaHei" panose="020B0503020204020204" pitchFamily="34" charset="-122"/>
+            </a:endParaRPr>
+          </a:p>
+          <a:p>
+            <a:r>
+              <a:rPr kumimoji="1" lang="en-US" altLang="zh-CN" sz="2400" dirty="0">
+                <a:latin typeface="Microsoft YaHei" panose="020B0503020204020204" pitchFamily="34" charset="-122"/>
+                <a:ea typeface="Microsoft YaHei" panose="020B0503020204020204" pitchFamily="34" charset="-122"/>
+              </a:rPr>
+              <a:t>[4] </a:t>
+            </a:r>
+            <a:r>
+              <a:rPr kumimoji="1" lang="en" altLang="zh-CN" sz="2400" dirty="0" err="1">
+                <a:latin typeface="Microsoft YaHei" panose="020B0503020204020204" pitchFamily="34" charset="-122"/>
+                <a:ea typeface="Microsoft YaHei" panose="020B0503020204020204" pitchFamily="34" charset="-122"/>
+              </a:rPr>
+              <a:t>Heilmeier</a:t>
+            </a:r>
+            <a:r>
+              <a:rPr kumimoji="1" lang="en" altLang="zh-CN" sz="2400" dirty="0">
+                <a:latin typeface="Microsoft YaHei" panose="020B0503020204020204" pitchFamily="34" charset="-122"/>
+                <a:ea typeface="Microsoft YaHei" panose="020B0503020204020204" pitchFamily="34" charset="-122"/>
+              </a:rPr>
+              <a:t>, Alexander et al. “Virtual Strategy Engineer: Using Artificial Neural Networks for Making Race Strategy Decisions in Circuit Motorsport.” Applied Sciences (2020): n. </a:t>
+            </a:r>
+            <a:r>
+              <a:rPr kumimoji="1" lang="en" altLang="zh-CN" sz="2400" dirty="0" err="1">
+                <a:latin typeface="Microsoft YaHei" panose="020B0503020204020204" pitchFamily="34" charset="-122"/>
+                <a:ea typeface="Microsoft YaHei" panose="020B0503020204020204" pitchFamily="34" charset="-122"/>
+              </a:rPr>
+              <a:t>pag</a:t>
+            </a:r>
+            <a:r>
+              <a:rPr kumimoji="1" lang="en" altLang="zh-CN" sz="2400" dirty="0">
+                <a:latin typeface="Microsoft YaHei" panose="020B0503020204020204" pitchFamily="34" charset="-122"/>
+                <a:ea typeface="Microsoft YaHei" panose="020B0503020204020204" pitchFamily="34" charset="-122"/>
+              </a:rPr>
+              <a:t>.</a:t>
+            </a:r>
+          </a:p>
+          <a:p>
+            <a:r>
+              <a:rPr kumimoji="1" lang="en" altLang="zh-CN" sz="2400" dirty="0">
+                <a:latin typeface="Microsoft YaHei" panose="020B0503020204020204" pitchFamily="34" charset="-122"/>
+                <a:ea typeface="Microsoft YaHei" panose="020B0503020204020204" pitchFamily="34" charset="-122"/>
+              </a:rPr>
+              <a:t>[5] Syeda</a:t>
+            </a:r>
+            <a:r>
+              <a:rPr kumimoji="1" lang="en-US" altLang="zh-CN" sz="2400" dirty="0">
+                <a:latin typeface="Microsoft YaHei" panose="020B0503020204020204" pitchFamily="34" charset="-122"/>
+                <a:ea typeface="Microsoft YaHei" panose="020B0503020204020204" pitchFamily="34" charset="-122"/>
+              </a:rPr>
+              <a:t>, </a:t>
+            </a:r>
+            <a:r>
+              <a:rPr kumimoji="1" lang="en" altLang="zh-CN" sz="2400" dirty="0">
+                <a:latin typeface="Microsoft YaHei" panose="020B0503020204020204" pitchFamily="34" charset="-122"/>
+                <a:ea typeface="Microsoft YaHei" panose="020B0503020204020204" pitchFamily="34" charset="-122"/>
+              </a:rPr>
+              <a:t>Jennifer “Deep-Racing: An Embedded Deep Neural Network (EDNN) Model to Predict the Winning Strategy in Formula One Racing” International Journal of Machine Learning(2023)</a:t>
+            </a:r>
+          </a:p>
+        </p:txBody>
+      </p:sp>
+      <p:sp>
+        <p:nvSpPr>
+          <p:cNvPr id="3" name="文本框 2">
+            <a:extLst>
+              <a:ext uri="{FF2B5EF4-FFF2-40B4-BE49-F238E27FC236}">
+                <a16:creationId xmlns:a16="http://schemas.microsoft.com/office/drawing/2014/main" id="{56261587-CBEA-18E0-79B0-8E5017A04261}"/>
+              </a:ext>
+            </a:extLst>
+          </p:cNvPr>
+          <p:cNvSpPr txBox="1"/>
+          <p:nvPr/>
+        </p:nvSpPr>
+        <p:spPr>
+          <a:xfrm>
+            <a:off x="11453446" y="6460047"/>
+            <a:ext cx="738554" cy="369332"/>
+          </a:xfrm>
+          <a:prstGeom prst="rect">
+            <a:avLst/>
+          </a:prstGeom>
+          <a:noFill/>
+        </p:spPr>
+        <p:txBody>
+          <a:bodyPr wrap="square" rtlCol="0">
+            <a:spAutoFit/>
+          </a:bodyPr>
+          <a:lstStyle/>
+          <a:p>
+            <a:r>
+              <a:rPr kumimoji="1" lang="en-US" altLang="zh-CN" dirty="0"/>
+              <a:t>12</a:t>
+            </a:r>
+            <a:endParaRPr kumimoji="1" lang="zh-CN" altLang="en-US" dirty="0"/>
           </a:p>
         </p:txBody>
       </p:sp>
@@ -4113,7 +4798,7 @@
 </p:sld>
 </file>
 
-<file path=ppt/slides/slide11.xml><?xml version="1.0" encoding="utf-8"?>
+<file path=ppt/slides/slide13.xml><?xml version="1.0" encoding="utf-8"?>
 <p:sld xmlns:a="http://schemas.openxmlformats.org/drawingml/2006/main" xmlns:r="http://schemas.openxmlformats.org/officeDocument/2006/relationships" xmlns:p="http://schemas.openxmlformats.org/presentationml/2006/main">
   <p:cSld>
     <p:spTree>
@@ -4611,7 +5296,7 @@
         <p:spPr>
           <a:xfrm>
             <a:off x="5989427" y="4671374"/>
-            <a:ext cx="1228541" cy="523220"/>
+            <a:ext cx="2082621" cy="523220"/>
           </a:xfrm>
           <a:prstGeom prst="rect">
             <a:avLst/>
@@ -4629,7 +5314,7 @@
                 <a:latin typeface="Microsoft YaHei" panose="020B0503020204020204" pitchFamily="34" charset="-122"/>
                 <a:ea typeface="Microsoft YaHei" panose="020B0503020204020204" pitchFamily="34" charset="-122"/>
               </a:rPr>
-              <a:t>Result</a:t>
+              <a:t>Conclusion</a:t>
             </a:r>
             <a:endParaRPr kumimoji="1" lang="zh-CN" altLang="en-US" sz="2800" dirty="0">
               <a:latin typeface="Microsoft YaHei" panose="020B0503020204020204" pitchFamily="34" charset="-122"/>
@@ -5419,6 +6104,42 @@
           </a:p>
         </p:txBody>
       </p:sp>
+      <p:sp>
+        <p:nvSpPr>
+          <p:cNvPr id="3" name="文本框 2">
+            <a:extLst>
+              <a:ext uri="{FF2B5EF4-FFF2-40B4-BE49-F238E27FC236}">
+                <a16:creationId xmlns:a16="http://schemas.microsoft.com/office/drawing/2014/main" id="{F915E2D7-B8FF-13BE-8107-7ADDA9421D94}"/>
+              </a:ext>
+            </a:extLst>
+          </p:cNvPr>
+          <p:cNvSpPr txBox="1"/>
+          <p:nvPr/>
+        </p:nvSpPr>
+        <p:spPr>
+          <a:xfrm>
+            <a:off x="11453446" y="6460047"/>
+            <a:ext cx="738554" cy="369332"/>
+          </a:xfrm>
+          <a:prstGeom prst="rect">
+            <a:avLst/>
+          </a:prstGeom>
+          <a:noFill/>
+        </p:spPr>
+        <p:txBody>
+          <a:bodyPr wrap="square" rtlCol="0">
+            <a:spAutoFit/>
+          </a:bodyPr>
+          <a:lstStyle/>
+          <a:p>
+            <a:r>
+              <a:rPr kumimoji="1" lang="en-US" altLang="zh-CN" dirty="0"/>
+              <a:t>3</a:t>
+            </a:r>
+            <a:endParaRPr kumimoji="1" lang="zh-CN" altLang="en-US" dirty="0"/>
+          </a:p>
+        </p:txBody>
+      </p:sp>
     </p:spTree>
     <p:extLst>
       <p:ext uri="{BB962C8B-B14F-4D97-AF65-F5344CB8AC3E}">
@@ -5649,7 +6370,7 @@
                 <a:latin typeface="Microsoft YaHei" panose="020B0503020204020204" pitchFamily="34" charset="-122"/>
                 <a:ea typeface="Microsoft YaHei" panose="020B0503020204020204" pitchFamily="34" charset="-122"/>
               </a:rPr>
-              <a:t>at least 1 pit-stop to change tires</a:t>
+              <a:t>at least 1 pit-stop to change tyres</a:t>
             </a:r>
           </a:p>
           <a:p>
@@ -5665,7 +6386,7 @@
                 <a:latin typeface="Microsoft YaHei" panose="020B0503020204020204" pitchFamily="34" charset="-122"/>
                 <a:ea typeface="Microsoft YaHei" panose="020B0503020204020204" pitchFamily="34" charset="-122"/>
               </a:rPr>
-              <a:t>at least 2 tire compounds used</a:t>
+              <a:t>at least 2 tyre compounds used</a:t>
             </a:r>
           </a:p>
           <a:p>
@@ -5934,6 +6655,42 @@
               <a:latin typeface="Microsoft YaHei" panose="020B0503020204020204" pitchFamily="34" charset="-122"/>
               <a:ea typeface="Microsoft YaHei" panose="020B0503020204020204" pitchFamily="34" charset="-122"/>
             </a:endParaRPr>
+          </a:p>
+        </p:txBody>
+      </p:sp>
+      <p:sp>
+        <p:nvSpPr>
+          <p:cNvPr id="7" name="文本框 6">
+            <a:extLst>
+              <a:ext uri="{FF2B5EF4-FFF2-40B4-BE49-F238E27FC236}">
+                <a16:creationId xmlns:a16="http://schemas.microsoft.com/office/drawing/2014/main" id="{C34D5ACC-08B8-A1E4-DBE1-81F3C7219B01}"/>
+              </a:ext>
+            </a:extLst>
+          </p:cNvPr>
+          <p:cNvSpPr txBox="1"/>
+          <p:nvPr/>
+        </p:nvSpPr>
+        <p:spPr>
+          <a:xfrm>
+            <a:off x="11453446" y="6460047"/>
+            <a:ext cx="738554" cy="369332"/>
+          </a:xfrm>
+          <a:prstGeom prst="rect">
+            <a:avLst/>
+          </a:prstGeom>
+          <a:noFill/>
+        </p:spPr>
+        <p:txBody>
+          <a:bodyPr wrap="square" rtlCol="0">
+            <a:spAutoFit/>
+          </a:bodyPr>
+          <a:lstStyle/>
+          <a:p>
+            <a:r>
+              <a:rPr kumimoji="1" lang="en-US" altLang="zh-CN" dirty="0"/>
+              <a:t>4</a:t>
+            </a:r>
+            <a:endParaRPr kumimoji="1" lang="zh-CN" altLang="en-US" dirty="0"/>
           </a:p>
         </p:txBody>
       </p:sp>
@@ -6084,7 +6841,7 @@
         <p:spPr>
           <a:xfrm>
             <a:off x="237184" y="1177044"/>
-            <a:ext cx="3028137" cy="523220"/>
+            <a:ext cx="3101298" cy="523220"/>
           </a:xfrm>
           <a:prstGeom prst="rect">
             <a:avLst/>
@@ -6098,11 +6855,18 @@
           <a:lstStyle/>
           <a:p>
             <a:r>
+              <a:rPr kumimoji="1" lang="en-US" altLang="zh-CN" sz="2800" dirty="0" err="1">
+                <a:latin typeface="Microsoft YaHei" panose="020B0503020204020204" pitchFamily="34" charset="-122"/>
+                <a:ea typeface="Microsoft YaHei" panose="020B0503020204020204" pitchFamily="34" charset="-122"/>
+              </a:rPr>
+              <a:t>Tyre</a:t>
+            </a:r>
+            <a:r>
               <a:rPr kumimoji="1" lang="en-US" altLang="zh-CN" sz="2800" dirty="0">
                 <a:latin typeface="Microsoft YaHei" panose="020B0503020204020204" pitchFamily="34" charset="-122"/>
                 <a:ea typeface="Microsoft YaHei" panose="020B0503020204020204" pitchFamily="34" charset="-122"/>
               </a:rPr>
-              <a:t>Tire Compounds</a:t>
+              <a:t> Compounds</a:t>
             </a:r>
             <a:endParaRPr kumimoji="1" lang="zh-CN" altLang="en-US" sz="2800" dirty="0">
               <a:latin typeface="Microsoft YaHei" panose="020B0503020204020204" pitchFamily="34" charset="-122"/>
@@ -6457,6 +7221,42 @@
           </a:fontRef>
         </p:style>
       </p:cxnSp>
+      <p:sp>
+        <p:nvSpPr>
+          <p:cNvPr id="6" name="文本框 5">
+            <a:extLst>
+              <a:ext uri="{FF2B5EF4-FFF2-40B4-BE49-F238E27FC236}">
+                <a16:creationId xmlns:a16="http://schemas.microsoft.com/office/drawing/2014/main" id="{F9B1E66E-47A3-B0B3-54FB-A44756D4E6EC}"/>
+              </a:ext>
+            </a:extLst>
+          </p:cNvPr>
+          <p:cNvSpPr txBox="1"/>
+          <p:nvPr/>
+        </p:nvSpPr>
+        <p:spPr>
+          <a:xfrm>
+            <a:off x="11453446" y="6460047"/>
+            <a:ext cx="738554" cy="369332"/>
+          </a:xfrm>
+          <a:prstGeom prst="rect">
+            <a:avLst/>
+          </a:prstGeom>
+          <a:noFill/>
+        </p:spPr>
+        <p:txBody>
+          <a:bodyPr wrap="square" rtlCol="0">
+            <a:spAutoFit/>
+          </a:bodyPr>
+          <a:lstStyle/>
+          <a:p>
+            <a:r>
+              <a:rPr kumimoji="1" lang="en-US" altLang="zh-CN" dirty="0"/>
+              <a:t>5</a:t>
+            </a:r>
+            <a:endParaRPr kumimoji="1" lang="zh-CN" altLang="en-US" dirty="0"/>
+          </a:p>
+        </p:txBody>
+      </p:sp>
     </p:spTree>
     <p:extLst>
       <p:ext uri="{BB962C8B-B14F-4D97-AF65-F5344CB8AC3E}">
@@ -6603,8 +7403,8 @@
         </p:nvSpPr>
         <p:spPr>
           <a:xfrm>
-            <a:off x="2195737" y="1356028"/>
-            <a:ext cx="5361852" cy="1323439"/>
+            <a:off x="2195737" y="1168460"/>
+            <a:ext cx="6323141" cy="1692771"/>
           </a:xfrm>
           <a:prstGeom prst="rect">
             <a:avLst/>
@@ -6638,7 +7438,7 @@
                 <a:latin typeface="Microsoft YaHei" panose="020B0503020204020204" pitchFamily="34" charset="-122"/>
                 <a:ea typeface="Microsoft YaHei" panose="020B0503020204020204" pitchFamily="34" charset="-122"/>
               </a:rPr>
-              <a:t> to pit-stop</a:t>
+              <a:t> to pit-stop &amp;</a:t>
             </a:r>
           </a:p>
           <a:p>
@@ -6654,7 +7454,30 @@
                 <a:latin typeface="Microsoft YaHei" panose="020B0503020204020204" pitchFamily="34" charset="-122"/>
                 <a:ea typeface="Microsoft YaHei" panose="020B0503020204020204" pitchFamily="34" charset="-122"/>
               </a:rPr>
-              <a:t> tire compound to change</a:t>
+              <a:t> </a:t>
+            </a:r>
+            <a:r>
+              <a:rPr kumimoji="1" lang="en-US" altLang="zh-CN" sz="2400" dirty="0" err="1">
+                <a:latin typeface="Microsoft YaHei" panose="020B0503020204020204" pitchFamily="34" charset="-122"/>
+                <a:ea typeface="Microsoft YaHei" panose="020B0503020204020204" pitchFamily="34" charset="-122"/>
+              </a:rPr>
+              <a:t>tyre</a:t>
+            </a:r>
+            <a:r>
+              <a:rPr kumimoji="1" lang="en-US" altLang="zh-CN" sz="2400" dirty="0">
+                <a:latin typeface="Microsoft YaHei" panose="020B0503020204020204" pitchFamily="34" charset="-122"/>
+                <a:ea typeface="Microsoft YaHei" panose="020B0503020204020204" pitchFamily="34" charset="-122"/>
+              </a:rPr>
+              <a:t> compound to change</a:t>
+            </a:r>
+          </a:p>
+          <a:p>
+            <a:r>
+              <a:rPr kumimoji="1" lang="en-US" altLang="zh-CN" sz="2400" dirty="0">
+                <a:latin typeface="Microsoft YaHei" panose="020B0503020204020204" pitchFamily="34" charset="-122"/>
+                <a:ea typeface="Microsoft YaHei" panose="020B0503020204020204" pitchFamily="34" charset="-122"/>
+              </a:rPr>
+              <a:t>combined as an optimal pit-stop strategy</a:t>
             </a:r>
             <a:endParaRPr kumimoji="1" lang="zh-CN" altLang="en-US" sz="2400" dirty="0">
               <a:latin typeface="Microsoft YaHei" panose="020B0503020204020204" pitchFamily="34" charset="-122"/>
@@ -6759,8 +7582,8 @@
         </p:nvSpPr>
         <p:spPr>
           <a:xfrm>
-            <a:off x="6150492" y="3257437"/>
-            <a:ext cx="2479012" cy="830997"/>
+            <a:off x="6118785" y="3257437"/>
+            <a:ext cx="2542427" cy="830997"/>
           </a:xfrm>
           <a:prstGeom prst="rect">
             <a:avLst/>
@@ -6775,11 +7598,18 @@
           <a:p>
             <a:pPr algn="ctr"/>
             <a:r>
+              <a:rPr kumimoji="1" lang="en-US" altLang="zh-CN" sz="2400" dirty="0" err="1">
+                <a:latin typeface="Microsoft YaHei" panose="020B0503020204020204" pitchFamily="34" charset="-122"/>
+                <a:ea typeface="Microsoft YaHei" panose="020B0503020204020204" pitchFamily="34" charset="-122"/>
+              </a:rPr>
+              <a:t>Tyre</a:t>
+            </a:r>
+            <a:r>
               <a:rPr kumimoji="1" lang="en-US" altLang="zh-CN" sz="2400" dirty="0">
                 <a:latin typeface="Microsoft YaHei" panose="020B0503020204020204" pitchFamily="34" charset="-122"/>
                 <a:ea typeface="Microsoft YaHei" panose="020B0503020204020204" pitchFamily="34" charset="-122"/>
               </a:rPr>
-              <a:t>Tire Compound</a:t>
+              <a:t> Compound</a:t>
             </a:r>
           </a:p>
           <a:p>
@@ -6994,6 +7824,42 @@
           </a:p>
         </p:txBody>
       </p:sp>
+      <p:sp>
+        <p:nvSpPr>
+          <p:cNvPr id="2" name="文本框 1">
+            <a:extLst>
+              <a:ext uri="{FF2B5EF4-FFF2-40B4-BE49-F238E27FC236}">
+                <a16:creationId xmlns:a16="http://schemas.microsoft.com/office/drawing/2014/main" id="{BB53315D-AE20-D4A0-9F40-D819688D2E07}"/>
+              </a:ext>
+            </a:extLst>
+          </p:cNvPr>
+          <p:cNvSpPr txBox="1"/>
+          <p:nvPr/>
+        </p:nvSpPr>
+        <p:spPr>
+          <a:xfrm>
+            <a:off x="11453446" y="6460047"/>
+            <a:ext cx="738554" cy="369332"/>
+          </a:xfrm>
+          <a:prstGeom prst="rect">
+            <a:avLst/>
+          </a:prstGeom>
+          <a:noFill/>
+        </p:spPr>
+        <p:txBody>
+          <a:bodyPr wrap="square" rtlCol="0">
+            <a:spAutoFit/>
+          </a:bodyPr>
+          <a:lstStyle/>
+          <a:p>
+            <a:r>
+              <a:rPr kumimoji="1" lang="en-US" altLang="zh-CN" dirty="0"/>
+              <a:t>6</a:t>
+            </a:r>
+            <a:endParaRPr kumimoji="1" lang="zh-CN" altLang="en-US" dirty="0"/>
+          </a:p>
+        </p:txBody>
+      </p:sp>
     </p:spTree>
     <p:extLst>
       <p:ext uri="{BB962C8B-B14F-4D97-AF65-F5344CB8AC3E}">
@@ -7030,6 +7896,42 @@
           <a:chExt cx="0" cy="0"/>
         </a:xfrm>
       </p:grpSpPr>
+      <p:sp>
+        <p:nvSpPr>
+          <p:cNvPr id="8" name="文本框 7">
+            <a:extLst>
+              <a:ext uri="{FF2B5EF4-FFF2-40B4-BE49-F238E27FC236}">
+                <a16:creationId xmlns:a16="http://schemas.microsoft.com/office/drawing/2014/main" id="{792C1998-2DC1-E16C-A946-A9EACA2C424F}"/>
+              </a:ext>
+            </a:extLst>
+          </p:cNvPr>
+          <p:cNvSpPr txBox="1"/>
+          <p:nvPr/>
+        </p:nvSpPr>
+        <p:spPr>
+          <a:xfrm>
+            <a:off x="11453446" y="6460047"/>
+            <a:ext cx="738554" cy="369332"/>
+          </a:xfrm>
+          <a:prstGeom prst="rect">
+            <a:avLst/>
+          </a:prstGeom>
+          <a:noFill/>
+        </p:spPr>
+        <p:txBody>
+          <a:bodyPr wrap="square" rtlCol="0">
+            <a:spAutoFit/>
+          </a:bodyPr>
+          <a:lstStyle/>
+          <a:p>
+            <a:r>
+              <a:rPr kumimoji="1" lang="en-US" altLang="zh-CN" dirty="0"/>
+              <a:t>7</a:t>
+            </a:r>
+            <a:endParaRPr kumimoji="1" lang="zh-CN" altLang="en-US" dirty="0"/>
+          </a:p>
+        </p:txBody>
+      </p:sp>
       <p:sp>
         <p:nvSpPr>
           <p:cNvPr id="5" name="Rectangle 2">
@@ -7141,7 +8043,7 @@
         <p:spPr>
           <a:xfrm>
             <a:off x="237184" y="1177044"/>
-            <a:ext cx="2947987" cy="523220"/>
+            <a:ext cx="3092193" cy="954107"/>
           </a:xfrm>
           <a:prstGeom prst="rect">
             <a:avLst/>
@@ -7159,12 +8061,951 @@
                 <a:latin typeface="Microsoft YaHei" panose="020B0503020204020204" pitchFamily="34" charset="-122"/>
                 <a:ea typeface="Microsoft YaHei" panose="020B0503020204020204" pitchFamily="34" charset="-122"/>
               </a:rPr>
-              <a:t>Data processing</a:t>
+              <a:t>Data Processing</a:t>
+            </a:r>
+          </a:p>
+          <a:p>
+            <a:r>
+              <a:rPr kumimoji="1" lang="en-US" altLang="zh-CN" sz="2800" dirty="0">
+                <a:latin typeface="Microsoft YaHei" panose="020B0503020204020204" pitchFamily="34" charset="-122"/>
+                <a:ea typeface="Microsoft YaHei" panose="020B0503020204020204" pitchFamily="34" charset="-122"/>
+              </a:rPr>
+              <a:t>Pit-stop Decision</a:t>
             </a:r>
             <a:endParaRPr kumimoji="1" lang="zh-CN" altLang="en-US" sz="2800" dirty="0">
               <a:latin typeface="Microsoft YaHei" panose="020B0503020204020204" pitchFamily="34" charset="-122"/>
               <a:ea typeface="Microsoft YaHei" panose="020B0503020204020204" pitchFamily="34" charset="-122"/>
             </a:endParaRPr>
+          </a:p>
+        </p:txBody>
+      </p:sp>
+      <p:graphicFrame>
+        <p:nvGraphicFramePr>
+          <p:cNvPr id="3" name="表格 2">
+            <a:extLst>
+              <a:ext uri="{FF2B5EF4-FFF2-40B4-BE49-F238E27FC236}">
+                <a16:creationId xmlns:a16="http://schemas.microsoft.com/office/drawing/2014/main" id="{2D9B8A6B-AD33-A6AB-DA9E-E5F8CB9F8CA0}"/>
+              </a:ext>
+            </a:extLst>
+          </p:cNvPr>
+          <p:cNvGraphicFramePr>
+            <a:graphicFrameLocks noGrp="1"/>
+          </p:cNvGraphicFramePr>
+          <p:nvPr>
+            <p:extLst>
+              <p:ext uri="{D42A27DB-BD31-4B8C-83A1-F6EECF244321}">
+                <p14:modId xmlns:p14="http://schemas.microsoft.com/office/powerpoint/2010/main" val="2102331761"/>
+              </p:ext>
+            </p:extLst>
+          </p:nvPr>
+        </p:nvGraphicFramePr>
+        <p:xfrm>
+          <a:off x="4040554" y="54610"/>
+          <a:ext cx="8022492" cy="6748780"/>
+        </p:xfrm>
+        <a:graphic>
+          <a:graphicData uri="http://schemas.openxmlformats.org/drawingml/2006/table">
+            <a:tbl>
+              <a:tblPr firstRow="1" bandRow="1">
+                <a:tableStyleId>{6E25E649-3F16-4E02-A733-19D2CDBF48F0}</a:tableStyleId>
+              </a:tblPr>
+              <a:tblGrid>
+                <a:gridCol w="2734590">
+                  <a:extLst>
+                    <a:ext uri="{9D8B030D-6E8A-4147-A177-3AD203B41FA5}">
+                      <a16:colId xmlns:a16="http://schemas.microsoft.com/office/drawing/2014/main" val="3351129788"/>
+                    </a:ext>
+                  </a:extLst>
+                </a:gridCol>
+                <a:gridCol w="5287902">
+                  <a:extLst>
+                    <a:ext uri="{9D8B030D-6E8A-4147-A177-3AD203B41FA5}">
+                      <a16:colId xmlns:a16="http://schemas.microsoft.com/office/drawing/2014/main" val="1431853174"/>
+                    </a:ext>
+                  </a:extLst>
+                </a:gridCol>
+              </a:tblGrid>
+              <a:tr h="370840">
+                <a:tc>
+                  <a:txBody>
+                    <a:bodyPr/>
+                    <a:lstStyle/>
+                    <a:p>
+                      <a:pPr marL="0" marR="0" lvl="0" indent="0" algn="ctr" defTabSz="914400" rtl="0" eaLnBrk="1" fontAlgn="auto" latinLnBrk="0" hangingPunct="1">
+                        <a:lnSpc>
+                          <a:spcPct val="100000"/>
+                        </a:lnSpc>
+                        <a:spcBef>
+                          <a:spcPts val="0"/>
+                        </a:spcBef>
+                        <a:spcAft>
+                          <a:spcPts val="0"/>
+                        </a:spcAft>
+                        <a:buClrTx/>
+                        <a:buSzTx/>
+                        <a:buFontTx/>
+                        <a:buNone/>
+                        <a:tabLst/>
+                        <a:defRPr/>
+                      </a:pPr>
+                      <a:r>
+                        <a:rPr lang="en" altLang="zh-CN" sz="1800" b="1" i="0" kern="1200" dirty="0">
+                          <a:solidFill>
+                            <a:schemeClr val="lt1"/>
+                          </a:solidFill>
+                          <a:effectLst/>
+                          <a:latin typeface="Microsoft YaHei Light" panose="020B0503020204020204" pitchFamily="34" charset="-122"/>
+                          <a:ea typeface="Microsoft YaHei Light" panose="020B0503020204020204" pitchFamily="34" charset="-122"/>
+                        </a:rPr>
+                        <a:t>Variable Name</a:t>
+                      </a:r>
+                      <a:endParaRPr lang="en" altLang="zh-CN" sz="1800" b="1" i="0" kern="1200" dirty="0">
+                        <a:solidFill>
+                          <a:schemeClr val="lt1"/>
+                        </a:solidFill>
+                        <a:effectLst/>
+                        <a:latin typeface="Microsoft YaHei Light" panose="020B0503020204020204" pitchFamily="34" charset="-122"/>
+                        <a:ea typeface="Microsoft YaHei Light" panose="020B0503020204020204" pitchFamily="34" charset="-122"/>
+                        <a:cs typeface="+mn-cs"/>
+                      </a:endParaRPr>
+                    </a:p>
+                  </a:txBody>
+                  <a:tcPr>
+                    <a:solidFill>
+                      <a:srgbClr val="003677"/>
+                    </a:solidFill>
+                  </a:tcPr>
+                </a:tc>
+                <a:tc>
+                  <a:txBody>
+                    <a:bodyPr/>
+                    <a:lstStyle/>
+                    <a:p>
+                      <a:pPr marL="0" marR="0" lvl="0" indent="0" algn="ctr" defTabSz="914400" rtl="0" eaLnBrk="1" fontAlgn="auto" latinLnBrk="0" hangingPunct="1">
+                        <a:lnSpc>
+                          <a:spcPct val="100000"/>
+                        </a:lnSpc>
+                        <a:spcBef>
+                          <a:spcPts val="0"/>
+                        </a:spcBef>
+                        <a:spcAft>
+                          <a:spcPts val="0"/>
+                        </a:spcAft>
+                        <a:buClrTx/>
+                        <a:buSzTx/>
+                        <a:buFontTx/>
+                        <a:buNone/>
+                        <a:tabLst/>
+                        <a:defRPr/>
+                      </a:pPr>
+                      <a:r>
+                        <a:rPr lang="en" altLang="zh-CN" sz="1800" b="1" i="0" kern="1200" dirty="0">
+                          <a:solidFill>
+                            <a:schemeClr val="lt1"/>
+                          </a:solidFill>
+                          <a:effectLst/>
+                          <a:latin typeface="Microsoft YaHei Light" panose="020B0503020204020204" pitchFamily="34" charset="-122"/>
+                          <a:ea typeface="Microsoft YaHei Light" panose="020B0503020204020204" pitchFamily="34" charset="-122"/>
+                        </a:rPr>
+                        <a:t>Description</a:t>
+                      </a:r>
+                      <a:endParaRPr lang="en" altLang="zh-CN" sz="1800" b="1" i="0" kern="1200" dirty="0">
+                        <a:solidFill>
+                          <a:schemeClr val="lt1"/>
+                        </a:solidFill>
+                        <a:effectLst/>
+                        <a:latin typeface="Microsoft YaHei Light" panose="020B0503020204020204" pitchFamily="34" charset="-122"/>
+                        <a:ea typeface="Microsoft YaHei Light" panose="020B0503020204020204" pitchFamily="34" charset="-122"/>
+                        <a:cs typeface="+mn-cs"/>
+                      </a:endParaRPr>
+                    </a:p>
+                  </a:txBody>
+                  <a:tcPr>
+                    <a:solidFill>
+                      <a:srgbClr val="003677"/>
+                    </a:solidFill>
+                  </a:tcPr>
+                </a:tc>
+                <a:extLst>
+                  <a:ext uri="{0D108BD9-81ED-4DB2-BD59-A6C34878D82A}">
+                    <a16:rowId xmlns:a16="http://schemas.microsoft.com/office/drawing/2014/main" val="364447929"/>
+                  </a:ext>
+                </a:extLst>
+              </a:tr>
+              <a:tr h="370840">
+                <a:tc>
+                  <a:txBody>
+                    <a:bodyPr/>
+                    <a:lstStyle/>
+                    <a:p>
+                      <a:r>
+                        <a:rPr lang="en" b="0" i="0" dirty="0" err="1">
+                          <a:effectLst/>
+                          <a:latin typeface="Microsoft YaHei Light" panose="020B0503020204020204" pitchFamily="34" charset="-122"/>
+                          <a:ea typeface="Microsoft YaHei Light" panose="020B0503020204020204" pitchFamily="34" charset="-122"/>
+                        </a:rPr>
+                        <a:t>initial_pos</a:t>
+                      </a:r>
+                      <a:endParaRPr lang="en" b="0" i="0" dirty="0">
+                        <a:effectLst/>
+                        <a:latin typeface="Microsoft YaHei Light" panose="020B0503020204020204" pitchFamily="34" charset="-122"/>
+                        <a:ea typeface="Microsoft YaHei Light" panose="020B0503020204020204" pitchFamily="34" charset="-122"/>
+                      </a:endParaRPr>
+                    </a:p>
+                  </a:txBody>
+                  <a:tcPr marL="123825" marR="123825" marT="57150" marB="57150" anchor="ctr"/>
+                </a:tc>
+                <a:tc>
+                  <a:txBody>
+                    <a:bodyPr/>
+                    <a:lstStyle/>
+                    <a:p>
+                      <a:r>
+                        <a:rPr lang="en" b="0" i="0" dirty="0">
+                          <a:effectLst/>
+                          <a:latin typeface="Microsoft YaHei Light" panose="020B0503020204020204" pitchFamily="34" charset="-122"/>
+                          <a:ea typeface="Microsoft YaHei Light" panose="020B0503020204020204" pitchFamily="34" charset="-122"/>
+                        </a:rPr>
+                        <a:t>Initial starting position of the racer.</a:t>
+                      </a:r>
+                    </a:p>
+                  </a:txBody>
+                  <a:tcPr marL="123825" marR="123825" marT="57150" marB="57150" anchor="ctr"/>
+                </a:tc>
+                <a:extLst>
+                  <a:ext uri="{0D108BD9-81ED-4DB2-BD59-A6C34878D82A}">
+                    <a16:rowId xmlns:a16="http://schemas.microsoft.com/office/drawing/2014/main" val="3317357395"/>
+                  </a:ext>
+                </a:extLst>
+              </a:tr>
+              <a:tr h="370840">
+                <a:tc>
+                  <a:txBody>
+                    <a:bodyPr/>
+                    <a:lstStyle/>
+                    <a:p>
+                      <a:r>
+                        <a:rPr lang="en" b="0" i="0" dirty="0" err="1">
+                          <a:effectLst/>
+                          <a:latin typeface="Microsoft YaHei Light" panose="020B0503020204020204" pitchFamily="34" charset="-122"/>
+                          <a:ea typeface="Microsoft YaHei Light" panose="020B0503020204020204" pitchFamily="34" charset="-122"/>
+                        </a:rPr>
+                        <a:t>sc_lap</a:t>
+                      </a:r>
+                      <a:endParaRPr lang="en" b="0" i="0" dirty="0">
+                        <a:effectLst/>
+                        <a:latin typeface="Microsoft YaHei Light" panose="020B0503020204020204" pitchFamily="34" charset="-122"/>
+                        <a:ea typeface="Microsoft YaHei Light" panose="020B0503020204020204" pitchFamily="34" charset="-122"/>
+                      </a:endParaRPr>
+                    </a:p>
+                  </a:txBody>
+                  <a:tcPr marL="123825" marR="123825" marT="57150" marB="57150" anchor="ctr"/>
+                </a:tc>
+                <a:tc>
+                  <a:txBody>
+                    <a:bodyPr/>
+                    <a:lstStyle/>
+                    <a:p>
+                      <a:r>
+                        <a:rPr lang="en" b="0" i="0">
+                          <a:effectLst/>
+                          <a:latin typeface="Microsoft YaHei Light" panose="020B0503020204020204" pitchFamily="34" charset="-122"/>
+                          <a:ea typeface="Microsoft YaHei Light" panose="020B0503020204020204" pitchFamily="34" charset="-122"/>
+                        </a:rPr>
+                        <a:t>Lap number when the safety car is deployed.</a:t>
+                      </a:r>
+                    </a:p>
+                  </a:txBody>
+                  <a:tcPr marL="123825" marR="123825" marT="57150" marB="57150" anchor="ctr"/>
+                </a:tc>
+                <a:extLst>
+                  <a:ext uri="{0D108BD9-81ED-4DB2-BD59-A6C34878D82A}">
+                    <a16:rowId xmlns:a16="http://schemas.microsoft.com/office/drawing/2014/main" val="973539917"/>
+                  </a:ext>
+                </a:extLst>
+              </a:tr>
+              <a:tr h="370840">
+                <a:tc>
+                  <a:txBody>
+                    <a:bodyPr/>
+                    <a:lstStyle/>
+                    <a:p>
+                      <a:r>
+                        <a:rPr lang="en" b="0" i="0" dirty="0" err="1">
+                          <a:effectLst/>
+                          <a:latin typeface="Microsoft YaHei Light" panose="020B0503020204020204" pitchFamily="34" charset="-122"/>
+                          <a:ea typeface="Microsoft YaHei Light" panose="020B0503020204020204" pitchFamily="34" charset="-122"/>
+                        </a:rPr>
+                        <a:t>sc_laps_travelled</a:t>
+                      </a:r>
+                      <a:endParaRPr lang="en" b="0" i="0" dirty="0">
+                        <a:effectLst/>
+                        <a:latin typeface="Microsoft YaHei Light" panose="020B0503020204020204" pitchFamily="34" charset="-122"/>
+                        <a:ea typeface="Microsoft YaHei Light" panose="020B0503020204020204" pitchFamily="34" charset="-122"/>
+                      </a:endParaRPr>
+                    </a:p>
+                  </a:txBody>
+                  <a:tcPr marL="123825" marR="123825" marT="57150" marB="57150" anchor="ctr"/>
+                </a:tc>
+                <a:tc>
+                  <a:txBody>
+                    <a:bodyPr/>
+                    <a:lstStyle/>
+                    <a:p>
+                      <a:r>
+                        <a:rPr lang="en" b="0" i="0">
+                          <a:effectLst/>
+                          <a:latin typeface="Microsoft YaHei Light" panose="020B0503020204020204" pitchFamily="34" charset="-122"/>
+                          <a:ea typeface="Microsoft YaHei Light" panose="020B0503020204020204" pitchFamily="34" charset="-122"/>
+                        </a:rPr>
+                        <a:t>Laps travelled for the current tyre set.</a:t>
+                      </a:r>
+                    </a:p>
+                  </a:txBody>
+                  <a:tcPr marL="123825" marR="123825" marT="57150" marB="57150" anchor="ctr"/>
+                </a:tc>
+                <a:extLst>
+                  <a:ext uri="{0D108BD9-81ED-4DB2-BD59-A6C34878D82A}">
+                    <a16:rowId xmlns:a16="http://schemas.microsoft.com/office/drawing/2014/main" val="1261551554"/>
+                  </a:ext>
+                </a:extLst>
+              </a:tr>
+              <a:tr h="370840">
+                <a:tc>
+                  <a:txBody>
+                    <a:bodyPr/>
+                    <a:lstStyle/>
+                    <a:p>
+                      <a:r>
+                        <a:rPr lang="en" b="0" i="0">
+                          <a:effectLst/>
+                          <a:latin typeface="Microsoft YaHei Light" panose="020B0503020204020204" pitchFamily="34" charset="-122"/>
+                          <a:ea typeface="Microsoft YaHei Light" panose="020B0503020204020204" pitchFamily="34" charset="-122"/>
+                        </a:rPr>
+                        <a:t>sc_laps_remaining</a:t>
+                      </a:r>
+                    </a:p>
+                  </a:txBody>
+                  <a:tcPr marL="123825" marR="123825" marT="57150" marB="57150" anchor="ctr"/>
+                </a:tc>
+                <a:tc>
+                  <a:txBody>
+                    <a:bodyPr/>
+                    <a:lstStyle/>
+                    <a:p>
+                      <a:r>
+                        <a:rPr lang="en" b="0" i="0">
+                          <a:effectLst/>
+                          <a:latin typeface="Microsoft YaHei Light" panose="020B0503020204020204" pitchFamily="34" charset="-122"/>
+                          <a:ea typeface="Microsoft YaHei Light" panose="020B0503020204020204" pitchFamily="34" charset="-122"/>
+                        </a:rPr>
+                        <a:t>Laps remained of the race.</a:t>
+                      </a:r>
+                    </a:p>
+                  </a:txBody>
+                  <a:tcPr marL="123825" marR="123825" marT="57150" marB="57150" anchor="ctr"/>
+                </a:tc>
+                <a:extLst>
+                  <a:ext uri="{0D108BD9-81ED-4DB2-BD59-A6C34878D82A}">
+                    <a16:rowId xmlns:a16="http://schemas.microsoft.com/office/drawing/2014/main" val="2434156443"/>
+                  </a:ext>
+                </a:extLst>
+              </a:tr>
+              <a:tr h="370840">
+                <a:tc>
+                  <a:txBody>
+                    <a:bodyPr/>
+                    <a:lstStyle/>
+                    <a:p>
+                      <a:r>
+                        <a:rPr lang="en" b="0" i="0">
+                          <a:effectLst/>
+                          <a:latin typeface="Microsoft YaHei Light" panose="020B0503020204020204" pitchFamily="34" charset="-122"/>
+                          <a:ea typeface="Microsoft YaHei Light" panose="020B0503020204020204" pitchFamily="34" charset="-122"/>
+                        </a:rPr>
+                        <a:t>sc_tyre_compound</a:t>
+                      </a:r>
+                    </a:p>
+                  </a:txBody>
+                  <a:tcPr marL="123825" marR="123825" marT="57150" marB="57150" anchor="ctr"/>
+                </a:tc>
+                <a:tc>
+                  <a:txBody>
+                    <a:bodyPr/>
+                    <a:lstStyle/>
+                    <a:p>
+                      <a:r>
+                        <a:rPr lang="en" b="0" i="0" dirty="0">
+                          <a:effectLst/>
+                          <a:latin typeface="Microsoft YaHei Light" panose="020B0503020204020204" pitchFamily="34" charset="-122"/>
+                          <a:ea typeface="Microsoft YaHei Light" panose="020B0503020204020204" pitchFamily="34" charset="-122"/>
+                        </a:rPr>
+                        <a:t>Current tyre compound.</a:t>
+                      </a:r>
+                    </a:p>
+                  </a:txBody>
+                  <a:tcPr marL="123825" marR="123825" marT="57150" marB="57150" anchor="ctr"/>
+                </a:tc>
+                <a:extLst>
+                  <a:ext uri="{0D108BD9-81ED-4DB2-BD59-A6C34878D82A}">
+                    <a16:rowId xmlns:a16="http://schemas.microsoft.com/office/drawing/2014/main" val="1599882586"/>
+                  </a:ext>
+                </a:extLst>
+              </a:tr>
+              <a:tr h="370840">
+                <a:tc>
+                  <a:txBody>
+                    <a:bodyPr/>
+                    <a:lstStyle/>
+                    <a:p>
+                      <a:r>
+                        <a:rPr lang="en" b="0" i="0" dirty="0" err="1">
+                          <a:effectLst/>
+                          <a:latin typeface="Microsoft YaHei Light" panose="020B0503020204020204" pitchFamily="34" charset="-122"/>
+                          <a:ea typeface="Microsoft YaHei Light" panose="020B0503020204020204" pitchFamily="34" charset="-122"/>
+                        </a:rPr>
+                        <a:t>before_pit_pos</a:t>
+                      </a:r>
+                      <a:endParaRPr lang="en" b="0" i="0" dirty="0">
+                        <a:effectLst/>
+                        <a:latin typeface="Microsoft YaHei Light" panose="020B0503020204020204" pitchFamily="34" charset="-122"/>
+                        <a:ea typeface="Microsoft YaHei Light" panose="020B0503020204020204" pitchFamily="34" charset="-122"/>
+                      </a:endParaRPr>
+                    </a:p>
+                  </a:txBody>
+                  <a:tcPr marL="123825" marR="123825" marT="57150" marB="57150" anchor="ctr"/>
+                </a:tc>
+                <a:tc>
+                  <a:txBody>
+                    <a:bodyPr/>
+                    <a:lstStyle/>
+                    <a:p>
+                      <a:r>
+                        <a:rPr lang="en" b="0" i="0">
+                          <a:effectLst/>
+                          <a:latin typeface="Microsoft YaHei Light" panose="020B0503020204020204" pitchFamily="34" charset="-122"/>
+                          <a:ea typeface="Microsoft YaHei Light" panose="020B0503020204020204" pitchFamily="34" charset="-122"/>
+                        </a:rPr>
+                        <a:t>Current position (before pitstop).</a:t>
+                      </a:r>
+                    </a:p>
+                  </a:txBody>
+                  <a:tcPr marL="123825" marR="123825" marT="57150" marB="57150" anchor="ctr"/>
+                </a:tc>
+                <a:extLst>
+                  <a:ext uri="{0D108BD9-81ED-4DB2-BD59-A6C34878D82A}">
+                    <a16:rowId xmlns:a16="http://schemas.microsoft.com/office/drawing/2014/main" val="2220532286"/>
+                  </a:ext>
+                </a:extLst>
+              </a:tr>
+              <a:tr h="370840">
+                <a:tc>
+                  <a:txBody>
+                    <a:bodyPr/>
+                    <a:lstStyle/>
+                    <a:p>
+                      <a:r>
+                        <a:rPr lang="en" b="0" i="0" dirty="0">
+                          <a:effectLst/>
+                          <a:latin typeface="Microsoft YaHei Light" panose="020B0503020204020204" pitchFamily="34" charset="-122"/>
+                          <a:ea typeface="Microsoft YaHei Light" panose="020B0503020204020204" pitchFamily="34" charset="-122"/>
+                        </a:rPr>
+                        <a:t>Temperature</a:t>
+                      </a:r>
+                    </a:p>
+                  </a:txBody>
+                  <a:tcPr marL="123825" marR="123825" marT="57150" marB="57150" anchor="ctr"/>
+                </a:tc>
+                <a:tc>
+                  <a:txBody>
+                    <a:bodyPr/>
+                    <a:lstStyle/>
+                    <a:p>
+                      <a:r>
+                        <a:rPr lang="en" b="0" i="0" dirty="0">
+                          <a:effectLst/>
+                          <a:latin typeface="Microsoft YaHei Light" panose="020B0503020204020204" pitchFamily="34" charset="-122"/>
+                          <a:ea typeface="Microsoft YaHei Light" panose="020B0503020204020204" pitchFamily="34" charset="-122"/>
+                        </a:rPr>
+                        <a:t>Track temperature.</a:t>
+                      </a:r>
+                    </a:p>
+                  </a:txBody>
+                  <a:tcPr marL="123825" marR="123825" marT="57150" marB="57150" anchor="ctr"/>
+                </a:tc>
+                <a:extLst>
+                  <a:ext uri="{0D108BD9-81ED-4DB2-BD59-A6C34878D82A}">
+                    <a16:rowId xmlns:a16="http://schemas.microsoft.com/office/drawing/2014/main" val="439688520"/>
+                  </a:ext>
+                </a:extLst>
+              </a:tr>
+              <a:tr h="370840">
+                <a:tc>
+                  <a:txBody>
+                    <a:bodyPr/>
+                    <a:lstStyle/>
+                    <a:p>
+                      <a:r>
+                        <a:rPr lang="en" b="0" i="0" dirty="0">
+                          <a:effectLst/>
+                          <a:latin typeface="Microsoft YaHei Light" panose="020B0503020204020204" pitchFamily="34" charset="-122"/>
+                          <a:ea typeface="Microsoft YaHei Light" panose="020B0503020204020204" pitchFamily="34" charset="-122"/>
+                        </a:rPr>
+                        <a:t>Humidity</a:t>
+                      </a:r>
+                    </a:p>
+                  </a:txBody>
+                  <a:tcPr marL="123825" marR="123825" marT="57150" marB="57150" anchor="ctr"/>
+                </a:tc>
+                <a:tc>
+                  <a:txBody>
+                    <a:bodyPr/>
+                    <a:lstStyle/>
+                    <a:p>
+                      <a:r>
+                        <a:rPr lang="en" b="0" i="0">
+                          <a:effectLst/>
+                          <a:latin typeface="Microsoft YaHei Light" panose="020B0503020204020204" pitchFamily="34" charset="-122"/>
+                          <a:ea typeface="Microsoft YaHei Light" panose="020B0503020204020204" pitchFamily="34" charset="-122"/>
+                        </a:rPr>
+                        <a:t>Track humidity.</a:t>
+                      </a:r>
+                    </a:p>
+                  </a:txBody>
+                  <a:tcPr marL="123825" marR="123825" marT="57150" marB="57150" anchor="ctr"/>
+                </a:tc>
+                <a:extLst>
+                  <a:ext uri="{0D108BD9-81ED-4DB2-BD59-A6C34878D82A}">
+                    <a16:rowId xmlns:a16="http://schemas.microsoft.com/office/drawing/2014/main" val="3281301671"/>
+                  </a:ext>
+                </a:extLst>
+              </a:tr>
+              <a:tr h="370840">
+                <a:tc>
+                  <a:txBody>
+                    <a:bodyPr/>
+                    <a:lstStyle/>
+                    <a:p>
+                      <a:r>
+                        <a:rPr lang="en" b="0" i="0">
+                          <a:effectLst/>
+                          <a:latin typeface="Microsoft YaHei Light" panose="020B0503020204020204" pitchFamily="34" charset="-122"/>
+                          <a:ea typeface="Microsoft YaHei Light" panose="020B0503020204020204" pitchFamily="34" charset="-122"/>
+                        </a:rPr>
+                        <a:t>Altitude</a:t>
+                      </a:r>
+                    </a:p>
+                  </a:txBody>
+                  <a:tcPr marL="123825" marR="123825" marT="57150" marB="57150" anchor="ctr"/>
+                </a:tc>
+                <a:tc>
+                  <a:txBody>
+                    <a:bodyPr/>
+                    <a:lstStyle/>
+                    <a:p>
+                      <a:r>
+                        <a:rPr lang="en" b="0" i="0">
+                          <a:effectLst/>
+                          <a:latin typeface="Microsoft YaHei Light" panose="020B0503020204020204" pitchFamily="34" charset="-122"/>
+                          <a:ea typeface="Microsoft YaHei Light" panose="020B0503020204020204" pitchFamily="34" charset="-122"/>
+                        </a:rPr>
+                        <a:t>Track maximum altitude change.</a:t>
+                      </a:r>
+                    </a:p>
+                  </a:txBody>
+                  <a:tcPr marL="123825" marR="123825" marT="57150" marB="57150" anchor="ctr"/>
+                </a:tc>
+                <a:extLst>
+                  <a:ext uri="{0D108BD9-81ED-4DB2-BD59-A6C34878D82A}">
+                    <a16:rowId xmlns:a16="http://schemas.microsoft.com/office/drawing/2014/main" val="208824927"/>
+                  </a:ext>
+                </a:extLst>
+              </a:tr>
+              <a:tr h="370840">
+                <a:tc>
+                  <a:txBody>
+                    <a:bodyPr/>
+                    <a:lstStyle/>
+                    <a:p>
+                      <a:r>
+                        <a:rPr lang="en" b="0" i="0">
+                          <a:effectLst/>
+                          <a:latin typeface="Microsoft YaHei Light" panose="020B0503020204020204" pitchFamily="34" charset="-122"/>
+                          <a:ea typeface="Microsoft YaHei Light" panose="020B0503020204020204" pitchFamily="34" charset="-122"/>
+                        </a:rPr>
+                        <a:t>Turns</a:t>
+                      </a:r>
+                    </a:p>
+                  </a:txBody>
+                  <a:tcPr marL="123825" marR="123825" marT="57150" marB="57150" anchor="ctr"/>
+                </a:tc>
+                <a:tc>
+                  <a:txBody>
+                    <a:bodyPr/>
+                    <a:lstStyle/>
+                    <a:p>
+                      <a:r>
+                        <a:rPr lang="en" b="0" i="0">
+                          <a:effectLst/>
+                          <a:latin typeface="Microsoft YaHei Light" panose="020B0503020204020204" pitchFamily="34" charset="-122"/>
+                          <a:ea typeface="Microsoft YaHei Light" panose="020B0503020204020204" pitchFamily="34" charset="-122"/>
+                        </a:rPr>
+                        <a:t>Track number of turns in a lap.</a:t>
+                      </a:r>
+                    </a:p>
+                  </a:txBody>
+                  <a:tcPr marL="123825" marR="123825" marT="57150" marB="57150" anchor="ctr"/>
+                </a:tc>
+                <a:extLst>
+                  <a:ext uri="{0D108BD9-81ED-4DB2-BD59-A6C34878D82A}">
+                    <a16:rowId xmlns:a16="http://schemas.microsoft.com/office/drawing/2014/main" val="4174447225"/>
+                  </a:ext>
+                </a:extLst>
+              </a:tr>
+              <a:tr h="370840">
+                <a:tc>
+                  <a:txBody>
+                    <a:bodyPr/>
+                    <a:lstStyle/>
+                    <a:p>
+                      <a:r>
+                        <a:rPr lang="en" b="0" i="0">
+                          <a:effectLst/>
+                          <a:latin typeface="Microsoft YaHei Light" panose="020B0503020204020204" pitchFamily="34" charset="-122"/>
+                          <a:ea typeface="Microsoft YaHei Light" panose="020B0503020204020204" pitchFamily="34" charset="-122"/>
+                        </a:rPr>
+                        <a:t>RaceDistance</a:t>
+                      </a:r>
+                    </a:p>
+                  </a:txBody>
+                  <a:tcPr marL="123825" marR="123825" marT="57150" marB="57150" anchor="ctr"/>
+                </a:tc>
+                <a:tc>
+                  <a:txBody>
+                    <a:bodyPr/>
+                    <a:lstStyle/>
+                    <a:p>
+                      <a:r>
+                        <a:rPr lang="en" b="0" i="0" dirty="0">
+                          <a:effectLst/>
+                          <a:latin typeface="Microsoft YaHei Light" panose="020B0503020204020204" pitchFamily="34" charset="-122"/>
+                          <a:ea typeface="Microsoft YaHei Light" panose="020B0503020204020204" pitchFamily="34" charset="-122"/>
+                        </a:rPr>
+                        <a:t>Track race distance / total number of laps.</a:t>
+                      </a:r>
+                    </a:p>
+                  </a:txBody>
+                  <a:tcPr marL="123825" marR="123825" marT="57150" marB="57150" anchor="ctr"/>
+                </a:tc>
+                <a:extLst>
+                  <a:ext uri="{0D108BD9-81ED-4DB2-BD59-A6C34878D82A}">
+                    <a16:rowId xmlns:a16="http://schemas.microsoft.com/office/drawing/2014/main" val="3220303082"/>
+                  </a:ext>
+                </a:extLst>
+              </a:tr>
+              <a:tr h="370840">
+                <a:tc>
+                  <a:txBody>
+                    <a:bodyPr/>
+                    <a:lstStyle/>
+                    <a:p>
+                      <a:r>
+                        <a:rPr lang="en" b="0" i="0">
+                          <a:effectLst/>
+                          <a:latin typeface="Microsoft YaHei Light" panose="020B0503020204020204" pitchFamily="34" charset="-122"/>
+                          <a:ea typeface="Microsoft YaHei Light" panose="020B0503020204020204" pitchFamily="34" charset="-122"/>
+                        </a:rPr>
+                        <a:t>TrackLength</a:t>
+                      </a:r>
+                    </a:p>
+                  </a:txBody>
+                  <a:tcPr marL="123825" marR="123825" marT="57150" marB="57150" anchor="ctr"/>
+                </a:tc>
+                <a:tc>
+                  <a:txBody>
+                    <a:bodyPr/>
+                    <a:lstStyle/>
+                    <a:p>
+                      <a:r>
+                        <a:rPr lang="en" b="0" i="0">
+                          <a:effectLst/>
+                          <a:latin typeface="Microsoft YaHei Light" panose="020B0503020204020204" pitchFamily="34" charset="-122"/>
+                          <a:ea typeface="Microsoft YaHei Light" panose="020B0503020204020204" pitchFamily="34" charset="-122"/>
+                        </a:rPr>
+                        <a:t>Track total length of race (in km).</a:t>
+                      </a:r>
+                    </a:p>
+                  </a:txBody>
+                  <a:tcPr marL="123825" marR="123825" marT="57150" marB="57150" anchor="ctr"/>
+                </a:tc>
+                <a:extLst>
+                  <a:ext uri="{0D108BD9-81ED-4DB2-BD59-A6C34878D82A}">
+                    <a16:rowId xmlns:a16="http://schemas.microsoft.com/office/drawing/2014/main" val="146141231"/>
+                  </a:ext>
+                </a:extLst>
+              </a:tr>
+              <a:tr h="370840">
+                <a:tc>
+                  <a:txBody>
+                    <a:bodyPr/>
+                    <a:lstStyle/>
+                    <a:p>
+                      <a:r>
+                        <a:rPr lang="en" b="0" i="0">
+                          <a:effectLst/>
+                          <a:latin typeface="Microsoft YaHei Light" panose="020B0503020204020204" pitchFamily="34" charset="-122"/>
+                          <a:ea typeface="Microsoft YaHei Light" panose="020B0503020204020204" pitchFamily="34" charset="-122"/>
+                        </a:rPr>
+                        <a:t>TeamAbility</a:t>
+                      </a:r>
+                    </a:p>
+                  </a:txBody>
+                  <a:tcPr marL="123825" marR="123825" marT="57150" marB="57150" anchor="ctr"/>
+                </a:tc>
+                <a:tc>
+                  <a:txBody>
+                    <a:bodyPr/>
+                    <a:lstStyle/>
+                    <a:p>
+                      <a:r>
+                        <a:rPr lang="en" b="0" i="0" dirty="0">
+                          <a:effectLst/>
+                          <a:latin typeface="Microsoft YaHei Light" panose="020B0503020204020204" pitchFamily="34" charset="-122"/>
+                          <a:ea typeface="Microsoft YaHei Light" panose="020B0503020204020204" pitchFamily="34" charset="-122"/>
+                        </a:rPr>
+                        <a:t>Team Ability from previous season points</a:t>
+                      </a:r>
+                    </a:p>
+                  </a:txBody>
+                  <a:tcPr marL="123825" marR="123825" marT="57150" marB="57150" anchor="ctr"/>
+                </a:tc>
+                <a:extLst>
+                  <a:ext uri="{0D108BD9-81ED-4DB2-BD59-A6C34878D82A}">
+                    <a16:rowId xmlns:a16="http://schemas.microsoft.com/office/drawing/2014/main" val="1422966893"/>
+                  </a:ext>
+                </a:extLst>
+              </a:tr>
+              <a:tr h="370840">
+                <a:tc>
+                  <a:txBody>
+                    <a:bodyPr/>
+                    <a:lstStyle/>
+                    <a:p>
+                      <a:r>
+                        <a:rPr lang="en" b="0" i="0">
+                          <a:effectLst/>
+                          <a:latin typeface="Microsoft YaHei Light" panose="020B0503020204020204" pitchFamily="34" charset="-122"/>
+                          <a:ea typeface="Microsoft YaHei Light" panose="020B0503020204020204" pitchFamily="34" charset="-122"/>
+                        </a:rPr>
+                        <a:t>DriverAbility</a:t>
+                      </a:r>
+                    </a:p>
+                  </a:txBody>
+                  <a:tcPr marL="123825" marR="123825" marT="57150" marB="57150" anchor="ctr"/>
+                </a:tc>
+                <a:tc>
+                  <a:txBody>
+                    <a:bodyPr/>
+                    <a:lstStyle/>
+                    <a:p>
+                      <a:r>
+                        <a:rPr lang="en" b="0" i="0" dirty="0">
+                          <a:effectLst/>
+                          <a:latin typeface="Microsoft YaHei Light" panose="020B0503020204020204" pitchFamily="34" charset="-122"/>
+                          <a:ea typeface="Microsoft YaHei Light" panose="020B0503020204020204" pitchFamily="34" charset="-122"/>
+                        </a:rPr>
+                        <a:t>Driver Ability from previous season drivers' points).</a:t>
+                      </a:r>
+                    </a:p>
+                  </a:txBody>
+                  <a:tcPr marL="123825" marR="123825" marT="57150" marB="57150" anchor="ctr"/>
+                </a:tc>
+                <a:extLst>
+                  <a:ext uri="{0D108BD9-81ED-4DB2-BD59-A6C34878D82A}">
+                    <a16:rowId xmlns:a16="http://schemas.microsoft.com/office/drawing/2014/main" val="3487636445"/>
+                  </a:ext>
+                </a:extLst>
+              </a:tr>
+              <a:tr h="370840">
+                <a:tc>
+                  <a:txBody>
+                    <a:bodyPr/>
+                    <a:lstStyle/>
+                    <a:p>
+                      <a:r>
+                        <a:rPr lang="en" b="0" i="0">
+                          <a:effectLst/>
+                          <a:latin typeface="Microsoft YaHei Light" panose="020B0503020204020204" pitchFamily="34" charset="-122"/>
+                          <a:ea typeface="Microsoft YaHei Light" panose="020B0503020204020204" pitchFamily="34" charset="-122"/>
+                        </a:rPr>
+                        <a:t>final_pos_gained</a:t>
+                      </a:r>
+                    </a:p>
+                  </a:txBody>
+                  <a:tcPr marL="123825" marR="123825" marT="57150" marB="57150" anchor="ctr"/>
+                </a:tc>
+                <a:tc>
+                  <a:txBody>
+                    <a:bodyPr/>
+                    <a:lstStyle/>
+                    <a:p>
+                      <a:r>
+                        <a:rPr lang="en" b="0" i="0" dirty="0">
+                          <a:effectLst/>
+                          <a:latin typeface="Microsoft YaHei Light" panose="020B0503020204020204" pitchFamily="34" charset="-122"/>
+                          <a:ea typeface="Microsoft YaHei Light" panose="020B0503020204020204" pitchFamily="34" charset="-122"/>
+                        </a:rPr>
+                        <a:t>Final position gain or loss, reflecting the success </a:t>
+                      </a:r>
+                      <a:r>
+                        <a:rPr lang="en" altLang="zh-CN" sz="1800" b="0" i="0" kern="1200" dirty="0">
+                          <a:solidFill>
+                            <a:schemeClr val="dk1"/>
+                          </a:solidFill>
+                          <a:effectLst/>
+                          <a:latin typeface="Microsoft YaHei Light" panose="020B0503020204020204" pitchFamily="34" charset="-122"/>
+                          <a:ea typeface="Microsoft YaHei Light" panose="020B0503020204020204" pitchFamily="34" charset="-122"/>
+                          <a:cs typeface="+mn-cs"/>
+                        </a:rPr>
+                        <a:t>of different strategies.</a:t>
+                      </a:r>
+                      <a:endParaRPr lang="en" b="0" i="0" dirty="0">
+                        <a:effectLst/>
+                        <a:latin typeface="Microsoft YaHei Light" panose="020B0503020204020204" pitchFamily="34" charset="-122"/>
+                        <a:ea typeface="Microsoft YaHei Light" panose="020B0503020204020204" pitchFamily="34" charset="-122"/>
+                      </a:endParaRPr>
+                    </a:p>
+                  </a:txBody>
+                  <a:tcPr marL="123825" marR="123825" marT="57150" marB="57150" anchor="ctr"/>
+                </a:tc>
+                <a:extLst>
+                  <a:ext uri="{0D108BD9-81ED-4DB2-BD59-A6C34878D82A}">
+                    <a16:rowId xmlns:a16="http://schemas.microsoft.com/office/drawing/2014/main" val="3168096626"/>
+                  </a:ext>
+                </a:extLst>
+              </a:tr>
+            </a:tbl>
+          </a:graphicData>
+        </a:graphic>
+      </p:graphicFrame>
+      <p:sp>
+        <p:nvSpPr>
+          <p:cNvPr id="4" name="文本框 3">
+            <a:extLst>
+              <a:ext uri="{FF2B5EF4-FFF2-40B4-BE49-F238E27FC236}">
+                <a16:creationId xmlns:a16="http://schemas.microsoft.com/office/drawing/2014/main" id="{882FE294-681C-1A26-EEE8-B03EDA67C385}"/>
+              </a:ext>
+            </a:extLst>
+          </p:cNvPr>
+          <p:cNvSpPr txBox="1"/>
+          <p:nvPr/>
+        </p:nvSpPr>
+        <p:spPr>
+          <a:xfrm>
+            <a:off x="232247" y="2538755"/>
+            <a:ext cx="3097130" cy="769441"/>
+          </a:xfrm>
+          <a:prstGeom prst="rect">
+            <a:avLst/>
+          </a:prstGeom>
+          <a:noFill/>
+        </p:spPr>
+        <p:txBody>
+          <a:bodyPr wrap="none" rtlCol="0">
+            <a:spAutoFit/>
+          </a:bodyPr>
+          <a:lstStyle/>
+          <a:p>
+            <a:r>
+              <a:rPr kumimoji="1" lang="en-US" altLang="zh-CN" sz="2400" b="1" dirty="0">
+                <a:latin typeface="Microsoft YaHei" panose="020B0503020204020204" pitchFamily="34" charset="-122"/>
+                <a:ea typeface="Microsoft YaHei" panose="020B0503020204020204" pitchFamily="34" charset="-122"/>
+              </a:rPr>
+              <a:t>Dataset</a:t>
+            </a:r>
+          </a:p>
+          <a:p>
+            <a:r>
+              <a:rPr kumimoji="1" lang="en-US" altLang="zh-CN" sz="2000" dirty="0">
+                <a:latin typeface="Microsoft YaHei" panose="020B0503020204020204" pitchFamily="34" charset="-122"/>
+                <a:ea typeface="Microsoft YaHei" panose="020B0503020204020204" pitchFamily="34" charset="-122"/>
+              </a:rPr>
+              <a:t>Race data of 2016-2020</a:t>
+            </a:r>
+          </a:p>
+        </p:txBody>
+      </p:sp>
+      <p:sp>
+        <p:nvSpPr>
+          <p:cNvPr id="6" name="文本框 5">
+            <a:extLst>
+              <a:ext uri="{FF2B5EF4-FFF2-40B4-BE49-F238E27FC236}">
+                <a16:creationId xmlns:a16="http://schemas.microsoft.com/office/drawing/2014/main" id="{14019A75-614D-1FD7-63A6-9C576959525B}"/>
+              </a:ext>
+            </a:extLst>
+          </p:cNvPr>
+          <p:cNvSpPr txBox="1"/>
+          <p:nvPr/>
+        </p:nvSpPr>
+        <p:spPr>
+          <a:xfrm>
+            <a:off x="232247" y="3915854"/>
+            <a:ext cx="2976199" cy="1508105"/>
+          </a:xfrm>
+          <a:prstGeom prst="rect">
+            <a:avLst/>
+          </a:prstGeom>
+          <a:noFill/>
+        </p:spPr>
+        <p:txBody>
+          <a:bodyPr wrap="none" rtlCol="0">
+            <a:spAutoFit/>
+          </a:bodyPr>
+          <a:lstStyle/>
+          <a:p>
+            <a:r>
+              <a:rPr kumimoji="1" lang="en-US" altLang="zh-CN" sz="2000" b="1" dirty="0">
+                <a:latin typeface="Microsoft YaHei" panose="020B0503020204020204" pitchFamily="34" charset="-122"/>
+                <a:ea typeface="Microsoft YaHei" panose="020B0503020204020204" pitchFamily="34" charset="-122"/>
+              </a:rPr>
+              <a:t>Work has done</a:t>
+            </a:r>
+          </a:p>
+          <a:p>
+            <a:r>
+              <a:rPr kumimoji="1" lang="en-US" altLang="zh-CN" dirty="0">
+                <a:latin typeface="Microsoft YaHei" panose="020B0503020204020204" pitchFamily="34" charset="-122"/>
+                <a:ea typeface="Microsoft YaHei" panose="020B0503020204020204" pitchFamily="34" charset="-122"/>
+              </a:rPr>
+              <a:t>Extract variables we need</a:t>
+            </a:r>
+          </a:p>
+          <a:p>
+            <a:r>
+              <a:rPr kumimoji="1" lang="en-US" altLang="zh-CN" dirty="0">
+                <a:latin typeface="Microsoft YaHei" panose="020B0503020204020204" pitchFamily="34" charset="-122"/>
+                <a:ea typeface="Microsoft YaHei" panose="020B0503020204020204" pitchFamily="34" charset="-122"/>
+              </a:rPr>
+              <a:t>Consider two conditions:</a:t>
+            </a:r>
+          </a:p>
+          <a:p>
+            <a:r>
+              <a:rPr kumimoji="1" lang="en-US" altLang="zh-CN" dirty="0">
+                <a:latin typeface="Microsoft YaHei" panose="020B0503020204020204" pitchFamily="34" charset="-122"/>
+                <a:ea typeface="Microsoft YaHei" panose="020B0503020204020204" pitchFamily="34" charset="-122"/>
+              </a:rPr>
+              <a:t>    normal</a:t>
+            </a:r>
+          </a:p>
+          <a:p>
+            <a:r>
+              <a:rPr kumimoji="1" lang="en-US" altLang="zh-CN" dirty="0">
+                <a:latin typeface="Microsoft YaHei" panose="020B0503020204020204" pitchFamily="34" charset="-122"/>
+                <a:ea typeface="Microsoft YaHei" panose="020B0503020204020204" pitchFamily="34" charset="-122"/>
+              </a:rPr>
+              <a:t>    under safety car</a:t>
+            </a:r>
           </a:p>
         </p:txBody>
       </p:sp>
@@ -7182,6 +9023,722 @@
 </file>
 
 <file path=ppt/slides/slide8.xml><?xml version="1.0" encoding="utf-8"?>
+<p:sld xmlns:a="http://schemas.openxmlformats.org/drawingml/2006/main" xmlns:r="http://schemas.openxmlformats.org/officeDocument/2006/relationships" xmlns:p="http://schemas.openxmlformats.org/presentationml/2006/main">
+  <p:cSld>
+    <p:spTree>
+      <p:nvGrpSpPr>
+        <p:cNvPr id="1" name="">
+          <a:extLst>
+            <a:ext uri="{FF2B5EF4-FFF2-40B4-BE49-F238E27FC236}">
+              <a16:creationId xmlns:a16="http://schemas.microsoft.com/office/drawing/2014/main" id="{017AAE1F-1A91-87A7-2720-BEDD773F48BF}"/>
+            </a:ext>
+          </a:extLst>
+        </p:cNvPr>
+        <p:cNvGrpSpPr/>
+        <p:nvPr/>
+      </p:nvGrpSpPr>
+      <p:grpSpPr>
+        <a:xfrm>
+          <a:off x="0" y="0"/>
+          <a:ext cx="0" cy="0"/>
+          <a:chOff x="0" y="0"/>
+          <a:chExt cx="0" cy="0"/>
+        </a:xfrm>
+      </p:grpSpPr>
+      <p:sp>
+        <p:nvSpPr>
+          <p:cNvPr id="5" name="Rectangle 2">
+            <a:extLst>
+              <a:ext uri="{FF2B5EF4-FFF2-40B4-BE49-F238E27FC236}">
+                <a16:creationId xmlns:a16="http://schemas.microsoft.com/office/drawing/2014/main" id="{D102F89A-7B89-E221-7455-BC31876F4F39}"/>
+              </a:ext>
+            </a:extLst>
+          </p:cNvPr>
+          <p:cNvSpPr txBox="1">
+            <a:spLocks noChangeArrowheads="1"/>
+          </p:cNvSpPr>
+          <p:nvPr/>
+        </p:nvSpPr>
+        <p:spPr bwMode="auto">
+          <a:xfrm>
+            <a:off x="237184" y="1"/>
+            <a:ext cx="11954816" cy="1177045"/>
+          </a:xfrm>
+          <a:prstGeom prst="rect">
+            <a:avLst/>
+          </a:prstGeom>
+          <a:noFill/>
+          <a:ln>
+            <a:noFill/>
+          </a:ln>
+          <a:effectLst/>
+          <a:extLst>
+            <a:ext uri="{909E8E84-426E-40DD-AFC4-6F175D3DCCD1}">
+              <a14:hiddenFill xmlns:a14="http://schemas.microsoft.com/office/drawing/2010/main">
+                <a:solidFill>
+                  <a:schemeClr val="accent1"/>
+                </a:solidFill>
+              </a14:hiddenFill>
+            </a:ext>
+            <a:ext uri="{91240B29-F687-4F45-9708-019B960494DF}">
+              <a14:hiddenLine xmlns:a14="http://schemas.microsoft.com/office/drawing/2010/main" w="9525">
+                <a:solidFill>
+                  <a:schemeClr val="tx1"/>
+                </a:solidFill>
+                <a:miter lim="800000"/>
+                <a:headEnd/>
+                <a:tailEnd/>
+              </a14:hiddenLine>
+            </a:ext>
+            <a:ext uri="{AF507438-7753-43E0-B8FC-AC1667EBCBE1}">
+              <a14:hiddenEffects xmlns:a14="http://schemas.microsoft.com/office/drawing/2010/main">
+                <a:effectLst>
+                  <a:outerShdw dist="35921" dir="2700000" algn="ctr" rotWithShape="0">
+                    <a:schemeClr val="bg2"/>
+                  </a:outerShdw>
+                </a:effectLst>
+              </a14:hiddenEffects>
+            </a:ext>
+          </a:extLst>
+        </p:spPr>
+        <p:txBody>
+          <a:bodyPr vert="horz" wrap="square" lIns="91440" tIns="45720" rIns="91440" bIns="45720" numCol="1" anchor="ctr" anchorCtr="0" compatLnSpc="1">
+            <a:prstTxWarp prst="textNoShape">
+              <a:avLst/>
+            </a:prstTxWarp>
+          </a:bodyPr>
+          <a:lstStyle>
+            <a:lvl1pPr algn="l" defTabSz="914400" rtl="0" eaLnBrk="1" latinLnBrk="0" hangingPunct="1">
+              <a:lnSpc>
+                <a:spcPct val="90000"/>
+              </a:lnSpc>
+              <a:spcBef>
+                <a:spcPct val="0"/>
+              </a:spcBef>
+              <a:buNone/>
+              <a:defRPr sz="4400" kern="1200">
+                <a:solidFill>
+                  <a:schemeClr val="tx1"/>
+                </a:solidFill>
+                <a:latin typeface="+mj-lt"/>
+                <a:ea typeface="+mj-ea"/>
+                <a:cs typeface="+mj-cs"/>
+              </a:defRPr>
+            </a:lvl1pPr>
+          </a:lstStyle>
+          <a:p>
+            <a:r>
+              <a:rPr lang="en-US" altLang="zh-TW" sz="3500" b="1" dirty="0">
+                <a:latin typeface="Microsoft YaHei" panose="020B0503020204020204" pitchFamily="34" charset="-122"/>
+                <a:ea typeface="Microsoft YaHei" panose="020B0503020204020204" pitchFamily="34" charset="-122"/>
+              </a:rPr>
+              <a:t>Methodology</a:t>
+            </a:r>
+            <a:endParaRPr lang="zh-TW" altLang="en-US" sz="3500" b="1" dirty="0">
+              <a:latin typeface="Microsoft YaHei" panose="020B0503020204020204" pitchFamily="34" charset="-122"/>
+              <a:ea typeface="Microsoft YaHei" panose="020B0503020204020204" pitchFamily="34" charset="-122"/>
+            </a:endParaRPr>
+          </a:p>
+        </p:txBody>
+      </p:sp>
+      <p:sp>
+        <p:nvSpPr>
+          <p:cNvPr id="2" name="文本框 1">
+            <a:extLst>
+              <a:ext uri="{FF2B5EF4-FFF2-40B4-BE49-F238E27FC236}">
+                <a16:creationId xmlns:a16="http://schemas.microsoft.com/office/drawing/2014/main" id="{B4FD2CE5-0D68-2E4C-3FDE-670906CB93E2}"/>
+              </a:ext>
+            </a:extLst>
+          </p:cNvPr>
+          <p:cNvSpPr txBox="1"/>
+          <p:nvPr/>
+        </p:nvSpPr>
+        <p:spPr>
+          <a:xfrm>
+            <a:off x="237184" y="1177044"/>
+            <a:ext cx="2938368" cy="954107"/>
+          </a:xfrm>
+          <a:prstGeom prst="rect">
+            <a:avLst/>
+          </a:prstGeom>
+          <a:noFill/>
+        </p:spPr>
+        <p:txBody>
+          <a:bodyPr wrap="none" rtlCol="0">
+            <a:spAutoFit/>
+          </a:bodyPr>
+          <a:lstStyle/>
+          <a:p>
+            <a:r>
+              <a:rPr kumimoji="1" lang="en-US" altLang="zh-CN" sz="2800" dirty="0">
+                <a:latin typeface="Microsoft YaHei" panose="020B0503020204020204" pitchFamily="34" charset="-122"/>
+                <a:ea typeface="Microsoft YaHei" panose="020B0503020204020204" pitchFamily="34" charset="-122"/>
+              </a:rPr>
+              <a:t>Data Processing</a:t>
+            </a:r>
+          </a:p>
+          <a:p>
+            <a:r>
+              <a:rPr kumimoji="1" lang="en-US" altLang="zh-CN" sz="2800" dirty="0" err="1">
+                <a:latin typeface="Microsoft YaHei" panose="020B0503020204020204" pitchFamily="34" charset="-122"/>
+                <a:ea typeface="Microsoft YaHei" panose="020B0503020204020204" pitchFamily="34" charset="-122"/>
+              </a:rPr>
+              <a:t>Tyre</a:t>
+            </a:r>
+            <a:r>
+              <a:rPr kumimoji="1" lang="en-US" altLang="zh-CN" sz="2800" dirty="0">
+                <a:latin typeface="Microsoft YaHei" panose="020B0503020204020204" pitchFamily="34" charset="-122"/>
+                <a:ea typeface="Microsoft YaHei" panose="020B0503020204020204" pitchFamily="34" charset="-122"/>
+              </a:rPr>
+              <a:t> Compound</a:t>
+            </a:r>
+            <a:endParaRPr kumimoji="1" lang="zh-CN" altLang="en-US" sz="2800" dirty="0">
+              <a:latin typeface="Microsoft YaHei" panose="020B0503020204020204" pitchFamily="34" charset="-122"/>
+              <a:ea typeface="Microsoft YaHei" panose="020B0503020204020204" pitchFamily="34" charset="-122"/>
+            </a:endParaRPr>
+          </a:p>
+        </p:txBody>
+      </p:sp>
+      <p:graphicFrame>
+        <p:nvGraphicFramePr>
+          <p:cNvPr id="3" name="表格 2">
+            <a:extLst>
+              <a:ext uri="{FF2B5EF4-FFF2-40B4-BE49-F238E27FC236}">
+                <a16:creationId xmlns:a16="http://schemas.microsoft.com/office/drawing/2014/main" id="{2791E29E-9A68-B630-B8E3-A0FC6855395F}"/>
+              </a:ext>
+            </a:extLst>
+          </p:cNvPr>
+          <p:cNvGraphicFramePr>
+            <a:graphicFrameLocks noGrp="1"/>
+          </p:cNvGraphicFramePr>
+          <p:nvPr>
+            <p:extLst>
+              <p:ext uri="{D42A27DB-BD31-4B8C-83A1-F6EECF244321}">
+                <p14:modId xmlns:p14="http://schemas.microsoft.com/office/powerpoint/2010/main" val="3324421740"/>
+              </p:ext>
+            </p:extLst>
+          </p:nvPr>
+        </p:nvGraphicFramePr>
+        <p:xfrm>
+          <a:off x="3935048" y="1689100"/>
+          <a:ext cx="8022492" cy="3479800"/>
+        </p:xfrm>
+        <a:graphic>
+          <a:graphicData uri="http://schemas.openxmlformats.org/drawingml/2006/table">
+            <a:tbl>
+              <a:tblPr firstRow="1" bandRow="1">
+                <a:tableStyleId>{6E25E649-3F16-4E02-A733-19D2CDBF48F0}</a:tableStyleId>
+              </a:tblPr>
+              <a:tblGrid>
+                <a:gridCol w="2734590">
+                  <a:extLst>
+                    <a:ext uri="{9D8B030D-6E8A-4147-A177-3AD203B41FA5}">
+                      <a16:colId xmlns:a16="http://schemas.microsoft.com/office/drawing/2014/main" val="3351129788"/>
+                    </a:ext>
+                  </a:extLst>
+                </a:gridCol>
+                <a:gridCol w="5287902">
+                  <a:extLst>
+                    <a:ext uri="{9D8B030D-6E8A-4147-A177-3AD203B41FA5}">
+                      <a16:colId xmlns:a16="http://schemas.microsoft.com/office/drawing/2014/main" val="1431853174"/>
+                    </a:ext>
+                  </a:extLst>
+                </a:gridCol>
+              </a:tblGrid>
+              <a:tr h="370840">
+                <a:tc>
+                  <a:txBody>
+                    <a:bodyPr/>
+                    <a:lstStyle/>
+                    <a:p>
+                      <a:pPr marL="0" marR="0" lvl="0" indent="0" algn="ctr" defTabSz="914400" rtl="0" eaLnBrk="1" fontAlgn="auto" latinLnBrk="0" hangingPunct="1">
+                        <a:lnSpc>
+                          <a:spcPct val="100000"/>
+                        </a:lnSpc>
+                        <a:spcBef>
+                          <a:spcPts val="0"/>
+                        </a:spcBef>
+                        <a:spcAft>
+                          <a:spcPts val="0"/>
+                        </a:spcAft>
+                        <a:buClrTx/>
+                        <a:buSzTx/>
+                        <a:buFontTx/>
+                        <a:buNone/>
+                        <a:tabLst/>
+                        <a:defRPr/>
+                      </a:pPr>
+                      <a:r>
+                        <a:rPr lang="en" altLang="zh-CN" sz="1800" b="1" i="0" kern="1200" dirty="0">
+                          <a:solidFill>
+                            <a:schemeClr val="lt1"/>
+                          </a:solidFill>
+                          <a:effectLst/>
+                          <a:latin typeface="Microsoft YaHei Light" panose="020B0503020204020204" pitchFamily="34" charset="-122"/>
+                          <a:ea typeface="Microsoft YaHei Light" panose="020B0503020204020204" pitchFamily="34" charset="-122"/>
+                        </a:rPr>
+                        <a:t>Variable Name</a:t>
+                      </a:r>
+                      <a:endParaRPr lang="en" altLang="zh-CN" sz="1800" b="1" i="0" kern="1200" dirty="0">
+                        <a:solidFill>
+                          <a:schemeClr val="lt1"/>
+                        </a:solidFill>
+                        <a:effectLst/>
+                        <a:latin typeface="Microsoft YaHei Light" panose="020B0503020204020204" pitchFamily="34" charset="-122"/>
+                        <a:ea typeface="Microsoft YaHei Light" panose="020B0503020204020204" pitchFamily="34" charset="-122"/>
+                        <a:cs typeface="+mn-cs"/>
+                      </a:endParaRPr>
+                    </a:p>
+                  </a:txBody>
+                  <a:tcPr>
+                    <a:solidFill>
+                      <a:srgbClr val="003677"/>
+                    </a:solidFill>
+                  </a:tcPr>
+                </a:tc>
+                <a:tc>
+                  <a:txBody>
+                    <a:bodyPr/>
+                    <a:lstStyle/>
+                    <a:p>
+                      <a:pPr marL="0" marR="0" lvl="0" indent="0" algn="ctr" defTabSz="914400" rtl="0" eaLnBrk="1" fontAlgn="auto" latinLnBrk="0" hangingPunct="1">
+                        <a:lnSpc>
+                          <a:spcPct val="100000"/>
+                        </a:lnSpc>
+                        <a:spcBef>
+                          <a:spcPts val="0"/>
+                        </a:spcBef>
+                        <a:spcAft>
+                          <a:spcPts val="0"/>
+                        </a:spcAft>
+                        <a:buClrTx/>
+                        <a:buSzTx/>
+                        <a:buFontTx/>
+                        <a:buNone/>
+                        <a:tabLst/>
+                        <a:defRPr/>
+                      </a:pPr>
+                      <a:r>
+                        <a:rPr lang="en" altLang="zh-CN" sz="1800" b="1" i="0" kern="1200" dirty="0">
+                          <a:solidFill>
+                            <a:schemeClr val="lt1"/>
+                          </a:solidFill>
+                          <a:effectLst/>
+                          <a:latin typeface="Microsoft YaHei Light" panose="020B0503020204020204" pitchFamily="34" charset="-122"/>
+                          <a:ea typeface="Microsoft YaHei Light" panose="020B0503020204020204" pitchFamily="34" charset="-122"/>
+                        </a:rPr>
+                        <a:t>Description</a:t>
+                      </a:r>
+                      <a:endParaRPr lang="en" altLang="zh-CN" sz="1800" b="1" i="0" kern="1200" dirty="0">
+                        <a:solidFill>
+                          <a:schemeClr val="lt1"/>
+                        </a:solidFill>
+                        <a:effectLst/>
+                        <a:latin typeface="Microsoft YaHei Light" panose="020B0503020204020204" pitchFamily="34" charset="-122"/>
+                        <a:ea typeface="Microsoft YaHei Light" panose="020B0503020204020204" pitchFamily="34" charset="-122"/>
+                        <a:cs typeface="+mn-cs"/>
+                      </a:endParaRPr>
+                    </a:p>
+                  </a:txBody>
+                  <a:tcPr>
+                    <a:solidFill>
+                      <a:srgbClr val="003677"/>
+                    </a:solidFill>
+                  </a:tcPr>
+                </a:tc>
+                <a:extLst>
+                  <a:ext uri="{0D108BD9-81ED-4DB2-BD59-A6C34878D82A}">
+                    <a16:rowId xmlns:a16="http://schemas.microsoft.com/office/drawing/2014/main" val="364447929"/>
+                  </a:ext>
+                </a:extLst>
+              </a:tr>
+              <a:tr h="370840">
+                <a:tc>
+                  <a:txBody>
+                    <a:bodyPr/>
+                    <a:lstStyle/>
+                    <a:p>
+                      <a:r>
+                        <a:rPr lang="en" b="0" i="0" dirty="0" err="1">
+                          <a:effectLst/>
+                          <a:latin typeface="Microsoft YaHei Light" panose="020B0503020204020204" pitchFamily="34" charset="-122"/>
+                          <a:ea typeface="Microsoft YaHei Light" panose="020B0503020204020204" pitchFamily="34" charset="-122"/>
+                        </a:rPr>
+                        <a:t>sc_laps_remaining</a:t>
+                      </a:r>
+                      <a:endParaRPr lang="en" b="0" i="0" dirty="0">
+                        <a:effectLst/>
+                        <a:latin typeface="Microsoft YaHei Light" panose="020B0503020204020204" pitchFamily="34" charset="-122"/>
+                        <a:ea typeface="Microsoft YaHei Light" panose="020B0503020204020204" pitchFamily="34" charset="-122"/>
+                      </a:endParaRPr>
+                    </a:p>
+                  </a:txBody>
+                  <a:tcPr marL="123825" marR="123825" marT="57150" marB="57150" anchor="ctr"/>
+                </a:tc>
+                <a:tc>
+                  <a:txBody>
+                    <a:bodyPr/>
+                    <a:lstStyle/>
+                    <a:p>
+                      <a:r>
+                        <a:rPr lang="en" b="0" i="0" dirty="0">
+                          <a:effectLst/>
+                          <a:latin typeface="Microsoft YaHei Light" panose="020B0503020204020204" pitchFamily="34" charset="-122"/>
+                          <a:ea typeface="Microsoft YaHei Light" panose="020B0503020204020204" pitchFamily="34" charset="-122"/>
+                        </a:rPr>
+                        <a:t>Laps remained of the race.</a:t>
+                      </a:r>
+                    </a:p>
+                  </a:txBody>
+                  <a:tcPr marL="123825" marR="123825" marT="57150" marB="57150" anchor="ctr"/>
+                </a:tc>
+                <a:extLst>
+                  <a:ext uri="{0D108BD9-81ED-4DB2-BD59-A6C34878D82A}">
+                    <a16:rowId xmlns:a16="http://schemas.microsoft.com/office/drawing/2014/main" val="2434156443"/>
+                  </a:ext>
+                </a:extLst>
+              </a:tr>
+              <a:tr h="370840">
+                <a:tc>
+                  <a:txBody>
+                    <a:bodyPr/>
+                    <a:lstStyle/>
+                    <a:p>
+                      <a:r>
+                        <a:rPr lang="en" b="0" i="0">
+                          <a:effectLst/>
+                          <a:latin typeface="Microsoft YaHei Light" panose="020B0503020204020204" pitchFamily="34" charset="-122"/>
+                          <a:ea typeface="Microsoft YaHei Light" panose="020B0503020204020204" pitchFamily="34" charset="-122"/>
+                        </a:rPr>
+                        <a:t>sc_tyre_compound</a:t>
+                      </a:r>
+                    </a:p>
+                  </a:txBody>
+                  <a:tcPr marL="123825" marR="123825" marT="57150" marB="57150" anchor="ctr"/>
+                </a:tc>
+                <a:tc>
+                  <a:txBody>
+                    <a:bodyPr/>
+                    <a:lstStyle/>
+                    <a:p>
+                      <a:r>
+                        <a:rPr lang="en" b="0" i="0" dirty="0">
+                          <a:effectLst/>
+                          <a:latin typeface="Microsoft YaHei Light" panose="020B0503020204020204" pitchFamily="34" charset="-122"/>
+                          <a:ea typeface="Microsoft YaHei Light" panose="020B0503020204020204" pitchFamily="34" charset="-122"/>
+                        </a:rPr>
+                        <a:t>Current tyre compound.</a:t>
+                      </a:r>
+                    </a:p>
+                  </a:txBody>
+                  <a:tcPr marL="123825" marR="123825" marT="57150" marB="57150" anchor="ctr"/>
+                </a:tc>
+                <a:extLst>
+                  <a:ext uri="{0D108BD9-81ED-4DB2-BD59-A6C34878D82A}">
+                    <a16:rowId xmlns:a16="http://schemas.microsoft.com/office/drawing/2014/main" val="1599882586"/>
+                  </a:ext>
+                </a:extLst>
+              </a:tr>
+              <a:tr h="370840">
+                <a:tc>
+                  <a:txBody>
+                    <a:bodyPr/>
+                    <a:lstStyle/>
+                    <a:p>
+                      <a:r>
+                        <a:rPr lang="en" b="0" i="0" dirty="0">
+                          <a:effectLst/>
+                          <a:latin typeface="Microsoft YaHei Light" panose="020B0503020204020204" pitchFamily="34" charset="-122"/>
+                          <a:ea typeface="Microsoft YaHei Light" panose="020B0503020204020204" pitchFamily="34" charset="-122"/>
+                        </a:rPr>
+                        <a:t>Temperature</a:t>
+                      </a:r>
+                    </a:p>
+                  </a:txBody>
+                  <a:tcPr marL="123825" marR="123825" marT="57150" marB="57150" anchor="ctr"/>
+                </a:tc>
+                <a:tc>
+                  <a:txBody>
+                    <a:bodyPr/>
+                    <a:lstStyle/>
+                    <a:p>
+                      <a:r>
+                        <a:rPr lang="en" b="0" i="0" dirty="0">
+                          <a:effectLst/>
+                          <a:latin typeface="Microsoft YaHei Light" panose="020B0503020204020204" pitchFamily="34" charset="-122"/>
+                          <a:ea typeface="Microsoft YaHei Light" panose="020B0503020204020204" pitchFamily="34" charset="-122"/>
+                        </a:rPr>
+                        <a:t>Track temperature.</a:t>
+                      </a:r>
+                    </a:p>
+                  </a:txBody>
+                  <a:tcPr marL="123825" marR="123825" marT="57150" marB="57150" anchor="ctr"/>
+                </a:tc>
+                <a:extLst>
+                  <a:ext uri="{0D108BD9-81ED-4DB2-BD59-A6C34878D82A}">
+                    <a16:rowId xmlns:a16="http://schemas.microsoft.com/office/drawing/2014/main" val="439688520"/>
+                  </a:ext>
+                </a:extLst>
+              </a:tr>
+              <a:tr h="370840">
+                <a:tc>
+                  <a:txBody>
+                    <a:bodyPr/>
+                    <a:lstStyle/>
+                    <a:p>
+                      <a:r>
+                        <a:rPr lang="en" b="0" i="0" dirty="0">
+                          <a:effectLst/>
+                          <a:latin typeface="Microsoft YaHei Light" panose="020B0503020204020204" pitchFamily="34" charset="-122"/>
+                          <a:ea typeface="Microsoft YaHei Light" panose="020B0503020204020204" pitchFamily="34" charset="-122"/>
+                        </a:rPr>
+                        <a:t>Humidity</a:t>
+                      </a:r>
+                    </a:p>
+                  </a:txBody>
+                  <a:tcPr marL="123825" marR="123825" marT="57150" marB="57150" anchor="ctr"/>
+                </a:tc>
+                <a:tc>
+                  <a:txBody>
+                    <a:bodyPr/>
+                    <a:lstStyle/>
+                    <a:p>
+                      <a:r>
+                        <a:rPr lang="en" b="0" i="0">
+                          <a:effectLst/>
+                          <a:latin typeface="Microsoft YaHei Light" panose="020B0503020204020204" pitchFamily="34" charset="-122"/>
+                          <a:ea typeface="Microsoft YaHei Light" panose="020B0503020204020204" pitchFamily="34" charset="-122"/>
+                        </a:rPr>
+                        <a:t>Track humidity.</a:t>
+                      </a:r>
+                    </a:p>
+                  </a:txBody>
+                  <a:tcPr marL="123825" marR="123825" marT="57150" marB="57150" anchor="ctr"/>
+                </a:tc>
+                <a:extLst>
+                  <a:ext uri="{0D108BD9-81ED-4DB2-BD59-A6C34878D82A}">
+                    <a16:rowId xmlns:a16="http://schemas.microsoft.com/office/drawing/2014/main" val="3281301671"/>
+                  </a:ext>
+                </a:extLst>
+              </a:tr>
+              <a:tr h="370840">
+                <a:tc>
+                  <a:txBody>
+                    <a:bodyPr/>
+                    <a:lstStyle/>
+                    <a:p>
+                      <a:r>
+                        <a:rPr lang="en" b="0" i="0">
+                          <a:effectLst/>
+                          <a:latin typeface="Microsoft YaHei Light" panose="020B0503020204020204" pitchFamily="34" charset="-122"/>
+                          <a:ea typeface="Microsoft YaHei Light" panose="020B0503020204020204" pitchFamily="34" charset="-122"/>
+                        </a:rPr>
+                        <a:t>Altitude</a:t>
+                      </a:r>
+                    </a:p>
+                  </a:txBody>
+                  <a:tcPr marL="123825" marR="123825" marT="57150" marB="57150" anchor="ctr"/>
+                </a:tc>
+                <a:tc>
+                  <a:txBody>
+                    <a:bodyPr/>
+                    <a:lstStyle/>
+                    <a:p>
+                      <a:r>
+                        <a:rPr lang="en" b="0" i="0">
+                          <a:effectLst/>
+                          <a:latin typeface="Microsoft YaHei Light" panose="020B0503020204020204" pitchFamily="34" charset="-122"/>
+                          <a:ea typeface="Microsoft YaHei Light" panose="020B0503020204020204" pitchFamily="34" charset="-122"/>
+                        </a:rPr>
+                        <a:t>Track maximum altitude change.</a:t>
+                      </a:r>
+                    </a:p>
+                  </a:txBody>
+                  <a:tcPr marL="123825" marR="123825" marT="57150" marB="57150" anchor="ctr"/>
+                </a:tc>
+                <a:extLst>
+                  <a:ext uri="{0D108BD9-81ED-4DB2-BD59-A6C34878D82A}">
+                    <a16:rowId xmlns:a16="http://schemas.microsoft.com/office/drawing/2014/main" val="208824927"/>
+                  </a:ext>
+                </a:extLst>
+              </a:tr>
+              <a:tr h="370840">
+                <a:tc>
+                  <a:txBody>
+                    <a:bodyPr/>
+                    <a:lstStyle/>
+                    <a:p>
+                      <a:r>
+                        <a:rPr lang="en" b="0" i="0">
+                          <a:effectLst/>
+                          <a:latin typeface="Microsoft YaHei Light" panose="020B0503020204020204" pitchFamily="34" charset="-122"/>
+                          <a:ea typeface="Microsoft YaHei Light" panose="020B0503020204020204" pitchFamily="34" charset="-122"/>
+                        </a:rPr>
+                        <a:t>Turns</a:t>
+                      </a:r>
+                    </a:p>
+                  </a:txBody>
+                  <a:tcPr marL="123825" marR="123825" marT="57150" marB="57150" anchor="ctr"/>
+                </a:tc>
+                <a:tc>
+                  <a:txBody>
+                    <a:bodyPr/>
+                    <a:lstStyle/>
+                    <a:p>
+                      <a:r>
+                        <a:rPr lang="en" b="0" i="0" dirty="0">
+                          <a:effectLst/>
+                          <a:latin typeface="Microsoft YaHei Light" panose="020B0503020204020204" pitchFamily="34" charset="-122"/>
+                          <a:ea typeface="Microsoft YaHei Light" panose="020B0503020204020204" pitchFamily="34" charset="-122"/>
+                        </a:rPr>
+                        <a:t>Track number of turns in a lap.</a:t>
+                      </a:r>
+                    </a:p>
+                  </a:txBody>
+                  <a:tcPr marL="123825" marR="123825" marT="57150" marB="57150" anchor="ctr"/>
+                </a:tc>
+                <a:extLst>
+                  <a:ext uri="{0D108BD9-81ED-4DB2-BD59-A6C34878D82A}">
+                    <a16:rowId xmlns:a16="http://schemas.microsoft.com/office/drawing/2014/main" val="4174447225"/>
+                  </a:ext>
+                </a:extLst>
+              </a:tr>
+              <a:tr h="370840">
+                <a:tc>
+                  <a:txBody>
+                    <a:bodyPr/>
+                    <a:lstStyle/>
+                    <a:p>
+                      <a:r>
+                        <a:rPr lang="en" b="0" i="0">
+                          <a:effectLst/>
+                          <a:latin typeface="Microsoft YaHei Light" panose="020B0503020204020204" pitchFamily="34" charset="-122"/>
+                          <a:ea typeface="Microsoft YaHei Light" panose="020B0503020204020204" pitchFamily="34" charset="-122"/>
+                        </a:rPr>
+                        <a:t>RaceDistance</a:t>
+                      </a:r>
+                    </a:p>
+                  </a:txBody>
+                  <a:tcPr marL="123825" marR="123825" marT="57150" marB="57150" anchor="ctr"/>
+                </a:tc>
+                <a:tc>
+                  <a:txBody>
+                    <a:bodyPr/>
+                    <a:lstStyle/>
+                    <a:p>
+                      <a:r>
+                        <a:rPr lang="en" b="0" i="0" dirty="0">
+                          <a:effectLst/>
+                          <a:latin typeface="Microsoft YaHei Light" panose="020B0503020204020204" pitchFamily="34" charset="-122"/>
+                          <a:ea typeface="Microsoft YaHei Light" panose="020B0503020204020204" pitchFamily="34" charset="-122"/>
+                        </a:rPr>
+                        <a:t>Track race distance / total number of laps.</a:t>
+                      </a:r>
+                    </a:p>
+                  </a:txBody>
+                  <a:tcPr marL="123825" marR="123825" marT="57150" marB="57150" anchor="ctr"/>
+                </a:tc>
+                <a:extLst>
+                  <a:ext uri="{0D108BD9-81ED-4DB2-BD59-A6C34878D82A}">
+                    <a16:rowId xmlns:a16="http://schemas.microsoft.com/office/drawing/2014/main" val="3220303082"/>
+                  </a:ext>
+                </a:extLst>
+              </a:tr>
+              <a:tr h="370840">
+                <a:tc>
+                  <a:txBody>
+                    <a:bodyPr/>
+                    <a:lstStyle/>
+                    <a:p>
+                      <a:r>
+                        <a:rPr lang="en" b="0" i="0">
+                          <a:effectLst/>
+                          <a:latin typeface="Microsoft YaHei Light" panose="020B0503020204020204" pitchFamily="34" charset="-122"/>
+                          <a:ea typeface="Microsoft YaHei Light" panose="020B0503020204020204" pitchFamily="34" charset="-122"/>
+                        </a:rPr>
+                        <a:t>TrackLength</a:t>
+                      </a:r>
+                    </a:p>
+                  </a:txBody>
+                  <a:tcPr marL="123825" marR="123825" marT="57150" marB="57150" anchor="ctr"/>
+                </a:tc>
+                <a:tc>
+                  <a:txBody>
+                    <a:bodyPr/>
+                    <a:lstStyle/>
+                    <a:p>
+                      <a:r>
+                        <a:rPr lang="en" b="0" i="0" dirty="0">
+                          <a:effectLst/>
+                          <a:latin typeface="Microsoft YaHei Light" panose="020B0503020204020204" pitchFamily="34" charset="-122"/>
+                          <a:ea typeface="Microsoft YaHei Light" panose="020B0503020204020204" pitchFamily="34" charset="-122"/>
+                        </a:rPr>
+                        <a:t>Track total length of race (in km).</a:t>
+                      </a:r>
+                    </a:p>
+                  </a:txBody>
+                  <a:tcPr marL="123825" marR="123825" marT="57150" marB="57150" anchor="ctr"/>
+                </a:tc>
+                <a:extLst>
+                  <a:ext uri="{0D108BD9-81ED-4DB2-BD59-A6C34878D82A}">
+                    <a16:rowId xmlns:a16="http://schemas.microsoft.com/office/drawing/2014/main" val="146141231"/>
+                  </a:ext>
+                </a:extLst>
+              </a:tr>
+            </a:tbl>
+          </a:graphicData>
+        </a:graphic>
+      </p:graphicFrame>
+      <p:sp>
+        <p:nvSpPr>
+          <p:cNvPr id="7" name="文本框 6">
+            <a:extLst>
+              <a:ext uri="{FF2B5EF4-FFF2-40B4-BE49-F238E27FC236}">
+                <a16:creationId xmlns:a16="http://schemas.microsoft.com/office/drawing/2014/main" id="{818119E8-D599-3CC7-6274-B0AD9334B1C2}"/>
+              </a:ext>
+            </a:extLst>
+          </p:cNvPr>
+          <p:cNvSpPr txBox="1"/>
+          <p:nvPr/>
+        </p:nvSpPr>
+        <p:spPr>
+          <a:xfrm>
+            <a:off x="11453446" y="6460047"/>
+            <a:ext cx="738554" cy="369332"/>
+          </a:xfrm>
+          <a:prstGeom prst="rect">
+            <a:avLst/>
+          </a:prstGeom>
+          <a:noFill/>
+        </p:spPr>
+        <p:txBody>
+          <a:bodyPr wrap="square" rtlCol="0">
+            <a:spAutoFit/>
+          </a:bodyPr>
+          <a:lstStyle/>
+          <a:p>
+            <a:r>
+              <a:rPr kumimoji="1" lang="en-US" altLang="zh-CN" dirty="0"/>
+              <a:t>8</a:t>
+            </a:r>
+            <a:endParaRPr kumimoji="1" lang="zh-CN" altLang="en-US" dirty="0"/>
+          </a:p>
+        </p:txBody>
+      </p:sp>
+    </p:spTree>
+    <p:extLst>
+      <p:ext uri="{BB962C8B-B14F-4D97-AF65-F5344CB8AC3E}">
+        <p14:creationId xmlns:p14="http://schemas.microsoft.com/office/powerpoint/2010/main" val="3891078894"/>
+      </p:ext>
+    </p:extLst>
+  </p:cSld>
+  <p:clrMapOvr>
+    <a:masterClrMapping/>
+  </p:clrMapOvr>
+</p:sld>
+</file>
+
+<file path=ppt/slides/slide9.xml><?xml version="1.0" encoding="utf-8"?>
 <p:sld xmlns:a="http://schemas.openxmlformats.org/drawingml/2006/main" xmlns:r="http://schemas.openxmlformats.org/officeDocument/2006/relationships" xmlns:p="http://schemas.openxmlformats.org/presentationml/2006/main">
   <p:cSld>
     <p:spTree>
@@ -7204,6 +9761,42 @@
           <a:chExt cx="0" cy="0"/>
         </a:xfrm>
       </p:grpSpPr>
+      <p:sp>
+        <p:nvSpPr>
+          <p:cNvPr id="14" name="文本框 13">
+            <a:extLst>
+              <a:ext uri="{FF2B5EF4-FFF2-40B4-BE49-F238E27FC236}">
+                <a16:creationId xmlns:a16="http://schemas.microsoft.com/office/drawing/2014/main" id="{A5516A26-D76B-6A2E-7EF3-5821F3812CDD}"/>
+              </a:ext>
+            </a:extLst>
+          </p:cNvPr>
+          <p:cNvSpPr txBox="1"/>
+          <p:nvPr/>
+        </p:nvSpPr>
+        <p:spPr>
+          <a:xfrm>
+            <a:off x="11453446" y="6460047"/>
+            <a:ext cx="738554" cy="369332"/>
+          </a:xfrm>
+          <a:prstGeom prst="rect">
+            <a:avLst/>
+          </a:prstGeom>
+          <a:noFill/>
+        </p:spPr>
+        <p:txBody>
+          <a:bodyPr wrap="square" rtlCol="0">
+            <a:spAutoFit/>
+          </a:bodyPr>
+          <a:lstStyle/>
+          <a:p>
+            <a:r>
+              <a:rPr kumimoji="1" lang="en-US" altLang="zh-CN" dirty="0"/>
+              <a:t>9</a:t>
+            </a:r>
+            <a:endParaRPr kumimoji="1" lang="zh-CN" altLang="en-US" dirty="0"/>
+          </a:p>
+        </p:txBody>
+      </p:sp>
       <p:sp>
         <p:nvSpPr>
           <p:cNvPr id="5" name="Rectangle 2">
@@ -7335,149 +9928,1195 @@
               </a:rPr>
               <a:t>Network Architecture</a:t>
             </a:r>
-            <a:endParaRPr kumimoji="1" lang="zh-CN" altLang="en-US" sz="2800" dirty="0">
-              <a:latin typeface="Microsoft YaHei" panose="020B0503020204020204" pitchFamily="34" charset="-122"/>
-              <a:ea typeface="Microsoft YaHei" panose="020B0503020204020204" pitchFamily="34" charset="-122"/>
-            </a:endParaRPr>
-          </a:p>
-        </p:txBody>
-      </p:sp>
-    </p:spTree>
-    <p:extLst>
-      <p:ext uri="{BB962C8B-B14F-4D97-AF65-F5344CB8AC3E}">
-        <p14:creationId xmlns:p14="http://schemas.microsoft.com/office/powerpoint/2010/main" val="3356831160"/>
-      </p:ext>
-    </p:extLst>
-  </p:cSld>
-  <p:clrMapOvr>
-    <a:masterClrMapping/>
-  </p:clrMapOvr>
-</p:sld>
-</file>
-
-<file path=ppt/slides/slide9.xml><?xml version="1.0" encoding="utf-8"?>
-<p:sld xmlns:a="http://schemas.openxmlformats.org/drawingml/2006/main" xmlns:r="http://schemas.openxmlformats.org/officeDocument/2006/relationships" xmlns:p="http://schemas.openxmlformats.org/presentationml/2006/main">
-  <p:cSld>
-    <p:spTree>
-      <p:nvGrpSpPr>
-        <p:cNvPr id="1" name="">
-          <a:extLst>
-            <a:ext uri="{FF2B5EF4-FFF2-40B4-BE49-F238E27FC236}">
-              <a16:creationId xmlns:a16="http://schemas.microsoft.com/office/drawing/2014/main" id="{96142C04-0F10-5AE9-9664-0E568D6E2B27}"/>
-            </a:ext>
-          </a:extLst>
-        </p:cNvPr>
-        <p:cNvGrpSpPr/>
-        <p:nvPr/>
-      </p:nvGrpSpPr>
-      <p:grpSpPr>
-        <a:xfrm>
-          <a:off x="0" y="0"/>
-          <a:ext cx="0" cy="0"/>
-          <a:chOff x="0" y="0"/>
-          <a:chExt cx="0" cy="0"/>
-        </a:xfrm>
-      </p:grpSpPr>
-      <p:sp>
-        <p:nvSpPr>
-          <p:cNvPr id="5" name="Rectangle 2">
-            <a:extLst>
-              <a:ext uri="{FF2B5EF4-FFF2-40B4-BE49-F238E27FC236}">
-                <a16:creationId xmlns:a16="http://schemas.microsoft.com/office/drawing/2014/main" id="{B29ADD36-2B04-BB37-F393-233D3BA2CC52}"/>
-              </a:ext>
-            </a:extLst>
-          </p:cNvPr>
-          <p:cNvSpPr txBox="1">
-            <a:spLocks noChangeArrowheads="1"/>
-          </p:cNvSpPr>
+          </a:p>
+        </p:txBody>
+      </p:sp>
+      <p:graphicFrame>
+        <p:nvGraphicFramePr>
+          <p:cNvPr id="3" name="表格 2">
+            <a:extLst>
+              <a:ext uri="{FF2B5EF4-FFF2-40B4-BE49-F238E27FC236}">
+                <a16:creationId xmlns:a16="http://schemas.microsoft.com/office/drawing/2014/main" id="{5B0461DA-1407-3D5B-ACE9-B0B7B6169EE2}"/>
+              </a:ext>
+            </a:extLst>
+          </p:cNvPr>
+          <p:cNvGraphicFramePr>
+            <a:graphicFrameLocks noGrp="1"/>
+          </p:cNvGraphicFramePr>
+          <p:nvPr>
+            <p:extLst>
+              <p:ext uri="{D42A27DB-BD31-4B8C-83A1-F6EECF244321}">
+                <p14:modId xmlns:p14="http://schemas.microsoft.com/office/powerpoint/2010/main" val="525835487"/>
+              </p:ext>
+            </p:extLst>
+          </p:nvPr>
+        </p:nvGraphicFramePr>
+        <p:xfrm>
+          <a:off x="4659154" y="177800"/>
+          <a:ext cx="7295661" cy="3251200"/>
+        </p:xfrm>
+        <a:graphic>
+          <a:graphicData uri="http://schemas.openxmlformats.org/drawingml/2006/table">
+            <a:tbl>
+              <a:tblPr firstRow="1" bandRow="1">
+                <a:tableStyleId>{6E25E649-3F16-4E02-A733-19D2CDBF48F0}</a:tableStyleId>
+              </a:tblPr>
+              <a:tblGrid>
+                <a:gridCol w="2486838">
+                  <a:extLst>
+                    <a:ext uri="{9D8B030D-6E8A-4147-A177-3AD203B41FA5}">
+                      <a16:colId xmlns:a16="http://schemas.microsoft.com/office/drawing/2014/main" val="3351129788"/>
+                    </a:ext>
+                  </a:extLst>
+                </a:gridCol>
+                <a:gridCol w="4808823">
+                  <a:extLst>
+                    <a:ext uri="{9D8B030D-6E8A-4147-A177-3AD203B41FA5}">
+                      <a16:colId xmlns:a16="http://schemas.microsoft.com/office/drawing/2014/main" val="1431853174"/>
+                    </a:ext>
+                  </a:extLst>
+                </a:gridCol>
+              </a:tblGrid>
+              <a:tr h="370840">
+                <a:tc>
+                  <a:txBody>
+                    <a:bodyPr/>
+                    <a:lstStyle/>
+                    <a:p>
+                      <a:pPr marL="0" marR="0" lvl="0" indent="0" algn="ctr" defTabSz="914400" rtl="0" eaLnBrk="1" fontAlgn="auto" latinLnBrk="0" hangingPunct="1">
+                        <a:lnSpc>
+                          <a:spcPct val="100000"/>
+                        </a:lnSpc>
+                        <a:spcBef>
+                          <a:spcPts val="0"/>
+                        </a:spcBef>
+                        <a:spcAft>
+                          <a:spcPts val="0"/>
+                        </a:spcAft>
+                        <a:buClrTx/>
+                        <a:buSzTx/>
+                        <a:buFontTx/>
+                        <a:buNone/>
+                        <a:tabLst/>
+                        <a:defRPr/>
+                      </a:pPr>
+                      <a:r>
+                        <a:rPr lang="en" altLang="zh-CN" sz="1800" b="1" i="0" kern="1200" dirty="0">
+                          <a:solidFill>
+                            <a:schemeClr val="lt1"/>
+                          </a:solidFill>
+                          <a:effectLst/>
+                          <a:latin typeface="Microsoft YaHei Light" panose="020B0503020204020204" pitchFamily="34" charset="-122"/>
+                          <a:ea typeface="Microsoft YaHei Light" panose="020B0503020204020204" pitchFamily="34" charset="-122"/>
+                        </a:rPr>
+                        <a:t>Hyperparameter</a:t>
+                      </a:r>
+                      <a:endParaRPr lang="en" altLang="zh-CN" sz="1800" b="1" i="0" kern="1200" dirty="0">
+                        <a:solidFill>
+                          <a:schemeClr val="lt1"/>
+                        </a:solidFill>
+                        <a:effectLst/>
+                        <a:latin typeface="Microsoft YaHei Light" panose="020B0503020204020204" pitchFamily="34" charset="-122"/>
+                        <a:ea typeface="Microsoft YaHei Light" panose="020B0503020204020204" pitchFamily="34" charset="-122"/>
+                        <a:cs typeface="+mn-cs"/>
+                      </a:endParaRPr>
+                    </a:p>
+                  </a:txBody>
+                  <a:tcPr>
+                    <a:solidFill>
+                      <a:srgbClr val="003677"/>
+                    </a:solidFill>
+                  </a:tcPr>
+                </a:tc>
+                <a:tc>
+                  <a:txBody>
+                    <a:bodyPr/>
+                    <a:lstStyle/>
+                    <a:p>
+                      <a:pPr marL="0" marR="0" lvl="0" indent="0" algn="ctr" defTabSz="914400" rtl="0" eaLnBrk="1" fontAlgn="auto" latinLnBrk="0" hangingPunct="1">
+                        <a:lnSpc>
+                          <a:spcPct val="100000"/>
+                        </a:lnSpc>
+                        <a:spcBef>
+                          <a:spcPts val="0"/>
+                        </a:spcBef>
+                        <a:spcAft>
+                          <a:spcPts val="0"/>
+                        </a:spcAft>
+                        <a:buClrTx/>
+                        <a:buSzTx/>
+                        <a:buFontTx/>
+                        <a:buNone/>
+                        <a:tabLst/>
+                        <a:defRPr/>
+                      </a:pPr>
+                      <a:r>
+                        <a:rPr lang="en" altLang="zh-CN" sz="1800" b="1" i="0" kern="1200" dirty="0">
+                          <a:solidFill>
+                            <a:schemeClr val="lt1"/>
+                          </a:solidFill>
+                          <a:effectLst/>
+                          <a:latin typeface="Microsoft YaHei Light" panose="020B0503020204020204" pitchFamily="34" charset="-122"/>
+                          <a:ea typeface="Microsoft YaHei Light" panose="020B0503020204020204" pitchFamily="34" charset="-122"/>
+                        </a:rPr>
+                        <a:t>Value</a:t>
+                      </a:r>
+                      <a:endParaRPr lang="en" altLang="zh-CN" sz="1800" b="1" i="0" kern="1200" dirty="0">
+                        <a:solidFill>
+                          <a:schemeClr val="lt1"/>
+                        </a:solidFill>
+                        <a:effectLst/>
+                        <a:latin typeface="Microsoft YaHei Light" panose="020B0503020204020204" pitchFamily="34" charset="-122"/>
+                        <a:ea typeface="Microsoft YaHei Light" panose="020B0503020204020204" pitchFamily="34" charset="-122"/>
+                        <a:cs typeface="+mn-cs"/>
+                      </a:endParaRPr>
+                    </a:p>
+                  </a:txBody>
+                  <a:tcPr>
+                    <a:solidFill>
+                      <a:srgbClr val="003677"/>
+                    </a:solidFill>
+                  </a:tcPr>
+                </a:tc>
+                <a:extLst>
+                  <a:ext uri="{0D108BD9-81ED-4DB2-BD59-A6C34878D82A}">
+                    <a16:rowId xmlns:a16="http://schemas.microsoft.com/office/drawing/2014/main" val="364447929"/>
+                  </a:ext>
+                </a:extLst>
+              </a:tr>
+              <a:tr h="370840">
+                <a:tc>
+                  <a:txBody>
+                    <a:bodyPr/>
+                    <a:lstStyle/>
+                    <a:p>
+                      <a:r>
+                        <a:rPr lang="en" altLang="zh-CN" sz="1800" i="0" kern="1200" dirty="0">
+                          <a:solidFill>
+                            <a:schemeClr val="dk1"/>
+                          </a:solidFill>
+                          <a:effectLst/>
+                          <a:latin typeface="+mn-lt"/>
+                          <a:ea typeface="+mn-ea"/>
+                          <a:cs typeface="+mn-cs"/>
+                        </a:rPr>
+                        <a:t>Number of hidden layers</a:t>
+                      </a:r>
+                    </a:p>
+                  </a:txBody>
+                  <a:tcPr marL="123825" marR="123825" marT="57150" marB="57150" anchor="ctr"/>
+                </a:tc>
+                <a:tc>
+                  <a:txBody>
+                    <a:bodyPr/>
+                    <a:lstStyle/>
+                    <a:p>
+                      <a:r>
+                        <a:rPr lang="en" b="0" i="0" dirty="0">
+                          <a:effectLst/>
+                          <a:latin typeface="Microsoft YaHei Light" panose="020B0503020204020204" pitchFamily="34" charset="-122"/>
+                          <a:ea typeface="Microsoft YaHei Light" panose="020B0503020204020204" pitchFamily="34" charset="-122"/>
+                        </a:rPr>
+                        <a:t>3</a:t>
+                      </a:r>
+                    </a:p>
+                  </a:txBody>
+                  <a:tcPr marL="123825" marR="123825" marT="57150" marB="57150" anchor="ctr"/>
+                </a:tc>
+                <a:extLst>
+                  <a:ext uri="{0D108BD9-81ED-4DB2-BD59-A6C34878D82A}">
+                    <a16:rowId xmlns:a16="http://schemas.microsoft.com/office/drawing/2014/main" val="2434156443"/>
+                  </a:ext>
+                </a:extLst>
+              </a:tr>
+              <a:tr h="370840">
+                <a:tc>
+                  <a:txBody>
+                    <a:bodyPr/>
+                    <a:lstStyle/>
+                    <a:p>
+                      <a:r>
+                        <a:rPr lang="en" altLang="zh-CN" sz="1800" i="0" kern="1200" dirty="0">
+                          <a:solidFill>
+                            <a:schemeClr val="dk1"/>
+                          </a:solidFill>
+                          <a:effectLst/>
+                          <a:latin typeface="+mn-lt"/>
+                          <a:ea typeface="+mn-ea"/>
+                          <a:cs typeface="+mn-cs"/>
+                        </a:rPr>
+                        <a:t>Number of neurons per layer</a:t>
+                      </a:r>
+                    </a:p>
+                  </a:txBody>
+                  <a:tcPr marL="123825" marR="123825" marT="57150" marB="57150" anchor="ctr"/>
+                </a:tc>
+                <a:tc>
+                  <a:txBody>
+                    <a:bodyPr/>
+                    <a:lstStyle/>
+                    <a:p>
+                      <a:r>
+                        <a:rPr lang="en" b="0" i="0" dirty="0">
+                          <a:effectLst/>
+                          <a:latin typeface="Microsoft YaHei Light" panose="020B0503020204020204" pitchFamily="34" charset="-122"/>
+                          <a:ea typeface="Microsoft YaHei Light" panose="020B0503020204020204" pitchFamily="34" charset="-122"/>
+                        </a:rPr>
+                        <a:t>64</a:t>
+                      </a:r>
+                    </a:p>
+                  </a:txBody>
+                  <a:tcPr marL="123825" marR="123825" marT="57150" marB="57150" anchor="ctr"/>
+                </a:tc>
+                <a:extLst>
+                  <a:ext uri="{0D108BD9-81ED-4DB2-BD59-A6C34878D82A}">
+                    <a16:rowId xmlns:a16="http://schemas.microsoft.com/office/drawing/2014/main" val="1599882586"/>
+                  </a:ext>
+                </a:extLst>
+              </a:tr>
+              <a:tr h="370840">
+                <a:tc>
+                  <a:txBody>
+                    <a:bodyPr/>
+                    <a:lstStyle/>
+                    <a:p>
+                      <a:r>
+                        <a:rPr lang="en" altLang="zh-CN" sz="1800" i="0" kern="1200" dirty="0">
+                          <a:solidFill>
+                            <a:schemeClr val="dk1"/>
+                          </a:solidFill>
+                          <a:effectLst/>
+                          <a:latin typeface="+mn-lt"/>
+                          <a:ea typeface="+mn-ea"/>
+                          <a:cs typeface="+mn-cs"/>
+                        </a:rPr>
+                        <a:t>Activation functions</a:t>
+                      </a:r>
+                    </a:p>
+                  </a:txBody>
+                  <a:tcPr marL="123825" marR="123825" marT="57150" marB="57150" anchor="ctr"/>
+                </a:tc>
+                <a:tc>
+                  <a:txBody>
+                    <a:bodyPr/>
+                    <a:lstStyle/>
+                    <a:p>
+                      <a:r>
+                        <a:rPr lang="en" altLang="zh-CN" sz="1800" i="0" kern="1200" dirty="0" err="1">
+                          <a:solidFill>
+                            <a:schemeClr val="dk1"/>
+                          </a:solidFill>
+                          <a:effectLst/>
+                          <a:latin typeface="+mn-lt"/>
+                          <a:ea typeface="+mn-ea"/>
+                          <a:cs typeface="+mn-cs"/>
+                        </a:rPr>
+                        <a:t>ReLU</a:t>
+                      </a:r>
+                      <a:r>
+                        <a:rPr lang="en" altLang="zh-CN" sz="1800" i="0" kern="1200" dirty="0">
+                          <a:solidFill>
+                            <a:schemeClr val="dk1"/>
+                          </a:solidFill>
+                          <a:effectLst/>
+                          <a:latin typeface="+mn-lt"/>
+                          <a:ea typeface="+mn-ea"/>
+                          <a:cs typeface="+mn-cs"/>
+                        </a:rPr>
+                        <a:t> (hidden layers), sigmoid (output layer)</a:t>
+                      </a:r>
+                    </a:p>
+                  </a:txBody>
+                  <a:tcPr marL="123825" marR="123825" marT="57150" marB="57150" anchor="ctr"/>
+                </a:tc>
+                <a:extLst>
+                  <a:ext uri="{0D108BD9-81ED-4DB2-BD59-A6C34878D82A}">
+                    <a16:rowId xmlns:a16="http://schemas.microsoft.com/office/drawing/2014/main" val="439688520"/>
+                  </a:ext>
+                </a:extLst>
+              </a:tr>
+              <a:tr h="370840">
+                <a:tc>
+                  <a:txBody>
+                    <a:bodyPr/>
+                    <a:lstStyle/>
+                    <a:p>
+                      <a:r>
+                        <a:rPr lang="en" altLang="zh-CN" sz="1800" i="0" kern="1200" dirty="0">
+                          <a:solidFill>
+                            <a:schemeClr val="dk1"/>
+                          </a:solidFill>
+                          <a:effectLst/>
+                          <a:latin typeface="+mn-lt"/>
+                          <a:ea typeface="+mn-ea"/>
+                          <a:cs typeface="+mn-cs"/>
+                        </a:rPr>
+                        <a:t>Optimizer</a:t>
+                      </a:r>
+                    </a:p>
+                  </a:txBody>
+                  <a:tcPr marL="123825" marR="123825" marT="57150" marB="57150" anchor="ctr"/>
+                </a:tc>
+                <a:tc>
+                  <a:txBody>
+                    <a:bodyPr/>
+                    <a:lstStyle/>
+                    <a:p>
+                      <a:r>
+                        <a:rPr lang="en" b="0" i="0" dirty="0" err="1">
+                          <a:effectLst/>
+                          <a:latin typeface="Microsoft YaHei Light" panose="020B0503020204020204" pitchFamily="34" charset="-122"/>
+                          <a:ea typeface="Microsoft YaHei Light" panose="020B0503020204020204" pitchFamily="34" charset="-122"/>
+                        </a:rPr>
+                        <a:t>Nadam</a:t>
+                      </a:r>
+                      <a:endParaRPr lang="en" b="0" i="0" dirty="0">
+                        <a:effectLst/>
+                        <a:latin typeface="Microsoft YaHei Light" panose="020B0503020204020204" pitchFamily="34" charset="-122"/>
+                        <a:ea typeface="Microsoft YaHei Light" panose="020B0503020204020204" pitchFamily="34" charset="-122"/>
+                      </a:endParaRPr>
+                    </a:p>
+                  </a:txBody>
+                  <a:tcPr marL="123825" marR="123825" marT="57150" marB="57150" anchor="ctr"/>
+                </a:tc>
+                <a:extLst>
+                  <a:ext uri="{0D108BD9-81ED-4DB2-BD59-A6C34878D82A}">
+                    <a16:rowId xmlns:a16="http://schemas.microsoft.com/office/drawing/2014/main" val="3281301671"/>
+                  </a:ext>
+                </a:extLst>
+              </a:tr>
+              <a:tr h="370840">
+                <a:tc>
+                  <a:txBody>
+                    <a:bodyPr/>
+                    <a:lstStyle/>
+                    <a:p>
+                      <a:r>
+                        <a:rPr lang="en" altLang="zh-CN" sz="1800" i="0" kern="1200" dirty="0">
+                          <a:solidFill>
+                            <a:schemeClr val="dk1"/>
+                          </a:solidFill>
+                          <a:effectLst/>
+                          <a:latin typeface="+mn-lt"/>
+                          <a:ea typeface="+mn-ea"/>
+                          <a:cs typeface="+mn-cs"/>
+                        </a:rPr>
+                        <a:t>Loss function</a:t>
+                      </a:r>
+                    </a:p>
+                  </a:txBody>
+                  <a:tcPr marL="123825" marR="123825" marT="57150" marB="57150" anchor="ctr"/>
+                </a:tc>
+                <a:tc>
+                  <a:txBody>
+                    <a:bodyPr/>
+                    <a:lstStyle/>
+                    <a:p>
+                      <a:r>
+                        <a:rPr lang="en" altLang="zh-CN" sz="1800" i="0" kern="1200" dirty="0">
+                          <a:solidFill>
+                            <a:schemeClr val="dk1"/>
+                          </a:solidFill>
+                          <a:effectLst/>
+                          <a:latin typeface="+mn-lt"/>
+                          <a:ea typeface="+mn-ea"/>
+                          <a:cs typeface="+mn-cs"/>
+                        </a:rPr>
+                        <a:t>Binary cross entropy</a:t>
+                      </a:r>
+                    </a:p>
+                  </a:txBody>
+                  <a:tcPr marL="123825" marR="123825" marT="57150" marB="57150" anchor="ctr"/>
+                </a:tc>
+                <a:extLst>
+                  <a:ext uri="{0D108BD9-81ED-4DB2-BD59-A6C34878D82A}">
+                    <a16:rowId xmlns:a16="http://schemas.microsoft.com/office/drawing/2014/main" val="208824927"/>
+                  </a:ext>
+                </a:extLst>
+              </a:tr>
+              <a:tr h="370840">
+                <a:tc>
+                  <a:txBody>
+                    <a:bodyPr/>
+                    <a:lstStyle/>
+                    <a:p>
+                      <a:r>
+                        <a:rPr lang="en" altLang="zh-CN" sz="1800" i="0" kern="1200" dirty="0">
+                          <a:solidFill>
+                            <a:schemeClr val="dk1"/>
+                          </a:solidFill>
+                          <a:effectLst/>
+                          <a:latin typeface="+mn-lt"/>
+                          <a:ea typeface="+mn-ea"/>
+                          <a:cs typeface="+mn-cs"/>
+                        </a:rPr>
+                        <a:t>Training batch size</a:t>
+                      </a:r>
+                    </a:p>
+                  </a:txBody>
+                  <a:tcPr marL="123825" marR="123825" marT="57150" marB="57150" anchor="ctr"/>
+                </a:tc>
+                <a:tc>
+                  <a:txBody>
+                    <a:bodyPr/>
+                    <a:lstStyle/>
+                    <a:p>
+                      <a:r>
+                        <a:rPr lang="en-US" altLang="zh-CN" sz="1800" i="0" kern="1200" dirty="0">
+                          <a:solidFill>
+                            <a:schemeClr val="dk1"/>
+                          </a:solidFill>
+                          <a:effectLst/>
+                          <a:latin typeface="+mn-lt"/>
+                          <a:ea typeface="+mn-ea"/>
+                          <a:cs typeface="+mn-cs"/>
+                        </a:rPr>
+                        <a:t>256</a:t>
+                      </a:r>
+                      <a:endParaRPr lang="zh-CN" altLang="en-US" sz="1800" i="0" kern="1200" dirty="0">
+                        <a:solidFill>
+                          <a:schemeClr val="dk1"/>
+                        </a:solidFill>
+                        <a:effectLst/>
+                        <a:latin typeface="+mn-lt"/>
+                        <a:ea typeface="+mn-ea"/>
+                        <a:cs typeface="+mn-cs"/>
+                      </a:endParaRPr>
+                    </a:p>
+                  </a:txBody>
+                  <a:tcPr marL="123825" marR="123825" marT="57150" marB="57150" anchor="ctr"/>
+                </a:tc>
+                <a:extLst>
+                  <a:ext uri="{0D108BD9-81ED-4DB2-BD59-A6C34878D82A}">
+                    <a16:rowId xmlns:a16="http://schemas.microsoft.com/office/drawing/2014/main" val="4174447225"/>
+                  </a:ext>
+                </a:extLst>
+              </a:tr>
+            </a:tbl>
+          </a:graphicData>
+        </a:graphic>
+      </p:graphicFrame>
+      <p:graphicFrame>
+        <p:nvGraphicFramePr>
+          <p:cNvPr id="6" name="表格 5">
+            <a:extLst>
+              <a:ext uri="{FF2B5EF4-FFF2-40B4-BE49-F238E27FC236}">
+                <a16:creationId xmlns:a16="http://schemas.microsoft.com/office/drawing/2014/main" id="{2DA2BBF3-81CC-FE50-2CB4-C4F99D89AEC4}"/>
+              </a:ext>
+            </a:extLst>
+          </p:cNvPr>
+          <p:cNvGraphicFramePr>
+            <a:graphicFrameLocks noGrp="1"/>
+          </p:cNvGraphicFramePr>
+          <p:nvPr>
+            <p:extLst>
+              <p:ext uri="{D42A27DB-BD31-4B8C-83A1-F6EECF244321}">
+                <p14:modId xmlns:p14="http://schemas.microsoft.com/office/powerpoint/2010/main" val="1893077344"/>
+              </p:ext>
+            </p:extLst>
+          </p:nvPr>
+        </p:nvGraphicFramePr>
+        <p:xfrm>
+          <a:off x="4659153" y="3518382"/>
+          <a:ext cx="7295661" cy="3251200"/>
+        </p:xfrm>
+        <a:graphic>
+          <a:graphicData uri="http://schemas.openxmlformats.org/drawingml/2006/table">
+            <a:tbl>
+              <a:tblPr firstRow="1" bandRow="1">
+                <a:tableStyleId>{6E25E649-3F16-4E02-A733-19D2CDBF48F0}</a:tableStyleId>
+              </a:tblPr>
+              <a:tblGrid>
+                <a:gridCol w="2486838">
+                  <a:extLst>
+                    <a:ext uri="{9D8B030D-6E8A-4147-A177-3AD203B41FA5}">
+                      <a16:colId xmlns:a16="http://schemas.microsoft.com/office/drawing/2014/main" val="3351129788"/>
+                    </a:ext>
+                  </a:extLst>
+                </a:gridCol>
+                <a:gridCol w="4808823">
+                  <a:extLst>
+                    <a:ext uri="{9D8B030D-6E8A-4147-A177-3AD203B41FA5}">
+                      <a16:colId xmlns:a16="http://schemas.microsoft.com/office/drawing/2014/main" val="1431853174"/>
+                    </a:ext>
+                  </a:extLst>
+                </a:gridCol>
+              </a:tblGrid>
+              <a:tr h="370840">
+                <a:tc>
+                  <a:txBody>
+                    <a:bodyPr/>
+                    <a:lstStyle/>
+                    <a:p>
+                      <a:pPr marL="0" marR="0" lvl="0" indent="0" algn="ctr" defTabSz="914400" rtl="0" eaLnBrk="1" fontAlgn="auto" latinLnBrk="0" hangingPunct="1">
+                        <a:lnSpc>
+                          <a:spcPct val="100000"/>
+                        </a:lnSpc>
+                        <a:spcBef>
+                          <a:spcPts val="0"/>
+                        </a:spcBef>
+                        <a:spcAft>
+                          <a:spcPts val="0"/>
+                        </a:spcAft>
+                        <a:buClrTx/>
+                        <a:buSzTx/>
+                        <a:buFontTx/>
+                        <a:buNone/>
+                        <a:tabLst/>
+                        <a:defRPr/>
+                      </a:pPr>
+                      <a:r>
+                        <a:rPr lang="en" altLang="zh-CN" sz="1800" b="1" i="0" kern="1200" dirty="0">
+                          <a:solidFill>
+                            <a:schemeClr val="lt1"/>
+                          </a:solidFill>
+                          <a:effectLst/>
+                          <a:latin typeface="Microsoft YaHei Light" panose="020B0503020204020204" pitchFamily="34" charset="-122"/>
+                          <a:ea typeface="Microsoft YaHei Light" panose="020B0503020204020204" pitchFamily="34" charset="-122"/>
+                        </a:rPr>
+                        <a:t>Hyperparameter</a:t>
+                      </a:r>
+                      <a:endParaRPr lang="en" altLang="zh-CN" sz="1800" b="1" i="0" kern="1200" dirty="0">
+                        <a:solidFill>
+                          <a:schemeClr val="lt1"/>
+                        </a:solidFill>
+                        <a:effectLst/>
+                        <a:latin typeface="Microsoft YaHei Light" panose="020B0503020204020204" pitchFamily="34" charset="-122"/>
+                        <a:ea typeface="Microsoft YaHei Light" panose="020B0503020204020204" pitchFamily="34" charset="-122"/>
+                        <a:cs typeface="+mn-cs"/>
+                      </a:endParaRPr>
+                    </a:p>
+                  </a:txBody>
+                  <a:tcPr>
+                    <a:solidFill>
+                      <a:srgbClr val="003677"/>
+                    </a:solidFill>
+                  </a:tcPr>
+                </a:tc>
+                <a:tc>
+                  <a:txBody>
+                    <a:bodyPr/>
+                    <a:lstStyle/>
+                    <a:p>
+                      <a:pPr marL="0" marR="0" lvl="0" indent="0" algn="ctr" defTabSz="914400" rtl="0" eaLnBrk="1" fontAlgn="auto" latinLnBrk="0" hangingPunct="1">
+                        <a:lnSpc>
+                          <a:spcPct val="100000"/>
+                        </a:lnSpc>
+                        <a:spcBef>
+                          <a:spcPts val="0"/>
+                        </a:spcBef>
+                        <a:spcAft>
+                          <a:spcPts val="0"/>
+                        </a:spcAft>
+                        <a:buClrTx/>
+                        <a:buSzTx/>
+                        <a:buFontTx/>
+                        <a:buNone/>
+                        <a:tabLst/>
+                        <a:defRPr/>
+                      </a:pPr>
+                      <a:r>
+                        <a:rPr lang="en" altLang="zh-CN" sz="1800" b="1" i="0" kern="1200" dirty="0">
+                          <a:solidFill>
+                            <a:schemeClr val="lt1"/>
+                          </a:solidFill>
+                          <a:effectLst/>
+                          <a:latin typeface="Microsoft YaHei Light" panose="020B0503020204020204" pitchFamily="34" charset="-122"/>
+                          <a:ea typeface="Microsoft YaHei Light" panose="020B0503020204020204" pitchFamily="34" charset="-122"/>
+                        </a:rPr>
+                        <a:t>Value</a:t>
+                      </a:r>
+                      <a:endParaRPr lang="en" altLang="zh-CN" sz="1800" b="1" i="0" kern="1200" dirty="0">
+                        <a:solidFill>
+                          <a:schemeClr val="lt1"/>
+                        </a:solidFill>
+                        <a:effectLst/>
+                        <a:latin typeface="Microsoft YaHei Light" panose="020B0503020204020204" pitchFamily="34" charset="-122"/>
+                        <a:ea typeface="Microsoft YaHei Light" panose="020B0503020204020204" pitchFamily="34" charset="-122"/>
+                        <a:cs typeface="+mn-cs"/>
+                      </a:endParaRPr>
+                    </a:p>
+                  </a:txBody>
+                  <a:tcPr>
+                    <a:solidFill>
+                      <a:srgbClr val="003677"/>
+                    </a:solidFill>
+                  </a:tcPr>
+                </a:tc>
+                <a:extLst>
+                  <a:ext uri="{0D108BD9-81ED-4DB2-BD59-A6C34878D82A}">
+                    <a16:rowId xmlns:a16="http://schemas.microsoft.com/office/drawing/2014/main" val="364447929"/>
+                  </a:ext>
+                </a:extLst>
+              </a:tr>
+              <a:tr h="370840">
+                <a:tc>
+                  <a:txBody>
+                    <a:bodyPr/>
+                    <a:lstStyle/>
+                    <a:p>
+                      <a:r>
+                        <a:rPr lang="en" altLang="zh-CN" sz="1800" i="0" kern="1200" dirty="0">
+                          <a:solidFill>
+                            <a:schemeClr val="dk1"/>
+                          </a:solidFill>
+                          <a:effectLst/>
+                          <a:latin typeface="+mn-lt"/>
+                          <a:ea typeface="+mn-ea"/>
+                          <a:cs typeface="+mn-cs"/>
+                        </a:rPr>
+                        <a:t>Number of hidden layers</a:t>
+                      </a:r>
+                    </a:p>
+                  </a:txBody>
+                  <a:tcPr marL="123825" marR="123825" marT="57150" marB="57150" anchor="ctr"/>
+                </a:tc>
+                <a:tc>
+                  <a:txBody>
+                    <a:bodyPr/>
+                    <a:lstStyle/>
+                    <a:p>
+                      <a:r>
+                        <a:rPr lang="en-US" altLang="zh-CN" b="0" i="0" dirty="0">
+                          <a:effectLst/>
+                          <a:latin typeface="Microsoft YaHei Light" panose="020B0503020204020204" pitchFamily="34" charset="-122"/>
+                          <a:ea typeface="Microsoft YaHei Light" panose="020B0503020204020204" pitchFamily="34" charset="-122"/>
+                        </a:rPr>
+                        <a:t>1</a:t>
+                      </a:r>
+                      <a:endParaRPr lang="en" b="0" i="0" dirty="0">
+                        <a:effectLst/>
+                        <a:latin typeface="Microsoft YaHei Light" panose="020B0503020204020204" pitchFamily="34" charset="-122"/>
+                        <a:ea typeface="Microsoft YaHei Light" panose="020B0503020204020204" pitchFamily="34" charset="-122"/>
+                      </a:endParaRPr>
+                    </a:p>
+                  </a:txBody>
+                  <a:tcPr marL="123825" marR="123825" marT="57150" marB="57150" anchor="ctr"/>
+                </a:tc>
+                <a:extLst>
+                  <a:ext uri="{0D108BD9-81ED-4DB2-BD59-A6C34878D82A}">
+                    <a16:rowId xmlns:a16="http://schemas.microsoft.com/office/drawing/2014/main" val="2434156443"/>
+                  </a:ext>
+                </a:extLst>
+              </a:tr>
+              <a:tr h="370840">
+                <a:tc>
+                  <a:txBody>
+                    <a:bodyPr/>
+                    <a:lstStyle/>
+                    <a:p>
+                      <a:r>
+                        <a:rPr lang="en" altLang="zh-CN" sz="1800" i="0" kern="1200" dirty="0">
+                          <a:solidFill>
+                            <a:schemeClr val="dk1"/>
+                          </a:solidFill>
+                          <a:effectLst/>
+                          <a:latin typeface="+mn-lt"/>
+                          <a:ea typeface="+mn-ea"/>
+                          <a:cs typeface="+mn-cs"/>
+                        </a:rPr>
+                        <a:t>Number of neurons per layer</a:t>
+                      </a:r>
+                    </a:p>
+                  </a:txBody>
+                  <a:tcPr marL="123825" marR="123825" marT="57150" marB="57150" anchor="ctr"/>
+                </a:tc>
+                <a:tc>
+                  <a:txBody>
+                    <a:bodyPr/>
+                    <a:lstStyle/>
+                    <a:p>
+                      <a:r>
+                        <a:rPr lang="en-US" altLang="zh-CN" b="0" i="0" dirty="0">
+                          <a:effectLst/>
+                          <a:latin typeface="Microsoft YaHei Light" panose="020B0503020204020204" pitchFamily="34" charset="-122"/>
+                          <a:ea typeface="Microsoft YaHei Light" panose="020B0503020204020204" pitchFamily="34" charset="-122"/>
+                        </a:rPr>
+                        <a:t>32</a:t>
+                      </a:r>
+                      <a:endParaRPr lang="en" b="0" i="0" dirty="0">
+                        <a:effectLst/>
+                        <a:latin typeface="Microsoft YaHei Light" panose="020B0503020204020204" pitchFamily="34" charset="-122"/>
+                        <a:ea typeface="Microsoft YaHei Light" panose="020B0503020204020204" pitchFamily="34" charset="-122"/>
+                      </a:endParaRPr>
+                    </a:p>
+                  </a:txBody>
+                  <a:tcPr marL="123825" marR="123825" marT="57150" marB="57150" anchor="ctr"/>
+                </a:tc>
+                <a:extLst>
+                  <a:ext uri="{0D108BD9-81ED-4DB2-BD59-A6C34878D82A}">
+                    <a16:rowId xmlns:a16="http://schemas.microsoft.com/office/drawing/2014/main" val="1599882586"/>
+                  </a:ext>
+                </a:extLst>
+              </a:tr>
+              <a:tr h="370840">
+                <a:tc>
+                  <a:txBody>
+                    <a:bodyPr/>
+                    <a:lstStyle/>
+                    <a:p>
+                      <a:r>
+                        <a:rPr lang="en" altLang="zh-CN" sz="1800" i="0" kern="1200" dirty="0">
+                          <a:solidFill>
+                            <a:schemeClr val="dk1"/>
+                          </a:solidFill>
+                          <a:effectLst/>
+                          <a:latin typeface="+mn-lt"/>
+                          <a:ea typeface="+mn-ea"/>
+                          <a:cs typeface="+mn-cs"/>
+                        </a:rPr>
+                        <a:t>Activation functions</a:t>
+                      </a:r>
+                    </a:p>
+                  </a:txBody>
+                  <a:tcPr marL="123825" marR="123825" marT="57150" marB="57150" anchor="ctr"/>
+                </a:tc>
+                <a:tc>
+                  <a:txBody>
+                    <a:bodyPr/>
+                    <a:lstStyle/>
+                    <a:p>
+                      <a:r>
+                        <a:rPr lang="en" altLang="zh-CN" sz="1800" i="0" kern="1200" dirty="0" err="1">
+                          <a:solidFill>
+                            <a:schemeClr val="dk1"/>
+                          </a:solidFill>
+                          <a:effectLst/>
+                          <a:latin typeface="+mn-lt"/>
+                          <a:ea typeface="+mn-ea"/>
+                          <a:cs typeface="+mn-cs"/>
+                        </a:rPr>
+                        <a:t>ReLU</a:t>
+                      </a:r>
+                      <a:r>
+                        <a:rPr lang="en" altLang="zh-CN" sz="1800" i="0" kern="1200" dirty="0">
+                          <a:solidFill>
+                            <a:schemeClr val="dk1"/>
+                          </a:solidFill>
+                          <a:effectLst/>
+                          <a:latin typeface="+mn-lt"/>
+                          <a:ea typeface="+mn-ea"/>
+                          <a:cs typeface="+mn-cs"/>
+                        </a:rPr>
+                        <a:t> (hidden layers), </a:t>
+                      </a:r>
+                      <a:r>
+                        <a:rPr lang="en" altLang="zh-CN" sz="1800" i="0" kern="1200" dirty="0" err="1">
+                          <a:solidFill>
+                            <a:schemeClr val="dk1"/>
+                          </a:solidFill>
+                          <a:effectLst/>
+                          <a:latin typeface="+mn-lt"/>
+                          <a:ea typeface="+mn-ea"/>
+                          <a:cs typeface="+mn-cs"/>
+                        </a:rPr>
+                        <a:t>softmax</a:t>
+                      </a:r>
+                      <a:r>
+                        <a:rPr lang="en" altLang="zh-CN" sz="1800" i="0" kern="1200" dirty="0">
+                          <a:solidFill>
+                            <a:schemeClr val="dk1"/>
+                          </a:solidFill>
+                          <a:effectLst/>
+                          <a:latin typeface="+mn-lt"/>
+                          <a:ea typeface="+mn-ea"/>
+                          <a:cs typeface="+mn-cs"/>
+                        </a:rPr>
+                        <a:t> (output layer)</a:t>
+                      </a:r>
+                    </a:p>
+                  </a:txBody>
+                  <a:tcPr marL="123825" marR="123825" marT="57150" marB="57150" anchor="ctr"/>
+                </a:tc>
+                <a:extLst>
+                  <a:ext uri="{0D108BD9-81ED-4DB2-BD59-A6C34878D82A}">
+                    <a16:rowId xmlns:a16="http://schemas.microsoft.com/office/drawing/2014/main" val="439688520"/>
+                  </a:ext>
+                </a:extLst>
+              </a:tr>
+              <a:tr h="370840">
+                <a:tc>
+                  <a:txBody>
+                    <a:bodyPr/>
+                    <a:lstStyle/>
+                    <a:p>
+                      <a:r>
+                        <a:rPr lang="en" altLang="zh-CN" sz="1800" i="0" kern="1200" dirty="0">
+                          <a:solidFill>
+                            <a:schemeClr val="dk1"/>
+                          </a:solidFill>
+                          <a:effectLst/>
+                          <a:latin typeface="+mn-lt"/>
+                          <a:ea typeface="+mn-ea"/>
+                          <a:cs typeface="+mn-cs"/>
+                        </a:rPr>
+                        <a:t>Optimizer</a:t>
+                      </a:r>
+                    </a:p>
+                  </a:txBody>
+                  <a:tcPr marL="123825" marR="123825" marT="57150" marB="57150" anchor="ctr"/>
+                </a:tc>
+                <a:tc>
+                  <a:txBody>
+                    <a:bodyPr/>
+                    <a:lstStyle/>
+                    <a:p>
+                      <a:r>
+                        <a:rPr lang="en" b="0" i="0" dirty="0" err="1">
+                          <a:effectLst/>
+                          <a:latin typeface="Microsoft YaHei Light" panose="020B0503020204020204" pitchFamily="34" charset="-122"/>
+                          <a:ea typeface="Microsoft YaHei Light" panose="020B0503020204020204" pitchFamily="34" charset="-122"/>
+                        </a:rPr>
+                        <a:t>Nadam</a:t>
+                      </a:r>
+                      <a:endParaRPr lang="en" b="0" i="0" dirty="0">
+                        <a:effectLst/>
+                        <a:latin typeface="Microsoft YaHei Light" panose="020B0503020204020204" pitchFamily="34" charset="-122"/>
+                        <a:ea typeface="Microsoft YaHei Light" panose="020B0503020204020204" pitchFamily="34" charset="-122"/>
+                      </a:endParaRPr>
+                    </a:p>
+                  </a:txBody>
+                  <a:tcPr marL="123825" marR="123825" marT="57150" marB="57150" anchor="ctr"/>
+                </a:tc>
+                <a:extLst>
+                  <a:ext uri="{0D108BD9-81ED-4DB2-BD59-A6C34878D82A}">
+                    <a16:rowId xmlns:a16="http://schemas.microsoft.com/office/drawing/2014/main" val="3281301671"/>
+                  </a:ext>
+                </a:extLst>
+              </a:tr>
+              <a:tr h="370840">
+                <a:tc>
+                  <a:txBody>
+                    <a:bodyPr/>
+                    <a:lstStyle/>
+                    <a:p>
+                      <a:r>
+                        <a:rPr lang="en" altLang="zh-CN" sz="1800" i="0" kern="1200" dirty="0">
+                          <a:solidFill>
+                            <a:schemeClr val="dk1"/>
+                          </a:solidFill>
+                          <a:effectLst/>
+                          <a:latin typeface="+mn-lt"/>
+                          <a:ea typeface="+mn-ea"/>
+                          <a:cs typeface="+mn-cs"/>
+                        </a:rPr>
+                        <a:t>Loss function</a:t>
+                      </a:r>
+                    </a:p>
+                  </a:txBody>
+                  <a:tcPr marL="123825" marR="123825" marT="57150" marB="57150" anchor="ctr"/>
+                </a:tc>
+                <a:tc>
+                  <a:txBody>
+                    <a:bodyPr/>
+                    <a:lstStyle/>
+                    <a:p>
+                      <a:r>
+                        <a:rPr lang="en" altLang="zh-CN" sz="1800" i="0" kern="1200" dirty="0">
+                          <a:solidFill>
+                            <a:schemeClr val="dk1"/>
+                          </a:solidFill>
+                          <a:effectLst/>
+                          <a:latin typeface="+mn-lt"/>
+                          <a:ea typeface="+mn-ea"/>
+                          <a:cs typeface="+mn-cs"/>
+                        </a:rPr>
+                        <a:t>Sparse categorical cross entropy</a:t>
+                      </a:r>
+                    </a:p>
+                  </a:txBody>
+                  <a:tcPr marL="123825" marR="123825" marT="57150" marB="57150" anchor="ctr"/>
+                </a:tc>
+                <a:extLst>
+                  <a:ext uri="{0D108BD9-81ED-4DB2-BD59-A6C34878D82A}">
+                    <a16:rowId xmlns:a16="http://schemas.microsoft.com/office/drawing/2014/main" val="208824927"/>
+                  </a:ext>
+                </a:extLst>
+              </a:tr>
+              <a:tr h="370840">
+                <a:tc>
+                  <a:txBody>
+                    <a:bodyPr/>
+                    <a:lstStyle/>
+                    <a:p>
+                      <a:r>
+                        <a:rPr lang="en" altLang="zh-CN" sz="1800" i="0" kern="1200" dirty="0">
+                          <a:solidFill>
+                            <a:schemeClr val="dk1"/>
+                          </a:solidFill>
+                          <a:effectLst/>
+                          <a:latin typeface="+mn-lt"/>
+                          <a:ea typeface="+mn-ea"/>
+                          <a:cs typeface="+mn-cs"/>
+                        </a:rPr>
+                        <a:t>Training batch size</a:t>
+                      </a:r>
+                    </a:p>
+                  </a:txBody>
+                  <a:tcPr marL="123825" marR="123825" marT="57150" marB="57150" anchor="ctr"/>
+                </a:tc>
+                <a:tc>
+                  <a:txBody>
+                    <a:bodyPr/>
+                    <a:lstStyle/>
+                    <a:p>
+                      <a:r>
+                        <a:rPr lang="en-US" altLang="zh-CN" sz="1800" i="0" kern="1200" dirty="0">
+                          <a:solidFill>
+                            <a:schemeClr val="dk1"/>
+                          </a:solidFill>
+                          <a:effectLst/>
+                          <a:latin typeface="+mn-lt"/>
+                          <a:ea typeface="+mn-ea"/>
+                          <a:cs typeface="+mn-cs"/>
+                        </a:rPr>
+                        <a:t>32</a:t>
+                      </a:r>
+                      <a:endParaRPr lang="zh-CN" altLang="en-US" sz="1800" i="0" kern="1200" dirty="0">
+                        <a:solidFill>
+                          <a:schemeClr val="dk1"/>
+                        </a:solidFill>
+                        <a:effectLst/>
+                        <a:latin typeface="+mn-lt"/>
+                        <a:ea typeface="+mn-ea"/>
+                        <a:cs typeface="+mn-cs"/>
+                      </a:endParaRPr>
+                    </a:p>
+                  </a:txBody>
+                  <a:tcPr marL="123825" marR="123825" marT="57150" marB="57150" anchor="ctr"/>
+                </a:tc>
+                <a:extLst>
+                  <a:ext uri="{0D108BD9-81ED-4DB2-BD59-A6C34878D82A}">
+                    <a16:rowId xmlns:a16="http://schemas.microsoft.com/office/drawing/2014/main" val="4174447225"/>
+                  </a:ext>
+                </a:extLst>
+              </a:tr>
+            </a:tbl>
+          </a:graphicData>
+        </a:graphic>
+      </p:graphicFrame>
+      <p:sp>
+        <p:nvSpPr>
+          <p:cNvPr id="7" name="文本框 6">
+            <a:extLst>
+              <a:ext uri="{FF2B5EF4-FFF2-40B4-BE49-F238E27FC236}">
+                <a16:creationId xmlns:a16="http://schemas.microsoft.com/office/drawing/2014/main" id="{68E226EB-99E0-4025-4F7E-E1ED50B5CE8F}"/>
+              </a:ext>
+            </a:extLst>
+          </p:cNvPr>
+          <p:cNvSpPr txBox="1"/>
           <p:nvPr/>
         </p:nvSpPr>
-        <p:spPr bwMode="auto">
+        <p:spPr>
           <a:xfrm>
-            <a:off x="237184" y="-1"/>
-            <a:ext cx="11954816" cy="1177045"/>
+            <a:off x="1083174" y="2625873"/>
+            <a:ext cx="3575979" cy="400110"/>
           </a:xfrm>
           <a:prstGeom prst="rect">
             <a:avLst/>
           </a:prstGeom>
           <a:noFill/>
-          <a:ln>
-            <a:noFill/>
-          </a:ln>
-          <a:effectLst/>
-          <a:extLst>
-            <a:ext uri="{909E8E84-426E-40DD-AFC4-6F175D3DCCD1}">
-              <a14:hiddenFill xmlns:a14="http://schemas.microsoft.com/office/drawing/2010/main">
-                <a:solidFill>
-                  <a:schemeClr val="accent1"/>
-                </a:solidFill>
-              </a14:hiddenFill>
-            </a:ext>
-            <a:ext uri="{91240B29-F687-4F45-9708-019B960494DF}">
-              <a14:hiddenLine xmlns:a14="http://schemas.microsoft.com/office/drawing/2010/main" w="9525">
-                <a:solidFill>
-                  <a:schemeClr val="tx1"/>
-                </a:solidFill>
-                <a:miter lim="800000"/>
-                <a:headEnd/>
-                <a:tailEnd/>
-              </a14:hiddenLine>
-            </a:ext>
-            <a:ext uri="{AF507438-7753-43E0-B8FC-AC1667EBCBE1}">
-              <a14:hiddenEffects xmlns:a14="http://schemas.microsoft.com/office/drawing/2010/main">
-                <a:effectLst>
-                  <a:outerShdw dist="35921" dir="2700000" algn="ctr" rotWithShape="0">
-                    <a:schemeClr val="bg2"/>
-                  </a:outerShdw>
-                </a:effectLst>
-              </a14:hiddenEffects>
-            </a:ext>
-          </a:extLst>
         </p:spPr>
         <p:txBody>
-          <a:bodyPr vert="horz" wrap="square" lIns="91440" tIns="45720" rIns="91440" bIns="45720" numCol="1" anchor="ctr" anchorCtr="0" compatLnSpc="1">
-            <a:prstTxWarp prst="textNoShape">
-              <a:avLst/>
-            </a:prstTxWarp>
+          <a:bodyPr wrap="none" rtlCol="0">
+            <a:spAutoFit/>
           </a:bodyPr>
-          <a:lstStyle>
-            <a:lvl1pPr algn="l" defTabSz="914400" rtl="0" eaLnBrk="1" latinLnBrk="0" hangingPunct="1">
-              <a:lnSpc>
-                <a:spcPct val="90000"/>
-              </a:lnSpc>
-              <a:spcBef>
-                <a:spcPct val="0"/>
-              </a:spcBef>
-              <a:buNone/>
-              <a:defRPr sz="4400" kern="1200">
-                <a:solidFill>
-                  <a:schemeClr val="tx1"/>
-                </a:solidFill>
-                <a:latin typeface="+mj-lt"/>
-                <a:ea typeface="+mj-ea"/>
-                <a:cs typeface="+mj-cs"/>
-              </a:defRPr>
-            </a:lvl1pPr>
-          </a:lstStyle>
-          <a:p>
-            <a:r>
-              <a:rPr lang="en-US" altLang="zh-TW" sz="3500" b="1" dirty="0">
+          <a:lstStyle/>
+          <a:p>
+            <a:r>
+              <a:rPr kumimoji="1" lang="en-US" altLang="zh-CN" sz="2000" b="1" dirty="0">
                 <a:latin typeface="Microsoft YaHei" panose="020B0503020204020204" pitchFamily="34" charset="-122"/>
                 <a:ea typeface="Microsoft YaHei" panose="020B0503020204020204" pitchFamily="34" charset="-122"/>
               </a:rPr>
-              <a:t>Result</a:t>
-            </a:r>
-            <a:endParaRPr lang="zh-TW" altLang="en-US" sz="3500" b="1" dirty="0">
+              <a:t>Pit-stop Decision Network</a:t>
+            </a:r>
+            <a:endParaRPr kumimoji="1" lang="zh-CN" altLang="en-US" sz="2000" b="1" dirty="0">
               <a:latin typeface="Microsoft YaHei" panose="020B0503020204020204" pitchFamily="34" charset="-122"/>
               <a:ea typeface="Microsoft YaHei" panose="020B0503020204020204" pitchFamily="34" charset="-122"/>
             </a:endParaRPr>
           </a:p>
         </p:txBody>
       </p:sp>
+      <p:sp>
+        <p:nvSpPr>
+          <p:cNvPr id="8" name="文本框 7">
+            <a:extLst>
+              <a:ext uri="{FF2B5EF4-FFF2-40B4-BE49-F238E27FC236}">
+                <a16:creationId xmlns:a16="http://schemas.microsoft.com/office/drawing/2014/main" id="{0C7DAFCD-2EC1-48A1-1DC3-71610C92715D}"/>
+              </a:ext>
+            </a:extLst>
+          </p:cNvPr>
+          <p:cNvSpPr txBox="1"/>
+          <p:nvPr/>
+        </p:nvSpPr>
+        <p:spPr>
+          <a:xfrm>
+            <a:off x="38144" y="3484697"/>
+            <a:ext cx="4621009" cy="400110"/>
+          </a:xfrm>
+          <a:prstGeom prst="rect">
+            <a:avLst/>
+          </a:prstGeom>
+          <a:noFill/>
+        </p:spPr>
+        <p:txBody>
+          <a:bodyPr wrap="none" rtlCol="0">
+            <a:spAutoFit/>
+          </a:bodyPr>
+          <a:lstStyle/>
+          <a:p>
+            <a:r>
+              <a:rPr kumimoji="1" lang="en-US" altLang="zh-CN" sz="2000" b="1" dirty="0" err="1">
+                <a:latin typeface="Microsoft YaHei" panose="020B0503020204020204" pitchFamily="34" charset="-122"/>
+                <a:ea typeface="Microsoft YaHei" panose="020B0503020204020204" pitchFamily="34" charset="-122"/>
+              </a:rPr>
+              <a:t>Tyre</a:t>
+            </a:r>
+            <a:r>
+              <a:rPr kumimoji="1" lang="en-US" altLang="zh-CN" sz="2000" b="1" dirty="0">
+                <a:latin typeface="Microsoft YaHei" panose="020B0503020204020204" pitchFamily="34" charset="-122"/>
+                <a:ea typeface="Microsoft YaHei" panose="020B0503020204020204" pitchFamily="34" charset="-122"/>
+              </a:rPr>
+              <a:t> Compound Decision Network</a:t>
+            </a:r>
+            <a:endParaRPr kumimoji="1" lang="zh-CN" altLang="en-US" sz="2000" b="1" dirty="0">
+              <a:latin typeface="Microsoft YaHei" panose="020B0503020204020204" pitchFamily="34" charset="-122"/>
+              <a:ea typeface="Microsoft YaHei" panose="020B0503020204020204" pitchFamily="34" charset="-122"/>
+            </a:endParaRPr>
+          </a:p>
+        </p:txBody>
+      </p:sp>
+      <p:cxnSp>
+        <p:nvCxnSpPr>
+          <p:cNvPr id="10" name="直线连接符 9">
+            <a:extLst>
+              <a:ext uri="{FF2B5EF4-FFF2-40B4-BE49-F238E27FC236}">
+                <a16:creationId xmlns:a16="http://schemas.microsoft.com/office/drawing/2014/main" id="{C86F580F-9A3D-FFE4-A71D-2F5893CAE79D}"/>
+              </a:ext>
+            </a:extLst>
+          </p:cNvPr>
+          <p:cNvCxnSpPr>
+            <a:cxnSpLocks/>
+          </p:cNvCxnSpPr>
+          <p:nvPr/>
+        </p:nvCxnSpPr>
+        <p:spPr>
+          <a:xfrm>
+            <a:off x="0" y="3456848"/>
+            <a:ext cx="4548554" cy="0"/>
+          </a:xfrm>
+          <a:prstGeom prst="line">
+            <a:avLst/>
+          </a:prstGeom>
+          <a:ln>
+            <a:solidFill>
+              <a:schemeClr val="tx1"/>
+            </a:solidFill>
+          </a:ln>
+        </p:spPr>
+        <p:style>
+          <a:lnRef idx="2">
+            <a:schemeClr val="accent1"/>
+          </a:lnRef>
+          <a:fillRef idx="0">
+            <a:schemeClr val="accent1"/>
+          </a:fillRef>
+          <a:effectRef idx="1">
+            <a:schemeClr val="accent1"/>
+          </a:effectRef>
+          <a:fontRef idx="minor">
+            <a:schemeClr val="tx1"/>
+          </a:fontRef>
+        </p:style>
+      </p:cxnSp>
+      <p:sp>
+        <p:nvSpPr>
+          <p:cNvPr id="12" name="文本框 11">
+            <a:extLst>
+              <a:ext uri="{FF2B5EF4-FFF2-40B4-BE49-F238E27FC236}">
+                <a16:creationId xmlns:a16="http://schemas.microsoft.com/office/drawing/2014/main" id="{8B973767-0EE4-7351-1294-26851553115D}"/>
+              </a:ext>
+            </a:extLst>
+          </p:cNvPr>
+          <p:cNvSpPr txBox="1"/>
+          <p:nvPr/>
+        </p:nvSpPr>
+        <p:spPr>
+          <a:xfrm>
+            <a:off x="1840953" y="3025983"/>
+            <a:ext cx="2707601" cy="369332"/>
+          </a:xfrm>
+          <a:prstGeom prst="rect">
+            <a:avLst/>
+          </a:prstGeom>
+          <a:noFill/>
+        </p:spPr>
+        <p:txBody>
+          <a:bodyPr wrap="none" rtlCol="0">
+            <a:spAutoFit/>
+          </a:bodyPr>
+          <a:lstStyle/>
+          <a:p>
+            <a:r>
+              <a:rPr kumimoji="1" lang="en-US" altLang="zh-CN" dirty="0">
+                <a:latin typeface="Microsoft YaHei" panose="020B0503020204020204" pitchFamily="34" charset="-122"/>
+                <a:ea typeface="Microsoft YaHei" panose="020B0503020204020204" pitchFamily="34" charset="-122"/>
+              </a:rPr>
+              <a:t>Output: TRUE or FALSE</a:t>
+            </a:r>
+            <a:endParaRPr kumimoji="1" lang="zh-CN" altLang="en-US" dirty="0">
+              <a:latin typeface="Microsoft YaHei" panose="020B0503020204020204" pitchFamily="34" charset="-122"/>
+              <a:ea typeface="Microsoft YaHei" panose="020B0503020204020204" pitchFamily="34" charset="-122"/>
+            </a:endParaRPr>
+          </a:p>
+        </p:txBody>
+      </p:sp>
+      <p:sp>
+        <p:nvSpPr>
+          <p:cNvPr id="13" name="文本框 12">
+            <a:extLst>
+              <a:ext uri="{FF2B5EF4-FFF2-40B4-BE49-F238E27FC236}">
+                <a16:creationId xmlns:a16="http://schemas.microsoft.com/office/drawing/2014/main" id="{C7B7DF63-D189-4219-4F8D-A116E6C83C78}"/>
+              </a:ext>
+            </a:extLst>
+          </p:cNvPr>
+          <p:cNvSpPr txBox="1"/>
+          <p:nvPr/>
+        </p:nvSpPr>
+        <p:spPr>
+          <a:xfrm>
+            <a:off x="1284584" y="3884807"/>
+            <a:ext cx="3263970" cy="369332"/>
+          </a:xfrm>
+          <a:prstGeom prst="rect">
+            <a:avLst/>
+          </a:prstGeom>
+          <a:noFill/>
+        </p:spPr>
+        <p:txBody>
+          <a:bodyPr wrap="none" rtlCol="0">
+            <a:spAutoFit/>
+          </a:bodyPr>
+          <a:lstStyle/>
+          <a:p>
+            <a:r>
+              <a:rPr kumimoji="1" lang="en-US" altLang="zh-CN" dirty="0">
+                <a:latin typeface="Microsoft YaHei" panose="020B0503020204020204" pitchFamily="34" charset="-122"/>
+                <a:ea typeface="Microsoft YaHei" panose="020B0503020204020204" pitchFamily="34" charset="-122"/>
+              </a:rPr>
+              <a:t>Output: Soft, Medium, Hard</a:t>
+            </a:r>
+            <a:endParaRPr kumimoji="1" lang="zh-CN" altLang="en-US" dirty="0">
+              <a:latin typeface="Microsoft YaHei" panose="020B0503020204020204" pitchFamily="34" charset="-122"/>
+              <a:ea typeface="Microsoft YaHei" panose="020B0503020204020204" pitchFamily="34" charset="-122"/>
+            </a:endParaRPr>
+          </a:p>
+        </p:txBody>
+      </p:sp>
     </p:spTree>
     <p:extLst>
       <p:ext uri="{BB962C8B-B14F-4D97-AF65-F5344CB8AC3E}">
-        <p14:creationId xmlns:p14="http://schemas.microsoft.com/office/powerpoint/2010/main" val="847225357"/>
+        <p14:creationId xmlns:p14="http://schemas.microsoft.com/office/powerpoint/2010/main" val="3356831160"/>
       </p:ext>
     </p:extLst>
   </p:cSld>

--- a/Project_Presentation.pptx
+++ b/Project_Presentation.pptx
@@ -5,7 +5,7 @@
     <p:sldMasterId id="2147483648" r:id="rId1"/>
   </p:sldMasterIdLst>
   <p:notesMasterIdLst>
-    <p:notesMasterId r:id="rId15"/>
+    <p:notesMasterId r:id="rId16"/>
   </p:notesMasterIdLst>
   <p:sldIdLst>
     <p:sldId id="257" r:id="rId2"/>
@@ -17,10 +17,11 @@
     <p:sldId id="263" r:id="rId8"/>
     <p:sldId id="268" r:id="rId9"/>
     <p:sldId id="264" r:id="rId10"/>
-    <p:sldId id="265" r:id="rId11"/>
-    <p:sldId id="269" r:id="rId12"/>
-    <p:sldId id="266" r:id="rId13"/>
-    <p:sldId id="267" r:id="rId14"/>
+    <p:sldId id="270" r:id="rId11"/>
+    <p:sldId id="265" r:id="rId12"/>
+    <p:sldId id="269" r:id="rId13"/>
+    <p:sldId id="266" r:id="rId14"/>
+    <p:sldId id="267" r:id="rId15"/>
   </p:sldIdLst>
   <p:sldSz cx="12192000" cy="6858000"/>
   <p:notesSz cx="6858000" cy="9144000"/>
@@ -209,7 +210,7 @@
           <a:p>
             <a:fld id="{DB8B6F42-5E7C-7042-82B6-6A8AD7FD7241}" type="datetimeFigureOut">
               <a:rPr kumimoji="1" lang="zh-CN" altLang="en-US" smtClean="0"/>
-              <a:t>2024/11/27</a:t>
+              <a:t>2024/11/28</a:t>
             </a:fld>
             <a:endParaRPr kumimoji="1" lang="zh-CN" altLang="en-US"/>
           </a:p>
@@ -474,6 +475,186 @@
     </a:lvl9pPr>
   </p:notesStyle>
 </p:notesMaster>
+</file>
+
+<file path=ppt/notesSlides/notesSlide1.xml><?xml version="1.0" encoding="utf-8"?>
+<p:notes xmlns:a="http://schemas.openxmlformats.org/drawingml/2006/main" xmlns:r="http://schemas.openxmlformats.org/officeDocument/2006/relationships" xmlns:p="http://schemas.openxmlformats.org/presentationml/2006/main">
+  <p:cSld>
+    <p:spTree>
+      <p:nvGrpSpPr>
+        <p:cNvPr id="1" name=""/>
+        <p:cNvGrpSpPr/>
+        <p:nvPr/>
+      </p:nvGrpSpPr>
+      <p:grpSpPr>
+        <a:xfrm>
+          <a:off x="0" y="0"/>
+          <a:ext cx="0" cy="0"/>
+          <a:chOff x="0" y="0"/>
+          <a:chExt cx="0" cy="0"/>
+        </a:xfrm>
+      </p:grpSpPr>
+      <p:sp>
+        <p:nvSpPr>
+          <p:cNvPr id="2" name="幻灯片图像占位符 1"/>
+          <p:cNvSpPr>
+            <a:spLocks noGrp="1" noRot="1" noChangeAspect="1"/>
+          </p:cNvSpPr>
+          <p:nvPr>
+            <p:ph type="sldImg"/>
+          </p:nvPr>
+        </p:nvSpPr>
+        <p:spPr/>
+      </p:sp>
+      <p:sp>
+        <p:nvSpPr>
+          <p:cNvPr id="3" name="备注占位符 2"/>
+          <p:cNvSpPr>
+            <a:spLocks noGrp="1"/>
+          </p:cNvSpPr>
+          <p:nvPr>
+            <p:ph type="body" idx="1"/>
+          </p:nvPr>
+        </p:nvSpPr>
+        <p:spPr/>
+        <p:txBody>
+          <a:bodyPr/>
+          <a:lstStyle/>
+          <a:p>
+            <a:r>
+              <a:rPr kumimoji="1" lang="en-US" altLang="zh-CN" dirty="0"/>
+              <a:t>Objective conditions</a:t>
+            </a:r>
+            <a:endParaRPr kumimoji="1" lang="zh-CN" altLang="en-US" dirty="0"/>
+          </a:p>
+        </p:txBody>
+      </p:sp>
+      <p:sp>
+        <p:nvSpPr>
+          <p:cNvPr id="4" name="灯片编号占位符 3"/>
+          <p:cNvSpPr>
+            <a:spLocks noGrp="1"/>
+          </p:cNvSpPr>
+          <p:nvPr>
+            <p:ph type="sldNum" sz="quarter" idx="5"/>
+          </p:nvPr>
+        </p:nvSpPr>
+        <p:spPr/>
+        <p:txBody>
+          <a:bodyPr/>
+          <a:lstStyle/>
+          <a:p>
+            <a:fld id="{96F9DE16-9C2E-3149-BBBA-75D03C31C444}" type="slidenum">
+              <a:rPr kumimoji="1" lang="zh-CN" altLang="en-US" smtClean="0"/>
+              <a:t>7</a:t>
+            </a:fld>
+            <a:endParaRPr kumimoji="1" lang="zh-CN" altLang="en-US"/>
+          </a:p>
+        </p:txBody>
+      </p:sp>
+    </p:spTree>
+    <p:extLst>
+      <p:ext uri="{BB962C8B-B14F-4D97-AF65-F5344CB8AC3E}">
+        <p14:creationId xmlns:p14="http://schemas.microsoft.com/office/powerpoint/2010/main" val="2630694158"/>
+      </p:ext>
+    </p:extLst>
+  </p:cSld>
+  <p:clrMapOvr>
+    <a:masterClrMapping/>
+  </p:clrMapOvr>
+</p:notes>
+</file>
+
+<file path=ppt/notesSlides/notesSlide2.xml><?xml version="1.0" encoding="utf-8"?>
+<p:notes xmlns:a="http://schemas.openxmlformats.org/drawingml/2006/main" xmlns:r="http://schemas.openxmlformats.org/officeDocument/2006/relationships" xmlns:p="http://schemas.openxmlformats.org/presentationml/2006/main">
+  <p:cSld>
+    <p:spTree>
+      <p:nvGrpSpPr>
+        <p:cNvPr id="1" name=""/>
+        <p:cNvGrpSpPr/>
+        <p:nvPr/>
+      </p:nvGrpSpPr>
+      <p:grpSpPr>
+        <a:xfrm>
+          <a:off x="0" y="0"/>
+          <a:ext cx="0" cy="0"/>
+          <a:chOff x="0" y="0"/>
+          <a:chExt cx="0" cy="0"/>
+        </a:xfrm>
+      </p:grpSpPr>
+      <p:sp>
+        <p:nvSpPr>
+          <p:cNvPr id="2" name="幻灯片图像占位符 1"/>
+          <p:cNvSpPr>
+            <a:spLocks noGrp="1" noRot="1" noChangeAspect="1"/>
+          </p:cNvSpPr>
+          <p:nvPr>
+            <p:ph type="sldImg"/>
+          </p:nvPr>
+        </p:nvSpPr>
+        <p:spPr/>
+      </p:sp>
+      <p:sp>
+        <p:nvSpPr>
+          <p:cNvPr id="3" name="备注占位符 2"/>
+          <p:cNvSpPr>
+            <a:spLocks noGrp="1"/>
+          </p:cNvSpPr>
+          <p:nvPr>
+            <p:ph type="body" idx="1"/>
+          </p:nvPr>
+        </p:nvSpPr>
+        <p:spPr/>
+        <p:txBody>
+          <a:bodyPr/>
+          <a:lstStyle/>
+          <a:p>
+            <a:r>
+              <a:rPr kumimoji="1" lang="en-US" altLang="zh-CN" dirty="0" err="1"/>
+              <a:t>Reletive</a:t>
+            </a:r>
+            <a:r>
+              <a:rPr kumimoji="1" lang="en-US" altLang="zh-CN" dirty="0"/>
+              <a:t> simple</a:t>
+            </a:r>
+            <a:endParaRPr kumimoji="1" lang="zh-CN" altLang="en-US" dirty="0"/>
+          </a:p>
+        </p:txBody>
+      </p:sp>
+      <p:sp>
+        <p:nvSpPr>
+          <p:cNvPr id="4" name="灯片编号占位符 3"/>
+          <p:cNvSpPr>
+            <a:spLocks noGrp="1"/>
+          </p:cNvSpPr>
+          <p:nvPr>
+            <p:ph type="sldNum" sz="quarter" idx="5"/>
+          </p:nvPr>
+        </p:nvSpPr>
+        <p:spPr/>
+        <p:txBody>
+          <a:bodyPr/>
+          <a:lstStyle/>
+          <a:p>
+            <a:fld id="{96F9DE16-9C2E-3149-BBBA-75D03C31C444}" type="slidenum">
+              <a:rPr kumimoji="1" lang="zh-CN" altLang="en-US" smtClean="0"/>
+              <a:t>9</a:t>
+            </a:fld>
+            <a:endParaRPr kumimoji="1" lang="zh-CN" altLang="en-US"/>
+          </a:p>
+        </p:txBody>
+      </p:sp>
+    </p:spTree>
+    <p:extLst>
+      <p:ext uri="{BB962C8B-B14F-4D97-AF65-F5344CB8AC3E}">
+        <p14:creationId xmlns:p14="http://schemas.microsoft.com/office/powerpoint/2010/main" val="368844592"/>
+      </p:ext>
+    </p:extLst>
+  </p:cSld>
+  <p:clrMapOvr>
+    <a:masterClrMapping/>
+  </p:clrMapOvr>
+</p:notes>
 </file>
 
 <file path=ppt/slideLayouts/slideLayout1.xml><?xml version="1.0" encoding="utf-8"?>
@@ -3879,8 +4060,8 @@
         </p:nvSpPr>
         <p:spPr>
           <a:xfrm>
-            <a:off x="5271672" y="4441509"/>
-            <a:ext cx="1648656" cy="923330"/>
+            <a:off x="5031413" y="4441509"/>
+            <a:ext cx="2129174" cy="1200329"/>
           </a:xfrm>
           <a:prstGeom prst="rect">
             <a:avLst/>
@@ -3895,7 +4076,7 @@
           <a:p>
             <a:pPr algn="ctr"/>
             <a:r>
-              <a:rPr kumimoji="1" lang="en-US" altLang="zh-CN" dirty="0">
+              <a:rPr kumimoji="1" lang="en-US" altLang="zh-CN" sz="2400" dirty="0">
                 <a:latin typeface="Microsoft YaHei" panose="020B0503020204020204" pitchFamily="34" charset="-122"/>
                 <a:ea typeface="Microsoft YaHei" panose="020B0503020204020204" pitchFamily="34" charset="-122"/>
               </a:rPr>
@@ -3905,7 +4086,7 @@
           <a:p>
             <a:pPr algn="ctr"/>
             <a:r>
-              <a:rPr kumimoji="1" lang="en-US" altLang="zh-CN" dirty="0">
+              <a:rPr kumimoji="1" lang="en-US" altLang="zh-CN" sz="2400" dirty="0">
                 <a:latin typeface="Microsoft YaHei" panose="020B0503020204020204" pitchFamily="34" charset="-122"/>
                 <a:ea typeface="Microsoft YaHei" panose="020B0503020204020204" pitchFamily="34" charset="-122"/>
               </a:rPr>
@@ -3915,13 +4096,13 @@
           <a:p>
             <a:pPr algn="ctr"/>
             <a:r>
-              <a:rPr kumimoji="1" lang="en-US" altLang="zh-CN" dirty="0">
+              <a:rPr kumimoji="1" lang="en-US" altLang="zh-CN" sz="2400" dirty="0">
                 <a:latin typeface="Microsoft YaHei" panose="020B0503020204020204" pitchFamily="34" charset="-122"/>
                 <a:ea typeface="Microsoft YaHei" panose="020B0503020204020204" pitchFamily="34" charset="-122"/>
               </a:rPr>
               <a:t>WU Weiheng</a:t>
             </a:r>
-            <a:endParaRPr kumimoji="1" lang="zh-CN" altLang="en-US" dirty="0">
+            <a:endParaRPr kumimoji="1" lang="zh-CN" altLang="en-US" sz="2400" dirty="0">
               <a:latin typeface="Microsoft YaHei" panose="020B0503020204020204" pitchFamily="34" charset="-122"/>
               <a:ea typeface="Microsoft YaHei" panose="020B0503020204020204" pitchFamily="34" charset="-122"/>
             </a:endParaRPr>
@@ -3991,7 +4172,7 @@
         <p:cNvPr id="1" name="">
           <a:extLst>
             <a:ext uri="{FF2B5EF4-FFF2-40B4-BE49-F238E27FC236}">
-              <a16:creationId xmlns:a16="http://schemas.microsoft.com/office/drawing/2014/main" id="{96142C04-0F10-5AE9-9664-0E568D6E2B27}"/>
+              <a16:creationId xmlns:a16="http://schemas.microsoft.com/office/drawing/2014/main" id="{EAAE30CF-47EF-6744-7026-268F820894C0}"/>
             </a:ext>
           </a:extLst>
         </p:cNvPr>
@@ -4011,7 +4192,7 @@
           <p:cNvPr id="5" name="Rectangle 2">
             <a:extLst>
               <a:ext uri="{FF2B5EF4-FFF2-40B4-BE49-F238E27FC236}">
-                <a16:creationId xmlns:a16="http://schemas.microsoft.com/office/drawing/2014/main" id="{B29ADD36-2B04-BB37-F393-233D3BA2CC52}"/>
+                <a16:creationId xmlns:a16="http://schemas.microsoft.com/office/drawing/2014/main" id="{7E33A2E7-05B4-1AE2-B40A-EC6C5B3CA48F}"/>
               </a:ext>
             </a:extLst>
           </p:cNvPr>
@@ -4107,7 +4288,7 @@
           <p:cNvPr id="2" name="文本框 1">
             <a:extLst>
               <a:ext uri="{FF2B5EF4-FFF2-40B4-BE49-F238E27FC236}">
-                <a16:creationId xmlns:a16="http://schemas.microsoft.com/office/drawing/2014/main" id="{8E7103FC-2E4B-4308-8118-3FC4E9682711}"/>
+                <a16:creationId xmlns:a16="http://schemas.microsoft.com/office/drawing/2014/main" id="{20943E41-908E-63D9-C88A-337D77C17E2C}"/>
               </a:ext>
             </a:extLst>
           </p:cNvPr>
@@ -4117,7 +4298,7 @@
         <p:spPr>
           <a:xfrm>
             <a:off x="237184" y="1177044"/>
-            <a:ext cx="1395254" cy="523220"/>
+            <a:ext cx="3092193" cy="954107"/>
           </a:xfrm>
           <a:prstGeom prst="rect">
             <a:avLst/>
@@ -4137,6 +4318,29 @@
               </a:rPr>
               <a:t>Results</a:t>
             </a:r>
+            <a:r>
+              <a:rPr kumimoji="1" lang="zh-CN" altLang="en-US" sz="2800" dirty="0">
+                <a:latin typeface="Microsoft YaHei" panose="020B0503020204020204" pitchFamily="34" charset="-122"/>
+                <a:ea typeface="Microsoft YaHei" panose="020B0503020204020204" pitchFamily="34" charset="-122"/>
+              </a:rPr>
+              <a:t> </a:t>
+            </a:r>
+            <a:r>
+              <a:rPr kumimoji="1" lang="en-US" altLang="zh-CN" sz="2800" dirty="0">
+                <a:latin typeface="Microsoft YaHei" panose="020B0503020204020204" pitchFamily="34" charset="-122"/>
+                <a:ea typeface="Microsoft YaHei" panose="020B0503020204020204" pitchFamily="34" charset="-122"/>
+              </a:rPr>
+              <a:t>for</a:t>
+            </a:r>
+          </a:p>
+          <a:p>
+            <a:r>
+              <a:rPr kumimoji="1" lang="en-US" altLang="zh-CN" sz="2800" dirty="0">
+                <a:latin typeface="Microsoft YaHei" panose="020B0503020204020204" pitchFamily="34" charset="-122"/>
+                <a:ea typeface="Microsoft YaHei" panose="020B0503020204020204" pitchFamily="34" charset="-122"/>
+              </a:rPr>
+              <a:t>Pit-stop Decision</a:t>
+            </a:r>
           </a:p>
         </p:txBody>
       </p:sp>
@@ -4145,7 +4349,7 @@
           <p:cNvPr id="3" name="文本框 2">
             <a:extLst>
               <a:ext uri="{FF2B5EF4-FFF2-40B4-BE49-F238E27FC236}">
-                <a16:creationId xmlns:a16="http://schemas.microsoft.com/office/drawing/2014/main" id="{6D670087-0CD8-679D-5039-DBE95667534D}"/>
+                <a16:creationId xmlns:a16="http://schemas.microsoft.com/office/drawing/2014/main" id="{DB5CD5C1-5F1B-2A0C-A0DF-03B3BAFA410D}"/>
               </a:ext>
             </a:extLst>
           </p:cNvPr>
@@ -4176,10 +4380,70 @@
           </a:p>
         </p:txBody>
       </p:sp>
+      <p:pic>
+        <p:nvPicPr>
+          <p:cNvPr id="4" name="图片 3">
+            <a:extLst>
+              <a:ext uri="{FF2B5EF4-FFF2-40B4-BE49-F238E27FC236}">
+                <a16:creationId xmlns:a16="http://schemas.microsoft.com/office/drawing/2014/main" id="{7CDEB0D0-078D-FE51-37F2-310211E716B0}"/>
+              </a:ext>
+            </a:extLst>
+          </p:cNvPr>
+          <p:cNvPicPr>
+            <a:picLocks noChangeAspect="1"/>
+          </p:cNvPicPr>
+          <p:nvPr/>
+        </p:nvPicPr>
+        <p:blipFill>
+          <a:blip r:embed="rId2"/>
+          <a:stretch>
+            <a:fillRect/>
+          </a:stretch>
+        </p:blipFill>
+        <p:spPr>
+          <a:xfrm>
+            <a:off x="319245" y="2145738"/>
+            <a:ext cx="5621634" cy="4216226"/>
+          </a:xfrm>
+          <a:prstGeom prst="rect">
+            <a:avLst/>
+          </a:prstGeom>
+        </p:spPr>
+      </p:pic>
+      <p:pic>
+        <p:nvPicPr>
+          <p:cNvPr id="6" name="图片 5">
+            <a:extLst>
+              <a:ext uri="{FF2B5EF4-FFF2-40B4-BE49-F238E27FC236}">
+                <a16:creationId xmlns:a16="http://schemas.microsoft.com/office/drawing/2014/main" id="{AB2794B7-D6F6-E2C0-5FDA-04F518C98482}"/>
+              </a:ext>
+            </a:extLst>
+          </p:cNvPr>
+          <p:cNvPicPr>
+            <a:picLocks noChangeAspect="1"/>
+          </p:cNvPicPr>
+          <p:nvPr/>
+        </p:nvPicPr>
+        <p:blipFill>
+          <a:blip r:embed="rId3"/>
+          <a:stretch>
+            <a:fillRect/>
+          </a:stretch>
+        </p:blipFill>
+        <p:spPr>
+          <a:xfrm>
+            <a:off x="5952602" y="2163531"/>
+            <a:ext cx="5574185" cy="4180639"/>
+          </a:xfrm>
+          <a:prstGeom prst="rect">
+            <a:avLst/>
+          </a:prstGeom>
+        </p:spPr>
+      </p:pic>
     </p:spTree>
     <p:extLst>
       <p:ext uri="{BB962C8B-B14F-4D97-AF65-F5344CB8AC3E}">
-        <p14:creationId xmlns:p14="http://schemas.microsoft.com/office/powerpoint/2010/main" val="847225357"/>
+        <p14:creationId xmlns:p14="http://schemas.microsoft.com/office/powerpoint/2010/main" val="2315359713"/>
       </p:ext>
     </p:extLst>
   </p:cSld>
@@ -4197,7 +4461,7 @@
         <p:cNvPr id="1" name="">
           <a:extLst>
             <a:ext uri="{FF2B5EF4-FFF2-40B4-BE49-F238E27FC236}">
-              <a16:creationId xmlns:a16="http://schemas.microsoft.com/office/drawing/2014/main" id="{6E48ECAA-65BC-B239-37C4-FA9B6231F3A2}"/>
+              <a16:creationId xmlns:a16="http://schemas.microsoft.com/office/drawing/2014/main" id="{96142C04-0F10-5AE9-9664-0E568D6E2B27}"/>
             </a:ext>
           </a:extLst>
         </p:cNvPr>
@@ -4217,7 +4481,7 @@
           <p:cNvPr id="5" name="Rectangle 2">
             <a:extLst>
               <a:ext uri="{FF2B5EF4-FFF2-40B4-BE49-F238E27FC236}">
-                <a16:creationId xmlns:a16="http://schemas.microsoft.com/office/drawing/2014/main" id="{1BBCD307-3709-0CAB-B599-6FDB78A68196}"/>
+                <a16:creationId xmlns:a16="http://schemas.microsoft.com/office/drawing/2014/main" id="{B29ADD36-2B04-BB37-F393-233D3BA2CC52}"/>
               </a:ext>
             </a:extLst>
           </p:cNvPr>
@@ -4313,7 +4577,7 @@
           <p:cNvPr id="2" name="文本框 1">
             <a:extLst>
               <a:ext uri="{FF2B5EF4-FFF2-40B4-BE49-F238E27FC236}">
-                <a16:creationId xmlns:a16="http://schemas.microsoft.com/office/drawing/2014/main" id="{6158A442-299B-4899-A5D0-E5663556F965}"/>
+                <a16:creationId xmlns:a16="http://schemas.microsoft.com/office/drawing/2014/main" id="{8E7103FC-2E4B-4308-8118-3FC4E9682711}"/>
               </a:ext>
             </a:extLst>
           </p:cNvPr>
@@ -4323,7 +4587,7 @@
         <p:spPr>
           <a:xfrm>
             <a:off x="237184" y="1177044"/>
-            <a:ext cx="2477025" cy="523220"/>
+            <a:ext cx="3092193" cy="954107"/>
           </a:xfrm>
           <a:prstGeom prst="rect">
             <a:avLst/>
@@ -4341,17 +4605,40 @@
                 <a:latin typeface="Microsoft YaHei" panose="020B0503020204020204" pitchFamily="34" charset="-122"/>
                 <a:ea typeface="Microsoft YaHei" panose="020B0503020204020204" pitchFamily="34" charset="-122"/>
               </a:rPr>
-              <a:t>Future Works</a:t>
-            </a:r>
-          </a:p>
-        </p:txBody>
-      </p:sp>
-      <p:sp>
-        <p:nvSpPr>
-          <p:cNvPr id="4" name="文本框 3">
-            <a:extLst>
-              <a:ext uri="{FF2B5EF4-FFF2-40B4-BE49-F238E27FC236}">
-                <a16:creationId xmlns:a16="http://schemas.microsoft.com/office/drawing/2014/main" id="{A80A23FB-4B02-1D22-9E36-2BA595AF8404}"/>
+              <a:t>Results</a:t>
+            </a:r>
+            <a:r>
+              <a:rPr kumimoji="1" lang="zh-CN" altLang="en-US" sz="2800" dirty="0">
+                <a:latin typeface="Microsoft YaHei" panose="020B0503020204020204" pitchFamily="34" charset="-122"/>
+                <a:ea typeface="Microsoft YaHei" panose="020B0503020204020204" pitchFamily="34" charset="-122"/>
+              </a:rPr>
+              <a:t> </a:t>
+            </a:r>
+            <a:r>
+              <a:rPr kumimoji="1" lang="en-US" altLang="zh-CN" sz="2800" dirty="0">
+                <a:latin typeface="Microsoft YaHei" panose="020B0503020204020204" pitchFamily="34" charset="-122"/>
+                <a:ea typeface="Microsoft YaHei" panose="020B0503020204020204" pitchFamily="34" charset="-122"/>
+              </a:rPr>
+              <a:t>for</a:t>
+            </a:r>
+          </a:p>
+          <a:p>
+            <a:r>
+              <a:rPr kumimoji="1" lang="en-US" altLang="zh-CN" sz="2800" dirty="0">
+                <a:latin typeface="Microsoft YaHei" panose="020B0503020204020204" pitchFamily="34" charset="-122"/>
+                <a:ea typeface="Microsoft YaHei" panose="020B0503020204020204" pitchFamily="34" charset="-122"/>
+              </a:rPr>
+              <a:t>Pit-stop Decision</a:t>
+            </a:r>
+          </a:p>
+        </p:txBody>
+      </p:sp>
+      <p:sp>
+        <p:nvSpPr>
+          <p:cNvPr id="3" name="文本框 2">
+            <a:extLst>
+              <a:ext uri="{FF2B5EF4-FFF2-40B4-BE49-F238E27FC236}">
+                <a16:creationId xmlns:a16="http://schemas.microsoft.com/office/drawing/2014/main" id="{6D670087-0CD8-679D-5039-DBE95667534D}"/>
               </a:ext>
             </a:extLst>
           </p:cNvPr>
@@ -4360,8 +4647,8 @@
         </p:nvSpPr>
         <p:spPr>
           <a:xfrm>
-            <a:off x="1190800" y="2354089"/>
-            <a:ext cx="7945893" cy="1200329"/>
+            <a:off x="11453446" y="6460047"/>
+            <a:ext cx="738554" cy="369332"/>
           </a:xfrm>
           <a:prstGeom prst="rect">
             <a:avLst/>
@@ -4369,106 +4656,53 @@
           <a:noFill/>
         </p:spPr>
         <p:txBody>
-          <a:bodyPr wrap="none" rtlCol="0">
+          <a:bodyPr wrap="square" rtlCol="0">
             <a:spAutoFit/>
           </a:bodyPr>
           <a:lstStyle/>
           <a:p>
-            <a:pPr marL="342900" indent="-342900">
-              <a:buFont typeface="Arial" panose="020B0604020202020204" pitchFamily="34" charset="0"/>
-              <a:buChar char="•"/>
-            </a:pPr>
-            <a:r>
-              <a:rPr kumimoji="1" lang="en-US" altLang="zh-CN" sz="2400" dirty="0">
-                <a:latin typeface="Microsoft YaHei" panose="020B0503020204020204" pitchFamily="34" charset="-122"/>
-                <a:ea typeface="Microsoft YaHei" panose="020B0503020204020204" pitchFamily="34" charset="-122"/>
-              </a:rPr>
-              <a:t>Strategy of opponents</a:t>
-            </a:r>
-          </a:p>
-          <a:p>
-            <a:pPr marL="342900" indent="-342900">
-              <a:buFont typeface="Arial" panose="020B0604020202020204" pitchFamily="34" charset="0"/>
-              <a:buChar char="•"/>
-            </a:pPr>
-            <a:r>
-              <a:rPr kumimoji="1" lang="en-US" altLang="zh-CN" sz="2400" dirty="0">
-                <a:latin typeface="Microsoft YaHei" panose="020B0503020204020204" pitchFamily="34" charset="-122"/>
-                <a:ea typeface="Microsoft YaHei" panose="020B0503020204020204" pitchFamily="34" charset="-122"/>
-              </a:rPr>
-              <a:t>Wet conditions and wet </a:t>
-            </a:r>
-            <a:r>
-              <a:rPr kumimoji="1" lang="en-US" altLang="zh-CN" sz="2400" dirty="0" err="1">
-                <a:latin typeface="Microsoft YaHei" panose="020B0503020204020204" pitchFamily="34" charset="-122"/>
-                <a:ea typeface="Microsoft YaHei" panose="020B0503020204020204" pitchFamily="34" charset="-122"/>
-              </a:rPr>
-              <a:t>tyres</a:t>
-            </a:r>
-            <a:endParaRPr kumimoji="1" lang="en-US" altLang="zh-CN" sz="2400" dirty="0">
-              <a:latin typeface="Microsoft YaHei" panose="020B0503020204020204" pitchFamily="34" charset="-122"/>
-              <a:ea typeface="Microsoft YaHei" panose="020B0503020204020204" pitchFamily="34" charset="-122"/>
-            </a:endParaRPr>
-          </a:p>
-          <a:p>
-            <a:pPr marL="342900" indent="-342900">
-              <a:buFont typeface="Arial" panose="020B0604020202020204" pitchFamily="34" charset="0"/>
-              <a:buChar char="•"/>
-            </a:pPr>
-            <a:r>
-              <a:rPr kumimoji="1" lang="en-US" altLang="zh-CN" sz="2400" dirty="0">
-                <a:latin typeface="Microsoft YaHei" panose="020B0503020204020204" pitchFamily="34" charset="-122"/>
-                <a:ea typeface="Microsoft YaHei" panose="020B0503020204020204" pitchFamily="34" charset="-122"/>
-              </a:rPr>
-              <a:t>And many other factors make F1 game fascinating</a:t>
-            </a:r>
-            <a:endParaRPr kumimoji="1" lang="zh-CN" altLang="en-US" sz="2400" dirty="0">
-              <a:latin typeface="Microsoft YaHei" panose="020B0503020204020204" pitchFamily="34" charset="-122"/>
-              <a:ea typeface="Microsoft YaHei" panose="020B0503020204020204" pitchFamily="34" charset="-122"/>
-            </a:endParaRPr>
-          </a:p>
-        </p:txBody>
-      </p:sp>
-      <p:sp>
-        <p:nvSpPr>
-          <p:cNvPr id="6" name="文本框 5">
-            <a:extLst>
-              <a:ext uri="{FF2B5EF4-FFF2-40B4-BE49-F238E27FC236}">
-                <a16:creationId xmlns:a16="http://schemas.microsoft.com/office/drawing/2014/main" id="{8D702AAF-7AE6-A85C-D857-FD79DCC6E84B}"/>
-              </a:ext>
-            </a:extLst>
-          </p:cNvPr>
-          <p:cNvSpPr txBox="1"/>
+            <a:r>
+              <a:rPr kumimoji="1" lang="en-US" altLang="zh-CN" dirty="0"/>
+              <a:t>11</a:t>
+            </a:r>
+            <a:endParaRPr kumimoji="1" lang="zh-CN" altLang="en-US" dirty="0"/>
+          </a:p>
+        </p:txBody>
+      </p:sp>
+      <p:pic>
+        <p:nvPicPr>
+          <p:cNvPr id="7" name="图片 6">
+            <a:extLst>
+              <a:ext uri="{FF2B5EF4-FFF2-40B4-BE49-F238E27FC236}">
+                <a16:creationId xmlns:a16="http://schemas.microsoft.com/office/drawing/2014/main" id="{B7FAD7D8-FBCC-D1DB-81A1-D4BCF9F2FF86}"/>
+              </a:ext>
+            </a:extLst>
+          </p:cNvPr>
+          <p:cNvPicPr>
+            <a:picLocks noChangeAspect="1"/>
+          </p:cNvPicPr>
           <p:nvPr/>
-        </p:nvSpPr>
+        </p:nvPicPr>
+        <p:blipFill>
+          <a:blip r:embed="rId2"/>
+          <a:stretch>
+            <a:fillRect/>
+          </a:stretch>
+        </p:blipFill>
         <p:spPr>
           <a:xfrm>
-            <a:off x="11453446" y="6460047"/>
-            <a:ext cx="738554" cy="369332"/>
+            <a:off x="3329377" y="254000"/>
+            <a:ext cx="6350000" cy="6350000"/>
           </a:xfrm>
           <a:prstGeom prst="rect">
             <a:avLst/>
           </a:prstGeom>
-          <a:noFill/>
-        </p:spPr>
-        <p:txBody>
-          <a:bodyPr wrap="square" rtlCol="0">
-            <a:spAutoFit/>
-          </a:bodyPr>
-          <a:lstStyle/>
-          <a:p>
-            <a:r>
-              <a:rPr kumimoji="1" lang="en-US" altLang="zh-CN" dirty="0"/>
-              <a:t>11</a:t>
-            </a:r>
-            <a:endParaRPr kumimoji="1" lang="zh-CN" altLang="en-US" dirty="0"/>
-          </a:p>
-        </p:txBody>
-      </p:sp>
+        </p:spPr>
+      </p:pic>
     </p:spTree>
     <p:extLst>
       <p:ext uri="{BB962C8B-B14F-4D97-AF65-F5344CB8AC3E}">
-        <p14:creationId xmlns:p14="http://schemas.microsoft.com/office/powerpoint/2010/main" val="1932545406"/>
+        <p14:creationId xmlns:p14="http://schemas.microsoft.com/office/powerpoint/2010/main" val="847225357"/>
       </p:ext>
     </p:extLst>
   </p:cSld>
@@ -4486,7 +4720,7 @@
         <p:cNvPr id="1" name="">
           <a:extLst>
             <a:ext uri="{FF2B5EF4-FFF2-40B4-BE49-F238E27FC236}">
-              <a16:creationId xmlns:a16="http://schemas.microsoft.com/office/drawing/2014/main" id="{39B7D4E4-DDE1-56ED-DBA8-0F3AD1A2068F}"/>
+              <a16:creationId xmlns:a16="http://schemas.microsoft.com/office/drawing/2014/main" id="{6E48ECAA-65BC-B239-37C4-FA9B6231F3A2}"/>
             </a:ext>
           </a:extLst>
         </p:cNvPr>
@@ -4506,7 +4740,7 @@
           <p:cNvPr id="5" name="Rectangle 2">
             <a:extLst>
               <a:ext uri="{FF2B5EF4-FFF2-40B4-BE49-F238E27FC236}">
-                <a16:creationId xmlns:a16="http://schemas.microsoft.com/office/drawing/2014/main" id="{D62B028A-A1D3-8395-3AD3-9C144E848672}"/>
+                <a16:creationId xmlns:a16="http://schemas.microsoft.com/office/drawing/2014/main" id="{1BBCD307-3709-0CAB-B599-6FDB78A68196}"/>
               </a:ext>
             </a:extLst>
           </p:cNvPr>
@@ -4588,7 +4822,7 @@
                 <a:latin typeface="Microsoft YaHei" panose="020B0503020204020204" pitchFamily="34" charset="-122"/>
                 <a:ea typeface="Microsoft YaHei" panose="020B0503020204020204" pitchFamily="34" charset="-122"/>
               </a:rPr>
-              <a:t>Reference</a:t>
+              <a:t>Conclusion</a:t>
             </a:r>
             <a:endParaRPr lang="zh-TW" altLang="en-US" sz="3500" b="1" dirty="0">
               <a:latin typeface="Microsoft YaHei" panose="020B0503020204020204" pitchFamily="34" charset="-122"/>
@@ -4602,7 +4836,7 @@
           <p:cNvPr id="2" name="文本框 1">
             <a:extLst>
               <a:ext uri="{FF2B5EF4-FFF2-40B4-BE49-F238E27FC236}">
-                <a16:creationId xmlns:a16="http://schemas.microsoft.com/office/drawing/2014/main" id="{08FE43F4-072A-3E85-F1C0-0B0DC4C44BB5}"/>
+                <a16:creationId xmlns:a16="http://schemas.microsoft.com/office/drawing/2014/main" id="{6158A442-299B-4899-A5D0-E5663556F965}"/>
               </a:ext>
             </a:extLst>
           </p:cNvPr>
@@ -4611,8 +4845,8 @@
         </p:nvSpPr>
         <p:spPr>
           <a:xfrm>
-            <a:off x="970538" y="1451412"/>
-            <a:ext cx="10250923" cy="4154984"/>
+            <a:off x="237184" y="1177044"/>
+            <a:ext cx="2477025" cy="523220"/>
           </a:xfrm>
           <a:prstGeom prst="rect">
             <a:avLst/>
@@ -4620,25 +4854,92 @@
           <a:noFill/>
         </p:spPr>
         <p:txBody>
-          <a:bodyPr wrap="square" rtlCol="0">
+          <a:bodyPr wrap="none" rtlCol="0">
             <a:spAutoFit/>
           </a:bodyPr>
           <a:lstStyle/>
           <a:p>
             <a:r>
+              <a:rPr kumimoji="1" lang="en-US" altLang="zh-CN" sz="2800" dirty="0">
+                <a:latin typeface="Microsoft YaHei" panose="020B0503020204020204" pitchFamily="34" charset="-122"/>
+                <a:ea typeface="Microsoft YaHei" panose="020B0503020204020204" pitchFamily="34" charset="-122"/>
+              </a:rPr>
+              <a:t>Future Works</a:t>
+            </a:r>
+          </a:p>
+        </p:txBody>
+      </p:sp>
+      <p:sp>
+        <p:nvSpPr>
+          <p:cNvPr id="4" name="文本框 3">
+            <a:extLst>
+              <a:ext uri="{FF2B5EF4-FFF2-40B4-BE49-F238E27FC236}">
+                <a16:creationId xmlns:a16="http://schemas.microsoft.com/office/drawing/2014/main" id="{A80A23FB-4B02-1D22-9E36-2BA595AF8404}"/>
+              </a:ext>
+            </a:extLst>
+          </p:cNvPr>
+          <p:cNvSpPr txBox="1"/>
+          <p:nvPr/>
+        </p:nvSpPr>
+        <p:spPr>
+          <a:xfrm>
+            <a:off x="1190800" y="2354089"/>
+            <a:ext cx="7945893" cy="1569660"/>
+          </a:xfrm>
+          <a:prstGeom prst="rect">
+            <a:avLst/>
+          </a:prstGeom>
+          <a:noFill/>
+        </p:spPr>
+        <p:txBody>
+          <a:bodyPr wrap="none" rtlCol="0">
+            <a:spAutoFit/>
+          </a:bodyPr>
+          <a:lstStyle/>
+          <a:p>
+            <a:pPr marL="342900" indent="-342900">
+              <a:buFont typeface="Arial" panose="020B0604020202020204" pitchFamily="34" charset="0"/>
+              <a:buChar char="•"/>
+            </a:pPr>
+            <a:r>
               <a:rPr kumimoji="1" lang="en-US" altLang="zh-CN" sz="2400" dirty="0">
                 <a:latin typeface="Microsoft YaHei" panose="020B0503020204020204" pitchFamily="34" charset="-122"/>
                 <a:ea typeface="Microsoft YaHei" panose="020B0503020204020204" pitchFamily="34" charset="-122"/>
               </a:rPr>
-              <a:t>[1] Pirelli, Formula 1 and Pirelli, </a:t>
-            </a:r>
+              <a:t>Real-time prediction for every-lap data</a:t>
+            </a:r>
+          </a:p>
+          <a:p>
+            <a:pPr marL="342900" indent="-342900">
+              <a:buFont typeface="Arial" panose="020B0604020202020204" pitchFamily="34" charset="0"/>
+              <a:buChar char="•"/>
+            </a:pPr>
             <a:r>
               <a:rPr kumimoji="1" lang="en-US" altLang="zh-CN" sz="2400" dirty="0">
                 <a:latin typeface="Microsoft YaHei" panose="020B0503020204020204" pitchFamily="34" charset="-122"/>
                 <a:ea typeface="Microsoft YaHei" panose="020B0503020204020204" pitchFamily="34" charset="-122"/>
-                <a:hlinkClick r:id="rId2"/>
-              </a:rPr>
-              <a:t>https://www.pirelli.com/tyres/en-ww/motorsport/car/formula-1</a:t>
+              </a:rPr>
+              <a:t>Strategy of opponents</a:t>
+            </a:r>
+          </a:p>
+          <a:p>
+            <a:pPr marL="342900" indent="-342900">
+              <a:buFont typeface="Arial" panose="020B0604020202020204" pitchFamily="34" charset="0"/>
+              <a:buChar char="•"/>
+            </a:pPr>
+            <a:r>
+              <a:rPr kumimoji="1" lang="en-US" altLang="zh-CN" sz="2400" dirty="0">
+                <a:latin typeface="Microsoft YaHei" panose="020B0503020204020204" pitchFamily="34" charset="-122"/>
+                <a:ea typeface="Microsoft YaHei" panose="020B0503020204020204" pitchFamily="34" charset="-122"/>
+              </a:rPr>
+              <a:t>Wet conditions and wet </a:t>
+            </a:r>
+            <a:r>
+              <a:rPr kumimoji="1" lang="en-US" altLang="zh-CN" sz="2400" dirty="0" err="1">
+                <a:latin typeface="Microsoft YaHei" panose="020B0503020204020204" pitchFamily="34" charset="-122"/>
+                <a:ea typeface="Microsoft YaHei" panose="020B0503020204020204" pitchFamily="34" charset="-122"/>
+              </a:rPr>
+              <a:t>tyres</a:t>
             </a:r>
             <a:endParaRPr kumimoji="1" lang="en-US" altLang="zh-CN" sz="2400" dirty="0">
               <a:latin typeface="Microsoft YaHei" panose="020B0503020204020204" pitchFamily="34" charset="-122"/>
@@ -4646,20 +4947,234 @@
             </a:endParaRPr>
           </a:p>
           <a:p>
+            <a:pPr marL="342900" indent="-342900">
+              <a:buFont typeface="Arial" panose="020B0604020202020204" pitchFamily="34" charset="0"/>
+              <a:buChar char="•"/>
+            </a:pPr>
             <a:r>
               <a:rPr kumimoji="1" lang="en-US" altLang="zh-CN" sz="2400" dirty="0">
                 <a:latin typeface="Microsoft YaHei" panose="020B0503020204020204" pitchFamily="34" charset="-122"/>
                 <a:ea typeface="Microsoft YaHei" panose="020B0503020204020204" pitchFamily="34" charset="-122"/>
               </a:rPr>
-              <a:t>[2] F1, What is F1, </a:t>
-            </a:r>
+              <a:t>And many other factors make F1 game fascinating</a:t>
+            </a:r>
+            <a:endParaRPr kumimoji="1" lang="zh-CN" altLang="en-US" sz="2400" dirty="0">
+              <a:latin typeface="Microsoft YaHei" panose="020B0503020204020204" pitchFamily="34" charset="-122"/>
+              <a:ea typeface="Microsoft YaHei" panose="020B0503020204020204" pitchFamily="34" charset="-122"/>
+            </a:endParaRPr>
+          </a:p>
+        </p:txBody>
+      </p:sp>
+      <p:sp>
+        <p:nvSpPr>
+          <p:cNvPr id="6" name="文本框 5">
+            <a:extLst>
+              <a:ext uri="{FF2B5EF4-FFF2-40B4-BE49-F238E27FC236}">
+                <a16:creationId xmlns:a16="http://schemas.microsoft.com/office/drawing/2014/main" id="{8D702AAF-7AE6-A85C-D857-FD79DCC6E84B}"/>
+              </a:ext>
+            </a:extLst>
+          </p:cNvPr>
+          <p:cNvSpPr txBox="1"/>
+          <p:nvPr/>
+        </p:nvSpPr>
+        <p:spPr>
+          <a:xfrm>
+            <a:off x="11453446" y="6460047"/>
+            <a:ext cx="738554" cy="369332"/>
+          </a:xfrm>
+          <a:prstGeom prst="rect">
+            <a:avLst/>
+          </a:prstGeom>
+          <a:noFill/>
+        </p:spPr>
+        <p:txBody>
+          <a:bodyPr wrap="square" rtlCol="0">
+            <a:spAutoFit/>
+          </a:bodyPr>
+          <a:lstStyle/>
+          <a:p>
+            <a:r>
+              <a:rPr kumimoji="1" lang="en-US" altLang="zh-CN" dirty="0"/>
+              <a:t>12</a:t>
+            </a:r>
+            <a:endParaRPr kumimoji="1" lang="zh-CN" altLang="en-US" dirty="0"/>
+          </a:p>
+        </p:txBody>
+      </p:sp>
+    </p:spTree>
+    <p:extLst>
+      <p:ext uri="{BB962C8B-B14F-4D97-AF65-F5344CB8AC3E}">
+        <p14:creationId xmlns:p14="http://schemas.microsoft.com/office/powerpoint/2010/main" val="1932545406"/>
+      </p:ext>
+    </p:extLst>
+  </p:cSld>
+  <p:clrMapOvr>
+    <a:masterClrMapping/>
+  </p:clrMapOvr>
+</p:sld>
+</file>
+
+<file path=ppt/slides/slide13.xml><?xml version="1.0" encoding="utf-8"?>
+<p:sld xmlns:a="http://schemas.openxmlformats.org/drawingml/2006/main" xmlns:r="http://schemas.openxmlformats.org/officeDocument/2006/relationships" xmlns:p="http://schemas.openxmlformats.org/presentationml/2006/main">
+  <p:cSld>
+    <p:spTree>
+      <p:nvGrpSpPr>
+        <p:cNvPr id="1" name="">
+          <a:extLst>
+            <a:ext uri="{FF2B5EF4-FFF2-40B4-BE49-F238E27FC236}">
+              <a16:creationId xmlns:a16="http://schemas.microsoft.com/office/drawing/2014/main" id="{39B7D4E4-DDE1-56ED-DBA8-0F3AD1A2068F}"/>
+            </a:ext>
+          </a:extLst>
+        </p:cNvPr>
+        <p:cNvGrpSpPr/>
+        <p:nvPr/>
+      </p:nvGrpSpPr>
+      <p:grpSpPr>
+        <a:xfrm>
+          <a:off x="0" y="0"/>
+          <a:ext cx="0" cy="0"/>
+          <a:chOff x="0" y="0"/>
+          <a:chExt cx="0" cy="0"/>
+        </a:xfrm>
+      </p:grpSpPr>
+      <p:sp>
+        <p:nvSpPr>
+          <p:cNvPr id="5" name="Rectangle 2">
+            <a:extLst>
+              <a:ext uri="{FF2B5EF4-FFF2-40B4-BE49-F238E27FC236}">
+                <a16:creationId xmlns:a16="http://schemas.microsoft.com/office/drawing/2014/main" id="{D62B028A-A1D3-8395-3AD3-9C144E848672}"/>
+              </a:ext>
+            </a:extLst>
+          </p:cNvPr>
+          <p:cNvSpPr txBox="1">
+            <a:spLocks noChangeArrowheads="1"/>
+          </p:cNvSpPr>
+          <p:nvPr/>
+        </p:nvSpPr>
+        <p:spPr bwMode="auto">
+          <a:xfrm>
+            <a:off x="237184" y="-1"/>
+            <a:ext cx="11954816" cy="1177045"/>
+          </a:xfrm>
+          <a:prstGeom prst="rect">
+            <a:avLst/>
+          </a:prstGeom>
+          <a:noFill/>
+          <a:ln>
+            <a:noFill/>
+          </a:ln>
+          <a:effectLst/>
+          <a:extLst>
+            <a:ext uri="{909E8E84-426E-40DD-AFC4-6F175D3DCCD1}">
+              <a14:hiddenFill xmlns:a14="http://schemas.microsoft.com/office/drawing/2010/main">
+                <a:solidFill>
+                  <a:schemeClr val="accent1"/>
+                </a:solidFill>
+              </a14:hiddenFill>
+            </a:ext>
+            <a:ext uri="{91240B29-F687-4F45-9708-019B960494DF}">
+              <a14:hiddenLine xmlns:a14="http://schemas.microsoft.com/office/drawing/2010/main" w="9525">
+                <a:solidFill>
+                  <a:schemeClr val="tx1"/>
+                </a:solidFill>
+                <a:miter lim="800000"/>
+                <a:headEnd/>
+                <a:tailEnd/>
+              </a14:hiddenLine>
+            </a:ext>
+            <a:ext uri="{AF507438-7753-43E0-B8FC-AC1667EBCBE1}">
+              <a14:hiddenEffects xmlns:a14="http://schemas.microsoft.com/office/drawing/2010/main">
+                <a:effectLst>
+                  <a:outerShdw dist="35921" dir="2700000" algn="ctr" rotWithShape="0">
+                    <a:schemeClr val="bg2"/>
+                  </a:outerShdw>
+                </a:effectLst>
+              </a14:hiddenEffects>
+            </a:ext>
+          </a:extLst>
+        </p:spPr>
+        <p:txBody>
+          <a:bodyPr vert="horz" wrap="square" lIns="91440" tIns="45720" rIns="91440" bIns="45720" numCol="1" anchor="ctr" anchorCtr="0" compatLnSpc="1">
+            <a:prstTxWarp prst="textNoShape">
+              <a:avLst/>
+            </a:prstTxWarp>
+          </a:bodyPr>
+          <a:lstStyle>
+            <a:lvl1pPr algn="l" defTabSz="914400" rtl="0" eaLnBrk="1" latinLnBrk="0" hangingPunct="1">
+              <a:lnSpc>
+                <a:spcPct val="90000"/>
+              </a:lnSpc>
+              <a:spcBef>
+                <a:spcPct val="0"/>
+              </a:spcBef>
+              <a:buNone/>
+              <a:defRPr sz="4400" kern="1200">
+                <a:solidFill>
+                  <a:schemeClr val="tx1"/>
+                </a:solidFill>
+                <a:latin typeface="+mj-lt"/>
+                <a:ea typeface="+mj-ea"/>
+                <a:cs typeface="+mj-cs"/>
+              </a:defRPr>
+            </a:lvl1pPr>
+          </a:lstStyle>
+          <a:p>
+            <a:r>
+              <a:rPr lang="en-US" altLang="zh-TW" sz="3500" b="1" dirty="0">
+                <a:latin typeface="Microsoft YaHei" panose="020B0503020204020204" pitchFamily="34" charset="-122"/>
+                <a:ea typeface="Microsoft YaHei" panose="020B0503020204020204" pitchFamily="34" charset="-122"/>
+              </a:rPr>
+              <a:t>Reference</a:t>
+            </a:r>
+            <a:endParaRPr lang="zh-TW" altLang="en-US" sz="3500" b="1" dirty="0">
+              <a:latin typeface="Microsoft YaHei" panose="020B0503020204020204" pitchFamily="34" charset="-122"/>
+              <a:ea typeface="Microsoft YaHei" panose="020B0503020204020204" pitchFamily="34" charset="-122"/>
+            </a:endParaRPr>
+          </a:p>
+        </p:txBody>
+      </p:sp>
+      <p:sp>
+        <p:nvSpPr>
+          <p:cNvPr id="2" name="文本框 1">
+            <a:extLst>
+              <a:ext uri="{FF2B5EF4-FFF2-40B4-BE49-F238E27FC236}">
+                <a16:creationId xmlns:a16="http://schemas.microsoft.com/office/drawing/2014/main" id="{08FE43F4-072A-3E85-F1C0-0B0DC4C44BB5}"/>
+              </a:ext>
+            </a:extLst>
+          </p:cNvPr>
+          <p:cNvSpPr txBox="1"/>
+          <p:nvPr/>
+        </p:nvSpPr>
+        <p:spPr>
+          <a:xfrm>
+            <a:off x="970538" y="1451412"/>
+            <a:ext cx="10250923" cy="4154984"/>
+          </a:xfrm>
+          <a:prstGeom prst="rect">
+            <a:avLst/>
+          </a:prstGeom>
+          <a:noFill/>
+        </p:spPr>
+        <p:txBody>
+          <a:bodyPr wrap="square" rtlCol="0">
+            <a:spAutoFit/>
+          </a:bodyPr>
+          <a:lstStyle/>
+          <a:p>
             <a:r>
               <a:rPr kumimoji="1" lang="en-US" altLang="zh-CN" sz="2400" dirty="0">
                 <a:latin typeface="Microsoft YaHei" panose="020B0503020204020204" pitchFamily="34" charset="-122"/>
                 <a:ea typeface="Microsoft YaHei" panose="020B0503020204020204" pitchFamily="34" charset="-122"/>
-                <a:hlinkClick r:id="rId3"/>
-              </a:rPr>
-              <a:t>https://www.formula1.com/en/page/what-is-f1</a:t>
+              </a:rPr>
+              <a:t>[1] Pirelli, Formula 1 and Pirelli, </a:t>
+            </a:r>
+            <a:r>
+              <a:rPr kumimoji="1" lang="en-US" altLang="zh-CN" sz="2400" dirty="0">
+                <a:latin typeface="Microsoft YaHei" panose="020B0503020204020204" pitchFamily="34" charset="-122"/>
+                <a:ea typeface="Microsoft YaHei" panose="020B0503020204020204" pitchFamily="34" charset="-122"/>
+                <a:hlinkClick r:id="rId2"/>
+              </a:rPr>
+              <a:t>https://www.pirelli.com/tyres/en-ww/motorsport/car/formula-1</a:t>
             </a:r>
             <a:endParaRPr kumimoji="1" lang="en-US" altLang="zh-CN" sz="2400" dirty="0">
               <a:latin typeface="Microsoft YaHei" panose="020B0503020204020204" pitchFamily="34" charset="-122"/>
@@ -4672,15 +5187,15 @@
                 <a:latin typeface="Microsoft YaHei" panose="020B0503020204020204" pitchFamily="34" charset="-122"/>
                 <a:ea typeface="Microsoft YaHei" panose="020B0503020204020204" pitchFamily="34" charset="-122"/>
               </a:rPr>
-              <a:t>[3] jackchan0528, f1-stop-strategy, </a:t>
+              <a:t>[2] F1, What is F1, </a:t>
             </a:r>
             <a:r>
               <a:rPr kumimoji="1" lang="en-US" altLang="zh-CN" sz="2400" dirty="0">
                 <a:latin typeface="Microsoft YaHei" panose="020B0503020204020204" pitchFamily="34" charset="-122"/>
                 <a:ea typeface="Microsoft YaHei" panose="020B0503020204020204" pitchFamily="34" charset="-122"/>
-                <a:hlinkClick r:id="rId4"/>
-              </a:rPr>
-              <a:t>https://github.com/jackchan0528/f1-pitstop-strategy</a:t>
+                <a:hlinkClick r:id="rId3"/>
+              </a:rPr>
+              <a:t>https://www.formula1.com/en/page/what-is-f1</a:t>
             </a:r>
             <a:endParaRPr kumimoji="1" lang="en-US" altLang="zh-CN" sz="2400" dirty="0">
               <a:latin typeface="Microsoft YaHei" panose="020B0503020204020204" pitchFamily="34" charset="-122"/>
@@ -4693,6 +5208,27 @@
                 <a:latin typeface="Microsoft YaHei" panose="020B0503020204020204" pitchFamily="34" charset="-122"/>
                 <a:ea typeface="Microsoft YaHei" panose="020B0503020204020204" pitchFamily="34" charset="-122"/>
               </a:rPr>
+              <a:t>[3] jackchan0528, f1-stop-strategy, </a:t>
+            </a:r>
+            <a:r>
+              <a:rPr kumimoji="1" lang="en-US" altLang="zh-CN" sz="2400" dirty="0">
+                <a:latin typeface="Microsoft YaHei" panose="020B0503020204020204" pitchFamily="34" charset="-122"/>
+                <a:ea typeface="Microsoft YaHei" panose="020B0503020204020204" pitchFamily="34" charset="-122"/>
+                <a:hlinkClick r:id="rId4"/>
+              </a:rPr>
+              <a:t>https://github.com/jackchan0528/f1-pitstop-strategy</a:t>
+            </a:r>
+            <a:endParaRPr kumimoji="1" lang="en-US" altLang="zh-CN" sz="2400" dirty="0">
+              <a:latin typeface="Microsoft YaHei" panose="020B0503020204020204" pitchFamily="34" charset="-122"/>
+              <a:ea typeface="Microsoft YaHei" panose="020B0503020204020204" pitchFamily="34" charset="-122"/>
+            </a:endParaRPr>
+          </a:p>
+          <a:p>
+            <a:r>
+              <a:rPr kumimoji="1" lang="en-US" altLang="zh-CN" sz="2400" dirty="0">
+                <a:latin typeface="Microsoft YaHei" panose="020B0503020204020204" pitchFamily="34" charset="-122"/>
+                <a:ea typeface="Microsoft YaHei" panose="020B0503020204020204" pitchFamily="34" charset="-122"/>
+              </a:rPr>
               <a:t>[4] </a:t>
             </a:r>
             <a:r>
@@ -4779,7 +5315,7 @@
           <a:p>
             <a:r>
               <a:rPr kumimoji="1" lang="en-US" altLang="zh-CN" dirty="0"/>
-              <a:t>12</a:t>
+              <a:t>13</a:t>
             </a:r>
             <a:endParaRPr kumimoji="1" lang="zh-CN" altLang="en-US" dirty="0"/>
           </a:p>
@@ -4798,7 +5334,7 @@
 </p:sld>
 </file>
 
-<file path=ppt/slides/slide13.xml><?xml version="1.0" encoding="utf-8"?>
+<file path=ppt/slides/slide14.xml><?xml version="1.0" encoding="utf-8"?>
 <p:sld xmlns:a="http://schemas.openxmlformats.org/drawingml/2006/main" xmlns:r="http://schemas.openxmlformats.org/officeDocument/2006/relationships" xmlns:p="http://schemas.openxmlformats.org/presentationml/2006/main">
   <p:cSld>
     <p:spTree>
@@ -5950,8 +6486,8 @@
         </p:nvSpPr>
         <p:spPr>
           <a:xfrm>
-            <a:off x="397364" y="5453241"/>
-            <a:ext cx="1208698" cy="954107"/>
+            <a:off x="105506" y="5482756"/>
+            <a:ext cx="1336431" cy="523220"/>
           </a:xfrm>
           <a:prstGeom prst="rect">
             <a:avLst/>
@@ -5969,7 +6505,7 @@
                 <a:latin typeface="Microsoft YaHei" panose="020B0503020204020204" pitchFamily="34" charset="-122"/>
                 <a:ea typeface="Microsoft YaHei" panose="020B0503020204020204" pitchFamily="34" charset="-122"/>
               </a:rPr>
-              <a:t>200k-400k</a:t>
+              <a:t>200k+</a:t>
             </a:r>
             <a:endParaRPr kumimoji="1" lang="zh-CN" altLang="en-US" sz="2400" b="1" dirty="0">
               <a:latin typeface="Microsoft YaHei" panose="020B0503020204020204" pitchFamily="34" charset="-122"/>
@@ -5992,7 +6528,7 @@
         </p:nvSpPr>
         <p:spPr>
           <a:xfrm>
-            <a:off x="1665956" y="5668684"/>
+            <a:off x="1665956" y="5469214"/>
             <a:ext cx="4963603" cy="523220"/>
           </a:xfrm>
           <a:prstGeom prst="rect">
@@ -6328,7 +6864,7 @@
         </p:nvSpPr>
         <p:spPr>
           <a:xfrm>
-            <a:off x="3244356" y="1844069"/>
+            <a:off x="3103680" y="1844069"/>
             <a:ext cx="5940472" cy="1569660"/>
           </a:xfrm>
           <a:prstGeom prst="rect">
@@ -8079,12 +8615,1028 @@
           </a:p>
         </p:txBody>
       </p:sp>
+      <p:sp>
+        <p:nvSpPr>
+          <p:cNvPr id="4" name="文本框 3">
+            <a:extLst>
+              <a:ext uri="{FF2B5EF4-FFF2-40B4-BE49-F238E27FC236}">
+                <a16:creationId xmlns:a16="http://schemas.microsoft.com/office/drawing/2014/main" id="{882FE294-681C-1A26-EEE8-B03EDA67C385}"/>
+              </a:ext>
+            </a:extLst>
+          </p:cNvPr>
+          <p:cNvSpPr txBox="1"/>
+          <p:nvPr/>
+        </p:nvSpPr>
+        <p:spPr>
+          <a:xfrm>
+            <a:off x="703393" y="2543319"/>
+            <a:ext cx="3689215" cy="892552"/>
+          </a:xfrm>
+          <a:prstGeom prst="rect">
+            <a:avLst/>
+          </a:prstGeom>
+          <a:noFill/>
+        </p:spPr>
+        <p:txBody>
+          <a:bodyPr wrap="none" rtlCol="0">
+            <a:spAutoFit/>
+          </a:bodyPr>
+          <a:lstStyle/>
+          <a:p>
+            <a:r>
+              <a:rPr kumimoji="1" lang="en-US" altLang="zh-CN" sz="2800" b="1" dirty="0">
+                <a:latin typeface="Microsoft YaHei" panose="020B0503020204020204" pitchFamily="34" charset="-122"/>
+                <a:ea typeface="Microsoft YaHei" panose="020B0503020204020204" pitchFamily="34" charset="-122"/>
+              </a:rPr>
+              <a:t>Dataset</a:t>
+            </a:r>
+            <a:endParaRPr kumimoji="1" lang="en-US" altLang="zh-CN" sz="2400" b="1" dirty="0">
+              <a:latin typeface="Microsoft YaHei" panose="020B0503020204020204" pitchFamily="34" charset="-122"/>
+              <a:ea typeface="Microsoft YaHei" panose="020B0503020204020204" pitchFamily="34" charset="-122"/>
+            </a:endParaRPr>
+          </a:p>
+          <a:p>
+            <a:r>
+              <a:rPr kumimoji="1" lang="en-US" altLang="zh-CN" sz="2400" dirty="0">
+                <a:latin typeface="Microsoft YaHei" panose="020B0503020204020204" pitchFamily="34" charset="-122"/>
+                <a:ea typeface="Microsoft YaHei" panose="020B0503020204020204" pitchFamily="34" charset="-122"/>
+              </a:rPr>
+              <a:t>Race data of 2016-2021</a:t>
+            </a:r>
+          </a:p>
+        </p:txBody>
+      </p:sp>
+      <p:sp>
+        <p:nvSpPr>
+          <p:cNvPr id="6" name="文本框 5">
+            <a:extLst>
+              <a:ext uri="{FF2B5EF4-FFF2-40B4-BE49-F238E27FC236}">
+                <a16:creationId xmlns:a16="http://schemas.microsoft.com/office/drawing/2014/main" id="{14019A75-614D-1FD7-63A6-9C576959525B}"/>
+              </a:ext>
+            </a:extLst>
+          </p:cNvPr>
+          <p:cNvSpPr txBox="1"/>
+          <p:nvPr/>
+        </p:nvSpPr>
+        <p:spPr>
+          <a:xfrm>
+            <a:off x="703394" y="3906398"/>
+            <a:ext cx="4595438" cy="1631216"/>
+          </a:xfrm>
+          <a:prstGeom prst="rect">
+            <a:avLst/>
+          </a:prstGeom>
+          <a:noFill/>
+        </p:spPr>
+        <p:txBody>
+          <a:bodyPr wrap="square" rtlCol="0">
+            <a:spAutoFit/>
+          </a:bodyPr>
+          <a:lstStyle/>
+          <a:p>
+            <a:r>
+              <a:rPr kumimoji="1" lang="en-US" altLang="zh-CN" sz="2800" b="1" dirty="0">
+                <a:latin typeface="Microsoft YaHei" panose="020B0503020204020204" pitchFamily="34" charset="-122"/>
+                <a:ea typeface="Microsoft YaHei" panose="020B0503020204020204" pitchFamily="34" charset="-122"/>
+              </a:rPr>
+              <a:t>Work Done</a:t>
+            </a:r>
+          </a:p>
+          <a:p>
+            <a:r>
+              <a:rPr kumimoji="1" lang="en-US" altLang="zh-CN" sz="2400" dirty="0">
+                <a:latin typeface="Microsoft YaHei" panose="020B0503020204020204" pitchFamily="34" charset="-122"/>
+                <a:ea typeface="Microsoft YaHei" panose="020B0503020204020204" pitchFamily="34" charset="-122"/>
+              </a:rPr>
+              <a:t>Extract variables we need</a:t>
+            </a:r>
+          </a:p>
+          <a:p>
+            <a:r>
+              <a:rPr kumimoji="1" lang="en-US" altLang="zh-CN" sz="2400" dirty="0">
+                <a:latin typeface="Microsoft YaHei" panose="020B0503020204020204" pitchFamily="34" charset="-122"/>
+                <a:ea typeface="Microsoft YaHei" panose="020B0503020204020204" pitchFamily="34" charset="-122"/>
+              </a:rPr>
+              <a:t>Use position gained to evaluate</a:t>
+            </a:r>
+          </a:p>
+        </p:txBody>
+      </p:sp>
+      <p:sp>
+        <p:nvSpPr>
+          <p:cNvPr id="7" name="文本框 6">
+            <a:extLst>
+              <a:ext uri="{FF2B5EF4-FFF2-40B4-BE49-F238E27FC236}">
+                <a16:creationId xmlns:a16="http://schemas.microsoft.com/office/drawing/2014/main" id="{ADF229D3-E0A8-A933-DD55-F0783C321FEF}"/>
+              </a:ext>
+            </a:extLst>
+          </p:cNvPr>
+          <p:cNvSpPr txBox="1"/>
+          <p:nvPr/>
+        </p:nvSpPr>
+        <p:spPr>
+          <a:xfrm>
+            <a:off x="5613109" y="1847490"/>
+            <a:ext cx="1941557" cy="400110"/>
+          </a:xfrm>
+          <a:prstGeom prst="rect">
+            <a:avLst/>
+          </a:prstGeom>
+          <a:noFill/>
+        </p:spPr>
+        <p:txBody>
+          <a:bodyPr wrap="none" rtlCol="0">
+            <a:spAutoFit/>
+          </a:bodyPr>
+          <a:lstStyle/>
+          <a:p>
+            <a:r>
+              <a:rPr kumimoji="1" lang="en-US" altLang="zh-CN" sz="2000" dirty="0">
+                <a:latin typeface="Microsoft YaHei" panose="020B0503020204020204" pitchFamily="34" charset="-122"/>
+                <a:ea typeface="Microsoft YaHei" panose="020B0503020204020204" pitchFamily="34" charset="-122"/>
+              </a:rPr>
+              <a:t>Race Situation</a:t>
+            </a:r>
+            <a:endParaRPr kumimoji="1" lang="zh-CN" altLang="en-US" sz="2000" dirty="0">
+              <a:latin typeface="Microsoft YaHei" panose="020B0503020204020204" pitchFamily="34" charset="-122"/>
+              <a:ea typeface="Microsoft YaHei" panose="020B0503020204020204" pitchFamily="34" charset="-122"/>
+            </a:endParaRPr>
+          </a:p>
+        </p:txBody>
+      </p:sp>
+      <p:sp>
+        <p:nvSpPr>
+          <p:cNvPr id="9" name="文本框 8">
+            <a:extLst>
+              <a:ext uri="{FF2B5EF4-FFF2-40B4-BE49-F238E27FC236}">
+                <a16:creationId xmlns:a16="http://schemas.microsoft.com/office/drawing/2014/main" id="{C7488994-5BB7-DF6D-069E-0C60921FE279}"/>
+              </a:ext>
+            </a:extLst>
+          </p:cNvPr>
+          <p:cNvSpPr txBox="1"/>
+          <p:nvPr/>
+        </p:nvSpPr>
+        <p:spPr>
+          <a:xfrm>
+            <a:off x="5613109" y="3711417"/>
+            <a:ext cx="2103461" cy="400110"/>
+          </a:xfrm>
+          <a:prstGeom prst="rect">
+            <a:avLst/>
+          </a:prstGeom>
+          <a:noFill/>
+        </p:spPr>
+        <p:txBody>
+          <a:bodyPr wrap="none" rtlCol="0">
+            <a:spAutoFit/>
+          </a:bodyPr>
+          <a:lstStyle/>
+          <a:p>
+            <a:r>
+              <a:rPr kumimoji="1" lang="en-US" altLang="zh-CN" sz="2000" dirty="0">
+                <a:latin typeface="Microsoft YaHei" panose="020B0503020204020204" pitchFamily="34" charset="-122"/>
+                <a:ea typeface="Microsoft YaHei" panose="020B0503020204020204" pitchFamily="34" charset="-122"/>
+              </a:rPr>
+              <a:t>Track Condition</a:t>
+            </a:r>
+            <a:endParaRPr kumimoji="1" lang="zh-CN" altLang="en-US" sz="2000" dirty="0">
+              <a:latin typeface="Microsoft YaHei" panose="020B0503020204020204" pitchFamily="34" charset="-122"/>
+              <a:ea typeface="Microsoft YaHei" panose="020B0503020204020204" pitchFamily="34" charset="-122"/>
+            </a:endParaRPr>
+          </a:p>
+        </p:txBody>
+      </p:sp>
+      <p:sp>
+        <p:nvSpPr>
+          <p:cNvPr id="10" name="文本框 9">
+            <a:extLst>
+              <a:ext uri="{FF2B5EF4-FFF2-40B4-BE49-F238E27FC236}">
+                <a16:creationId xmlns:a16="http://schemas.microsoft.com/office/drawing/2014/main" id="{81F92BD9-E078-6206-6319-70075CB590A2}"/>
+              </a:ext>
+            </a:extLst>
+          </p:cNvPr>
+          <p:cNvSpPr txBox="1"/>
+          <p:nvPr/>
+        </p:nvSpPr>
+        <p:spPr>
+          <a:xfrm>
+            <a:off x="5615352" y="5215828"/>
+            <a:ext cx="1743682" cy="400110"/>
+          </a:xfrm>
+          <a:prstGeom prst="rect">
+            <a:avLst/>
+          </a:prstGeom>
+          <a:noFill/>
+        </p:spPr>
+        <p:txBody>
+          <a:bodyPr wrap="none" rtlCol="0">
+            <a:spAutoFit/>
+          </a:bodyPr>
+          <a:lstStyle/>
+          <a:p>
+            <a:r>
+              <a:rPr kumimoji="1" lang="en-US" altLang="zh-CN" sz="2000" dirty="0">
+                <a:latin typeface="Microsoft YaHei" panose="020B0503020204020204" pitchFamily="34" charset="-122"/>
+                <a:ea typeface="Microsoft YaHei" panose="020B0503020204020204" pitchFamily="34" charset="-122"/>
+              </a:rPr>
+              <a:t>Performance</a:t>
+            </a:r>
+            <a:endParaRPr kumimoji="1" lang="zh-CN" altLang="en-US" sz="2000" dirty="0">
+              <a:latin typeface="Microsoft YaHei" panose="020B0503020204020204" pitchFamily="34" charset="-122"/>
+              <a:ea typeface="Microsoft YaHei" panose="020B0503020204020204" pitchFamily="34" charset="-122"/>
+            </a:endParaRPr>
+          </a:p>
+        </p:txBody>
+      </p:sp>
+      <p:sp>
+        <p:nvSpPr>
+          <p:cNvPr id="11" name="文本框 10">
+            <a:extLst>
+              <a:ext uri="{FF2B5EF4-FFF2-40B4-BE49-F238E27FC236}">
+                <a16:creationId xmlns:a16="http://schemas.microsoft.com/office/drawing/2014/main" id="{CAF68008-58C6-6429-3773-FE0A751B9ADD}"/>
+              </a:ext>
+            </a:extLst>
+          </p:cNvPr>
+          <p:cNvSpPr txBox="1"/>
+          <p:nvPr/>
+        </p:nvSpPr>
+        <p:spPr>
+          <a:xfrm>
+            <a:off x="8391478" y="965063"/>
+            <a:ext cx="2230804" cy="400110"/>
+          </a:xfrm>
+          <a:prstGeom prst="rect">
+            <a:avLst/>
+          </a:prstGeom>
+          <a:noFill/>
+        </p:spPr>
+        <p:txBody>
+          <a:bodyPr wrap="none" rtlCol="0">
+            <a:spAutoFit/>
+          </a:bodyPr>
+          <a:lstStyle/>
+          <a:p>
+            <a:r>
+              <a:rPr kumimoji="1" lang="en-US" altLang="zh-CN" sz="2000" dirty="0">
+                <a:latin typeface="Microsoft YaHei" panose="020B0503020204020204" pitchFamily="34" charset="-122"/>
+                <a:ea typeface="Microsoft YaHei" panose="020B0503020204020204" pitchFamily="34" charset="-122"/>
+              </a:rPr>
+              <a:t>Starting position</a:t>
+            </a:r>
+            <a:endParaRPr kumimoji="1" lang="zh-CN" altLang="en-US" sz="2000" dirty="0">
+              <a:latin typeface="Microsoft YaHei" panose="020B0503020204020204" pitchFamily="34" charset="-122"/>
+              <a:ea typeface="Microsoft YaHei" panose="020B0503020204020204" pitchFamily="34" charset="-122"/>
+            </a:endParaRPr>
+          </a:p>
+        </p:txBody>
+      </p:sp>
+      <p:sp>
+        <p:nvSpPr>
+          <p:cNvPr id="12" name="文本框 11">
+            <a:extLst>
+              <a:ext uri="{FF2B5EF4-FFF2-40B4-BE49-F238E27FC236}">
+                <a16:creationId xmlns:a16="http://schemas.microsoft.com/office/drawing/2014/main" id="{6BDFE3FC-1E36-7BA1-C09D-27D539E48AED}"/>
+              </a:ext>
+            </a:extLst>
+          </p:cNvPr>
+          <p:cNvSpPr txBox="1"/>
+          <p:nvPr/>
+        </p:nvSpPr>
+        <p:spPr>
+          <a:xfrm>
+            <a:off x="8376932" y="1812326"/>
+            <a:ext cx="1491114" cy="400110"/>
+          </a:xfrm>
+          <a:prstGeom prst="rect">
+            <a:avLst/>
+          </a:prstGeom>
+          <a:noFill/>
+        </p:spPr>
+        <p:txBody>
+          <a:bodyPr wrap="none" rtlCol="0">
+            <a:spAutoFit/>
+          </a:bodyPr>
+          <a:lstStyle/>
+          <a:p>
+            <a:r>
+              <a:rPr kumimoji="1" lang="en-US" altLang="zh-CN" sz="2000" dirty="0">
+                <a:latin typeface="Microsoft YaHei" panose="020B0503020204020204" pitchFamily="34" charset="-122"/>
+                <a:ea typeface="Microsoft YaHei" panose="020B0503020204020204" pitchFamily="34" charset="-122"/>
+              </a:rPr>
+              <a:t>Laps raced</a:t>
+            </a:r>
+            <a:endParaRPr kumimoji="1" lang="zh-CN" altLang="en-US" sz="2000" dirty="0">
+              <a:latin typeface="Microsoft YaHei" panose="020B0503020204020204" pitchFamily="34" charset="-122"/>
+              <a:ea typeface="Microsoft YaHei" panose="020B0503020204020204" pitchFamily="34" charset="-122"/>
+            </a:endParaRPr>
+          </a:p>
+        </p:txBody>
+      </p:sp>
+      <p:sp>
+        <p:nvSpPr>
+          <p:cNvPr id="13" name="文本框 12">
+            <a:extLst>
+              <a:ext uri="{FF2B5EF4-FFF2-40B4-BE49-F238E27FC236}">
+                <a16:creationId xmlns:a16="http://schemas.microsoft.com/office/drawing/2014/main" id="{0A770B6F-F91C-136A-2217-8BBAEC131728}"/>
+              </a:ext>
+            </a:extLst>
+          </p:cNvPr>
+          <p:cNvSpPr txBox="1"/>
+          <p:nvPr/>
+        </p:nvSpPr>
+        <p:spPr>
+          <a:xfrm>
+            <a:off x="8376932" y="2234770"/>
+            <a:ext cx="2054922" cy="400110"/>
+          </a:xfrm>
+          <a:prstGeom prst="rect">
+            <a:avLst/>
+          </a:prstGeom>
+          <a:noFill/>
+        </p:spPr>
+        <p:txBody>
+          <a:bodyPr wrap="none" rtlCol="0">
+            <a:spAutoFit/>
+          </a:bodyPr>
+          <a:lstStyle/>
+          <a:p>
+            <a:r>
+              <a:rPr kumimoji="1" lang="en-US" altLang="zh-CN" sz="2000" dirty="0">
+                <a:latin typeface="Microsoft YaHei" panose="020B0503020204020204" pitchFamily="34" charset="-122"/>
+                <a:ea typeface="Microsoft YaHei" panose="020B0503020204020204" pitchFamily="34" charset="-122"/>
+              </a:rPr>
+              <a:t>Laps remaining</a:t>
+            </a:r>
+            <a:endParaRPr kumimoji="1" lang="zh-CN" altLang="en-US" sz="2000" dirty="0">
+              <a:latin typeface="Microsoft YaHei" panose="020B0503020204020204" pitchFamily="34" charset="-122"/>
+              <a:ea typeface="Microsoft YaHei" panose="020B0503020204020204" pitchFamily="34" charset="-122"/>
+            </a:endParaRPr>
+          </a:p>
+        </p:txBody>
+      </p:sp>
+      <p:sp>
+        <p:nvSpPr>
+          <p:cNvPr id="14" name="文本框 13">
+            <a:extLst>
+              <a:ext uri="{FF2B5EF4-FFF2-40B4-BE49-F238E27FC236}">
+                <a16:creationId xmlns:a16="http://schemas.microsoft.com/office/drawing/2014/main" id="{A0C4C3F0-B1A0-97BD-274C-46A08CC5EE69}"/>
+              </a:ext>
+            </a:extLst>
+          </p:cNvPr>
+          <p:cNvSpPr txBox="1"/>
+          <p:nvPr/>
+        </p:nvSpPr>
+        <p:spPr>
+          <a:xfrm>
+            <a:off x="8391478" y="1387892"/>
+            <a:ext cx="2184765" cy="400110"/>
+          </a:xfrm>
+          <a:prstGeom prst="rect">
+            <a:avLst/>
+          </a:prstGeom>
+          <a:noFill/>
+        </p:spPr>
+        <p:txBody>
+          <a:bodyPr wrap="none" rtlCol="0">
+            <a:spAutoFit/>
+          </a:bodyPr>
+          <a:lstStyle/>
+          <a:p>
+            <a:r>
+              <a:rPr kumimoji="1" lang="en-US" altLang="zh-CN" sz="2000" dirty="0">
+                <a:latin typeface="Microsoft YaHei" panose="020B0503020204020204" pitchFamily="34" charset="-122"/>
+                <a:ea typeface="Microsoft YaHei" panose="020B0503020204020204" pitchFamily="34" charset="-122"/>
+              </a:rPr>
+              <a:t>Current position</a:t>
+            </a:r>
+            <a:endParaRPr kumimoji="1" lang="zh-CN" altLang="en-US" sz="2000" dirty="0">
+              <a:latin typeface="Microsoft YaHei" panose="020B0503020204020204" pitchFamily="34" charset="-122"/>
+              <a:ea typeface="Microsoft YaHei" panose="020B0503020204020204" pitchFamily="34" charset="-122"/>
+            </a:endParaRPr>
+          </a:p>
+        </p:txBody>
+      </p:sp>
+      <p:sp>
+        <p:nvSpPr>
+          <p:cNvPr id="15" name="文本框 14">
+            <a:extLst>
+              <a:ext uri="{FF2B5EF4-FFF2-40B4-BE49-F238E27FC236}">
+                <a16:creationId xmlns:a16="http://schemas.microsoft.com/office/drawing/2014/main" id="{348B13A1-9D16-89E7-8E62-89EE3D5DDF28}"/>
+              </a:ext>
+            </a:extLst>
+          </p:cNvPr>
+          <p:cNvSpPr txBox="1"/>
+          <p:nvPr/>
+        </p:nvSpPr>
+        <p:spPr>
+          <a:xfrm>
+            <a:off x="8391478" y="3235816"/>
+            <a:ext cx="1733039" cy="400110"/>
+          </a:xfrm>
+          <a:prstGeom prst="rect">
+            <a:avLst/>
+          </a:prstGeom>
+          <a:noFill/>
+        </p:spPr>
+        <p:txBody>
+          <a:bodyPr wrap="none" rtlCol="0">
+            <a:spAutoFit/>
+          </a:bodyPr>
+          <a:lstStyle/>
+          <a:p>
+            <a:r>
+              <a:rPr kumimoji="1" lang="en-US" altLang="zh-CN" sz="2000" dirty="0">
+                <a:latin typeface="Microsoft YaHei" panose="020B0503020204020204" pitchFamily="34" charset="-122"/>
+                <a:ea typeface="Microsoft YaHei" panose="020B0503020204020204" pitchFamily="34" charset="-122"/>
+              </a:rPr>
+              <a:t>Temperature</a:t>
+            </a:r>
+          </a:p>
+        </p:txBody>
+      </p:sp>
+      <p:sp>
+        <p:nvSpPr>
+          <p:cNvPr id="16" name="文本框 15">
+            <a:extLst>
+              <a:ext uri="{FF2B5EF4-FFF2-40B4-BE49-F238E27FC236}">
+                <a16:creationId xmlns:a16="http://schemas.microsoft.com/office/drawing/2014/main" id="{4FBD0F4E-E30A-B237-E048-F0E871E913CB}"/>
+              </a:ext>
+            </a:extLst>
+          </p:cNvPr>
+          <p:cNvSpPr txBox="1"/>
+          <p:nvPr/>
+        </p:nvSpPr>
+        <p:spPr>
+          <a:xfrm>
+            <a:off x="8391478" y="3711417"/>
+            <a:ext cx="1316386" cy="400110"/>
+          </a:xfrm>
+          <a:prstGeom prst="rect">
+            <a:avLst/>
+          </a:prstGeom>
+          <a:noFill/>
+        </p:spPr>
+        <p:txBody>
+          <a:bodyPr wrap="none" rtlCol="0">
+            <a:spAutoFit/>
+          </a:bodyPr>
+          <a:lstStyle/>
+          <a:p>
+            <a:r>
+              <a:rPr kumimoji="1" lang="en-US" altLang="zh-CN" sz="2000" dirty="0">
+                <a:latin typeface="Microsoft YaHei" panose="020B0503020204020204" pitchFamily="34" charset="-122"/>
+                <a:ea typeface="Microsoft YaHei" panose="020B0503020204020204" pitchFamily="34" charset="-122"/>
+              </a:rPr>
+              <a:t>Humidity</a:t>
+            </a:r>
+          </a:p>
+        </p:txBody>
+      </p:sp>
+      <p:sp>
+        <p:nvSpPr>
+          <p:cNvPr id="17" name="文本框 16">
+            <a:extLst>
+              <a:ext uri="{FF2B5EF4-FFF2-40B4-BE49-F238E27FC236}">
+                <a16:creationId xmlns:a16="http://schemas.microsoft.com/office/drawing/2014/main" id="{F3302539-7929-BEBA-54AA-3D2DDA5CFEEF}"/>
+              </a:ext>
+            </a:extLst>
+          </p:cNvPr>
+          <p:cNvSpPr txBox="1"/>
+          <p:nvPr/>
+        </p:nvSpPr>
+        <p:spPr>
+          <a:xfrm>
+            <a:off x="8393722" y="4716073"/>
+            <a:ext cx="1650132" cy="400110"/>
+          </a:xfrm>
+          <a:prstGeom prst="rect">
+            <a:avLst/>
+          </a:prstGeom>
+          <a:noFill/>
+        </p:spPr>
+        <p:txBody>
+          <a:bodyPr wrap="none" rtlCol="0">
+            <a:spAutoFit/>
+          </a:bodyPr>
+          <a:lstStyle/>
+          <a:p>
+            <a:r>
+              <a:rPr kumimoji="1" lang="en-US" altLang="zh-CN" sz="2000" dirty="0">
+                <a:latin typeface="Microsoft YaHei" panose="020B0503020204020204" pitchFamily="34" charset="-122"/>
+                <a:ea typeface="Microsoft YaHei" panose="020B0503020204020204" pitchFamily="34" charset="-122"/>
+              </a:rPr>
+              <a:t>Team ability</a:t>
+            </a:r>
+          </a:p>
+        </p:txBody>
+      </p:sp>
+      <p:sp>
+        <p:nvSpPr>
+          <p:cNvPr id="18" name="文本框 17">
+            <a:extLst>
+              <a:ext uri="{FF2B5EF4-FFF2-40B4-BE49-F238E27FC236}">
+                <a16:creationId xmlns:a16="http://schemas.microsoft.com/office/drawing/2014/main" id="{36ADF9AC-CD32-F331-6966-3C338095DA10}"/>
+              </a:ext>
+            </a:extLst>
+          </p:cNvPr>
+          <p:cNvSpPr txBox="1"/>
+          <p:nvPr/>
+        </p:nvSpPr>
+        <p:spPr>
+          <a:xfrm>
+            <a:off x="8393722" y="5196137"/>
+            <a:ext cx="1742785" cy="400110"/>
+          </a:xfrm>
+          <a:prstGeom prst="rect">
+            <a:avLst/>
+          </a:prstGeom>
+          <a:noFill/>
+        </p:spPr>
+        <p:txBody>
+          <a:bodyPr wrap="none" rtlCol="0">
+            <a:spAutoFit/>
+          </a:bodyPr>
+          <a:lstStyle/>
+          <a:p>
+            <a:r>
+              <a:rPr kumimoji="1" lang="en-US" altLang="zh-CN" sz="2000" dirty="0">
+                <a:latin typeface="Microsoft YaHei" panose="020B0503020204020204" pitchFamily="34" charset="-122"/>
+                <a:ea typeface="Microsoft YaHei" panose="020B0503020204020204" pitchFamily="34" charset="-122"/>
+              </a:rPr>
+              <a:t>Driver ability</a:t>
+            </a:r>
+          </a:p>
+        </p:txBody>
+      </p:sp>
+      <p:sp>
+        <p:nvSpPr>
+          <p:cNvPr id="19" name="左大括号 18">
+            <a:extLst>
+              <a:ext uri="{FF2B5EF4-FFF2-40B4-BE49-F238E27FC236}">
+                <a16:creationId xmlns:a16="http://schemas.microsoft.com/office/drawing/2014/main" id="{2013D5D5-DF9E-2B8B-913B-C486DCE5B5CA}"/>
+              </a:ext>
+            </a:extLst>
+          </p:cNvPr>
+          <p:cNvSpPr/>
+          <p:nvPr/>
+        </p:nvSpPr>
+        <p:spPr>
+          <a:xfrm>
+            <a:off x="7799393" y="1164322"/>
+            <a:ext cx="478401" cy="1766447"/>
+          </a:xfrm>
+          <a:prstGeom prst="leftBrace">
+            <a:avLst/>
+          </a:prstGeom>
+          <a:ln>
+            <a:solidFill>
+              <a:schemeClr val="tx1"/>
+            </a:solidFill>
+          </a:ln>
+        </p:spPr>
+        <p:style>
+          <a:lnRef idx="2">
+            <a:schemeClr val="accent1"/>
+          </a:lnRef>
+          <a:fillRef idx="0">
+            <a:schemeClr val="accent1"/>
+          </a:fillRef>
+          <a:effectRef idx="1">
+            <a:schemeClr val="accent1"/>
+          </a:effectRef>
+          <a:fontRef idx="minor">
+            <a:schemeClr val="tx1"/>
+          </a:fontRef>
+        </p:style>
+        <p:txBody>
+          <a:bodyPr rtlCol="0" anchor="ctr"/>
+          <a:lstStyle/>
+          <a:p>
+            <a:pPr algn="ctr"/>
+            <a:endParaRPr kumimoji="1" lang="zh-CN" altLang="en-US"/>
+          </a:p>
+        </p:txBody>
+      </p:sp>
+      <p:sp>
+        <p:nvSpPr>
+          <p:cNvPr id="21" name="文本框 20">
+            <a:extLst>
+              <a:ext uri="{FF2B5EF4-FFF2-40B4-BE49-F238E27FC236}">
+                <a16:creationId xmlns:a16="http://schemas.microsoft.com/office/drawing/2014/main" id="{4854418D-F515-32FC-D7BA-D7266BC04C91}"/>
+              </a:ext>
+            </a:extLst>
+          </p:cNvPr>
+          <p:cNvSpPr txBox="1"/>
+          <p:nvPr/>
+        </p:nvSpPr>
+        <p:spPr>
+          <a:xfrm>
+            <a:off x="8376932" y="2647577"/>
+            <a:ext cx="393056" cy="400110"/>
+          </a:xfrm>
+          <a:prstGeom prst="rect">
+            <a:avLst/>
+          </a:prstGeom>
+          <a:noFill/>
+        </p:spPr>
+        <p:txBody>
+          <a:bodyPr wrap="none" rtlCol="0">
+            <a:spAutoFit/>
+          </a:bodyPr>
+          <a:lstStyle/>
+          <a:p>
+            <a:r>
+              <a:rPr kumimoji="1" lang="en-US" altLang="zh-CN" sz="2000" dirty="0">
+                <a:latin typeface="Microsoft YaHei" panose="020B0503020204020204" pitchFamily="34" charset="-122"/>
+                <a:ea typeface="Microsoft YaHei" panose="020B0503020204020204" pitchFamily="34" charset="-122"/>
+              </a:rPr>
+              <a:t>…</a:t>
+            </a:r>
+            <a:endParaRPr kumimoji="1" lang="zh-CN" altLang="en-US" sz="2000" dirty="0">
+              <a:latin typeface="Microsoft YaHei" panose="020B0503020204020204" pitchFamily="34" charset="-122"/>
+              <a:ea typeface="Microsoft YaHei" panose="020B0503020204020204" pitchFamily="34" charset="-122"/>
+            </a:endParaRPr>
+          </a:p>
+        </p:txBody>
+      </p:sp>
+      <p:sp>
+        <p:nvSpPr>
+          <p:cNvPr id="22" name="左大括号 21">
+            <a:extLst>
+              <a:ext uri="{FF2B5EF4-FFF2-40B4-BE49-F238E27FC236}">
+                <a16:creationId xmlns:a16="http://schemas.microsoft.com/office/drawing/2014/main" id="{41829041-D0EE-5C3E-03B1-2CCFB05863C7}"/>
+              </a:ext>
+            </a:extLst>
+          </p:cNvPr>
+          <p:cNvSpPr/>
+          <p:nvPr/>
+        </p:nvSpPr>
+        <p:spPr>
+          <a:xfrm>
+            <a:off x="7790728" y="3425752"/>
+            <a:ext cx="478401" cy="982125"/>
+          </a:xfrm>
+          <a:prstGeom prst="leftBrace">
+            <a:avLst/>
+          </a:prstGeom>
+          <a:ln>
+            <a:solidFill>
+              <a:schemeClr val="tx1"/>
+            </a:solidFill>
+          </a:ln>
+        </p:spPr>
+        <p:style>
+          <a:lnRef idx="2">
+            <a:schemeClr val="accent1"/>
+          </a:lnRef>
+          <a:fillRef idx="0">
+            <a:schemeClr val="accent1"/>
+          </a:fillRef>
+          <a:effectRef idx="1">
+            <a:schemeClr val="accent1"/>
+          </a:effectRef>
+          <a:fontRef idx="minor">
+            <a:schemeClr val="tx1"/>
+          </a:fontRef>
+        </p:style>
+        <p:txBody>
+          <a:bodyPr rtlCol="0" anchor="ctr"/>
+          <a:lstStyle/>
+          <a:p>
+            <a:pPr algn="ctr"/>
+            <a:endParaRPr kumimoji="1" lang="zh-CN" altLang="en-US"/>
+          </a:p>
+        </p:txBody>
+      </p:sp>
+      <p:sp>
+        <p:nvSpPr>
+          <p:cNvPr id="23" name="文本框 22">
+            <a:extLst>
+              <a:ext uri="{FF2B5EF4-FFF2-40B4-BE49-F238E27FC236}">
+                <a16:creationId xmlns:a16="http://schemas.microsoft.com/office/drawing/2014/main" id="{E47FF535-0568-E836-BF52-575B44B71F3D}"/>
+              </a:ext>
+            </a:extLst>
+          </p:cNvPr>
+          <p:cNvSpPr txBox="1"/>
+          <p:nvPr/>
+        </p:nvSpPr>
+        <p:spPr>
+          <a:xfrm>
+            <a:off x="8391478" y="4093574"/>
+            <a:ext cx="393056" cy="400110"/>
+          </a:xfrm>
+          <a:prstGeom prst="rect">
+            <a:avLst/>
+          </a:prstGeom>
+          <a:noFill/>
+        </p:spPr>
+        <p:txBody>
+          <a:bodyPr wrap="square" rtlCol="0">
+            <a:spAutoFit/>
+          </a:bodyPr>
+          <a:lstStyle/>
+          <a:p>
+            <a:r>
+              <a:rPr kumimoji="1" lang="en-US" altLang="zh-CN" sz="2000" dirty="0">
+                <a:latin typeface="Microsoft YaHei" panose="020B0503020204020204" pitchFamily="34" charset="-122"/>
+                <a:ea typeface="Microsoft YaHei" panose="020B0503020204020204" pitchFamily="34" charset="-122"/>
+              </a:rPr>
+              <a:t>…</a:t>
+            </a:r>
+            <a:endParaRPr kumimoji="1" lang="zh-CN" altLang="en-US" sz="2000" dirty="0">
+              <a:latin typeface="Microsoft YaHei" panose="020B0503020204020204" pitchFamily="34" charset="-122"/>
+              <a:ea typeface="Microsoft YaHei" panose="020B0503020204020204" pitchFamily="34" charset="-122"/>
+            </a:endParaRPr>
+          </a:p>
+        </p:txBody>
+      </p:sp>
+      <p:sp>
+        <p:nvSpPr>
+          <p:cNvPr id="24" name="文本框 23">
+            <a:extLst>
+              <a:ext uri="{FF2B5EF4-FFF2-40B4-BE49-F238E27FC236}">
+                <a16:creationId xmlns:a16="http://schemas.microsoft.com/office/drawing/2014/main" id="{0460C526-C564-799A-8D2C-057255CD5E57}"/>
+              </a:ext>
+            </a:extLst>
+          </p:cNvPr>
+          <p:cNvSpPr txBox="1"/>
+          <p:nvPr/>
+        </p:nvSpPr>
+        <p:spPr>
+          <a:xfrm>
+            <a:off x="8391478" y="5596247"/>
+            <a:ext cx="393056" cy="400110"/>
+          </a:xfrm>
+          <a:prstGeom prst="rect">
+            <a:avLst/>
+          </a:prstGeom>
+          <a:noFill/>
+        </p:spPr>
+        <p:txBody>
+          <a:bodyPr wrap="none" rtlCol="0">
+            <a:spAutoFit/>
+          </a:bodyPr>
+          <a:lstStyle/>
+          <a:p>
+            <a:r>
+              <a:rPr kumimoji="1" lang="en-US" altLang="zh-CN" sz="2000" dirty="0">
+                <a:latin typeface="Microsoft YaHei" panose="020B0503020204020204" pitchFamily="34" charset="-122"/>
+                <a:ea typeface="Microsoft YaHei" panose="020B0503020204020204" pitchFamily="34" charset="-122"/>
+              </a:rPr>
+              <a:t>…</a:t>
+            </a:r>
+            <a:endParaRPr kumimoji="1" lang="zh-CN" altLang="en-US" sz="2000" dirty="0">
+              <a:latin typeface="Microsoft YaHei" panose="020B0503020204020204" pitchFamily="34" charset="-122"/>
+              <a:ea typeface="Microsoft YaHei" panose="020B0503020204020204" pitchFamily="34" charset="-122"/>
+            </a:endParaRPr>
+          </a:p>
+        </p:txBody>
+      </p:sp>
+      <p:sp>
+        <p:nvSpPr>
+          <p:cNvPr id="25" name="左大括号 24">
+            <a:extLst>
+              <a:ext uri="{FF2B5EF4-FFF2-40B4-BE49-F238E27FC236}">
+                <a16:creationId xmlns:a16="http://schemas.microsoft.com/office/drawing/2014/main" id="{173B536B-6E24-9F06-7291-BB8091B5FFED}"/>
+              </a:ext>
+            </a:extLst>
+          </p:cNvPr>
+          <p:cNvSpPr/>
+          <p:nvPr/>
+        </p:nvSpPr>
+        <p:spPr>
+          <a:xfrm>
+            <a:off x="7799393" y="4924821"/>
+            <a:ext cx="478401" cy="982125"/>
+          </a:xfrm>
+          <a:prstGeom prst="leftBrace">
+            <a:avLst/>
+          </a:prstGeom>
+          <a:ln>
+            <a:solidFill>
+              <a:schemeClr val="tx1"/>
+            </a:solidFill>
+          </a:ln>
+        </p:spPr>
+        <p:style>
+          <a:lnRef idx="2">
+            <a:schemeClr val="accent1"/>
+          </a:lnRef>
+          <a:fillRef idx="0">
+            <a:schemeClr val="accent1"/>
+          </a:fillRef>
+          <a:effectRef idx="1">
+            <a:schemeClr val="accent1"/>
+          </a:effectRef>
+          <a:fontRef idx="minor">
+            <a:schemeClr val="tx1"/>
+          </a:fontRef>
+        </p:style>
+        <p:txBody>
+          <a:bodyPr rtlCol="0" anchor="ctr"/>
+          <a:lstStyle/>
+          <a:p>
+            <a:pPr algn="ctr"/>
+            <a:endParaRPr kumimoji="1" lang="zh-CN" altLang="en-US"/>
+          </a:p>
+        </p:txBody>
+      </p:sp>
+    </p:spTree>
+    <p:extLst>
+      <p:ext uri="{BB962C8B-B14F-4D97-AF65-F5344CB8AC3E}">
+        <p14:creationId xmlns:p14="http://schemas.microsoft.com/office/powerpoint/2010/main" val="3951534136"/>
+      </p:ext>
+    </p:extLst>
+  </p:cSld>
+  <p:clrMapOvr>
+    <a:masterClrMapping/>
+  </p:clrMapOvr>
+</p:sld>
+</file>
+
+<file path=ppt/slides/slide8.xml><?xml version="1.0" encoding="utf-8"?>
+<p:sld xmlns:a="http://schemas.openxmlformats.org/drawingml/2006/main" xmlns:r="http://schemas.openxmlformats.org/officeDocument/2006/relationships" xmlns:p="http://schemas.openxmlformats.org/presentationml/2006/main">
+  <p:cSld>
+    <p:spTree>
+      <p:nvGrpSpPr>
+        <p:cNvPr id="1" name="">
+          <a:extLst>
+            <a:ext uri="{FF2B5EF4-FFF2-40B4-BE49-F238E27FC236}">
+              <a16:creationId xmlns:a16="http://schemas.microsoft.com/office/drawing/2014/main" id="{017AAE1F-1A91-87A7-2720-BEDD773F48BF}"/>
+            </a:ext>
+          </a:extLst>
+        </p:cNvPr>
+        <p:cNvGrpSpPr/>
+        <p:nvPr/>
+      </p:nvGrpSpPr>
+      <p:grpSpPr>
+        <a:xfrm>
+          <a:off x="0" y="0"/>
+          <a:ext cx="0" cy="0"/>
+          <a:chOff x="0" y="0"/>
+          <a:chExt cx="0" cy="0"/>
+        </a:xfrm>
+      </p:grpSpPr>
+      <p:sp>
+        <p:nvSpPr>
+          <p:cNvPr id="5" name="Rectangle 2">
+            <a:extLst>
+              <a:ext uri="{FF2B5EF4-FFF2-40B4-BE49-F238E27FC236}">
+                <a16:creationId xmlns:a16="http://schemas.microsoft.com/office/drawing/2014/main" id="{D102F89A-7B89-E221-7455-BC31876F4F39}"/>
+              </a:ext>
+            </a:extLst>
+          </p:cNvPr>
+          <p:cNvSpPr txBox="1">
+            <a:spLocks noChangeArrowheads="1"/>
+          </p:cNvSpPr>
+          <p:nvPr/>
+        </p:nvSpPr>
+        <p:spPr bwMode="auto">
+          <a:xfrm>
+            <a:off x="237184" y="1"/>
+            <a:ext cx="11954816" cy="1177045"/>
+          </a:xfrm>
+          <a:prstGeom prst="rect">
+            <a:avLst/>
+          </a:prstGeom>
+          <a:noFill/>
+          <a:ln>
+            <a:noFill/>
+          </a:ln>
+          <a:effectLst/>
+          <a:extLst>
+            <a:ext uri="{909E8E84-426E-40DD-AFC4-6F175D3DCCD1}">
+              <a14:hiddenFill xmlns:a14="http://schemas.microsoft.com/office/drawing/2010/main">
+                <a:solidFill>
+                  <a:schemeClr val="accent1"/>
+                </a:solidFill>
+              </a14:hiddenFill>
+            </a:ext>
+            <a:ext uri="{91240B29-F687-4F45-9708-019B960494DF}">
+              <a14:hiddenLine xmlns:a14="http://schemas.microsoft.com/office/drawing/2010/main" w="9525">
+                <a:solidFill>
+                  <a:schemeClr val="tx1"/>
+                </a:solidFill>
+                <a:miter lim="800000"/>
+                <a:headEnd/>
+                <a:tailEnd/>
+              </a14:hiddenLine>
+            </a:ext>
+            <a:ext uri="{AF507438-7753-43E0-B8FC-AC1667EBCBE1}">
+              <a14:hiddenEffects xmlns:a14="http://schemas.microsoft.com/office/drawing/2010/main">
+                <a:effectLst>
+                  <a:outerShdw dist="35921" dir="2700000" algn="ctr" rotWithShape="0">
+                    <a:schemeClr val="bg2"/>
+                  </a:outerShdw>
+                </a:effectLst>
+              </a14:hiddenEffects>
+            </a:ext>
+          </a:extLst>
+        </p:spPr>
+        <p:txBody>
+          <a:bodyPr vert="horz" wrap="square" lIns="91440" tIns="45720" rIns="91440" bIns="45720" numCol="1" anchor="ctr" anchorCtr="0" compatLnSpc="1">
+            <a:prstTxWarp prst="textNoShape">
+              <a:avLst/>
+            </a:prstTxWarp>
+          </a:bodyPr>
+          <a:lstStyle>
+            <a:lvl1pPr algn="l" defTabSz="914400" rtl="0" eaLnBrk="1" latinLnBrk="0" hangingPunct="1">
+              <a:lnSpc>
+                <a:spcPct val="90000"/>
+              </a:lnSpc>
+              <a:spcBef>
+                <a:spcPct val="0"/>
+              </a:spcBef>
+              <a:buNone/>
+              <a:defRPr sz="4400" kern="1200">
+                <a:solidFill>
+                  <a:schemeClr val="tx1"/>
+                </a:solidFill>
+                <a:latin typeface="+mj-lt"/>
+                <a:ea typeface="+mj-ea"/>
+                <a:cs typeface="+mj-cs"/>
+              </a:defRPr>
+            </a:lvl1pPr>
+          </a:lstStyle>
+          <a:p>
+            <a:r>
+              <a:rPr lang="en-US" altLang="zh-TW" sz="3500" b="1" dirty="0">
+                <a:latin typeface="Microsoft YaHei" panose="020B0503020204020204" pitchFamily="34" charset="-122"/>
+                <a:ea typeface="Microsoft YaHei" panose="020B0503020204020204" pitchFamily="34" charset="-122"/>
+              </a:rPr>
+              <a:t>Methodology</a:t>
+            </a:r>
+            <a:endParaRPr lang="zh-TW" altLang="en-US" sz="3500" b="1" dirty="0">
+              <a:latin typeface="Microsoft YaHei" panose="020B0503020204020204" pitchFamily="34" charset="-122"/>
+              <a:ea typeface="Microsoft YaHei" panose="020B0503020204020204" pitchFamily="34" charset="-122"/>
+            </a:endParaRPr>
+          </a:p>
+        </p:txBody>
+      </p:sp>
+      <p:sp>
+        <p:nvSpPr>
+          <p:cNvPr id="2" name="文本框 1">
+            <a:extLst>
+              <a:ext uri="{FF2B5EF4-FFF2-40B4-BE49-F238E27FC236}">
+                <a16:creationId xmlns:a16="http://schemas.microsoft.com/office/drawing/2014/main" id="{B4FD2CE5-0D68-2E4C-3FDE-670906CB93E2}"/>
+              </a:ext>
+            </a:extLst>
+          </p:cNvPr>
+          <p:cNvSpPr txBox="1"/>
+          <p:nvPr/>
+        </p:nvSpPr>
+        <p:spPr>
+          <a:xfrm>
+            <a:off x="237184" y="1177044"/>
+            <a:ext cx="2938368" cy="954107"/>
+          </a:xfrm>
+          <a:prstGeom prst="rect">
+            <a:avLst/>
+          </a:prstGeom>
+          <a:noFill/>
+        </p:spPr>
+        <p:txBody>
+          <a:bodyPr wrap="none" rtlCol="0">
+            <a:spAutoFit/>
+          </a:bodyPr>
+          <a:lstStyle/>
+          <a:p>
+            <a:r>
+              <a:rPr kumimoji="1" lang="en-US" altLang="zh-CN" sz="2800" dirty="0">
+                <a:latin typeface="Microsoft YaHei" panose="020B0503020204020204" pitchFamily="34" charset="-122"/>
+                <a:ea typeface="Microsoft YaHei" panose="020B0503020204020204" pitchFamily="34" charset="-122"/>
+              </a:rPr>
+              <a:t>Data Processing</a:t>
+            </a:r>
+          </a:p>
+          <a:p>
+            <a:r>
+              <a:rPr kumimoji="1" lang="en-US" altLang="zh-CN" sz="2800" dirty="0" err="1">
+                <a:latin typeface="Microsoft YaHei" panose="020B0503020204020204" pitchFamily="34" charset="-122"/>
+                <a:ea typeface="Microsoft YaHei" panose="020B0503020204020204" pitchFamily="34" charset="-122"/>
+              </a:rPr>
+              <a:t>Tyre</a:t>
+            </a:r>
+            <a:r>
+              <a:rPr kumimoji="1" lang="en-US" altLang="zh-CN" sz="2800" dirty="0">
+                <a:latin typeface="Microsoft YaHei" panose="020B0503020204020204" pitchFamily="34" charset="-122"/>
+                <a:ea typeface="Microsoft YaHei" panose="020B0503020204020204" pitchFamily="34" charset="-122"/>
+              </a:rPr>
+              <a:t> Compound</a:t>
+            </a:r>
+            <a:endParaRPr kumimoji="1" lang="zh-CN" altLang="en-US" sz="2800" dirty="0">
+              <a:latin typeface="Microsoft YaHei" panose="020B0503020204020204" pitchFamily="34" charset="-122"/>
+              <a:ea typeface="Microsoft YaHei" panose="020B0503020204020204" pitchFamily="34" charset="-122"/>
+            </a:endParaRPr>
+          </a:p>
+        </p:txBody>
+      </p:sp>
       <p:graphicFrame>
         <p:nvGraphicFramePr>
           <p:cNvPr id="3" name="表格 2">
             <a:extLst>
               <a:ext uri="{FF2B5EF4-FFF2-40B4-BE49-F238E27FC236}">
-                <a16:creationId xmlns:a16="http://schemas.microsoft.com/office/drawing/2014/main" id="{2D9B8A6B-AD33-A6AB-DA9E-E5F8CB9F8CA0}"/>
+                <a16:creationId xmlns:a16="http://schemas.microsoft.com/office/drawing/2014/main" id="{2791E29E-9A68-B630-B8E3-A0FC6855395F}"/>
               </a:ext>
             </a:extLst>
           </p:cNvPr>
@@ -8094,14 +9646,14 @@
           <p:nvPr>
             <p:extLst>
               <p:ext uri="{D42A27DB-BD31-4B8C-83A1-F6EECF244321}">
-                <p14:modId xmlns:p14="http://schemas.microsoft.com/office/powerpoint/2010/main" val="2102331761"/>
+                <p14:modId xmlns:p14="http://schemas.microsoft.com/office/powerpoint/2010/main" val="1698473719"/>
               </p:ext>
             </p:extLst>
           </p:nvPr>
         </p:nvGraphicFramePr>
         <p:xfrm>
-          <a:off x="4040554" y="54610"/>
-          <a:ext cx="8022492" cy="6748780"/>
+          <a:off x="2084754" y="2661576"/>
+          <a:ext cx="8022492" cy="3329940"/>
         </p:xfrm>
         <a:graphic>
           <a:graphicData uri="http://schemas.openxmlformats.org/drawingml/2006/table">
@@ -8149,7 +9701,7 @@
                         <a:defRPr/>
                       </a:pPr>
                       <a:r>
-                        <a:rPr lang="en" altLang="zh-CN" sz="1800" b="1" i="0" kern="1200" dirty="0">
+                        <a:rPr lang="en" altLang="zh-CN" sz="2000" b="1" i="0" kern="1200" dirty="0">
                           <a:solidFill>
                             <a:schemeClr val="lt1"/>
                           </a:solidFill>
@@ -8159,7 +9711,7 @@
                         </a:rPr>
                         <a:t>Variable Name</a:t>
                       </a:r>
-                      <a:endParaRPr lang="en" altLang="zh-CN" sz="1800" b="1" i="0" kern="1200" dirty="0">
+                      <a:endParaRPr lang="en" altLang="zh-CN" sz="2000" b="1" i="0" kern="1200" dirty="0">
                         <a:solidFill>
                           <a:schemeClr val="lt1"/>
                         </a:solidFill>
@@ -8199,7 +9751,7 @@
                         <a:defRPr/>
                       </a:pPr>
                       <a:r>
-                        <a:rPr lang="en" altLang="zh-CN" sz="1800" b="1" i="0" kern="1200" dirty="0">
+                        <a:rPr lang="en" altLang="zh-CN" sz="2000" b="1" i="0" kern="1200" dirty="0">
                           <a:solidFill>
                             <a:schemeClr val="lt1"/>
                           </a:solidFill>
@@ -8209,7 +9761,7 @@
                         </a:rPr>
                         <a:t>Description</a:t>
                       </a:r>
-                      <a:endParaRPr lang="en" altLang="zh-CN" sz="1800" b="1" i="0" kern="1200" dirty="0">
+                      <a:endParaRPr lang="en" altLang="zh-CN" sz="2000" b="1" i="0" kern="1200" dirty="0">
                         <a:solidFill>
                           <a:schemeClr val="lt1"/>
                         </a:solidFill>
@@ -8239,14 +9791,14 @@
                     <a:lstStyle/>
                     <a:p>
                       <a:r>
-                        <a:rPr lang="en" b="0" i="0" dirty="0" err="1">
+                        <a:rPr lang="en" sz="2000" b="0" i="0" dirty="0" err="1">
                           <a:effectLst/>
                           <a:latin typeface="Microsoft YaHei Light" panose="020B0503020204020204" pitchFamily="34" charset="-122"/>
                           <a:ea typeface="Microsoft YaHei Light" panose="020B0503020204020204" pitchFamily="34" charset="-122"/>
                         </a:rPr>
-                        <a:t>initial_pos</a:t>
+                        <a:t>laps_remaining</a:t>
                       </a:r>
-                      <a:endParaRPr lang="en" b="0" i="0" dirty="0">
+                      <a:endParaRPr lang="en" sz="2000" b="0" i="0" dirty="0">
                         <a:effectLst/>
                         <a:latin typeface="Microsoft YaHei Light" panose="020B0503020204020204" pitchFamily="34" charset="-122"/>
                         <a:ea typeface="Microsoft YaHei Light" panose="020B0503020204020204" pitchFamily="34" charset="-122"/>
@@ -8261,140 +9813,7 @@
                     <a:lstStyle/>
                     <a:p>
                       <a:r>
-                        <a:rPr lang="en" b="0" i="0" dirty="0">
-                          <a:effectLst/>
-                          <a:latin typeface="Microsoft YaHei Light" panose="020B0503020204020204" pitchFamily="34" charset="-122"/>
-                          <a:ea typeface="Microsoft YaHei Light" panose="020B0503020204020204" pitchFamily="34" charset="-122"/>
-                        </a:rPr>
-                        <a:t>Initial starting position of the racer.</a:t>
-                      </a:r>
-                    </a:p>
-                  </a:txBody>
-                  <a:tcPr marL="123825" marR="123825" marT="57150" marB="57150" anchor="ctr"/>
-                </a:tc>
-                <a:extLst>
-                  <a:ext uri="{0D108BD9-81ED-4DB2-BD59-A6C34878D82A}">
-                    <a16:rowId xmlns:a16="http://schemas.microsoft.com/office/drawing/2014/main" val="3317357395"/>
-                  </a:ext>
-                </a:extLst>
-              </a:tr>
-              <a:tr h="370840">
-                <a:tc>
-                  <a:txBody>
-                    <a:bodyPr/>
-                    <a:lstStyle/>
-                    <a:p>
-                      <a:r>
-                        <a:rPr lang="en" b="0" i="0" dirty="0" err="1">
-                          <a:effectLst/>
-                          <a:latin typeface="Microsoft YaHei Light" panose="020B0503020204020204" pitchFamily="34" charset="-122"/>
-                          <a:ea typeface="Microsoft YaHei Light" panose="020B0503020204020204" pitchFamily="34" charset="-122"/>
-                        </a:rPr>
-                        <a:t>sc_lap</a:t>
-                      </a:r>
-                      <a:endParaRPr lang="en" b="0" i="0" dirty="0">
-                        <a:effectLst/>
-                        <a:latin typeface="Microsoft YaHei Light" panose="020B0503020204020204" pitchFamily="34" charset="-122"/>
-                        <a:ea typeface="Microsoft YaHei Light" panose="020B0503020204020204" pitchFamily="34" charset="-122"/>
-                      </a:endParaRPr>
-                    </a:p>
-                  </a:txBody>
-                  <a:tcPr marL="123825" marR="123825" marT="57150" marB="57150" anchor="ctr"/>
-                </a:tc>
-                <a:tc>
-                  <a:txBody>
-                    <a:bodyPr/>
-                    <a:lstStyle/>
-                    <a:p>
-                      <a:r>
-                        <a:rPr lang="en" b="0" i="0">
-                          <a:effectLst/>
-                          <a:latin typeface="Microsoft YaHei Light" panose="020B0503020204020204" pitchFamily="34" charset="-122"/>
-                          <a:ea typeface="Microsoft YaHei Light" panose="020B0503020204020204" pitchFamily="34" charset="-122"/>
-                        </a:rPr>
-                        <a:t>Lap number when the safety car is deployed.</a:t>
-                      </a:r>
-                    </a:p>
-                  </a:txBody>
-                  <a:tcPr marL="123825" marR="123825" marT="57150" marB="57150" anchor="ctr"/>
-                </a:tc>
-                <a:extLst>
-                  <a:ext uri="{0D108BD9-81ED-4DB2-BD59-A6C34878D82A}">
-                    <a16:rowId xmlns:a16="http://schemas.microsoft.com/office/drawing/2014/main" val="973539917"/>
-                  </a:ext>
-                </a:extLst>
-              </a:tr>
-              <a:tr h="370840">
-                <a:tc>
-                  <a:txBody>
-                    <a:bodyPr/>
-                    <a:lstStyle/>
-                    <a:p>
-                      <a:r>
-                        <a:rPr lang="en" b="0" i="0" dirty="0" err="1">
-                          <a:effectLst/>
-                          <a:latin typeface="Microsoft YaHei Light" panose="020B0503020204020204" pitchFamily="34" charset="-122"/>
-                          <a:ea typeface="Microsoft YaHei Light" panose="020B0503020204020204" pitchFamily="34" charset="-122"/>
-                        </a:rPr>
-                        <a:t>sc_laps_travelled</a:t>
-                      </a:r>
-                      <a:endParaRPr lang="en" b="0" i="0" dirty="0">
-                        <a:effectLst/>
-                        <a:latin typeface="Microsoft YaHei Light" panose="020B0503020204020204" pitchFamily="34" charset="-122"/>
-                        <a:ea typeface="Microsoft YaHei Light" panose="020B0503020204020204" pitchFamily="34" charset="-122"/>
-                      </a:endParaRPr>
-                    </a:p>
-                  </a:txBody>
-                  <a:tcPr marL="123825" marR="123825" marT="57150" marB="57150" anchor="ctr"/>
-                </a:tc>
-                <a:tc>
-                  <a:txBody>
-                    <a:bodyPr/>
-                    <a:lstStyle/>
-                    <a:p>
-                      <a:r>
-                        <a:rPr lang="en" b="0" i="0">
-                          <a:effectLst/>
-                          <a:latin typeface="Microsoft YaHei Light" panose="020B0503020204020204" pitchFamily="34" charset="-122"/>
-                          <a:ea typeface="Microsoft YaHei Light" panose="020B0503020204020204" pitchFamily="34" charset="-122"/>
-                        </a:rPr>
-                        <a:t>Laps travelled for the current tyre set.</a:t>
-                      </a:r>
-                    </a:p>
-                  </a:txBody>
-                  <a:tcPr marL="123825" marR="123825" marT="57150" marB="57150" anchor="ctr"/>
-                </a:tc>
-                <a:extLst>
-                  <a:ext uri="{0D108BD9-81ED-4DB2-BD59-A6C34878D82A}">
-                    <a16:rowId xmlns:a16="http://schemas.microsoft.com/office/drawing/2014/main" val="1261551554"/>
-                  </a:ext>
-                </a:extLst>
-              </a:tr>
-              <a:tr h="370840">
-                <a:tc>
-                  <a:txBody>
-                    <a:bodyPr/>
-                    <a:lstStyle/>
-                    <a:p>
-                      <a:r>
-                        <a:rPr lang="en" b="0" i="0">
-                          <a:effectLst/>
-                          <a:latin typeface="Microsoft YaHei Light" panose="020B0503020204020204" pitchFamily="34" charset="-122"/>
-                          <a:ea typeface="Microsoft YaHei Light" panose="020B0503020204020204" pitchFamily="34" charset="-122"/>
-                        </a:rPr>
-                        <a:t>sc_laps_remaining</a:t>
-                      </a:r>
-                    </a:p>
-                  </a:txBody>
-                  <a:tcPr marL="123825" marR="123825" marT="57150" marB="57150" anchor="ctr"/>
-                </a:tc>
-                <a:tc>
-                  <a:txBody>
-                    <a:bodyPr/>
-                    <a:lstStyle/>
-                    <a:p>
-                      <a:r>
-                        <a:rPr lang="en" b="0" i="0">
+                        <a:rPr lang="en" sz="2000" b="0" i="0" dirty="0">
                           <a:effectLst/>
                           <a:latin typeface="Microsoft YaHei Light" panose="020B0503020204020204" pitchFamily="34" charset="-122"/>
                           <a:ea typeface="Microsoft YaHei Light" panose="020B0503020204020204" pitchFamily="34" charset="-122"/>
@@ -8418,13 +9837,18 @@
                     <a:lstStyle/>
                     <a:p>
                       <a:r>
-                        <a:rPr lang="en" b="0" i="0">
+                        <a:rPr lang="en" sz="2000" b="0" i="0" dirty="0" err="1">
                           <a:effectLst/>
                           <a:latin typeface="Microsoft YaHei Light" panose="020B0503020204020204" pitchFamily="34" charset="-122"/>
                           <a:ea typeface="Microsoft YaHei Light" panose="020B0503020204020204" pitchFamily="34" charset="-122"/>
                         </a:rPr>
-                        <a:t>sc_tyre_compound</a:t>
+                        <a:t>tyre_compound</a:t>
                       </a:r>
+                      <a:endParaRPr lang="en" sz="2000" b="0" i="0" dirty="0">
+                        <a:effectLst/>
+                        <a:latin typeface="Microsoft YaHei Light" panose="020B0503020204020204" pitchFamily="34" charset="-122"/>
+                        <a:ea typeface="Microsoft YaHei Light" panose="020B0503020204020204" pitchFamily="34" charset="-122"/>
+                      </a:endParaRPr>
                     </a:p>
                   </a:txBody>
                   <a:tcPr marL="123825" marR="123825" marT="57150" marB="57150" anchor="ctr"/>
@@ -8435,7 +9859,7 @@
                     <a:lstStyle/>
                     <a:p>
                       <a:r>
-                        <a:rPr lang="en" b="0" i="0" dirty="0">
+                        <a:rPr lang="en" sz="2000" b="0" i="0" dirty="0">
                           <a:effectLst/>
                           <a:latin typeface="Microsoft YaHei Light" panose="020B0503020204020204" pitchFamily="34" charset="-122"/>
                           <a:ea typeface="Microsoft YaHei Light" panose="020B0503020204020204" pitchFamily="34" charset="-122"/>
@@ -8459,14 +9883,14 @@
                     <a:lstStyle/>
                     <a:p>
                       <a:r>
-                        <a:rPr lang="en" b="0" i="0" dirty="0" err="1">
+                        <a:rPr lang="en" sz="2000" b="0" i="0" dirty="0" err="1">
                           <a:effectLst/>
                           <a:latin typeface="Microsoft YaHei Light" panose="020B0503020204020204" pitchFamily="34" charset="-122"/>
                           <a:ea typeface="Microsoft YaHei Light" panose="020B0503020204020204" pitchFamily="34" charset="-122"/>
                         </a:rPr>
-                        <a:t>before_pit_pos</a:t>
+                        <a:t>laps_used</a:t>
                       </a:r>
-                      <a:endParaRPr lang="en" b="0" i="0" dirty="0">
+                      <a:endParaRPr lang="en" sz="2000" b="0" i="0" dirty="0">
                         <a:effectLst/>
                         <a:latin typeface="Microsoft YaHei Light" panose="020B0503020204020204" pitchFamily="34" charset="-122"/>
                         <a:ea typeface="Microsoft YaHei Light" panose="020B0503020204020204" pitchFamily="34" charset="-122"/>
@@ -8481,12 +9905,12 @@
                     <a:lstStyle/>
                     <a:p>
                       <a:r>
-                        <a:rPr lang="en" b="0" i="0">
+                        <a:rPr lang="en" sz="2000" b="0" i="0" dirty="0">
                           <a:effectLst/>
                           <a:latin typeface="Microsoft YaHei Light" panose="020B0503020204020204" pitchFamily="34" charset="-122"/>
                           <a:ea typeface="Microsoft YaHei Light" panose="020B0503020204020204" pitchFamily="34" charset="-122"/>
                         </a:rPr>
-                        <a:t>Current position (before pitstop).</a:t>
+                        <a:t>Laps used of the tyres.</a:t>
                       </a:r>
                     </a:p>
                   </a:txBody>
@@ -8494,7 +9918,7 @@
                 </a:tc>
                 <a:extLst>
                   <a:ext uri="{0D108BD9-81ED-4DB2-BD59-A6C34878D82A}">
-                    <a16:rowId xmlns:a16="http://schemas.microsoft.com/office/drawing/2014/main" val="2220532286"/>
+                    <a16:rowId xmlns:a16="http://schemas.microsoft.com/office/drawing/2014/main" val="439310007"/>
                   </a:ext>
                 </a:extLst>
               </a:tr>
@@ -8505,7 +9929,53 @@
                     <a:lstStyle/>
                     <a:p>
                       <a:r>
-                        <a:rPr lang="en" b="0" i="0" dirty="0">
+                        <a:rPr lang="en" sz="2000" b="0" i="0" dirty="0" err="1">
+                          <a:effectLst/>
+                          <a:latin typeface="Microsoft YaHei Light" panose="020B0503020204020204" pitchFamily="34" charset="-122"/>
+                          <a:ea typeface="Microsoft YaHei Light" panose="020B0503020204020204" pitchFamily="34" charset="-122"/>
+                        </a:rPr>
+                        <a:t>TrackId</a:t>
+                      </a:r>
+                      <a:endParaRPr lang="en" sz="2000" b="0" i="0" dirty="0">
+                        <a:effectLst/>
+                        <a:latin typeface="Microsoft YaHei Light" panose="020B0503020204020204" pitchFamily="34" charset="-122"/>
+                        <a:ea typeface="Microsoft YaHei Light" panose="020B0503020204020204" pitchFamily="34" charset="-122"/>
+                      </a:endParaRPr>
+                    </a:p>
+                  </a:txBody>
+                  <a:tcPr marL="123825" marR="123825" marT="57150" marB="57150" anchor="ctr"/>
+                </a:tc>
+                <a:tc>
+                  <a:txBody>
+                    <a:bodyPr/>
+                    <a:lstStyle/>
+                    <a:p>
+                      <a:r>
+                        <a:rPr lang="en" sz="2000" b="0" i="0" dirty="0">
+                          <a:effectLst/>
+                          <a:latin typeface="Microsoft YaHei Light" panose="020B0503020204020204" pitchFamily="34" charset="-122"/>
+                          <a:ea typeface="Microsoft YaHei Light" panose="020B0503020204020204" pitchFamily="34" charset="-122"/>
+                        </a:rPr>
+                        <a:t>Track at where raced.</a:t>
+                      </a:r>
+                    </a:p>
+                  </a:txBody>
+                  <a:tcPr marL="123825" marR="123825" marT="57150" marB="57150" anchor="ctr"/>
+                </a:tc>
+                <a:extLst>
+                  <a:ext uri="{0D108BD9-81ED-4DB2-BD59-A6C34878D82A}">
+                    <a16:rowId xmlns:a16="http://schemas.microsoft.com/office/drawing/2014/main" val="206912339"/>
+                  </a:ext>
+                </a:extLst>
+              </a:tr>
+              <a:tr h="370840">
+                <a:tc>
+                  <a:txBody>
+                    <a:bodyPr/>
+                    <a:lstStyle/>
+                    <a:p>
+                      <a:r>
+                        <a:rPr lang="en" sz="2000" b="0" i="0" dirty="0">
                           <a:effectLst/>
                           <a:latin typeface="Microsoft YaHei Light" panose="020B0503020204020204" pitchFamily="34" charset="-122"/>
                           <a:ea typeface="Microsoft YaHei Light" panose="020B0503020204020204" pitchFamily="34" charset="-122"/>
@@ -8522,7 +9992,7 @@
                     <a:lstStyle/>
                     <a:p>
                       <a:r>
-                        <a:rPr lang="en" b="0" i="0" dirty="0">
+                        <a:rPr lang="en" sz="2000" b="0" i="0" dirty="0">
                           <a:effectLst/>
                           <a:latin typeface="Microsoft YaHei Light" panose="020B0503020204020204" pitchFamily="34" charset="-122"/>
                           <a:ea typeface="Microsoft YaHei Light" panose="020B0503020204020204" pitchFamily="34" charset="-122"/>
@@ -8546,7 +10016,7 @@
                     <a:lstStyle/>
                     <a:p>
                       <a:r>
-                        <a:rPr lang="en" b="0" i="0" dirty="0">
+                        <a:rPr lang="en" sz="2000" b="0" i="0" dirty="0">
                           <a:effectLst/>
                           <a:latin typeface="Microsoft YaHei Light" panose="020B0503020204020204" pitchFamily="34" charset="-122"/>
                           <a:ea typeface="Microsoft YaHei Light" panose="020B0503020204020204" pitchFamily="34" charset="-122"/>
@@ -8563,7 +10033,7 @@
                     <a:lstStyle/>
                     <a:p>
                       <a:r>
-                        <a:rPr lang="en" b="0" i="0">
+                        <a:rPr lang="en" sz="2000" b="0" i="0" dirty="0">
                           <a:effectLst/>
                           <a:latin typeface="Microsoft YaHei Light" panose="020B0503020204020204" pitchFamily="34" charset="-122"/>
                           <a:ea typeface="Microsoft YaHei Light" panose="020B0503020204020204" pitchFamily="34" charset="-122"/>
@@ -8587,7 +10057,7 @@
                     <a:lstStyle/>
                     <a:p>
                       <a:r>
-                        <a:rPr lang="en" b="0" i="0">
+                        <a:rPr lang="en" sz="2000" b="0" i="0" dirty="0">
                           <a:effectLst/>
                           <a:latin typeface="Microsoft YaHei Light" panose="020B0503020204020204" pitchFamily="34" charset="-122"/>
                           <a:ea typeface="Microsoft YaHei Light" panose="020B0503020204020204" pitchFamily="34" charset="-122"/>
@@ -8604,7 +10074,7 @@
                     <a:lstStyle/>
                     <a:p>
                       <a:r>
-                        <a:rPr lang="en" b="0" i="0">
+                        <a:rPr lang="en" sz="2000" b="0" i="0" dirty="0">
                           <a:effectLst/>
                           <a:latin typeface="Microsoft YaHei Light" panose="020B0503020204020204" pitchFamily="34" charset="-122"/>
                           <a:ea typeface="Microsoft YaHei Light" panose="020B0503020204020204" pitchFamily="34" charset="-122"/>
@@ -8618,1070 +10088,6 @@
                 <a:extLst>
                   <a:ext uri="{0D108BD9-81ED-4DB2-BD59-A6C34878D82A}">
                     <a16:rowId xmlns:a16="http://schemas.microsoft.com/office/drawing/2014/main" val="208824927"/>
-                  </a:ext>
-                </a:extLst>
-              </a:tr>
-              <a:tr h="370840">
-                <a:tc>
-                  <a:txBody>
-                    <a:bodyPr/>
-                    <a:lstStyle/>
-                    <a:p>
-                      <a:r>
-                        <a:rPr lang="en" b="0" i="0">
-                          <a:effectLst/>
-                          <a:latin typeface="Microsoft YaHei Light" panose="020B0503020204020204" pitchFamily="34" charset="-122"/>
-                          <a:ea typeface="Microsoft YaHei Light" panose="020B0503020204020204" pitchFamily="34" charset="-122"/>
-                        </a:rPr>
-                        <a:t>Turns</a:t>
-                      </a:r>
-                    </a:p>
-                  </a:txBody>
-                  <a:tcPr marL="123825" marR="123825" marT="57150" marB="57150" anchor="ctr"/>
-                </a:tc>
-                <a:tc>
-                  <a:txBody>
-                    <a:bodyPr/>
-                    <a:lstStyle/>
-                    <a:p>
-                      <a:r>
-                        <a:rPr lang="en" b="0" i="0">
-                          <a:effectLst/>
-                          <a:latin typeface="Microsoft YaHei Light" panose="020B0503020204020204" pitchFamily="34" charset="-122"/>
-                          <a:ea typeface="Microsoft YaHei Light" panose="020B0503020204020204" pitchFamily="34" charset="-122"/>
-                        </a:rPr>
-                        <a:t>Track number of turns in a lap.</a:t>
-                      </a:r>
-                    </a:p>
-                  </a:txBody>
-                  <a:tcPr marL="123825" marR="123825" marT="57150" marB="57150" anchor="ctr"/>
-                </a:tc>
-                <a:extLst>
-                  <a:ext uri="{0D108BD9-81ED-4DB2-BD59-A6C34878D82A}">
-                    <a16:rowId xmlns:a16="http://schemas.microsoft.com/office/drawing/2014/main" val="4174447225"/>
-                  </a:ext>
-                </a:extLst>
-              </a:tr>
-              <a:tr h="370840">
-                <a:tc>
-                  <a:txBody>
-                    <a:bodyPr/>
-                    <a:lstStyle/>
-                    <a:p>
-                      <a:r>
-                        <a:rPr lang="en" b="0" i="0">
-                          <a:effectLst/>
-                          <a:latin typeface="Microsoft YaHei Light" panose="020B0503020204020204" pitchFamily="34" charset="-122"/>
-                          <a:ea typeface="Microsoft YaHei Light" panose="020B0503020204020204" pitchFamily="34" charset="-122"/>
-                        </a:rPr>
-                        <a:t>RaceDistance</a:t>
-                      </a:r>
-                    </a:p>
-                  </a:txBody>
-                  <a:tcPr marL="123825" marR="123825" marT="57150" marB="57150" anchor="ctr"/>
-                </a:tc>
-                <a:tc>
-                  <a:txBody>
-                    <a:bodyPr/>
-                    <a:lstStyle/>
-                    <a:p>
-                      <a:r>
-                        <a:rPr lang="en" b="0" i="0" dirty="0">
-                          <a:effectLst/>
-                          <a:latin typeface="Microsoft YaHei Light" panose="020B0503020204020204" pitchFamily="34" charset="-122"/>
-                          <a:ea typeface="Microsoft YaHei Light" panose="020B0503020204020204" pitchFamily="34" charset="-122"/>
-                        </a:rPr>
-                        <a:t>Track race distance / total number of laps.</a:t>
-                      </a:r>
-                    </a:p>
-                  </a:txBody>
-                  <a:tcPr marL="123825" marR="123825" marT="57150" marB="57150" anchor="ctr"/>
-                </a:tc>
-                <a:extLst>
-                  <a:ext uri="{0D108BD9-81ED-4DB2-BD59-A6C34878D82A}">
-                    <a16:rowId xmlns:a16="http://schemas.microsoft.com/office/drawing/2014/main" val="3220303082"/>
-                  </a:ext>
-                </a:extLst>
-              </a:tr>
-              <a:tr h="370840">
-                <a:tc>
-                  <a:txBody>
-                    <a:bodyPr/>
-                    <a:lstStyle/>
-                    <a:p>
-                      <a:r>
-                        <a:rPr lang="en" b="0" i="0">
-                          <a:effectLst/>
-                          <a:latin typeface="Microsoft YaHei Light" panose="020B0503020204020204" pitchFamily="34" charset="-122"/>
-                          <a:ea typeface="Microsoft YaHei Light" panose="020B0503020204020204" pitchFamily="34" charset="-122"/>
-                        </a:rPr>
-                        <a:t>TrackLength</a:t>
-                      </a:r>
-                    </a:p>
-                  </a:txBody>
-                  <a:tcPr marL="123825" marR="123825" marT="57150" marB="57150" anchor="ctr"/>
-                </a:tc>
-                <a:tc>
-                  <a:txBody>
-                    <a:bodyPr/>
-                    <a:lstStyle/>
-                    <a:p>
-                      <a:r>
-                        <a:rPr lang="en" b="0" i="0">
-                          <a:effectLst/>
-                          <a:latin typeface="Microsoft YaHei Light" panose="020B0503020204020204" pitchFamily="34" charset="-122"/>
-                          <a:ea typeface="Microsoft YaHei Light" panose="020B0503020204020204" pitchFamily="34" charset="-122"/>
-                        </a:rPr>
-                        <a:t>Track total length of race (in km).</a:t>
-                      </a:r>
-                    </a:p>
-                  </a:txBody>
-                  <a:tcPr marL="123825" marR="123825" marT="57150" marB="57150" anchor="ctr"/>
-                </a:tc>
-                <a:extLst>
-                  <a:ext uri="{0D108BD9-81ED-4DB2-BD59-A6C34878D82A}">
-                    <a16:rowId xmlns:a16="http://schemas.microsoft.com/office/drawing/2014/main" val="146141231"/>
-                  </a:ext>
-                </a:extLst>
-              </a:tr>
-              <a:tr h="370840">
-                <a:tc>
-                  <a:txBody>
-                    <a:bodyPr/>
-                    <a:lstStyle/>
-                    <a:p>
-                      <a:r>
-                        <a:rPr lang="en" b="0" i="0">
-                          <a:effectLst/>
-                          <a:latin typeface="Microsoft YaHei Light" panose="020B0503020204020204" pitchFamily="34" charset="-122"/>
-                          <a:ea typeface="Microsoft YaHei Light" panose="020B0503020204020204" pitchFamily="34" charset="-122"/>
-                        </a:rPr>
-                        <a:t>TeamAbility</a:t>
-                      </a:r>
-                    </a:p>
-                  </a:txBody>
-                  <a:tcPr marL="123825" marR="123825" marT="57150" marB="57150" anchor="ctr"/>
-                </a:tc>
-                <a:tc>
-                  <a:txBody>
-                    <a:bodyPr/>
-                    <a:lstStyle/>
-                    <a:p>
-                      <a:r>
-                        <a:rPr lang="en" b="0" i="0" dirty="0">
-                          <a:effectLst/>
-                          <a:latin typeface="Microsoft YaHei Light" panose="020B0503020204020204" pitchFamily="34" charset="-122"/>
-                          <a:ea typeface="Microsoft YaHei Light" panose="020B0503020204020204" pitchFamily="34" charset="-122"/>
-                        </a:rPr>
-                        <a:t>Team Ability from previous season points</a:t>
-                      </a:r>
-                    </a:p>
-                  </a:txBody>
-                  <a:tcPr marL="123825" marR="123825" marT="57150" marB="57150" anchor="ctr"/>
-                </a:tc>
-                <a:extLst>
-                  <a:ext uri="{0D108BD9-81ED-4DB2-BD59-A6C34878D82A}">
-                    <a16:rowId xmlns:a16="http://schemas.microsoft.com/office/drawing/2014/main" val="1422966893"/>
-                  </a:ext>
-                </a:extLst>
-              </a:tr>
-              <a:tr h="370840">
-                <a:tc>
-                  <a:txBody>
-                    <a:bodyPr/>
-                    <a:lstStyle/>
-                    <a:p>
-                      <a:r>
-                        <a:rPr lang="en" b="0" i="0">
-                          <a:effectLst/>
-                          <a:latin typeface="Microsoft YaHei Light" panose="020B0503020204020204" pitchFamily="34" charset="-122"/>
-                          <a:ea typeface="Microsoft YaHei Light" panose="020B0503020204020204" pitchFamily="34" charset="-122"/>
-                        </a:rPr>
-                        <a:t>DriverAbility</a:t>
-                      </a:r>
-                    </a:p>
-                  </a:txBody>
-                  <a:tcPr marL="123825" marR="123825" marT="57150" marB="57150" anchor="ctr"/>
-                </a:tc>
-                <a:tc>
-                  <a:txBody>
-                    <a:bodyPr/>
-                    <a:lstStyle/>
-                    <a:p>
-                      <a:r>
-                        <a:rPr lang="en" b="0" i="0" dirty="0">
-                          <a:effectLst/>
-                          <a:latin typeface="Microsoft YaHei Light" panose="020B0503020204020204" pitchFamily="34" charset="-122"/>
-                          <a:ea typeface="Microsoft YaHei Light" panose="020B0503020204020204" pitchFamily="34" charset="-122"/>
-                        </a:rPr>
-                        <a:t>Driver Ability from previous season drivers' points).</a:t>
-                      </a:r>
-                    </a:p>
-                  </a:txBody>
-                  <a:tcPr marL="123825" marR="123825" marT="57150" marB="57150" anchor="ctr"/>
-                </a:tc>
-                <a:extLst>
-                  <a:ext uri="{0D108BD9-81ED-4DB2-BD59-A6C34878D82A}">
-                    <a16:rowId xmlns:a16="http://schemas.microsoft.com/office/drawing/2014/main" val="3487636445"/>
-                  </a:ext>
-                </a:extLst>
-              </a:tr>
-              <a:tr h="370840">
-                <a:tc>
-                  <a:txBody>
-                    <a:bodyPr/>
-                    <a:lstStyle/>
-                    <a:p>
-                      <a:r>
-                        <a:rPr lang="en" b="0" i="0">
-                          <a:effectLst/>
-                          <a:latin typeface="Microsoft YaHei Light" panose="020B0503020204020204" pitchFamily="34" charset="-122"/>
-                          <a:ea typeface="Microsoft YaHei Light" panose="020B0503020204020204" pitchFamily="34" charset="-122"/>
-                        </a:rPr>
-                        <a:t>final_pos_gained</a:t>
-                      </a:r>
-                    </a:p>
-                  </a:txBody>
-                  <a:tcPr marL="123825" marR="123825" marT="57150" marB="57150" anchor="ctr"/>
-                </a:tc>
-                <a:tc>
-                  <a:txBody>
-                    <a:bodyPr/>
-                    <a:lstStyle/>
-                    <a:p>
-                      <a:r>
-                        <a:rPr lang="en" b="0" i="0" dirty="0">
-                          <a:effectLst/>
-                          <a:latin typeface="Microsoft YaHei Light" panose="020B0503020204020204" pitchFamily="34" charset="-122"/>
-                          <a:ea typeface="Microsoft YaHei Light" panose="020B0503020204020204" pitchFamily="34" charset="-122"/>
-                        </a:rPr>
-                        <a:t>Final position gain or loss, reflecting the success </a:t>
-                      </a:r>
-                      <a:r>
-                        <a:rPr lang="en" altLang="zh-CN" sz="1800" b="0" i="0" kern="1200" dirty="0">
-                          <a:solidFill>
-                            <a:schemeClr val="dk1"/>
-                          </a:solidFill>
-                          <a:effectLst/>
-                          <a:latin typeface="Microsoft YaHei Light" panose="020B0503020204020204" pitchFamily="34" charset="-122"/>
-                          <a:ea typeface="Microsoft YaHei Light" panose="020B0503020204020204" pitchFamily="34" charset="-122"/>
-                          <a:cs typeface="+mn-cs"/>
-                        </a:rPr>
-                        <a:t>of different strategies.</a:t>
-                      </a:r>
-                      <a:endParaRPr lang="en" b="0" i="0" dirty="0">
-                        <a:effectLst/>
-                        <a:latin typeface="Microsoft YaHei Light" panose="020B0503020204020204" pitchFamily="34" charset="-122"/>
-                        <a:ea typeface="Microsoft YaHei Light" panose="020B0503020204020204" pitchFamily="34" charset="-122"/>
-                      </a:endParaRPr>
-                    </a:p>
-                  </a:txBody>
-                  <a:tcPr marL="123825" marR="123825" marT="57150" marB="57150" anchor="ctr"/>
-                </a:tc>
-                <a:extLst>
-                  <a:ext uri="{0D108BD9-81ED-4DB2-BD59-A6C34878D82A}">
-                    <a16:rowId xmlns:a16="http://schemas.microsoft.com/office/drawing/2014/main" val="3168096626"/>
-                  </a:ext>
-                </a:extLst>
-              </a:tr>
-            </a:tbl>
-          </a:graphicData>
-        </a:graphic>
-      </p:graphicFrame>
-      <p:sp>
-        <p:nvSpPr>
-          <p:cNvPr id="4" name="文本框 3">
-            <a:extLst>
-              <a:ext uri="{FF2B5EF4-FFF2-40B4-BE49-F238E27FC236}">
-                <a16:creationId xmlns:a16="http://schemas.microsoft.com/office/drawing/2014/main" id="{882FE294-681C-1A26-EEE8-B03EDA67C385}"/>
-              </a:ext>
-            </a:extLst>
-          </p:cNvPr>
-          <p:cNvSpPr txBox="1"/>
-          <p:nvPr/>
-        </p:nvSpPr>
-        <p:spPr>
-          <a:xfrm>
-            <a:off x="232247" y="2538755"/>
-            <a:ext cx="3097130" cy="769441"/>
-          </a:xfrm>
-          <a:prstGeom prst="rect">
-            <a:avLst/>
-          </a:prstGeom>
-          <a:noFill/>
-        </p:spPr>
-        <p:txBody>
-          <a:bodyPr wrap="none" rtlCol="0">
-            <a:spAutoFit/>
-          </a:bodyPr>
-          <a:lstStyle/>
-          <a:p>
-            <a:r>
-              <a:rPr kumimoji="1" lang="en-US" altLang="zh-CN" sz="2400" b="1" dirty="0">
-                <a:latin typeface="Microsoft YaHei" panose="020B0503020204020204" pitchFamily="34" charset="-122"/>
-                <a:ea typeface="Microsoft YaHei" panose="020B0503020204020204" pitchFamily="34" charset="-122"/>
-              </a:rPr>
-              <a:t>Dataset</a:t>
-            </a:r>
-          </a:p>
-          <a:p>
-            <a:r>
-              <a:rPr kumimoji="1" lang="en-US" altLang="zh-CN" sz="2000" dirty="0">
-                <a:latin typeface="Microsoft YaHei" panose="020B0503020204020204" pitchFamily="34" charset="-122"/>
-                <a:ea typeface="Microsoft YaHei" panose="020B0503020204020204" pitchFamily="34" charset="-122"/>
-              </a:rPr>
-              <a:t>Race data of 2016-2020</a:t>
-            </a:r>
-          </a:p>
-        </p:txBody>
-      </p:sp>
-      <p:sp>
-        <p:nvSpPr>
-          <p:cNvPr id="6" name="文本框 5">
-            <a:extLst>
-              <a:ext uri="{FF2B5EF4-FFF2-40B4-BE49-F238E27FC236}">
-                <a16:creationId xmlns:a16="http://schemas.microsoft.com/office/drawing/2014/main" id="{14019A75-614D-1FD7-63A6-9C576959525B}"/>
-              </a:ext>
-            </a:extLst>
-          </p:cNvPr>
-          <p:cNvSpPr txBox="1"/>
-          <p:nvPr/>
-        </p:nvSpPr>
-        <p:spPr>
-          <a:xfrm>
-            <a:off x="232247" y="3915854"/>
-            <a:ext cx="2976199" cy="1508105"/>
-          </a:xfrm>
-          <a:prstGeom prst="rect">
-            <a:avLst/>
-          </a:prstGeom>
-          <a:noFill/>
-        </p:spPr>
-        <p:txBody>
-          <a:bodyPr wrap="none" rtlCol="0">
-            <a:spAutoFit/>
-          </a:bodyPr>
-          <a:lstStyle/>
-          <a:p>
-            <a:r>
-              <a:rPr kumimoji="1" lang="en-US" altLang="zh-CN" sz="2000" b="1" dirty="0">
-                <a:latin typeface="Microsoft YaHei" panose="020B0503020204020204" pitchFamily="34" charset="-122"/>
-                <a:ea typeface="Microsoft YaHei" panose="020B0503020204020204" pitchFamily="34" charset="-122"/>
-              </a:rPr>
-              <a:t>Work has done</a:t>
-            </a:r>
-          </a:p>
-          <a:p>
-            <a:r>
-              <a:rPr kumimoji="1" lang="en-US" altLang="zh-CN" dirty="0">
-                <a:latin typeface="Microsoft YaHei" panose="020B0503020204020204" pitchFamily="34" charset="-122"/>
-                <a:ea typeface="Microsoft YaHei" panose="020B0503020204020204" pitchFamily="34" charset="-122"/>
-              </a:rPr>
-              <a:t>Extract variables we need</a:t>
-            </a:r>
-          </a:p>
-          <a:p>
-            <a:r>
-              <a:rPr kumimoji="1" lang="en-US" altLang="zh-CN" dirty="0">
-                <a:latin typeface="Microsoft YaHei" panose="020B0503020204020204" pitchFamily="34" charset="-122"/>
-                <a:ea typeface="Microsoft YaHei" panose="020B0503020204020204" pitchFamily="34" charset="-122"/>
-              </a:rPr>
-              <a:t>Consider two conditions:</a:t>
-            </a:r>
-          </a:p>
-          <a:p>
-            <a:r>
-              <a:rPr kumimoji="1" lang="en-US" altLang="zh-CN" dirty="0">
-                <a:latin typeface="Microsoft YaHei" panose="020B0503020204020204" pitchFamily="34" charset="-122"/>
-                <a:ea typeface="Microsoft YaHei" panose="020B0503020204020204" pitchFamily="34" charset="-122"/>
-              </a:rPr>
-              <a:t>    normal</a:t>
-            </a:r>
-          </a:p>
-          <a:p>
-            <a:r>
-              <a:rPr kumimoji="1" lang="en-US" altLang="zh-CN" dirty="0">
-                <a:latin typeface="Microsoft YaHei" panose="020B0503020204020204" pitchFamily="34" charset="-122"/>
-                <a:ea typeface="Microsoft YaHei" panose="020B0503020204020204" pitchFamily="34" charset="-122"/>
-              </a:rPr>
-              <a:t>    under safety car</a:t>
-            </a:r>
-          </a:p>
-        </p:txBody>
-      </p:sp>
-    </p:spTree>
-    <p:extLst>
-      <p:ext uri="{BB962C8B-B14F-4D97-AF65-F5344CB8AC3E}">
-        <p14:creationId xmlns:p14="http://schemas.microsoft.com/office/powerpoint/2010/main" val="3951534136"/>
-      </p:ext>
-    </p:extLst>
-  </p:cSld>
-  <p:clrMapOvr>
-    <a:masterClrMapping/>
-  </p:clrMapOvr>
-</p:sld>
-</file>
-
-<file path=ppt/slides/slide8.xml><?xml version="1.0" encoding="utf-8"?>
-<p:sld xmlns:a="http://schemas.openxmlformats.org/drawingml/2006/main" xmlns:r="http://schemas.openxmlformats.org/officeDocument/2006/relationships" xmlns:p="http://schemas.openxmlformats.org/presentationml/2006/main">
-  <p:cSld>
-    <p:spTree>
-      <p:nvGrpSpPr>
-        <p:cNvPr id="1" name="">
-          <a:extLst>
-            <a:ext uri="{FF2B5EF4-FFF2-40B4-BE49-F238E27FC236}">
-              <a16:creationId xmlns:a16="http://schemas.microsoft.com/office/drawing/2014/main" id="{017AAE1F-1A91-87A7-2720-BEDD773F48BF}"/>
-            </a:ext>
-          </a:extLst>
-        </p:cNvPr>
-        <p:cNvGrpSpPr/>
-        <p:nvPr/>
-      </p:nvGrpSpPr>
-      <p:grpSpPr>
-        <a:xfrm>
-          <a:off x="0" y="0"/>
-          <a:ext cx="0" cy="0"/>
-          <a:chOff x="0" y="0"/>
-          <a:chExt cx="0" cy="0"/>
-        </a:xfrm>
-      </p:grpSpPr>
-      <p:sp>
-        <p:nvSpPr>
-          <p:cNvPr id="5" name="Rectangle 2">
-            <a:extLst>
-              <a:ext uri="{FF2B5EF4-FFF2-40B4-BE49-F238E27FC236}">
-                <a16:creationId xmlns:a16="http://schemas.microsoft.com/office/drawing/2014/main" id="{D102F89A-7B89-E221-7455-BC31876F4F39}"/>
-              </a:ext>
-            </a:extLst>
-          </p:cNvPr>
-          <p:cNvSpPr txBox="1">
-            <a:spLocks noChangeArrowheads="1"/>
-          </p:cNvSpPr>
-          <p:nvPr/>
-        </p:nvSpPr>
-        <p:spPr bwMode="auto">
-          <a:xfrm>
-            <a:off x="237184" y="1"/>
-            <a:ext cx="11954816" cy="1177045"/>
-          </a:xfrm>
-          <a:prstGeom prst="rect">
-            <a:avLst/>
-          </a:prstGeom>
-          <a:noFill/>
-          <a:ln>
-            <a:noFill/>
-          </a:ln>
-          <a:effectLst/>
-          <a:extLst>
-            <a:ext uri="{909E8E84-426E-40DD-AFC4-6F175D3DCCD1}">
-              <a14:hiddenFill xmlns:a14="http://schemas.microsoft.com/office/drawing/2010/main">
-                <a:solidFill>
-                  <a:schemeClr val="accent1"/>
-                </a:solidFill>
-              </a14:hiddenFill>
-            </a:ext>
-            <a:ext uri="{91240B29-F687-4F45-9708-019B960494DF}">
-              <a14:hiddenLine xmlns:a14="http://schemas.microsoft.com/office/drawing/2010/main" w="9525">
-                <a:solidFill>
-                  <a:schemeClr val="tx1"/>
-                </a:solidFill>
-                <a:miter lim="800000"/>
-                <a:headEnd/>
-                <a:tailEnd/>
-              </a14:hiddenLine>
-            </a:ext>
-            <a:ext uri="{AF507438-7753-43E0-B8FC-AC1667EBCBE1}">
-              <a14:hiddenEffects xmlns:a14="http://schemas.microsoft.com/office/drawing/2010/main">
-                <a:effectLst>
-                  <a:outerShdw dist="35921" dir="2700000" algn="ctr" rotWithShape="0">
-                    <a:schemeClr val="bg2"/>
-                  </a:outerShdw>
-                </a:effectLst>
-              </a14:hiddenEffects>
-            </a:ext>
-          </a:extLst>
-        </p:spPr>
-        <p:txBody>
-          <a:bodyPr vert="horz" wrap="square" lIns="91440" tIns="45720" rIns="91440" bIns="45720" numCol="1" anchor="ctr" anchorCtr="0" compatLnSpc="1">
-            <a:prstTxWarp prst="textNoShape">
-              <a:avLst/>
-            </a:prstTxWarp>
-          </a:bodyPr>
-          <a:lstStyle>
-            <a:lvl1pPr algn="l" defTabSz="914400" rtl="0" eaLnBrk="1" latinLnBrk="0" hangingPunct="1">
-              <a:lnSpc>
-                <a:spcPct val="90000"/>
-              </a:lnSpc>
-              <a:spcBef>
-                <a:spcPct val="0"/>
-              </a:spcBef>
-              <a:buNone/>
-              <a:defRPr sz="4400" kern="1200">
-                <a:solidFill>
-                  <a:schemeClr val="tx1"/>
-                </a:solidFill>
-                <a:latin typeface="+mj-lt"/>
-                <a:ea typeface="+mj-ea"/>
-                <a:cs typeface="+mj-cs"/>
-              </a:defRPr>
-            </a:lvl1pPr>
-          </a:lstStyle>
-          <a:p>
-            <a:r>
-              <a:rPr lang="en-US" altLang="zh-TW" sz="3500" b="1" dirty="0">
-                <a:latin typeface="Microsoft YaHei" panose="020B0503020204020204" pitchFamily="34" charset="-122"/>
-                <a:ea typeface="Microsoft YaHei" panose="020B0503020204020204" pitchFamily="34" charset="-122"/>
-              </a:rPr>
-              <a:t>Methodology</a:t>
-            </a:r>
-            <a:endParaRPr lang="zh-TW" altLang="en-US" sz="3500" b="1" dirty="0">
-              <a:latin typeface="Microsoft YaHei" panose="020B0503020204020204" pitchFamily="34" charset="-122"/>
-              <a:ea typeface="Microsoft YaHei" panose="020B0503020204020204" pitchFamily="34" charset="-122"/>
-            </a:endParaRPr>
-          </a:p>
-        </p:txBody>
-      </p:sp>
-      <p:sp>
-        <p:nvSpPr>
-          <p:cNvPr id="2" name="文本框 1">
-            <a:extLst>
-              <a:ext uri="{FF2B5EF4-FFF2-40B4-BE49-F238E27FC236}">
-                <a16:creationId xmlns:a16="http://schemas.microsoft.com/office/drawing/2014/main" id="{B4FD2CE5-0D68-2E4C-3FDE-670906CB93E2}"/>
-              </a:ext>
-            </a:extLst>
-          </p:cNvPr>
-          <p:cNvSpPr txBox="1"/>
-          <p:nvPr/>
-        </p:nvSpPr>
-        <p:spPr>
-          <a:xfrm>
-            <a:off x="237184" y="1177044"/>
-            <a:ext cx="2938368" cy="954107"/>
-          </a:xfrm>
-          <a:prstGeom prst="rect">
-            <a:avLst/>
-          </a:prstGeom>
-          <a:noFill/>
-        </p:spPr>
-        <p:txBody>
-          <a:bodyPr wrap="none" rtlCol="0">
-            <a:spAutoFit/>
-          </a:bodyPr>
-          <a:lstStyle/>
-          <a:p>
-            <a:r>
-              <a:rPr kumimoji="1" lang="en-US" altLang="zh-CN" sz="2800" dirty="0">
-                <a:latin typeface="Microsoft YaHei" panose="020B0503020204020204" pitchFamily="34" charset="-122"/>
-                <a:ea typeface="Microsoft YaHei" panose="020B0503020204020204" pitchFamily="34" charset="-122"/>
-              </a:rPr>
-              <a:t>Data Processing</a:t>
-            </a:r>
-          </a:p>
-          <a:p>
-            <a:r>
-              <a:rPr kumimoji="1" lang="en-US" altLang="zh-CN" sz="2800" dirty="0" err="1">
-                <a:latin typeface="Microsoft YaHei" panose="020B0503020204020204" pitchFamily="34" charset="-122"/>
-                <a:ea typeface="Microsoft YaHei" panose="020B0503020204020204" pitchFamily="34" charset="-122"/>
-              </a:rPr>
-              <a:t>Tyre</a:t>
-            </a:r>
-            <a:r>
-              <a:rPr kumimoji="1" lang="en-US" altLang="zh-CN" sz="2800" dirty="0">
-                <a:latin typeface="Microsoft YaHei" panose="020B0503020204020204" pitchFamily="34" charset="-122"/>
-                <a:ea typeface="Microsoft YaHei" panose="020B0503020204020204" pitchFamily="34" charset="-122"/>
-              </a:rPr>
-              <a:t> Compound</a:t>
-            </a:r>
-            <a:endParaRPr kumimoji="1" lang="zh-CN" altLang="en-US" sz="2800" dirty="0">
-              <a:latin typeface="Microsoft YaHei" panose="020B0503020204020204" pitchFamily="34" charset="-122"/>
-              <a:ea typeface="Microsoft YaHei" panose="020B0503020204020204" pitchFamily="34" charset="-122"/>
-            </a:endParaRPr>
-          </a:p>
-        </p:txBody>
-      </p:sp>
-      <p:graphicFrame>
-        <p:nvGraphicFramePr>
-          <p:cNvPr id="3" name="表格 2">
-            <a:extLst>
-              <a:ext uri="{FF2B5EF4-FFF2-40B4-BE49-F238E27FC236}">
-                <a16:creationId xmlns:a16="http://schemas.microsoft.com/office/drawing/2014/main" id="{2791E29E-9A68-B630-B8E3-A0FC6855395F}"/>
-              </a:ext>
-            </a:extLst>
-          </p:cNvPr>
-          <p:cNvGraphicFramePr>
-            <a:graphicFrameLocks noGrp="1"/>
-          </p:cNvGraphicFramePr>
-          <p:nvPr>
-            <p:extLst>
-              <p:ext uri="{D42A27DB-BD31-4B8C-83A1-F6EECF244321}">
-                <p14:modId xmlns:p14="http://schemas.microsoft.com/office/powerpoint/2010/main" val="3324421740"/>
-              </p:ext>
-            </p:extLst>
-          </p:nvPr>
-        </p:nvGraphicFramePr>
-        <p:xfrm>
-          <a:off x="3935048" y="1689100"/>
-          <a:ext cx="8022492" cy="3479800"/>
-        </p:xfrm>
-        <a:graphic>
-          <a:graphicData uri="http://schemas.openxmlformats.org/drawingml/2006/table">
-            <a:tbl>
-              <a:tblPr firstRow="1" bandRow="1">
-                <a:tableStyleId>{6E25E649-3F16-4E02-A733-19D2CDBF48F0}</a:tableStyleId>
-              </a:tblPr>
-              <a:tblGrid>
-                <a:gridCol w="2734590">
-                  <a:extLst>
-                    <a:ext uri="{9D8B030D-6E8A-4147-A177-3AD203B41FA5}">
-                      <a16:colId xmlns:a16="http://schemas.microsoft.com/office/drawing/2014/main" val="3351129788"/>
-                    </a:ext>
-                  </a:extLst>
-                </a:gridCol>
-                <a:gridCol w="5287902">
-                  <a:extLst>
-                    <a:ext uri="{9D8B030D-6E8A-4147-A177-3AD203B41FA5}">
-                      <a16:colId xmlns:a16="http://schemas.microsoft.com/office/drawing/2014/main" val="1431853174"/>
-                    </a:ext>
-                  </a:extLst>
-                </a:gridCol>
-              </a:tblGrid>
-              <a:tr h="370840">
-                <a:tc>
-                  <a:txBody>
-                    <a:bodyPr/>
-                    <a:lstStyle/>
-                    <a:p>
-                      <a:pPr marL="0" marR="0" lvl="0" indent="0" algn="ctr" defTabSz="914400" rtl="0" eaLnBrk="1" fontAlgn="auto" latinLnBrk="0" hangingPunct="1">
-                        <a:lnSpc>
-                          <a:spcPct val="100000"/>
-                        </a:lnSpc>
-                        <a:spcBef>
-                          <a:spcPts val="0"/>
-                        </a:spcBef>
-                        <a:spcAft>
-                          <a:spcPts val="0"/>
-                        </a:spcAft>
-                        <a:buClrTx/>
-                        <a:buSzTx/>
-                        <a:buFontTx/>
-                        <a:buNone/>
-                        <a:tabLst/>
-                        <a:defRPr/>
-                      </a:pPr>
-                      <a:r>
-                        <a:rPr lang="en" altLang="zh-CN" sz="1800" b="1" i="0" kern="1200" dirty="0">
-                          <a:solidFill>
-                            <a:schemeClr val="lt1"/>
-                          </a:solidFill>
-                          <a:effectLst/>
-                          <a:latin typeface="Microsoft YaHei Light" panose="020B0503020204020204" pitchFamily="34" charset="-122"/>
-                          <a:ea typeface="Microsoft YaHei Light" panose="020B0503020204020204" pitchFamily="34" charset="-122"/>
-                        </a:rPr>
-                        <a:t>Variable Name</a:t>
-                      </a:r>
-                      <a:endParaRPr lang="en" altLang="zh-CN" sz="1800" b="1" i="0" kern="1200" dirty="0">
-                        <a:solidFill>
-                          <a:schemeClr val="lt1"/>
-                        </a:solidFill>
-                        <a:effectLst/>
-                        <a:latin typeface="Microsoft YaHei Light" panose="020B0503020204020204" pitchFamily="34" charset="-122"/>
-                        <a:ea typeface="Microsoft YaHei Light" panose="020B0503020204020204" pitchFamily="34" charset="-122"/>
-                        <a:cs typeface="+mn-cs"/>
-                      </a:endParaRPr>
-                    </a:p>
-                  </a:txBody>
-                  <a:tcPr>
-                    <a:solidFill>
-                      <a:srgbClr val="003677"/>
-                    </a:solidFill>
-                  </a:tcPr>
-                </a:tc>
-                <a:tc>
-                  <a:txBody>
-                    <a:bodyPr/>
-                    <a:lstStyle/>
-                    <a:p>
-                      <a:pPr marL="0" marR="0" lvl="0" indent="0" algn="ctr" defTabSz="914400" rtl="0" eaLnBrk="1" fontAlgn="auto" latinLnBrk="0" hangingPunct="1">
-                        <a:lnSpc>
-                          <a:spcPct val="100000"/>
-                        </a:lnSpc>
-                        <a:spcBef>
-                          <a:spcPts val="0"/>
-                        </a:spcBef>
-                        <a:spcAft>
-                          <a:spcPts val="0"/>
-                        </a:spcAft>
-                        <a:buClrTx/>
-                        <a:buSzTx/>
-                        <a:buFontTx/>
-                        <a:buNone/>
-                        <a:tabLst/>
-                        <a:defRPr/>
-                      </a:pPr>
-                      <a:r>
-                        <a:rPr lang="en" altLang="zh-CN" sz="1800" b="1" i="0" kern="1200" dirty="0">
-                          <a:solidFill>
-                            <a:schemeClr val="lt1"/>
-                          </a:solidFill>
-                          <a:effectLst/>
-                          <a:latin typeface="Microsoft YaHei Light" panose="020B0503020204020204" pitchFamily="34" charset="-122"/>
-                          <a:ea typeface="Microsoft YaHei Light" panose="020B0503020204020204" pitchFamily="34" charset="-122"/>
-                        </a:rPr>
-                        <a:t>Description</a:t>
-                      </a:r>
-                      <a:endParaRPr lang="en" altLang="zh-CN" sz="1800" b="1" i="0" kern="1200" dirty="0">
-                        <a:solidFill>
-                          <a:schemeClr val="lt1"/>
-                        </a:solidFill>
-                        <a:effectLst/>
-                        <a:latin typeface="Microsoft YaHei Light" panose="020B0503020204020204" pitchFamily="34" charset="-122"/>
-                        <a:ea typeface="Microsoft YaHei Light" panose="020B0503020204020204" pitchFamily="34" charset="-122"/>
-                        <a:cs typeface="+mn-cs"/>
-                      </a:endParaRPr>
-                    </a:p>
-                  </a:txBody>
-                  <a:tcPr>
-                    <a:solidFill>
-                      <a:srgbClr val="003677"/>
-                    </a:solidFill>
-                  </a:tcPr>
-                </a:tc>
-                <a:extLst>
-                  <a:ext uri="{0D108BD9-81ED-4DB2-BD59-A6C34878D82A}">
-                    <a16:rowId xmlns:a16="http://schemas.microsoft.com/office/drawing/2014/main" val="364447929"/>
-                  </a:ext>
-                </a:extLst>
-              </a:tr>
-              <a:tr h="370840">
-                <a:tc>
-                  <a:txBody>
-                    <a:bodyPr/>
-                    <a:lstStyle/>
-                    <a:p>
-                      <a:r>
-                        <a:rPr lang="en" b="0" i="0" dirty="0" err="1">
-                          <a:effectLst/>
-                          <a:latin typeface="Microsoft YaHei Light" panose="020B0503020204020204" pitchFamily="34" charset="-122"/>
-                          <a:ea typeface="Microsoft YaHei Light" panose="020B0503020204020204" pitchFamily="34" charset="-122"/>
-                        </a:rPr>
-                        <a:t>sc_laps_remaining</a:t>
-                      </a:r>
-                      <a:endParaRPr lang="en" b="0" i="0" dirty="0">
-                        <a:effectLst/>
-                        <a:latin typeface="Microsoft YaHei Light" panose="020B0503020204020204" pitchFamily="34" charset="-122"/>
-                        <a:ea typeface="Microsoft YaHei Light" panose="020B0503020204020204" pitchFamily="34" charset="-122"/>
-                      </a:endParaRPr>
-                    </a:p>
-                  </a:txBody>
-                  <a:tcPr marL="123825" marR="123825" marT="57150" marB="57150" anchor="ctr"/>
-                </a:tc>
-                <a:tc>
-                  <a:txBody>
-                    <a:bodyPr/>
-                    <a:lstStyle/>
-                    <a:p>
-                      <a:r>
-                        <a:rPr lang="en" b="0" i="0" dirty="0">
-                          <a:effectLst/>
-                          <a:latin typeface="Microsoft YaHei Light" panose="020B0503020204020204" pitchFamily="34" charset="-122"/>
-                          <a:ea typeface="Microsoft YaHei Light" panose="020B0503020204020204" pitchFamily="34" charset="-122"/>
-                        </a:rPr>
-                        <a:t>Laps remained of the race.</a:t>
-                      </a:r>
-                    </a:p>
-                  </a:txBody>
-                  <a:tcPr marL="123825" marR="123825" marT="57150" marB="57150" anchor="ctr"/>
-                </a:tc>
-                <a:extLst>
-                  <a:ext uri="{0D108BD9-81ED-4DB2-BD59-A6C34878D82A}">
-                    <a16:rowId xmlns:a16="http://schemas.microsoft.com/office/drawing/2014/main" val="2434156443"/>
-                  </a:ext>
-                </a:extLst>
-              </a:tr>
-              <a:tr h="370840">
-                <a:tc>
-                  <a:txBody>
-                    <a:bodyPr/>
-                    <a:lstStyle/>
-                    <a:p>
-                      <a:r>
-                        <a:rPr lang="en" b="0" i="0">
-                          <a:effectLst/>
-                          <a:latin typeface="Microsoft YaHei Light" panose="020B0503020204020204" pitchFamily="34" charset="-122"/>
-                          <a:ea typeface="Microsoft YaHei Light" panose="020B0503020204020204" pitchFamily="34" charset="-122"/>
-                        </a:rPr>
-                        <a:t>sc_tyre_compound</a:t>
-                      </a:r>
-                    </a:p>
-                  </a:txBody>
-                  <a:tcPr marL="123825" marR="123825" marT="57150" marB="57150" anchor="ctr"/>
-                </a:tc>
-                <a:tc>
-                  <a:txBody>
-                    <a:bodyPr/>
-                    <a:lstStyle/>
-                    <a:p>
-                      <a:r>
-                        <a:rPr lang="en" b="0" i="0" dirty="0">
-                          <a:effectLst/>
-                          <a:latin typeface="Microsoft YaHei Light" panose="020B0503020204020204" pitchFamily="34" charset="-122"/>
-                          <a:ea typeface="Microsoft YaHei Light" panose="020B0503020204020204" pitchFamily="34" charset="-122"/>
-                        </a:rPr>
-                        <a:t>Current tyre compound.</a:t>
-                      </a:r>
-                    </a:p>
-                  </a:txBody>
-                  <a:tcPr marL="123825" marR="123825" marT="57150" marB="57150" anchor="ctr"/>
-                </a:tc>
-                <a:extLst>
-                  <a:ext uri="{0D108BD9-81ED-4DB2-BD59-A6C34878D82A}">
-                    <a16:rowId xmlns:a16="http://schemas.microsoft.com/office/drawing/2014/main" val="1599882586"/>
-                  </a:ext>
-                </a:extLst>
-              </a:tr>
-              <a:tr h="370840">
-                <a:tc>
-                  <a:txBody>
-                    <a:bodyPr/>
-                    <a:lstStyle/>
-                    <a:p>
-                      <a:r>
-                        <a:rPr lang="en" b="0" i="0" dirty="0">
-                          <a:effectLst/>
-                          <a:latin typeface="Microsoft YaHei Light" panose="020B0503020204020204" pitchFamily="34" charset="-122"/>
-                          <a:ea typeface="Microsoft YaHei Light" panose="020B0503020204020204" pitchFamily="34" charset="-122"/>
-                        </a:rPr>
-                        <a:t>Temperature</a:t>
-                      </a:r>
-                    </a:p>
-                  </a:txBody>
-                  <a:tcPr marL="123825" marR="123825" marT="57150" marB="57150" anchor="ctr"/>
-                </a:tc>
-                <a:tc>
-                  <a:txBody>
-                    <a:bodyPr/>
-                    <a:lstStyle/>
-                    <a:p>
-                      <a:r>
-                        <a:rPr lang="en" b="0" i="0" dirty="0">
-                          <a:effectLst/>
-                          <a:latin typeface="Microsoft YaHei Light" panose="020B0503020204020204" pitchFamily="34" charset="-122"/>
-                          <a:ea typeface="Microsoft YaHei Light" panose="020B0503020204020204" pitchFamily="34" charset="-122"/>
-                        </a:rPr>
-                        <a:t>Track temperature.</a:t>
-                      </a:r>
-                    </a:p>
-                  </a:txBody>
-                  <a:tcPr marL="123825" marR="123825" marT="57150" marB="57150" anchor="ctr"/>
-                </a:tc>
-                <a:extLst>
-                  <a:ext uri="{0D108BD9-81ED-4DB2-BD59-A6C34878D82A}">
-                    <a16:rowId xmlns:a16="http://schemas.microsoft.com/office/drawing/2014/main" val="439688520"/>
-                  </a:ext>
-                </a:extLst>
-              </a:tr>
-              <a:tr h="370840">
-                <a:tc>
-                  <a:txBody>
-                    <a:bodyPr/>
-                    <a:lstStyle/>
-                    <a:p>
-                      <a:r>
-                        <a:rPr lang="en" b="0" i="0" dirty="0">
-                          <a:effectLst/>
-                          <a:latin typeface="Microsoft YaHei Light" panose="020B0503020204020204" pitchFamily="34" charset="-122"/>
-                          <a:ea typeface="Microsoft YaHei Light" panose="020B0503020204020204" pitchFamily="34" charset="-122"/>
-                        </a:rPr>
-                        <a:t>Humidity</a:t>
-                      </a:r>
-                    </a:p>
-                  </a:txBody>
-                  <a:tcPr marL="123825" marR="123825" marT="57150" marB="57150" anchor="ctr"/>
-                </a:tc>
-                <a:tc>
-                  <a:txBody>
-                    <a:bodyPr/>
-                    <a:lstStyle/>
-                    <a:p>
-                      <a:r>
-                        <a:rPr lang="en" b="0" i="0">
-                          <a:effectLst/>
-                          <a:latin typeface="Microsoft YaHei Light" panose="020B0503020204020204" pitchFamily="34" charset="-122"/>
-                          <a:ea typeface="Microsoft YaHei Light" panose="020B0503020204020204" pitchFamily="34" charset="-122"/>
-                        </a:rPr>
-                        <a:t>Track humidity.</a:t>
-                      </a:r>
-                    </a:p>
-                  </a:txBody>
-                  <a:tcPr marL="123825" marR="123825" marT="57150" marB="57150" anchor="ctr"/>
-                </a:tc>
-                <a:extLst>
-                  <a:ext uri="{0D108BD9-81ED-4DB2-BD59-A6C34878D82A}">
-                    <a16:rowId xmlns:a16="http://schemas.microsoft.com/office/drawing/2014/main" val="3281301671"/>
-                  </a:ext>
-                </a:extLst>
-              </a:tr>
-              <a:tr h="370840">
-                <a:tc>
-                  <a:txBody>
-                    <a:bodyPr/>
-                    <a:lstStyle/>
-                    <a:p>
-                      <a:r>
-                        <a:rPr lang="en" b="0" i="0">
-                          <a:effectLst/>
-                          <a:latin typeface="Microsoft YaHei Light" panose="020B0503020204020204" pitchFamily="34" charset="-122"/>
-                          <a:ea typeface="Microsoft YaHei Light" panose="020B0503020204020204" pitchFamily="34" charset="-122"/>
-                        </a:rPr>
-                        <a:t>Altitude</a:t>
-                      </a:r>
-                    </a:p>
-                  </a:txBody>
-                  <a:tcPr marL="123825" marR="123825" marT="57150" marB="57150" anchor="ctr"/>
-                </a:tc>
-                <a:tc>
-                  <a:txBody>
-                    <a:bodyPr/>
-                    <a:lstStyle/>
-                    <a:p>
-                      <a:r>
-                        <a:rPr lang="en" b="0" i="0">
-                          <a:effectLst/>
-                          <a:latin typeface="Microsoft YaHei Light" panose="020B0503020204020204" pitchFamily="34" charset="-122"/>
-                          <a:ea typeface="Microsoft YaHei Light" panose="020B0503020204020204" pitchFamily="34" charset="-122"/>
-                        </a:rPr>
-                        <a:t>Track maximum altitude change.</a:t>
-                      </a:r>
-                    </a:p>
-                  </a:txBody>
-                  <a:tcPr marL="123825" marR="123825" marT="57150" marB="57150" anchor="ctr"/>
-                </a:tc>
-                <a:extLst>
-                  <a:ext uri="{0D108BD9-81ED-4DB2-BD59-A6C34878D82A}">
-                    <a16:rowId xmlns:a16="http://schemas.microsoft.com/office/drawing/2014/main" val="208824927"/>
-                  </a:ext>
-                </a:extLst>
-              </a:tr>
-              <a:tr h="370840">
-                <a:tc>
-                  <a:txBody>
-                    <a:bodyPr/>
-                    <a:lstStyle/>
-                    <a:p>
-                      <a:r>
-                        <a:rPr lang="en" b="0" i="0">
-                          <a:effectLst/>
-                          <a:latin typeface="Microsoft YaHei Light" panose="020B0503020204020204" pitchFamily="34" charset="-122"/>
-                          <a:ea typeface="Microsoft YaHei Light" panose="020B0503020204020204" pitchFamily="34" charset="-122"/>
-                        </a:rPr>
-                        <a:t>Turns</a:t>
-                      </a:r>
-                    </a:p>
-                  </a:txBody>
-                  <a:tcPr marL="123825" marR="123825" marT="57150" marB="57150" anchor="ctr"/>
-                </a:tc>
-                <a:tc>
-                  <a:txBody>
-                    <a:bodyPr/>
-                    <a:lstStyle/>
-                    <a:p>
-                      <a:r>
-                        <a:rPr lang="en" b="0" i="0" dirty="0">
-                          <a:effectLst/>
-                          <a:latin typeface="Microsoft YaHei Light" panose="020B0503020204020204" pitchFamily="34" charset="-122"/>
-                          <a:ea typeface="Microsoft YaHei Light" panose="020B0503020204020204" pitchFamily="34" charset="-122"/>
-                        </a:rPr>
-                        <a:t>Track number of turns in a lap.</a:t>
-                      </a:r>
-                    </a:p>
-                  </a:txBody>
-                  <a:tcPr marL="123825" marR="123825" marT="57150" marB="57150" anchor="ctr"/>
-                </a:tc>
-                <a:extLst>
-                  <a:ext uri="{0D108BD9-81ED-4DB2-BD59-A6C34878D82A}">
-                    <a16:rowId xmlns:a16="http://schemas.microsoft.com/office/drawing/2014/main" val="4174447225"/>
-                  </a:ext>
-                </a:extLst>
-              </a:tr>
-              <a:tr h="370840">
-                <a:tc>
-                  <a:txBody>
-                    <a:bodyPr/>
-                    <a:lstStyle/>
-                    <a:p>
-                      <a:r>
-                        <a:rPr lang="en" b="0" i="0">
-                          <a:effectLst/>
-                          <a:latin typeface="Microsoft YaHei Light" panose="020B0503020204020204" pitchFamily="34" charset="-122"/>
-                          <a:ea typeface="Microsoft YaHei Light" panose="020B0503020204020204" pitchFamily="34" charset="-122"/>
-                        </a:rPr>
-                        <a:t>RaceDistance</a:t>
-                      </a:r>
-                    </a:p>
-                  </a:txBody>
-                  <a:tcPr marL="123825" marR="123825" marT="57150" marB="57150" anchor="ctr"/>
-                </a:tc>
-                <a:tc>
-                  <a:txBody>
-                    <a:bodyPr/>
-                    <a:lstStyle/>
-                    <a:p>
-                      <a:r>
-                        <a:rPr lang="en" b="0" i="0" dirty="0">
-                          <a:effectLst/>
-                          <a:latin typeface="Microsoft YaHei Light" panose="020B0503020204020204" pitchFamily="34" charset="-122"/>
-                          <a:ea typeface="Microsoft YaHei Light" panose="020B0503020204020204" pitchFamily="34" charset="-122"/>
-                        </a:rPr>
-                        <a:t>Track race distance / total number of laps.</a:t>
-                      </a:r>
-                    </a:p>
-                  </a:txBody>
-                  <a:tcPr marL="123825" marR="123825" marT="57150" marB="57150" anchor="ctr"/>
-                </a:tc>
-                <a:extLst>
-                  <a:ext uri="{0D108BD9-81ED-4DB2-BD59-A6C34878D82A}">
-                    <a16:rowId xmlns:a16="http://schemas.microsoft.com/office/drawing/2014/main" val="3220303082"/>
-                  </a:ext>
-                </a:extLst>
-              </a:tr>
-              <a:tr h="370840">
-                <a:tc>
-                  <a:txBody>
-                    <a:bodyPr/>
-                    <a:lstStyle/>
-                    <a:p>
-                      <a:r>
-                        <a:rPr lang="en" b="0" i="0">
-                          <a:effectLst/>
-                          <a:latin typeface="Microsoft YaHei Light" panose="020B0503020204020204" pitchFamily="34" charset="-122"/>
-                          <a:ea typeface="Microsoft YaHei Light" panose="020B0503020204020204" pitchFamily="34" charset="-122"/>
-                        </a:rPr>
-                        <a:t>TrackLength</a:t>
-                      </a:r>
-                    </a:p>
-                  </a:txBody>
-                  <a:tcPr marL="123825" marR="123825" marT="57150" marB="57150" anchor="ctr"/>
-                </a:tc>
-                <a:tc>
-                  <a:txBody>
-                    <a:bodyPr/>
-                    <a:lstStyle/>
-                    <a:p>
-                      <a:r>
-                        <a:rPr lang="en" b="0" i="0" dirty="0">
-                          <a:effectLst/>
-                          <a:latin typeface="Microsoft YaHei Light" panose="020B0503020204020204" pitchFamily="34" charset="-122"/>
-                          <a:ea typeface="Microsoft YaHei Light" panose="020B0503020204020204" pitchFamily="34" charset="-122"/>
-                        </a:rPr>
-                        <a:t>Track total length of race (in km).</a:t>
-                      </a:r>
-                    </a:p>
-                  </a:txBody>
-                  <a:tcPr marL="123825" marR="123825" marT="57150" marB="57150" anchor="ctr"/>
-                </a:tc>
-                <a:extLst>
-                  <a:ext uri="{0D108BD9-81ED-4DB2-BD59-A6C34878D82A}">
-                    <a16:rowId xmlns:a16="http://schemas.microsoft.com/office/drawing/2014/main" val="146141231"/>
                   </a:ext>
                 </a:extLst>
               </a:tr>
@@ -9775,7 +10181,7 @@
         </p:nvSpPr>
         <p:spPr>
           <a:xfrm>
-            <a:off x="11453446" y="6460047"/>
+            <a:off x="11898920" y="6460047"/>
             <a:ext cx="738554" cy="369332"/>
           </a:xfrm>
           <a:prstGeom prst="rect">
@@ -10909,8 +11315,8 @@
         </p:nvSpPr>
         <p:spPr>
           <a:xfrm>
-            <a:off x="1083174" y="2625873"/>
-            <a:ext cx="3575979" cy="400110"/>
+            <a:off x="237184" y="2595096"/>
+            <a:ext cx="4257512" cy="461665"/>
           </a:xfrm>
           <a:prstGeom prst="rect">
             <a:avLst/>
@@ -10924,13 +11330,13 @@
           <a:lstStyle/>
           <a:p>
             <a:r>
-              <a:rPr kumimoji="1" lang="en-US" altLang="zh-CN" sz="2000" b="1" dirty="0">
+              <a:rPr kumimoji="1" lang="en-US" altLang="zh-CN" sz="2400" b="1" dirty="0">
                 <a:latin typeface="Microsoft YaHei" panose="020B0503020204020204" pitchFamily="34" charset="-122"/>
                 <a:ea typeface="Microsoft YaHei" panose="020B0503020204020204" pitchFamily="34" charset="-122"/>
               </a:rPr>
               <a:t>Pit-stop Decision Network</a:t>
             </a:r>
-            <a:endParaRPr kumimoji="1" lang="zh-CN" altLang="en-US" sz="2000" b="1" dirty="0">
+            <a:endParaRPr kumimoji="1" lang="zh-CN" altLang="en-US" sz="2400" b="1" dirty="0">
               <a:latin typeface="Microsoft YaHei" panose="020B0503020204020204" pitchFamily="34" charset="-122"/>
               <a:ea typeface="Microsoft YaHei" panose="020B0503020204020204" pitchFamily="34" charset="-122"/>
             </a:endParaRPr>
@@ -10951,8 +11357,8 @@
         </p:nvSpPr>
         <p:spPr>
           <a:xfrm>
-            <a:off x="38144" y="3484697"/>
-            <a:ext cx="4621009" cy="400110"/>
+            <a:off x="399216" y="3518403"/>
+            <a:ext cx="4095480" cy="461665"/>
           </a:xfrm>
           <a:prstGeom prst="rect">
             <a:avLst/>
@@ -10966,20 +11372,20 @@
           <a:lstStyle/>
           <a:p>
             <a:r>
-              <a:rPr kumimoji="1" lang="en-US" altLang="zh-CN" sz="2000" b="1" dirty="0" err="1">
+              <a:rPr kumimoji="1" lang="en-US" altLang="zh-CN" sz="2400" b="1" dirty="0" err="1">
                 <a:latin typeface="Microsoft YaHei" panose="020B0503020204020204" pitchFamily="34" charset="-122"/>
                 <a:ea typeface="Microsoft YaHei" panose="020B0503020204020204" pitchFamily="34" charset="-122"/>
               </a:rPr>
               <a:t>Tyre</a:t>
             </a:r>
             <a:r>
-              <a:rPr kumimoji="1" lang="en-US" altLang="zh-CN" sz="2000" b="1" dirty="0">
-                <a:latin typeface="Microsoft YaHei" panose="020B0503020204020204" pitchFamily="34" charset="-122"/>
-                <a:ea typeface="Microsoft YaHei" panose="020B0503020204020204" pitchFamily="34" charset="-122"/>
-              </a:rPr>
-              <a:t> Compound Decision Network</a:t>
-            </a:r>
-            <a:endParaRPr kumimoji="1" lang="zh-CN" altLang="en-US" sz="2000" b="1" dirty="0">
+              <a:rPr kumimoji="1" lang="en-US" altLang="zh-CN" sz="2400" b="1" dirty="0">
+                <a:latin typeface="Microsoft YaHei" panose="020B0503020204020204" pitchFamily="34" charset="-122"/>
+                <a:ea typeface="Microsoft YaHei" panose="020B0503020204020204" pitchFamily="34" charset="-122"/>
+              </a:rPr>
+              <a:t> Compound Network</a:t>
+            </a:r>
+            <a:endParaRPr kumimoji="1" lang="zh-CN" altLang="en-US" sz="2400" b="1" dirty="0">
               <a:latin typeface="Microsoft YaHei" panose="020B0503020204020204" pitchFamily="34" charset="-122"/>
               <a:ea typeface="Microsoft YaHei" panose="020B0503020204020204" pitchFamily="34" charset="-122"/>
             </a:endParaRPr>
@@ -11043,8 +11449,8 @@
         </p:nvSpPr>
         <p:spPr>
           <a:xfrm>
-            <a:off x="1840953" y="3025983"/>
-            <a:ext cx="2707601" cy="369332"/>
+            <a:off x="1513174" y="3028890"/>
+            <a:ext cx="2981522" cy="400110"/>
           </a:xfrm>
           <a:prstGeom prst="rect">
             <a:avLst/>
@@ -11058,13 +11464,13 @@
           <a:lstStyle/>
           <a:p>
             <a:r>
-              <a:rPr kumimoji="1" lang="en-US" altLang="zh-CN" dirty="0">
+              <a:rPr kumimoji="1" lang="en-US" altLang="zh-CN" sz="2000" dirty="0">
                 <a:latin typeface="Microsoft YaHei" panose="020B0503020204020204" pitchFamily="34" charset="-122"/>
                 <a:ea typeface="Microsoft YaHei" panose="020B0503020204020204" pitchFamily="34" charset="-122"/>
               </a:rPr>
               <a:t>Output: TRUE or FALSE</a:t>
             </a:r>
-            <a:endParaRPr kumimoji="1" lang="zh-CN" altLang="en-US" dirty="0">
+            <a:endParaRPr kumimoji="1" lang="zh-CN" altLang="en-US" sz="2000" dirty="0">
               <a:latin typeface="Microsoft YaHei" panose="020B0503020204020204" pitchFamily="34" charset="-122"/>
               <a:ea typeface="Microsoft YaHei" panose="020B0503020204020204" pitchFamily="34" charset="-122"/>
             </a:endParaRPr>
@@ -11085,8 +11491,8 @@
         </p:nvSpPr>
         <p:spPr>
           <a:xfrm>
-            <a:off x="1284584" y="3884807"/>
-            <a:ext cx="3263970" cy="369332"/>
+            <a:off x="894480" y="3951593"/>
+            <a:ext cx="3600216" cy="400110"/>
           </a:xfrm>
           <a:prstGeom prst="rect">
             <a:avLst/>
@@ -11100,13 +11506,13 @@
           <a:lstStyle/>
           <a:p>
             <a:r>
-              <a:rPr kumimoji="1" lang="en-US" altLang="zh-CN" dirty="0">
+              <a:rPr kumimoji="1" lang="en-US" altLang="zh-CN" sz="2000" dirty="0">
                 <a:latin typeface="Microsoft YaHei" panose="020B0503020204020204" pitchFamily="34" charset="-122"/>
                 <a:ea typeface="Microsoft YaHei" panose="020B0503020204020204" pitchFamily="34" charset="-122"/>
               </a:rPr>
               <a:t>Output: Soft, Medium, Hard</a:t>
             </a:r>
-            <a:endParaRPr kumimoji="1" lang="zh-CN" altLang="en-US" dirty="0">
+            <a:endParaRPr kumimoji="1" lang="zh-CN" altLang="en-US" sz="2000" dirty="0">
               <a:latin typeface="Microsoft YaHei" panose="020B0503020204020204" pitchFamily="34" charset="-122"/>
               <a:ea typeface="Microsoft YaHei" panose="020B0503020204020204" pitchFamily="34" charset="-122"/>
             </a:endParaRPr>

--- a/Project_Presentation.pptx
+++ b/Project_Presentation.pptx
@@ -648,6 +648,94 @@
     <p:extLst>
       <p:ext uri="{BB962C8B-B14F-4D97-AF65-F5344CB8AC3E}">
         <p14:creationId xmlns:p14="http://schemas.microsoft.com/office/powerpoint/2010/main" val="368844592"/>
+      </p:ext>
+    </p:extLst>
+  </p:cSld>
+  <p:clrMapOvr>
+    <a:masterClrMapping/>
+  </p:clrMapOvr>
+</p:notes>
+</file>
+
+<file path=ppt/notesSlides/notesSlide3.xml><?xml version="1.0" encoding="utf-8"?>
+<p:notes xmlns:a="http://schemas.openxmlformats.org/drawingml/2006/main" xmlns:r="http://schemas.openxmlformats.org/officeDocument/2006/relationships" xmlns:p="http://schemas.openxmlformats.org/presentationml/2006/main">
+  <p:cSld>
+    <p:spTree>
+      <p:nvGrpSpPr>
+        <p:cNvPr id="1" name=""/>
+        <p:cNvGrpSpPr/>
+        <p:nvPr/>
+      </p:nvGrpSpPr>
+      <p:grpSpPr>
+        <a:xfrm>
+          <a:off x="0" y="0"/>
+          <a:ext cx="0" cy="0"/>
+          <a:chOff x="0" y="0"/>
+          <a:chExt cx="0" cy="0"/>
+        </a:xfrm>
+      </p:grpSpPr>
+      <p:sp>
+        <p:nvSpPr>
+          <p:cNvPr id="2" name="幻灯片图像占位符 1"/>
+          <p:cNvSpPr>
+            <a:spLocks noGrp="1" noRot="1" noChangeAspect="1"/>
+          </p:cNvSpPr>
+          <p:nvPr>
+            <p:ph type="sldImg"/>
+          </p:nvPr>
+        </p:nvSpPr>
+        <p:spPr/>
+      </p:sp>
+      <p:sp>
+        <p:nvSpPr>
+          <p:cNvPr id="3" name="备注占位符 2"/>
+          <p:cNvSpPr>
+            <a:spLocks noGrp="1"/>
+          </p:cNvSpPr>
+          <p:nvPr>
+            <p:ph type="body" idx="1"/>
+          </p:nvPr>
+        </p:nvSpPr>
+        <p:spPr/>
+        <p:txBody>
+          <a:bodyPr/>
+          <a:lstStyle/>
+          <a:p>
+            <a:r>
+              <a:rPr kumimoji="1" lang="en-US" altLang="zh-CN" dirty="0"/>
+              <a:t>Take out some factors not that important</a:t>
+            </a:r>
+            <a:endParaRPr kumimoji="1" lang="zh-CN" altLang="en-US" dirty="0"/>
+          </a:p>
+        </p:txBody>
+      </p:sp>
+      <p:sp>
+        <p:nvSpPr>
+          <p:cNvPr id="4" name="灯片编号占位符 3"/>
+          <p:cNvSpPr>
+            <a:spLocks noGrp="1"/>
+          </p:cNvSpPr>
+          <p:nvPr>
+            <p:ph type="sldNum" sz="quarter" idx="5"/>
+          </p:nvPr>
+        </p:nvSpPr>
+        <p:spPr/>
+        <p:txBody>
+          <a:bodyPr/>
+          <a:lstStyle/>
+          <a:p>
+            <a:fld id="{96F9DE16-9C2E-3149-BBBA-75D03C31C444}" type="slidenum">
+              <a:rPr kumimoji="1" lang="zh-CN" altLang="en-US" smtClean="0"/>
+              <a:t>11</a:t>
+            </a:fld>
+            <a:endParaRPr kumimoji="1" lang="zh-CN" altLang="en-US"/>
+          </a:p>
+        </p:txBody>
+      </p:sp>
+    </p:spTree>
+    <p:extLst>
+      <p:ext uri="{BB962C8B-B14F-4D97-AF65-F5344CB8AC3E}">
+        <p14:creationId xmlns:p14="http://schemas.microsoft.com/office/powerpoint/2010/main" val="668167856"/>
       </p:ext>
     </p:extLst>
   </p:cSld>
@@ -3986,7 +4074,7 @@
         </p:nvSpPr>
         <p:spPr>
           <a:xfrm>
-            <a:off x="1678705" y="946466"/>
+            <a:off x="1819381" y="946466"/>
             <a:ext cx="8834590" cy="1470025"/>
           </a:xfrm>
           <a:prstGeom prst="rect">
@@ -4382,10 +4470,10 @@
       </p:sp>
       <p:pic>
         <p:nvPicPr>
-          <p:cNvPr id="4" name="图片 3">
-            <a:extLst>
-              <a:ext uri="{FF2B5EF4-FFF2-40B4-BE49-F238E27FC236}">
-                <a16:creationId xmlns:a16="http://schemas.microsoft.com/office/drawing/2014/main" id="{7CDEB0D0-078D-FE51-37F2-310211E716B0}"/>
+          <p:cNvPr id="8" name="图片 7">
+            <a:extLst>
+              <a:ext uri="{FF2B5EF4-FFF2-40B4-BE49-F238E27FC236}">
+                <a16:creationId xmlns:a16="http://schemas.microsoft.com/office/drawing/2014/main" id="{1516B196-828C-CEBA-7E6E-32BA192A9C87}"/>
               </a:ext>
             </a:extLst>
           </p:cNvPr>
@@ -4402,8 +4490,8 @@
         </p:blipFill>
         <p:spPr>
           <a:xfrm>
-            <a:off x="319245" y="2145738"/>
-            <a:ext cx="5621634" cy="4216226"/>
+            <a:off x="5834183" y="2131150"/>
+            <a:ext cx="5621633" cy="4216225"/>
           </a:xfrm>
           <a:prstGeom prst="rect">
             <a:avLst/>
@@ -4412,10 +4500,10 @@
       </p:pic>
       <p:pic>
         <p:nvPicPr>
-          <p:cNvPr id="6" name="图片 5">
-            <a:extLst>
-              <a:ext uri="{FF2B5EF4-FFF2-40B4-BE49-F238E27FC236}">
-                <a16:creationId xmlns:a16="http://schemas.microsoft.com/office/drawing/2014/main" id="{AB2794B7-D6F6-E2C0-5FDA-04F518C98482}"/>
+          <p:cNvPr id="9" name="图片 8">
+            <a:extLst>
+              <a:ext uri="{FF2B5EF4-FFF2-40B4-BE49-F238E27FC236}">
+                <a16:creationId xmlns:a16="http://schemas.microsoft.com/office/drawing/2014/main" id="{A65A81D1-D6F0-9C21-0781-DA658C6CCE21}"/>
               </a:ext>
             </a:extLst>
           </p:cNvPr>
@@ -4432,8 +4520,8 @@
         </p:blipFill>
         <p:spPr>
           <a:xfrm>
-            <a:off x="5952602" y="2163531"/>
-            <a:ext cx="5574185" cy="4180639"/>
+            <a:off x="427476" y="2131150"/>
+            <a:ext cx="5621632" cy="4216224"/>
           </a:xfrm>
           <a:prstGeom prst="rect">
             <a:avLst/>
@@ -4684,7 +4772,7 @@
           <p:nvPr/>
         </p:nvPicPr>
         <p:blipFill>
-          <a:blip r:embed="rId2"/>
+          <a:blip r:embed="rId3"/>
           <a:stretch>
             <a:fillRect/>
           </a:stretch>

--- a/Project_Presentation.pptx
+++ b/Project_Presentation.pptx
@@ -17,8 +17,8 @@
     <p:sldId id="263" r:id="rId8"/>
     <p:sldId id="268" r:id="rId9"/>
     <p:sldId id="264" r:id="rId10"/>
-    <p:sldId id="270" r:id="rId11"/>
-    <p:sldId id="265" r:id="rId12"/>
+    <p:sldId id="265" r:id="rId11"/>
+    <p:sldId id="270" r:id="rId12"/>
     <p:sldId id="269" r:id="rId13"/>
     <p:sldId id="266" r:id="rId14"/>
     <p:sldId id="267" r:id="rId15"/>
@@ -210,7 +210,7 @@
           <a:p>
             <a:fld id="{DB8B6F42-5E7C-7042-82B6-6A8AD7FD7241}" type="datetimeFigureOut">
               <a:rPr kumimoji="1" lang="zh-CN" altLang="en-US" smtClean="0"/>
-              <a:t>2024/11/28</a:t>
+              <a:t>2024/11/29</a:t>
             </a:fld>
             <a:endParaRPr kumimoji="1" lang="zh-CN" altLang="en-US"/>
           </a:p>
@@ -703,7 +703,7 @@
           <a:p>
             <a:r>
               <a:rPr kumimoji="1" lang="en-US" altLang="zh-CN" dirty="0"/>
-              <a:t>Take out some factors not that important</a:t>
+              <a:t>Using random forest, Take out some factors not that important</a:t>
             </a:r>
             <a:endParaRPr kumimoji="1" lang="zh-CN" altLang="en-US" dirty="0"/>
           </a:p>
@@ -726,7 +726,7 @@
           <a:p>
             <a:fld id="{96F9DE16-9C2E-3149-BBBA-75D03C31C444}" type="slidenum">
               <a:rPr kumimoji="1" lang="zh-CN" altLang="en-US" smtClean="0"/>
-              <a:t>11</a:t>
+              <a:t>10</a:t>
             </a:fld>
             <a:endParaRPr kumimoji="1" lang="zh-CN" altLang="en-US"/>
           </a:p>
@@ -4249,6 +4249,14 @@
   <p:clrMapOvr>
     <a:masterClrMapping/>
   </p:clrMapOvr>
+  <mc:AlternateContent xmlns:mc="http://schemas.openxmlformats.org/markup-compatibility/2006">
+    <mc:Choice xmlns:p14="http://schemas.microsoft.com/office/powerpoint/2010/main" Requires="p14">
+      <p:transition spd="slow" p14:dur="2000" advTm="15933"/>
+    </mc:Choice>
+    <mc:Fallback>
+      <p:transition spd="slow" advTm="15933"/>
+    </mc:Fallback>
+  </mc:AlternateContent>
 </p:sld>
 </file>
 
@@ -4260,7 +4268,7 @@
         <p:cNvPr id="1" name="">
           <a:extLst>
             <a:ext uri="{FF2B5EF4-FFF2-40B4-BE49-F238E27FC236}">
-              <a16:creationId xmlns:a16="http://schemas.microsoft.com/office/drawing/2014/main" id="{EAAE30CF-47EF-6744-7026-268F820894C0}"/>
+              <a16:creationId xmlns:a16="http://schemas.microsoft.com/office/drawing/2014/main" id="{96142C04-0F10-5AE9-9664-0E568D6E2B27}"/>
             </a:ext>
           </a:extLst>
         </p:cNvPr>
@@ -4280,7 +4288,7 @@
           <p:cNvPr id="5" name="Rectangle 2">
             <a:extLst>
               <a:ext uri="{FF2B5EF4-FFF2-40B4-BE49-F238E27FC236}">
-                <a16:creationId xmlns:a16="http://schemas.microsoft.com/office/drawing/2014/main" id="{7E33A2E7-05B4-1AE2-B40A-EC6C5B3CA48F}"/>
+                <a16:creationId xmlns:a16="http://schemas.microsoft.com/office/drawing/2014/main" id="{B29ADD36-2B04-BB37-F393-233D3BA2CC52}"/>
               </a:ext>
             </a:extLst>
           </p:cNvPr>
@@ -4376,7 +4384,7 @@
           <p:cNvPr id="2" name="文本框 1">
             <a:extLst>
               <a:ext uri="{FF2B5EF4-FFF2-40B4-BE49-F238E27FC236}">
-                <a16:creationId xmlns:a16="http://schemas.microsoft.com/office/drawing/2014/main" id="{20943E41-908E-63D9-C88A-337D77C17E2C}"/>
+                <a16:creationId xmlns:a16="http://schemas.microsoft.com/office/drawing/2014/main" id="{8E7103FC-2E4B-4308-8118-3FC4E9682711}"/>
               </a:ext>
             </a:extLst>
           </p:cNvPr>
@@ -4437,7 +4445,7 @@
           <p:cNvPr id="3" name="文本框 2">
             <a:extLst>
               <a:ext uri="{FF2B5EF4-FFF2-40B4-BE49-F238E27FC236}">
-                <a16:creationId xmlns:a16="http://schemas.microsoft.com/office/drawing/2014/main" id="{DB5CD5C1-5F1B-2A0C-A0DF-03B3BAFA410D}"/>
+                <a16:creationId xmlns:a16="http://schemas.microsoft.com/office/drawing/2014/main" id="{6D670087-0CD8-679D-5039-DBE95667534D}"/>
               </a:ext>
             </a:extLst>
           </p:cNvPr>
@@ -4470,40 +4478,10 @@
       </p:sp>
       <p:pic>
         <p:nvPicPr>
-          <p:cNvPr id="8" name="图片 7">
-            <a:extLst>
-              <a:ext uri="{FF2B5EF4-FFF2-40B4-BE49-F238E27FC236}">
-                <a16:creationId xmlns:a16="http://schemas.microsoft.com/office/drawing/2014/main" id="{1516B196-828C-CEBA-7E6E-32BA192A9C87}"/>
-              </a:ext>
-            </a:extLst>
-          </p:cNvPr>
-          <p:cNvPicPr>
-            <a:picLocks noChangeAspect="1"/>
-          </p:cNvPicPr>
-          <p:nvPr/>
-        </p:nvPicPr>
-        <p:blipFill>
-          <a:blip r:embed="rId2"/>
-          <a:stretch>
-            <a:fillRect/>
-          </a:stretch>
-        </p:blipFill>
-        <p:spPr>
-          <a:xfrm>
-            <a:off x="5834183" y="2131150"/>
-            <a:ext cx="5621633" cy="4216225"/>
-          </a:xfrm>
-          <a:prstGeom prst="rect">
-            <a:avLst/>
-          </a:prstGeom>
-        </p:spPr>
-      </p:pic>
-      <p:pic>
-        <p:nvPicPr>
-          <p:cNvPr id="9" name="图片 8">
-            <a:extLst>
-              <a:ext uri="{FF2B5EF4-FFF2-40B4-BE49-F238E27FC236}">
-                <a16:creationId xmlns:a16="http://schemas.microsoft.com/office/drawing/2014/main" id="{A65A81D1-D6F0-9C21-0781-DA658C6CCE21}"/>
+          <p:cNvPr id="7" name="图片 6">
+            <a:extLst>
+              <a:ext uri="{FF2B5EF4-FFF2-40B4-BE49-F238E27FC236}">
+                <a16:creationId xmlns:a16="http://schemas.microsoft.com/office/drawing/2014/main" id="{B7FAD7D8-FBCC-D1DB-81A1-D4BCF9F2FF86}"/>
               </a:ext>
             </a:extLst>
           </p:cNvPr>
@@ -4514,30 +4492,79 @@
         </p:nvPicPr>
         <p:blipFill>
           <a:blip r:embed="rId3"/>
-          <a:stretch>
-            <a:fillRect/>
-          </a:stretch>
+          <a:srcRect t="11692"/>
+          <a:stretch/>
         </p:blipFill>
         <p:spPr>
           <a:xfrm>
-            <a:off x="427476" y="2131150"/>
-            <a:ext cx="5621632" cy="4216224"/>
+            <a:off x="3329377" y="996462"/>
+            <a:ext cx="6350000" cy="5607538"/>
           </a:xfrm>
           <a:prstGeom prst="rect">
             <a:avLst/>
           </a:prstGeom>
         </p:spPr>
       </p:pic>
+      <p:sp>
+        <p:nvSpPr>
+          <p:cNvPr id="8" name="文本框 7">
+            <a:extLst>
+              <a:ext uri="{FF2B5EF4-FFF2-40B4-BE49-F238E27FC236}">
+                <a16:creationId xmlns:a16="http://schemas.microsoft.com/office/drawing/2014/main" id="{BC64C43C-0776-53B8-DB15-6F327AC8A189}"/>
+              </a:ext>
+            </a:extLst>
+          </p:cNvPr>
+          <p:cNvSpPr txBox="1"/>
+          <p:nvPr/>
+        </p:nvSpPr>
+        <p:spPr>
+          <a:xfrm>
+            <a:off x="5206008" y="596352"/>
+            <a:ext cx="2596737" cy="400110"/>
+          </a:xfrm>
+          <a:prstGeom prst="rect">
+            <a:avLst/>
+          </a:prstGeom>
+          <a:noFill/>
+        </p:spPr>
+        <p:txBody>
+          <a:bodyPr wrap="none" rtlCol="0">
+            <a:spAutoFit/>
+          </a:bodyPr>
+          <a:lstStyle/>
+          <a:p>
+            <a:r>
+              <a:rPr kumimoji="1" lang="en-US" altLang="zh-CN" sz="2000" dirty="0">
+                <a:latin typeface="Microsoft YaHei" panose="020B0503020204020204" pitchFamily="34" charset="-122"/>
+                <a:ea typeface="Microsoft YaHei" panose="020B0503020204020204" pitchFamily="34" charset="-122"/>
+              </a:rPr>
+              <a:t>Feature Importance</a:t>
+            </a:r>
+            <a:endParaRPr kumimoji="1" lang="zh-CN" altLang="en-US" sz="2000" dirty="0">
+              <a:latin typeface="Microsoft YaHei" panose="020B0503020204020204" pitchFamily="34" charset="-122"/>
+              <a:ea typeface="Microsoft YaHei" panose="020B0503020204020204" pitchFamily="34" charset="-122"/>
+            </a:endParaRPr>
+          </a:p>
+        </p:txBody>
+      </p:sp>
     </p:spTree>
     <p:extLst>
       <p:ext uri="{BB962C8B-B14F-4D97-AF65-F5344CB8AC3E}">
-        <p14:creationId xmlns:p14="http://schemas.microsoft.com/office/powerpoint/2010/main" val="2315359713"/>
+        <p14:creationId xmlns:p14="http://schemas.microsoft.com/office/powerpoint/2010/main" val="847225357"/>
       </p:ext>
     </p:extLst>
   </p:cSld>
   <p:clrMapOvr>
     <a:masterClrMapping/>
   </p:clrMapOvr>
+  <mc:AlternateContent xmlns:mc="http://schemas.openxmlformats.org/markup-compatibility/2006">
+    <mc:Choice xmlns:p14="http://schemas.microsoft.com/office/powerpoint/2010/main" Requires="p14">
+      <p:transition spd="slow" p14:dur="2000" advTm="27943"/>
+    </mc:Choice>
+    <mc:Fallback>
+      <p:transition spd="slow" advTm="27943"/>
+    </mc:Fallback>
+  </mc:AlternateContent>
 </p:sld>
 </file>
 
@@ -4549,7 +4576,7 @@
         <p:cNvPr id="1" name="">
           <a:extLst>
             <a:ext uri="{FF2B5EF4-FFF2-40B4-BE49-F238E27FC236}">
-              <a16:creationId xmlns:a16="http://schemas.microsoft.com/office/drawing/2014/main" id="{96142C04-0F10-5AE9-9664-0E568D6E2B27}"/>
+              <a16:creationId xmlns:a16="http://schemas.microsoft.com/office/drawing/2014/main" id="{EAAE30CF-47EF-6744-7026-268F820894C0}"/>
             </a:ext>
           </a:extLst>
         </p:cNvPr>
@@ -4569,7 +4596,7 @@
           <p:cNvPr id="5" name="Rectangle 2">
             <a:extLst>
               <a:ext uri="{FF2B5EF4-FFF2-40B4-BE49-F238E27FC236}">
-                <a16:creationId xmlns:a16="http://schemas.microsoft.com/office/drawing/2014/main" id="{B29ADD36-2B04-BB37-F393-233D3BA2CC52}"/>
+                <a16:creationId xmlns:a16="http://schemas.microsoft.com/office/drawing/2014/main" id="{7E33A2E7-05B4-1AE2-B40A-EC6C5B3CA48F}"/>
               </a:ext>
             </a:extLst>
           </p:cNvPr>
@@ -4665,7 +4692,7 @@
           <p:cNvPr id="2" name="文本框 1">
             <a:extLst>
               <a:ext uri="{FF2B5EF4-FFF2-40B4-BE49-F238E27FC236}">
-                <a16:creationId xmlns:a16="http://schemas.microsoft.com/office/drawing/2014/main" id="{8E7103FC-2E4B-4308-8118-3FC4E9682711}"/>
+                <a16:creationId xmlns:a16="http://schemas.microsoft.com/office/drawing/2014/main" id="{20943E41-908E-63D9-C88A-337D77C17E2C}"/>
               </a:ext>
             </a:extLst>
           </p:cNvPr>
@@ -4726,7 +4753,7 @@
           <p:cNvPr id="3" name="文本框 2">
             <a:extLst>
               <a:ext uri="{FF2B5EF4-FFF2-40B4-BE49-F238E27FC236}">
-                <a16:creationId xmlns:a16="http://schemas.microsoft.com/office/drawing/2014/main" id="{6D670087-0CD8-679D-5039-DBE95667534D}"/>
+                <a16:creationId xmlns:a16="http://schemas.microsoft.com/office/drawing/2014/main" id="{DB5CD5C1-5F1B-2A0C-A0DF-03B3BAFA410D}"/>
               </a:ext>
             </a:extLst>
           </p:cNvPr>
@@ -4759,10 +4786,39 @@
       </p:sp>
       <p:pic>
         <p:nvPicPr>
-          <p:cNvPr id="7" name="图片 6">
-            <a:extLst>
-              <a:ext uri="{FF2B5EF4-FFF2-40B4-BE49-F238E27FC236}">
-                <a16:creationId xmlns:a16="http://schemas.microsoft.com/office/drawing/2014/main" id="{B7FAD7D8-FBCC-D1DB-81A1-D4BCF9F2FF86}"/>
+          <p:cNvPr id="8" name="图片 7">
+            <a:extLst>
+              <a:ext uri="{FF2B5EF4-FFF2-40B4-BE49-F238E27FC236}">
+                <a16:creationId xmlns:a16="http://schemas.microsoft.com/office/drawing/2014/main" id="{1516B196-828C-CEBA-7E6E-32BA192A9C87}"/>
+              </a:ext>
+            </a:extLst>
+          </p:cNvPr>
+          <p:cNvPicPr>
+            <a:picLocks noChangeAspect="1"/>
+          </p:cNvPicPr>
+          <p:nvPr/>
+        </p:nvPicPr>
+        <p:blipFill>
+          <a:blip r:embed="rId2"/>
+          <a:srcRect t="11984"/>
+          <a:stretch/>
+        </p:blipFill>
+        <p:spPr>
+          <a:xfrm>
+            <a:off x="5834183" y="2636420"/>
+            <a:ext cx="5621633" cy="3710955"/>
+          </a:xfrm>
+          <a:prstGeom prst="rect">
+            <a:avLst/>
+          </a:prstGeom>
+        </p:spPr>
+      </p:pic>
+      <p:pic>
+        <p:nvPicPr>
+          <p:cNvPr id="9" name="图片 8">
+            <a:extLst>
+              <a:ext uri="{FF2B5EF4-FFF2-40B4-BE49-F238E27FC236}">
+                <a16:creationId xmlns:a16="http://schemas.microsoft.com/office/drawing/2014/main" id="{A65A81D1-D6F0-9C21-0781-DA658C6CCE21}"/>
               </a:ext>
             </a:extLst>
           </p:cNvPr>
@@ -4773,30 +4829,121 @@
         </p:nvPicPr>
         <p:blipFill>
           <a:blip r:embed="rId3"/>
-          <a:stretch>
-            <a:fillRect/>
-          </a:stretch>
+          <a:srcRect t="11984"/>
+          <a:stretch/>
         </p:blipFill>
         <p:spPr>
           <a:xfrm>
-            <a:off x="3329377" y="254000"/>
-            <a:ext cx="6350000" cy="6350000"/>
+            <a:off x="427476" y="2636422"/>
+            <a:ext cx="5621632" cy="3710951"/>
           </a:xfrm>
           <a:prstGeom prst="rect">
             <a:avLst/>
           </a:prstGeom>
         </p:spPr>
       </p:pic>
+      <p:sp>
+        <p:nvSpPr>
+          <p:cNvPr id="11" name="文本框 10">
+            <a:extLst>
+              <a:ext uri="{FF2B5EF4-FFF2-40B4-BE49-F238E27FC236}">
+                <a16:creationId xmlns:a16="http://schemas.microsoft.com/office/drawing/2014/main" id="{69D6DF44-EB32-06CF-F82B-353954F844F5}"/>
+              </a:ext>
+            </a:extLst>
+          </p:cNvPr>
+          <p:cNvSpPr txBox="1"/>
+          <p:nvPr/>
+        </p:nvSpPr>
+        <p:spPr>
+          <a:xfrm>
+            <a:off x="2596129" y="2236311"/>
+            <a:ext cx="1284326" cy="400110"/>
+          </a:xfrm>
+          <a:prstGeom prst="rect">
+            <a:avLst/>
+          </a:prstGeom>
+          <a:noFill/>
+        </p:spPr>
+        <p:txBody>
+          <a:bodyPr wrap="none" rtlCol="0">
+            <a:spAutoFit/>
+          </a:bodyPr>
+          <a:lstStyle/>
+          <a:p>
+            <a:r>
+              <a:rPr kumimoji="1" lang="en-US" altLang="zh-CN" sz="2000" dirty="0">
+                <a:latin typeface="Microsoft YaHei" panose="020B0503020204020204" pitchFamily="34" charset="-122"/>
+                <a:ea typeface="Microsoft YaHei" panose="020B0503020204020204" pitchFamily="34" charset="-122"/>
+              </a:rPr>
+              <a:t>Accuracy</a:t>
+            </a:r>
+            <a:endParaRPr kumimoji="1" lang="zh-CN" altLang="en-US" sz="2000" dirty="0">
+              <a:latin typeface="Microsoft YaHei" panose="020B0503020204020204" pitchFamily="34" charset="-122"/>
+              <a:ea typeface="Microsoft YaHei" panose="020B0503020204020204" pitchFamily="34" charset="-122"/>
+            </a:endParaRPr>
+          </a:p>
+        </p:txBody>
+      </p:sp>
+      <p:sp>
+        <p:nvSpPr>
+          <p:cNvPr id="12" name="文本框 11">
+            <a:extLst>
+              <a:ext uri="{FF2B5EF4-FFF2-40B4-BE49-F238E27FC236}">
+                <a16:creationId xmlns:a16="http://schemas.microsoft.com/office/drawing/2014/main" id="{CBFD26E2-4A83-73EA-3FB0-7E98369E2A07}"/>
+              </a:ext>
+            </a:extLst>
+          </p:cNvPr>
+          <p:cNvSpPr txBox="1"/>
+          <p:nvPr/>
+        </p:nvSpPr>
+        <p:spPr>
+          <a:xfrm>
+            <a:off x="8286567" y="2236311"/>
+            <a:ext cx="716863" cy="400110"/>
+          </a:xfrm>
+          <a:prstGeom prst="rect">
+            <a:avLst/>
+          </a:prstGeom>
+          <a:noFill/>
+        </p:spPr>
+        <p:txBody>
+          <a:bodyPr wrap="none" rtlCol="0">
+            <a:spAutoFit/>
+          </a:bodyPr>
+          <a:lstStyle/>
+          <a:p>
+            <a:r>
+              <a:rPr kumimoji="1" lang="en-US" altLang="zh-CN" sz="2000" dirty="0">
+                <a:latin typeface="Microsoft YaHei" panose="020B0503020204020204" pitchFamily="34" charset="-122"/>
+                <a:ea typeface="Microsoft YaHei" panose="020B0503020204020204" pitchFamily="34" charset="-122"/>
+              </a:rPr>
+              <a:t>Loss</a:t>
+            </a:r>
+            <a:endParaRPr kumimoji="1" lang="zh-CN" altLang="en-US" sz="2000" dirty="0">
+              <a:latin typeface="Microsoft YaHei" panose="020B0503020204020204" pitchFamily="34" charset="-122"/>
+              <a:ea typeface="Microsoft YaHei" panose="020B0503020204020204" pitchFamily="34" charset="-122"/>
+            </a:endParaRPr>
+          </a:p>
+        </p:txBody>
+      </p:sp>
     </p:spTree>
     <p:extLst>
       <p:ext uri="{BB962C8B-B14F-4D97-AF65-F5344CB8AC3E}">
-        <p14:creationId xmlns:p14="http://schemas.microsoft.com/office/powerpoint/2010/main" val="847225357"/>
+        <p14:creationId xmlns:p14="http://schemas.microsoft.com/office/powerpoint/2010/main" val="2315359713"/>
       </p:ext>
     </p:extLst>
   </p:cSld>
   <p:clrMapOvr>
     <a:masterClrMapping/>
   </p:clrMapOvr>
+  <mc:AlternateContent xmlns:mc="http://schemas.openxmlformats.org/markup-compatibility/2006">
+    <mc:Choice xmlns:p14="http://schemas.microsoft.com/office/powerpoint/2010/main" Requires="p14">
+      <p:transition spd="slow" p14:dur="2000" advTm="4539"/>
+    </mc:Choice>
+    <mc:Fallback>
+      <p:transition spd="slow" advTm="4539"/>
+    </mc:Fallback>
+  </mc:AlternateContent>
 </p:sld>
 </file>
 
@@ -5099,6 +5246,14 @@
   <p:clrMapOvr>
     <a:masterClrMapping/>
   </p:clrMapOvr>
+  <mc:AlternateContent xmlns:mc="http://schemas.openxmlformats.org/markup-compatibility/2006">
+    <mc:Choice xmlns:p14="http://schemas.microsoft.com/office/powerpoint/2010/main" Requires="p14">
+      <p:transition spd="slow" p14:dur="2000" advTm="30609"/>
+    </mc:Choice>
+    <mc:Fallback>
+      <p:transition spd="slow" advTm="30609"/>
+    </mc:Fallback>
+  </mc:AlternateContent>
 </p:sld>
 </file>
 
@@ -5419,6 +5574,14 @@
   <p:clrMapOvr>
     <a:masterClrMapping/>
   </p:clrMapOvr>
+  <mc:AlternateContent xmlns:mc="http://schemas.openxmlformats.org/markup-compatibility/2006">
+    <mc:Choice xmlns:p14="http://schemas.microsoft.com/office/powerpoint/2010/main" Requires="p14">
+      <p:transition spd="slow" p14:dur="2000" advTm="2419"/>
+    </mc:Choice>
+    <mc:Fallback>
+      <p:transition spd="slow" advTm="2419"/>
+    </mc:Fallback>
+  </mc:AlternateContent>
 </p:sld>
 </file>
 
@@ -5666,6 +5829,14 @@
   <p:clrMapOvr>
     <a:masterClrMapping/>
   </p:clrMapOvr>
+  <mc:AlternateContent xmlns:mc="http://schemas.openxmlformats.org/markup-compatibility/2006">
+    <mc:Choice xmlns:p14="http://schemas.microsoft.com/office/powerpoint/2010/main" Requires="p14">
+      <p:transition spd="slow" p14:dur="2000" advTm="671"/>
+    </mc:Choice>
+    <mc:Fallback>
+      <p:transition spd="slow" advTm="671"/>
+    </mc:Fallback>
+  </mc:AlternateContent>
 </p:sld>
 </file>
 
@@ -5999,6 +6170,14 @@
   <p:clrMapOvr>
     <a:masterClrMapping/>
   </p:clrMapOvr>
+  <mc:AlternateContent xmlns:mc="http://schemas.openxmlformats.org/markup-compatibility/2006">
+    <mc:Choice xmlns:p14="http://schemas.microsoft.com/office/powerpoint/2010/main" Requires="p14">
+      <p:transition spd="slow" p14:dur="2000" advTm="4769"/>
+    </mc:Choice>
+    <mc:Fallback>
+      <p:transition spd="slow" advTm="4769"/>
+    </mc:Fallback>
+  </mc:AlternateContent>
 </p:sld>
 </file>
 
@@ -6774,6 +6953,14 @@
   <p:clrMapOvr>
     <a:masterClrMapping/>
   </p:clrMapOvr>
+  <mc:AlternateContent xmlns:mc="http://schemas.openxmlformats.org/markup-compatibility/2006">
+    <mc:Choice xmlns:p14="http://schemas.microsoft.com/office/powerpoint/2010/main" Requires="p14">
+      <p:transition spd="slow" p14:dur="2000" advTm="26066"/>
+    </mc:Choice>
+    <mc:Fallback>
+      <p:transition spd="slow" advTm="26066"/>
+    </mc:Fallback>
+  </mc:AlternateContent>
 </p:sld>
 </file>
 
@@ -7328,6 +7515,14 @@
   <p:clrMapOvr>
     <a:masterClrMapping/>
   </p:clrMapOvr>
+  <mc:AlternateContent xmlns:mc="http://schemas.openxmlformats.org/markup-compatibility/2006">
+    <mc:Choice xmlns:p14="http://schemas.microsoft.com/office/powerpoint/2010/main" Requires="p14">
+      <p:transition spd="slow" p14:dur="2000" advTm="39892"/>
+    </mc:Choice>
+    <mc:Fallback>
+      <p:transition spd="slow" advTm="39892"/>
+    </mc:Fallback>
+  </mc:AlternateContent>
 </p:sld>
 </file>
 
@@ -7891,6 +8086,14 @@
   <p:clrMapOvr>
     <a:masterClrMapping/>
   </p:clrMapOvr>
+  <mc:AlternateContent xmlns:mc="http://schemas.openxmlformats.org/markup-compatibility/2006">
+    <mc:Choice xmlns:p14="http://schemas.microsoft.com/office/powerpoint/2010/main" Requires="p14">
+      <p:transition spd="slow" p14:dur="2000" advTm="10525"/>
+    </mc:Choice>
+    <mc:Fallback>
+      <p:transition spd="slow" advTm="10525"/>
+    </mc:Fallback>
+  </mc:AlternateContent>
 </p:sld>
 </file>
 
@@ -8494,6 +8697,14 @@
   <p:clrMapOvr>
     <a:masterClrMapping/>
   </p:clrMapOvr>
+  <mc:AlternateContent xmlns:mc="http://schemas.openxmlformats.org/markup-compatibility/2006">
+    <mc:Choice xmlns:p14="http://schemas.microsoft.com/office/powerpoint/2010/main" Requires="p14">
+      <p:transition spd="slow" p14:dur="2000" advTm="26727"/>
+    </mc:Choice>
+    <mc:Fallback>
+      <p:transition spd="slow" advTm="26727"/>
+    </mc:Fallback>
+  </mc:AlternateContent>
 </p:sld>
 </file>
 
@@ -9539,6 +9750,14 @@
   <p:clrMapOvr>
     <a:masterClrMapping/>
   </p:clrMapOvr>
+  <mc:AlternateContent xmlns:mc="http://schemas.openxmlformats.org/markup-compatibility/2006">
+    <mc:Choice xmlns:p14="http://schemas.microsoft.com/office/powerpoint/2010/main" Requires="p14">
+      <p:transition spd="slow" p14:dur="2000" advTm="22225"/>
+    </mc:Choice>
+    <mc:Fallback>
+      <p:transition spd="slow" advTm="22225"/>
+    </mc:Fallback>
+  </mc:AlternateContent>
 </p:sld>
 </file>
 
@@ -10229,6 +10448,14 @@
   <p:clrMapOvr>
     <a:masterClrMapping/>
   </p:clrMapOvr>
+  <mc:AlternateContent xmlns:mc="http://schemas.openxmlformats.org/markup-compatibility/2006">
+    <mc:Choice xmlns:p14="http://schemas.microsoft.com/office/powerpoint/2010/main" Requires="p14">
+      <p:transition spd="slow" p14:dur="2000" advTm="14972"/>
+    </mc:Choice>
+    <mc:Fallback>
+      <p:transition spd="slow" advTm="14972"/>
+    </mc:Fallback>
+  </mc:AlternateContent>
 </p:sld>
 </file>
 
@@ -11617,6 +11844,14 @@
   <p:clrMapOvr>
     <a:masterClrMapping/>
   </p:clrMapOvr>
+  <mc:AlternateContent xmlns:mc="http://schemas.openxmlformats.org/markup-compatibility/2006">
+    <mc:Choice xmlns:p14="http://schemas.microsoft.com/office/powerpoint/2010/main" Requires="p14">
+      <p:transition spd="slow" p14:dur="2000" advTm="12663"/>
+    </mc:Choice>
+    <mc:Fallback>
+      <p:transition spd="slow" advTm="12663"/>
+    </mc:Fallback>
+  </mc:AlternateContent>
 </p:sld>
 </file>
 
